--- a/slides/Tag-1_3-Architektur.pptx
+++ b/slides/Tag-1_3-Architektur.pptx
@@ -202,10 +202,6 @@
 </p:presentation>
 </file>
 
-<file path=ppt/revisionInfo.xml><?xml version="1.0" encoding="utf-8"?>
-<p1510:revInfo xmlns:a="http://schemas.openxmlformats.org/drawingml/2006/main" xmlns:r="http://schemas.openxmlformats.org/officeDocument/2006/relationships" xmlns:p1510="http://schemas.microsoft.com/office/powerpoint/2015/10/main"/>
-</file>
-
 <file path=ppt/handoutMasters/handoutMaster1.xml><?xml version="1.0" encoding="utf-8"?>
 <p:handoutMaster xmlns:a="http://schemas.openxmlformats.org/drawingml/2006/main" xmlns:r="http://schemas.openxmlformats.org/officeDocument/2006/relationships" xmlns:p="http://schemas.openxmlformats.org/presentationml/2006/main">
   <p:cSld>
@@ -6360,7 +6356,7 @@
               <a:pPr algn="ctr">
                 <a:defRPr/>
               </a:pPr>
-              <a:t>08.01.2018</a:t>
+              <a:t>12.03.2019</a:t>
             </a:fld>
             <a:endParaRPr lang="de-DE" sz="1000" dirty="0">
               <a:solidFill>
@@ -13730,7 +13726,7 @@
           <a:graphicData uri="http://schemas.openxmlformats.org/presentationml/2006/ole">
             <mc:AlternateContent xmlns:mc="http://schemas.openxmlformats.org/markup-compatibility/2006">
               <mc:Choice xmlns:v="urn:schemas-microsoft-com:vml" Requires="v">
-                <p:oleObj spid="_x0000_s1085" name="Visio" r:id="rId3" imgW="2476965" imgH="4342768" progId="Visio.Drawing.11">
+                <p:oleObj spid="_x0000_s1086" name="Visio" r:id="rId3" imgW="2476965" imgH="4342768" progId="Visio.Drawing.11">
                   <p:embed/>
                 </p:oleObj>
               </mc:Choice>
@@ -13855,7 +13851,16 @@
           <a:p>
             <a:r>
               <a:rPr lang="de-DE" sz="2000" dirty="0"/>
-              <a:t>Erstellen Sie:</a:t>
+              <a:t>Erstellen Sie zwei verschiedene Sessions.</a:t>
+            </a:r>
+          </a:p>
+          <a:p>
+            <a:endParaRPr lang="de-DE" sz="1800" dirty="0"/>
+          </a:p>
+          <a:p>
+            <a:r>
+              <a:rPr lang="de-DE" sz="2000" dirty="0"/>
+              <a:t>Untersuchen Sie im Debugger</a:t>
             </a:r>
           </a:p>
           <a:p>
@@ -13865,7 +13870,15 @@
             </a:pPr>
             <a:r>
               <a:rPr lang="de-DE" sz="1800" dirty="0"/>
-              <a:t>2 vers. Session</a:t>
+              <a:t>Welche Objekte hat der </a:t>
+            </a:r>
+            <a:r>
+              <a:rPr lang="de-DE" sz="1800" dirty="0" err="1"/>
+              <a:t>SessionStore</a:t>
+            </a:r>
+            <a:r>
+              <a:rPr lang="de-DE" sz="1800" dirty="0"/>
+              <a:t>?</a:t>
             </a:r>
           </a:p>
           <a:p>
@@ -13875,45 +13888,7 @@
             </a:pPr>
             <a:r>
               <a:rPr lang="de-DE" sz="1800" dirty="0"/>
-              <a:t>Mit je 2 </a:t>
-            </a:r>
-            <a:r>
-              <a:rPr lang="de-DE" sz="1800" dirty="0" err="1"/>
-              <a:t>Pagemaps</a:t>
-            </a:r>
-            <a:r>
-              <a:rPr lang="de-DE" sz="1800" dirty="0"/>
-              <a:t>.</a:t>
-            </a:r>
-          </a:p>
-          <a:p>
-            <a:pPr lvl="1"/>
-            <a:endParaRPr lang="de-DE" sz="1800" dirty="0"/>
-          </a:p>
-          <a:p>
-            <a:r>
-              <a:rPr lang="de-DE" sz="2000" dirty="0"/>
-              <a:t>Untersuchen Sie im Debugger</a:t>
-            </a:r>
-          </a:p>
-          <a:p>
-            <a:pPr marL="800100" lvl="1" indent="-342900">
-              <a:buFont typeface="+mj-lt"/>
-              <a:buAutoNum type="arabicPeriod"/>
-            </a:pPr>
-            <a:r>
-              <a:rPr lang="de-DE" sz="1800" dirty="0"/>
-              <a:t>Welche Objekte hat der Session-Store?</a:t>
-            </a:r>
-          </a:p>
-          <a:p>
-            <a:pPr marL="800100" lvl="1" indent="-342900">
-              <a:buFont typeface="+mj-lt"/>
-              <a:buAutoNum type="arabicPeriod"/>
-            </a:pPr>
-            <a:r>
-              <a:rPr lang="de-DE" sz="1800" dirty="0"/>
-              <a:t>Wie lauten die IDs der Pages.</a:t>
+              <a:t>Wie lauten die IDs der Pages?</a:t>
             </a:r>
           </a:p>
           <a:p>
@@ -14026,7 +14001,7 @@
             </a:r>
             <a:r>
               <a:rPr lang="de-DE" sz="2000" dirty="0" err="1"/>
-              <a:t>Synchronized</a:t>
+              <a:t>synchronized</a:t>
             </a:r>
             <a:r>
               <a:rPr lang="de-DE" sz="2000" dirty="0"/>

--- a/slides/Tag-1_3-Architektur.pptx
+++ b/slides/Tag-1_3-Architektur.pptx
@@ -6356,7 +6356,7 @@
               <a:pPr algn="ctr">
                 <a:defRPr/>
               </a:pPr>
-              <a:t>12.03.2019</a:t>
+              <a:t>15.03.2019</a:t>
             </a:fld>
             <a:endParaRPr lang="de-DE" sz="1000" dirty="0">
               <a:solidFill>
@@ -8288,7 +8288,7 @@
             <a:pPr lvl="1"/>
             <a:r>
               <a:rPr lang="de-DE" sz="1600" dirty="0"/>
-              <a:t>Registrierung durch </a:t>
+              <a:t>Registrierung in </a:t>
             </a:r>
             <a:r>
               <a:rPr lang="de-DE" sz="1600" dirty="0" err="1"/>
@@ -9714,7 +9714,7 @@
           <a:p>
             <a:r>
               <a:rPr lang="de-DE" dirty="0"/>
-              <a:t>Architektur</a:t>
+              <a:t>Architektur: Sessions</a:t>
             </a:r>
           </a:p>
         </p:txBody>
@@ -13713,7 +13713,7 @@
           <p:nvPr>
             <p:extLst>
               <p:ext uri="{D42A27DB-BD31-4B8C-83A1-F6EECF244321}">
-                <p14:modId xmlns:p14="http://schemas.microsoft.com/office/powerpoint/2010/main" val="27222009"/>
+                <p14:modId xmlns:p14="http://schemas.microsoft.com/office/powerpoint/2010/main" val="208738460"/>
               </p:ext>
             </p:extLst>
           </p:nvPr>
@@ -13726,12 +13726,12 @@
           <a:graphicData uri="http://schemas.openxmlformats.org/presentationml/2006/ole">
             <mc:AlternateContent xmlns:mc="http://schemas.openxmlformats.org/markup-compatibility/2006">
               <mc:Choice xmlns:v="urn:schemas-microsoft-com:vml" Requires="v">
-                <p:oleObj spid="_x0000_s1086" name="Visio" r:id="rId3" imgW="2476965" imgH="4342768" progId="Visio.Drawing.11">
+                <p:oleObj spid="_x0000_s1089" name="Visio" r:id="rId3" imgW="2477026" imgH="4342547" progId="Visio.Drawing.11">
                   <p:embed/>
                 </p:oleObj>
               </mc:Choice>
               <mc:Fallback>
-                <p:oleObj name="Visio" r:id="rId3" imgW="2476965" imgH="4342768" progId="Visio.Drawing.11">
+                <p:oleObj name="Visio" r:id="rId3" imgW="2477026" imgH="4342547" progId="Visio.Drawing.11">
                   <p:embed/>
                   <p:pic>
                     <p:nvPicPr>
@@ -13997,7 +13997,7 @@
           <a:p>
             <a:r>
               <a:rPr lang="de-DE" sz="2000" dirty="0"/>
-              <a:t>Pages, Components: </a:t>
+              <a:t>Components: </a:t>
             </a:r>
             <a:r>
               <a:rPr lang="de-DE" sz="2000" dirty="0" err="1"/>
@@ -14005,7 +14005,7 @@
             </a:r>
             <a:r>
               <a:rPr lang="de-DE" sz="2000" dirty="0"/>
-              <a:t> auf der Page</a:t>
+              <a:t> auf Pages</a:t>
             </a:r>
           </a:p>
           <a:p>
@@ -14021,7 +14021,7 @@
             <a:pPr lvl="1"/>
             <a:r>
               <a:rPr lang="de-DE" sz="1800" dirty="0"/>
-              <a:t>Pro Instanz einer Komponente nur eine Page</a:t>
+              <a:t>Instanz einer Komponente nur auf einer Page</a:t>
             </a:r>
           </a:p>
           <a:p>

--- a/slides/Tag-1_3-Architektur.pptx
+++ b/slides/Tag-1_3-Architektur.pptx
@@ -8252,6 +8252,10 @@
             </a:r>
           </a:p>
           <a:p>
+            <a:pPr>
+              <a:buFont typeface="Arial" panose="020B0604020202020204" pitchFamily="34" charset="0"/>
+              <a:buChar char="•"/>
+            </a:pPr>
             <a:r>
               <a:rPr lang="de-DE" sz="2000" dirty="0"/>
               <a:t>Statischer Zugriff: </a:t>
@@ -8266,26 +8270,40 @@
             </a:r>
           </a:p>
           <a:p>
+            <a:pPr>
+              <a:buFont typeface="Arial" panose="020B0604020202020204" pitchFamily="34" charset="0"/>
+              <a:buChar char="•"/>
+            </a:pPr>
             <a:r>
               <a:rPr lang="de-DE" sz="2000" dirty="0"/>
               <a:t>Aktueller Zustand des Komponentenbaums</a:t>
             </a:r>
           </a:p>
           <a:p>
+            <a:pPr>
+              <a:buFont typeface="Arial" panose="020B0604020202020204" pitchFamily="34" charset="0"/>
+              <a:buChar char="•"/>
+            </a:pPr>
             <a:r>
               <a:rPr lang="de-DE" sz="2000" dirty="0"/>
               <a:t>Eigene Implementierungen üblich</a:t>
             </a:r>
           </a:p>
           <a:p>
-            <a:pPr lvl="1"/>
+            <a:pPr lvl="1">
+              <a:buFont typeface="Arial" panose="020B0604020202020204" pitchFamily="34" charset="0"/>
+              <a:buChar char="•"/>
+            </a:pPr>
             <a:r>
               <a:rPr lang="de-DE" sz="1600" dirty="0"/>
               <a:t>Beispiel: Durchführung des Logins</a:t>
             </a:r>
           </a:p>
           <a:p>
-            <a:pPr lvl="1"/>
+            <a:pPr lvl="1">
+              <a:buFont typeface="Arial" panose="020B0604020202020204" pitchFamily="34" charset="0"/>
+              <a:buChar char="•"/>
+            </a:pPr>
             <a:r>
               <a:rPr lang="de-DE" sz="1600" dirty="0"/>
               <a:t>Registrierung in </a:t>
@@ -8300,6 +8318,10 @@
             </a:r>
           </a:p>
           <a:p>
+            <a:pPr>
+              <a:buFont typeface="Arial" panose="020B0604020202020204" pitchFamily="34" charset="0"/>
+              <a:buChar char="•"/>
+            </a:pPr>
             <a:r>
               <a:rPr lang="de-DE" sz="2000" dirty="0"/>
               <a:t>Einklinken von </a:t>
@@ -8311,6 +8333,10 @@
             <a:endParaRPr lang="de-DE" sz="2000" dirty="0"/>
           </a:p>
           <a:p>
+            <a:pPr>
+              <a:buFont typeface="Arial" panose="020B0604020202020204" pitchFamily="34" charset="0"/>
+              <a:buChar char="•"/>
+            </a:pPr>
             <a:r>
               <a:rPr lang="de-DE" sz="2000" dirty="0" err="1"/>
               <a:t>Stateless</a:t>
@@ -9830,12 +9856,20 @@
             </a:r>
           </a:p>
           <a:p>
+            <a:pPr>
+              <a:buFont typeface="Arial" panose="020B0604020202020204" pitchFamily="34" charset="0"/>
+              <a:buChar char="•"/>
+            </a:pPr>
             <a:r>
               <a:rPr lang="de-DE" sz="2000" dirty="0"/>
               <a:t>Wiederverwendbare UI-Bausteine</a:t>
             </a:r>
           </a:p>
           <a:p>
+            <a:pPr>
+              <a:buFont typeface="Arial" panose="020B0604020202020204" pitchFamily="34" charset="0"/>
+              <a:buChar char="•"/>
+            </a:pPr>
             <a:r>
               <a:rPr lang="de-DE" sz="2000" dirty="0" err="1"/>
               <a:t>Self-contained</a:t>
@@ -9843,13 +9877,20 @@
             <a:endParaRPr lang="de-DE" sz="1600" dirty="0"/>
           </a:p>
           <a:p>
-            <a:pPr marL="342900" lvl="1" indent="-342900"/>
+            <a:pPr marL="342900" lvl="1" indent="-342900">
+              <a:buFont typeface="Arial" panose="020B0604020202020204" pitchFamily="34" charset="0"/>
+              <a:buChar char="•"/>
+            </a:pPr>
             <a:r>
               <a:rPr lang="de-DE" dirty="0"/>
               <a:t>HTML + Java (ggf. JavaScript…) – Strukturen sind ähnlich</a:t>
             </a:r>
           </a:p>
           <a:p>
+            <a:pPr>
+              <a:buFont typeface="Arial" panose="020B0604020202020204" pitchFamily="34" charset="0"/>
+              <a:buChar char="•"/>
+            </a:pPr>
             <a:r>
               <a:rPr lang="de-DE" sz="2000" dirty="0" err="1"/>
               <a:t>Stateful</a:t>
@@ -9865,34 +9906,50 @@
             <a:endParaRPr lang="de-DE" sz="2000" dirty="0"/>
           </a:p>
           <a:p>
+            <a:pPr>
+              <a:buFont typeface="Arial" panose="020B0604020202020204" pitchFamily="34" charset="0"/>
+              <a:buChar char="•"/>
+            </a:pPr>
             <a:r>
               <a:rPr lang="de-DE" sz="2000" dirty="0"/>
               <a:t>Vorgefertigte Komponenten</a:t>
             </a:r>
           </a:p>
           <a:p>
-            <a:pPr lvl="1"/>
+            <a:pPr lvl="1">
+              <a:buFont typeface="Arial" panose="020B0604020202020204" pitchFamily="34" charset="0"/>
+              <a:buChar char="•"/>
+            </a:pPr>
             <a:r>
               <a:rPr lang="de-DE" sz="1600" dirty="0"/>
               <a:t>Labels</a:t>
             </a:r>
           </a:p>
           <a:p>
-            <a:pPr lvl="1"/>
+            <a:pPr lvl="1">
+              <a:buFont typeface="Arial" panose="020B0604020202020204" pitchFamily="34" charset="0"/>
+              <a:buChar char="•"/>
+            </a:pPr>
             <a:r>
               <a:rPr lang="de-DE" sz="1600" dirty="0"/>
               <a:t>Forms</a:t>
             </a:r>
           </a:p>
           <a:p>
-            <a:pPr lvl="1"/>
+            <a:pPr lvl="1">
+              <a:buFont typeface="Arial" panose="020B0604020202020204" pitchFamily="34" charset="0"/>
+              <a:buChar char="•"/>
+            </a:pPr>
             <a:r>
               <a:rPr lang="de-DE" sz="1600" dirty="0"/>
               <a:t>Links</a:t>
             </a:r>
           </a:p>
           <a:p>
-            <a:pPr lvl="1"/>
+            <a:pPr lvl="1">
+              <a:buFont typeface="Arial" panose="020B0604020202020204" pitchFamily="34" charset="0"/>
+              <a:buChar char="•"/>
+            </a:pPr>
             <a:r>
               <a:rPr lang="de-DE" sz="1600" dirty="0"/>
               <a:t>Buttons</a:t>
@@ -10406,13 +10463,20 @@
             </a:r>
           </a:p>
           <a:p>
+            <a:pPr>
+              <a:buFont typeface="Arial" panose="020B0604020202020204" pitchFamily="34" charset="0"/>
+              <a:buChar char="•"/>
+            </a:pPr>
             <a:r>
               <a:rPr lang="de-DE" sz="2000" dirty="0"/>
               <a:t>Lebenszyklus</a:t>
             </a:r>
           </a:p>
           <a:p>
-            <a:pPr lvl="1"/>
+            <a:pPr lvl="1">
+              <a:buFont typeface="Arial" panose="020B0604020202020204" pitchFamily="34" charset="0"/>
+              <a:buChar char="•"/>
+            </a:pPr>
             <a:r>
               <a:rPr lang="de-DE" sz="1600" dirty="0" err="1"/>
               <a:t>Initializing</a:t>
@@ -10428,14 +10492,20 @@
             <a:endParaRPr lang="de-DE" sz="1600" dirty="0"/>
           </a:p>
           <a:p>
-            <a:pPr lvl="1"/>
+            <a:pPr lvl="1">
+              <a:buFont typeface="Arial" panose="020B0604020202020204" pitchFamily="34" charset="0"/>
+              <a:buChar char="•"/>
+            </a:pPr>
             <a:r>
               <a:rPr lang="de-DE" sz="1600" dirty="0"/>
               <a:t>Rendering		Generierung von Markup</a:t>
             </a:r>
           </a:p>
           <a:p>
-            <a:pPr lvl="1"/>
+            <a:pPr lvl="1">
+              <a:buFont typeface="Arial" panose="020B0604020202020204" pitchFamily="34" charset="0"/>
+              <a:buChar char="•"/>
+            </a:pPr>
             <a:r>
               <a:rPr lang="de-DE" sz="1600" dirty="0" err="1"/>
               <a:t>Removing</a:t>
@@ -10446,13 +10516,20 @@
             </a:r>
           </a:p>
           <a:p>
+            <a:pPr>
+              <a:buFont typeface="Arial" panose="020B0604020202020204" pitchFamily="34" charset="0"/>
+              <a:buChar char="•"/>
+            </a:pPr>
             <a:r>
               <a:rPr lang="de-DE" sz="2000" dirty="0"/>
               <a:t>Hook-Methoden</a:t>
             </a:r>
           </a:p>
           <a:p>
-            <a:pPr lvl="1"/>
+            <a:pPr lvl="1">
+              <a:buFont typeface="Arial" panose="020B0604020202020204" pitchFamily="34" charset="0"/>
+              <a:buChar char="•"/>
+            </a:pPr>
             <a:r>
               <a:rPr lang="de-DE" sz="1600" dirty="0" err="1"/>
               <a:t>onInitialize</a:t>
@@ -10463,7 +10540,10 @@
             </a:r>
           </a:p>
           <a:p>
-            <a:pPr lvl="1"/>
+            <a:pPr lvl="1">
+              <a:buFont typeface="Arial" panose="020B0604020202020204" pitchFamily="34" charset="0"/>
+              <a:buChar char="•"/>
+            </a:pPr>
             <a:r>
               <a:rPr lang="de-DE" sz="1600" dirty="0" err="1"/>
               <a:t>onConfigure</a:t>
@@ -10482,7 +10562,10 @@
             </a:r>
           </a:p>
           <a:p>
-            <a:pPr lvl="1"/>
+            <a:pPr lvl="1">
+              <a:buFont typeface="Arial" panose="020B0604020202020204" pitchFamily="34" charset="0"/>
+              <a:buChar char="•"/>
+            </a:pPr>
             <a:r>
               <a:rPr lang="de-DE" sz="1600" dirty="0" err="1"/>
               <a:t>onRemove</a:t>
@@ -10662,13 +10745,20 @@
             </a:r>
           </a:p>
           <a:p>
+            <a:pPr>
+              <a:buFont typeface="Arial" panose="020B0604020202020204" pitchFamily="34" charset="0"/>
+              <a:buChar char="•"/>
+            </a:pPr>
             <a:r>
               <a:rPr lang="de-DE" sz="2000" dirty="0"/>
               <a:t>Navigation über Link-Komponenten</a:t>
             </a:r>
           </a:p>
           <a:p>
-            <a:pPr lvl="1"/>
+            <a:pPr lvl="1">
+              <a:buFont typeface="Arial" panose="020B0604020202020204" pitchFamily="34" charset="0"/>
+              <a:buChar char="•"/>
+            </a:pPr>
             <a:r>
               <a:rPr lang="de-DE" dirty="0"/>
               <a:t>Definition eines </a:t>
@@ -10683,9 +10773,17 @@
             </a:r>
           </a:p>
           <a:p>
+            <a:pPr>
+              <a:buFont typeface="Arial" panose="020B0604020202020204" pitchFamily="34" charset="0"/>
+              <a:buChar char="•"/>
+            </a:pPr>
             <a:endParaRPr lang="de-DE" sz="2000" dirty="0"/>
           </a:p>
           <a:p>
+            <a:pPr>
+              <a:buFont typeface="Arial" panose="020B0604020202020204" pitchFamily="34" charset="0"/>
+              <a:buChar char="•"/>
+            </a:pPr>
             <a:r>
               <a:rPr lang="de-DE" sz="2000" dirty="0" err="1"/>
               <a:t>Deeplinks</a:t>
@@ -10712,8 +10810,9 @@
             </a:r>
           </a:p>
           <a:p>
-            <a:pPr marL="457200" lvl="1" indent="0">
-              <a:buNone/>
+            <a:pPr lvl="1">
+              <a:buFont typeface="Arial" panose="020B0604020202020204" pitchFamily="34" charset="0"/>
+              <a:buChar char="•"/>
             </a:pPr>
             <a:r>
               <a:rPr lang="de-DE" sz="1600" dirty="0" err="1">
@@ -10773,23 +10872,37 @@
             </a:r>
           </a:p>
           <a:p>
+            <a:pPr>
+              <a:buFont typeface="Arial" panose="020B0604020202020204" pitchFamily="34" charset="0"/>
+              <a:buChar char="•"/>
+            </a:pPr>
             <a:endParaRPr lang="de-DE" sz="2000" dirty="0"/>
           </a:p>
           <a:p>
+            <a:pPr>
+              <a:buFont typeface="Arial" panose="020B0604020202020204" pitchFamily="34" charset="0"/>
+              <a:buChar char="•"/>
+            </a:pPr>
             <a:r>
               <a:rPr lang="de-DE" sz="2000" dirty="0"/>
               <a:t>Wie viele Pages braucht eine Anwendung?</a:t>
             </a:r>
           </a:p>
           <a:p>
-            <a:pPr lvl="1"/>
+            <a:pPr lvl="1">
+              <a:buFont typeface="Arial" panose="020B0604020202020204" pitchFamily="34" charset="0"/>
+              <a:buChar char="•"/>
+            </a:pPr>
             <a:r>
               <a:rPr lang="de-DE" dirty="0"/>
               <a:t>Wie viele abstrakte Pages?</a:t>
             </a:r>
           </a:p>
           <a:p>
-            <a:pPr lvl="1"/>
+            <a:pPr lvl="1">
+              <a:buFont typeface="Arial" panose="020B0604020202020204" pitchFamily="34" charset="0"/>
+              <a:buChar char="•"/>
+            </a:pPr>
             <a:r>
               <a:rPr lang="de-DE" dirty="0"/>
               <a:t>Events</a:t>
@@ -10887,6 +11000,10 @@
             </a:r>
           </a:p>
           <a:p>
+            <a:pPr>
+              <a:buFont typeface="Arial" panose="020B0604020202020204" pitchFamily="34" charset="0"/>
+              <a:buChar char="•"/>
+            </a:pPr>
             <a:r>
               <a:rPr lang="de-DE" sz="2000" dirty="0"/>
               <a:t>Verwendung über mehrere </a:t>
@@ -10901,6 +11018,10 @@
             </a:r>
           </a:p>
           <a:p>
+            <a:pPr>
+              <a:buFont typeface="Arial" panose="020B0604020202020204" pitchFamily="34" charset="0"/>
+              <a:buChar char="•"/>
+            </a:pPr>
             <a:r>
               <a:rPr lang="de-DE" sz="2000" dirty="0"/>
               <a:t>Zustand in der Session (Java </a:t>
@@ -10915,6 +11036,10 @@
             </a:r>
           </a:p>
           <a:p>
+            <a:pPr>
+              <a:buFont typeface="Arial" panose="020B0604020202020204" pitchFamily="34" charset="0"/>
+              <a:buChar char="•"/>
+            </a:pPr>
             <a:r>
               <a:rPr lang="de-DE" sz="2000" dirty="0" err="1"/>
               <a:t>Versionierung</a:t>
@@ -10956,7 +11081,7 @@
             </a:r>
             <a:r>
               <a:rPr lang="de-DE" dirty="0"/>
-              <a:t> ./. </a:t>
+              <a:t> vs. </a:t>
             </a:r>
             <a:r>
               <a:rPr lang="de-DE" dirty="0" err="1"/>
@@ -11111,32 +11236,50 @@
             </a:r>
           </a:p>
           <a:p>
+            <a:pPr>
+              <a:buFont typeface="Arial" panose="020B0604020202020204" pitchFamily="34" charset="0"/>
+              <a:buChar char="•"/>
+            </a:pPr>
             <a:r>
               <a:rPr lang="de-DE" sz="2000" dirty="0"/>
               <a:t>Einsparung von Ressourcen</a:t>
             </a:r>
           </a:p>
           <a:p>
+            <a:pPr>
+              <a:buFont typeface="Arial" panose="020B0604020202020204" pitchFamily="34" charset="0"/>
+              <a:buChar char="•"/>
+            </a:pPr>
             <a:r>
               <a:rPr lang="de-DE" sz="2000" dirty="0"/>
               <a:t>Beispiel: Login Page</a:t>
             </a:r>
           </a:p>
           <a:p>
+            <a:pPr>
+              <a:buFont typeface="Arial" panose="020B0604020202020204" pitchFamily="34" charset="0"/>
+              <a:buChar char="•"/>
+            </a:pPr>
             <a:r>
               <a:rPr lang="de-DE" sz="2000" dirty="0"/>
               <a:t>Voraussetzungen</a:t>
             </a:r>
           </a:p>
           <a:p>
-            <a:pPr lvl="1"/>
+            <a:pPr lvl="1">
+              <a:buFont typeface="Arial" panose="020B0604020202020204" pitchFamily="34" charset="0"/>
+              <a:buChar char="•"/>
+            </a:pPr>
             <a:r>
               <a:rPr lang="de-DE" sz="1600" dirty="0"/>
               <a:t>Instanziierung durch das Framework</a:t>
             </a:r>
           </a:p>
           <a:p>
-            <a:pPr lvl="1"/>
+            <a:pPr lvl="1">
+              <a:buFont typeface="Arial" panose="020B0604020202020204" pitchFamily="34" charset="0"/>
+              <a:buChar char="•"/>
+            </a:pPr>
             <a:r>
               <a:rPr lang="de-DE" sz="1600" u="sng" dirty="0"/>
               <a:t>Alle</a:t>
@@ -11247,15 +11390,27 @@
           <a:bodyPr/>
           <a:lstStyle/>
           <a:p>
+            <a:pPr>
+              <a:buFont typeface="Arial" panose="020B0604020202020204" pitchFamily="34" charset="0"/>
+              <a:buChar char="•"/>
+            </a:pPr>
             <a:r>
               <a:rPr lang="de-DE" sz="2000" dirty="0"/>
               <a:t>Modifizieren sie die Echo-Anwendung</a:t>
             </a:r>
           </a:p>
           <a:p>
+            <a:pPr>
+              <a:buFont typeface="Arial" panose="020B0604020202020204" pitchFamily="34" charset="0"/>
+              <a:buChar char="•"/>
+            </a:pPr>
             <a:endParaRPr lang="de-DE" sz="2000" dirty="0"/>
           </a:p>
           <a:p>
+            <a:pPr>
+              <a:buFont typeface="Arial" panose="020B0604020202020204" pitchFamily="34" charset="0"/>
+              <a:buChar char="•"/>
+            </a:pPr>
             <a:r>
               <a:rPr lang="de-DE" sz="2000" dirty="0"/>
               <a:t>Erstellen Sie eine eigene </a:t>
@@ -11270,17 +11425,27 @@
             </a:r>
           </a:p>
           <a:p>
-            <a:pPr lvl="1"/>
+            <a:pPr lvl="1">
+              <a:buFont typeface="Arial" panose="020B0604020202020204" pitchFamily="34" charset="0"/>
+              <a:buChar char="•"/>
+            </a:pPr>
             <a:endParaRPr lang="de-DE" sz="1800" dirty="0"/>
           </a:p>
           <a:p>
+            <a:pPr>
+              <a:buFont typeface="Arial" panose="020B0604020202020204" pitchFamily="34" charset="0"/>
+              <a:buChar char="•"/>
+            </a:pPr>
             <a:r>
               <a:rPr lang="de-DE" sz="2000" dirty="0"/>
               <a:t>Geben Sie im Server Antwort Bereich aus, in welcher Sequenz folgende Methoden durchlaufen werden:</a:t>
             </a:r>
           </a:p>
           <a:p>
-            <a:pPr lvl="1"/>
+            <a:pPr lvl="1">
+              <a:buFont typeface="Arial" panose="020B0604020202020204" pitchFamily="34" charset="0"/>
+              <a:buChar char="•"/>
+            </a:pPr>
             <a:r>
               <a:rPr lang="de-DE" dirty="0" err="1">
                 <a:latin typeface="Consolas" panose="020B0609020204030204" pitchFamily="49" charset="0"/>
@@ -11297,7 +11462,10 @@
             </a:r>
           </a:p>
           <a:p>
-            <a:pPr lvl="1"/>
+            <a:pPr lvl="1">
+              <a:buFont typeface="Arial" panose="020B0604020202020204" pitchFamily="34" charset="0"/>
+              <a:buChar char="•"/>
+            </a:pPr>
             <a:r>
               <a:rPr lang="de-DE" dirty="0" err="1">
                 <a:latin typeface="Consolas" panose="020B0609020204030204" pitchFamily="49" charset="0"/>
@@ -11314,7 +11482,10 @@
             </a:r>
           </a:p>
           <a:p>
-            <a:pPr lvl="1"/>
+            <a:pPr lvl="1">
+              <a:buFont typeface="Arial" panose="020B0604020202020204" pitchFamily="34" charset="0"/>
+              <a:buChar char="•"/>
+            </a:pPr>
             <a:r>
               <a:rPr lang="de-DE" dirty="0" err="1">
                 <a:latin typeface="Consolas" panose="020B0609020204030204" pitchFamily="49" charset="0"/>
@@ -11331,7 +11502,10 @@
             </a:r>
           </a:p>
           <a:p>
-            <a:pPr lvl="1"/>
+            <a:pPr lvl="1">
+              <a:buFont typeface="Arial" panose="020B0604020202020204" pitchFamily="34" charset="0"/>
+              <a:buChar char="•"/>
+            </a:pPr>
             <a:r>
               <a:rPr lang="de-DE" dirty="0" err="1">
                 <a:latin typeface="Consolas" panose="020B0609020204030204" pitchFamily="49" charset="0"/>
@@ -12215,6 +12389,10 @@
           <a:bodyPr/>
           <a:lstStyle/>
           <a:p>
+            <a:pPr>
+              <a:buFont typeface="Arial" panose="020B0604020202020204" pitchFamily="34" charset="0"/>
+              <a:buChar char="•"/>
+            </a:pPr>
             <a:r>
               <a:rPr lang="de-DE" sz="2000" dirty="0" err="1">
                 <a:latin typeface="Consolas" panose="020B0609020204030204" pitchFamily="49" charset="0"/>
@@ -12228,6 +12406,10 @@
             </a:r>
           </a:p>
           <a:p>
+            <a:pPr>
+              <a:buFont typeface="Arial" panose="020B0604020202020204" pitchFamily="34" charset="0"/>
+              <a:buChar char="•"/>
+            </a:pPr>
             <a:r>
               <a:rPr lang="de-DE" sz="2000" dirty="0">
                 <a:latin typeface="Consolas" panose="020B0609020204030204" pitchFamily="49" charset="0"/>
@@ -12257,6 +12439,10 @@
             </a:r>
           </a:p>
           <a:p>
+            <a:pPr>
+              <a:buFont typeface="Arial" panose="020B0604020202020204" pitchFamily="34" charset="0"/>
+              <a:buChar char="•"/>
+            </a:pPr>
             <a:r>
               <a:rPr lang="de-DE" sz="2000" dirty="0">
                 <a:latin typeface="Consolas" panose="020B0609020204030204" pitchFamily="49" charset="0"/>
@@ -12270,6 +12456,10 @@
             </a:r>
           </a:p>
           <a:p>
+            <a:pPr>
+              <a:buFont typeface="Arial" panose="020B0604020202020204" pitchFamily="34" charset="0"/>
+              <a:buChar char="•"/>
+            </a:pPr>
             <a:r>
               <a:rPr lang="de-DE" sz="2000" dirty="0">
                 <a:latin typeface="Consolas" panose="020B0609020204030204" pitchFamily="49" charset="0"/>
@@ -13458,6 +13648,10 @@
           <a:bodyPr/>
           <a:lstStyle/>
           <a:p>
+            <a:pPr>
+              <a:buFont typeface="Arial" panose="020B0604020202020204" pitchFamily="34" charset="0"/>
+              <a:buChar char="•"/>
+            </a:pPr>
             <a:r>
               <a:rPr lang="de-DE" sz="2000" dirty="0" err="1">
                 <a:latin typeface="Consolas" panose="020B0609020204030204" pitchFamily="49" charset="0"/>
@@ -13471,6 +13665,10 @@
             </a:r>
           </a:p>
           <a:p>
+            <a:pPr>
+              <a:buFont typeface="Arial" panose="020B0604020202020204" pitchFamily="34" charset="0"/>
+              <a:buChar char="•"/>
+            </a:pPr>
             <a:r>
               <a:rPr lang="de-DE" sz="2000" dirty="0" err="1">
                 <a:latin typeface="Consolas" panose="020B0609020204030204" pitchFamily="49" charset="0"/>
@@ -13484,6 +13682,10 @@
             </a:r>
           </a:p>
           <a:p>
+            <a:pPr>
+              <a:buFont typeface="Arial" panose="020B0604020202020204" pitchFamily="34" charset="0"/>
+              <a:buChar char="•"/>
+            </a:pPr>
             <a:r>
               <a:rPr lang="de-DE" sz="2000" dirty="0" err="1">
                 <a:latin typeface="Consolas" panose="020B0609020204030204" pitchFamily="49" charset="0"/>
@@ -13726,7 +13928,7 @@
           <a:graphicData uri="http://schemas.openxmlformats.org/presentationml/2006/ole">
             <mc:AlternateContent xmlns:mc="http://schemas.openxmlformats.org/markup-compatibility/2006">
               <mc:Choice xmlns:v="urn:schemas-microsoft-com:vml" Requires="v">
-                <p:oleObj spid="_x0000_s1089" name="Visio" r:id="rId3" imgW="2477026" imgH="4342547" progId="Visio.Drawing.11">
+                <p:oleObj spid="_x0000_s1090" name="Visio" r:id="rId3" imgW="2477026" imgH="4342547" progId="Visio.Drawing.11">
                   <p:embed/>
                 </p:oleObj>
               </mc:Choice>
@@ -13836,37 +14038,53 @@
             <a:endParaRPr lang="de-DE" sz="2000" dirty="0"/>
           </a:p>
           <a:p>
+            <a:pPr>
+              <a:buFont typeface="Arial" panose="020B0604020202020204" pitchFamily="34" charset="0"/>
+              <a:buChar char="•"/>
+            </a:pPr>
             <a:r>
               <a:rPr lang="de-DE" sz="2000" dirty="0"/>
               <a:t>Starten Sie die Link-Counter-Anwendung.</a:t>
             </a:r>
           </a:p>
           <a:p>
-            <a:pPr marL="457200" indent="-457200">
-              <a:buFont typeface="+mj-lt"/>
-              <a:buAutoNum type="arabicPeriod"/>
+            <a:pPr>
+              <a:buFont typeface="Arial" panose="020B0604020202020204" pitchFamily="34" charset="0"/>
+              <a:buChar char="•"/>
             </a:pPr>
             <a:endParaRPr lang="de-DE" sz="2000" dirty="0"/>
           </a:p>
           <a:p>
+            <a:pPr>
+              <a:buFont typeface="Arial" panose="020B0604020202020204" pitchFamily="34" charset="0"/>
+              <a:buChar char="•"/>
+            </a:pPr>
             <a:r>
               <a:rPr lang="de-DE" sz="2000" dirty="0"/>
               <a:t>Erstellen Sie zwei verschiedene Sessions.</a:t>
             </a:r>
           </a:p>
           <a:p>
+            <a:pPr>
+              <a:buFont typeface="Arial" panose="020B0604020202020204" pitchFamily="34" charset="0"/>
+              <a:buChar char="•"/>
+            </a:pPr>
             <a:endParaRPr lang="de-DE" sz="1800" dirty="0"/>
           </a:p>
           <a:p>
+            <a:pPr>
+              <a:buFont typeface="Arial" panose="020B0604020202020204" pitchFamily="34" charset="0"/>
+              <a:buChar char="•"/>
+            </a:pPr>
             <a:r>
               <a:rPr lang="de-DE" sz="2000" dirty="0"/>
               <a:t>Untersuchen Sie im Debugger</a:t>
             </a:r>
           </a:p>
           <a:p>
-            <a:pPr marL="800100" lvl="1" indent="-342900">
-              <a:buFont typeface="+mj-lt"/>
-              <a:buAutoNum type="arabicPeriod"/>
+            <a:pPr lvl="1">
+              <a:buFont typeface="Arial" panose="020B0604020202020204" pitchFamily="34" charset="0"/>
+              <a:buChar char="•"/>
             </a:pPr>
             <a:r>
               <a:rPr lang="de-DE" sz="1800" dirty="0"/>
@@ -13882,9 +14100,9 @@
             </a:r>
           </a:p>
           <a:p>
-            <a:pPr marL="800100" lvl="1" indent="-342900">
-              <a:buFont typeface="+mj-lt"/>
-              <a:buAutoNum type="arabicPeriod"/>
+            <a:pPr lvl="1">
+              <a:buFont typeface="Arial" panose="020B0604020202020204" pitchFamily="34" charset="0"/>
+              <a:buChar char="•"/>
             </a:pPr>
             <a:r>
               <a:rPr lang="de-DE" sz="1800" dirty="0"/>
@@ -13892,9 +14110,9 @@
             </a:r>
           </a:p>
           <a:p>
-            <a:pPr marL="800100" lvl="1" indent="-342900">
-              <a:buFont typeface="+mj-lt"/>
-              <a:buAutoNum type="arabicPeriod"/>
+            <a:pPr lvl="1">
+              <a:buFont typeface="Arial" panose="020B0604020202020204" pitchFamily="34" charset="0"/>
+              <a:buChar char="•"/>
             </a:pPr>
             <a:r>
               <a:rPr lang="de-DE" sz="1800" dirty="0"/>
@@ -13978,6 +14196,10 @@
           <a:bodyPr/>
           <a:lstStyle/>
           <a:p>
+            <a:pPr>
+              <a:buFont typeface="Arial" panose="020B0604020202020204" pitchFamily="34" charset="0"/>
+              <a:buChar char="•"/>
+            </a:pPr>
             <a:r>
               <a:rPr lang="de-DE" sz="2000" dirty="0"/>
               <a:t>Idee: Single-</a:t>
@@ -13992,9 +14214,17 @@
             </a:r>
           </a:p>
           <a:p>
+            <a:pPr>
+              <a:buFont typeface="Arial" panose="020B0604020202020204" pitchFamily="34" charset="0"/>
+              <a:buChar char="•"/>
+            </a:pPr>
             <a:endParaRPr lang="de-DE" sz="2000" dirty="0"/>
           </a:p>
           <a:p>
+            <a:pPr>
+              <a:buFont typeface="Arial" panose="020B0604020202020204" pitchFamily="34" charset="0"/>
+              <a:buChar char="•"/>
+            </a:pPr>
             <a:r>
               <a:rPr lang="de-DE" sz="2000" dirty="0"/>
               <a:t>Components: </a:t>
@@ -14009,23 +14239,37 @@
             </a:r>
           </a:p>
           <a:p>
+            <a:pPr>
+              <a:buFont typeface="Arial" panose="020B0604020202020204" pitchFamily="34" charset="0"/>
+              <a:buChar char="•"/>
+            </a:pPr>
             <a:endParaRPr lang="de-DE" sz="2000" dirty="0"/>
           </a:p>
           <a:p>
+            <a:pPr>
+              <a:buFont typeface="Arial" panose="020B0604020202020204" pitchFamily="34" charset="0"/>
+              <a:buChar char="•"/>
+            </a:pPr>
             <a:r>
               <a:rPr lang="de-DE" sz="2000" dirty="0"/>
               <a:t>Achtung:</a:t>
             </a:r>
           </a:p>
           <a:p>
-            <a:pPr lvl="1"/>
+            <a:pPr lvl="1">
+              <a:buFont typeface="Arial" panose="020B0604020202020204" pitchFamily="34" charset="0"/>
+              <a:buChar char="•"/>
+            </a:pPr>
             <a:r>
               <a:rPr lang="de-DE" sz="1800" dirty="0"/>
               <a:t>Instanz einer Komponente nur auf einer Page</a:t>
             </a:r>
           </a:p>
           <a:p>
-            <a:pPr lvl="1"/>
+            <a:pPr lvl="1">
+              <a:buFont typeface="Arial" panose="020B0604020202020204" pitchFamily="34" charset="0"/>
+              <a:buChar char="•"/>
+            </a:pPr>
             <a:r>
               <a:rPr lang="de-DE" sz="1800" b="1" dirty="0">
                 <a:solidFill>
@@ -14037,7 +14281,10 @@
             <a:endParaRPr lang="de-DE" sz="1800" dirty="0"/>
           </a:p>
           <a:p>
-            <a:pPr lvl="2"/>
+            <a:pPr lvl="2">
+              <a:buFont typeface="Arial" panose="020B0604020202020204" pitchFamily="34" charset="0"/>
+              <a:buChar char="•"/>
+            </a:pPr>
             <a:r>
               <a:rPr lang="de-DE" sz="1800" dirty="0" err="1"/>
               <a:t>Application</a:t>
@@ -14048,14 +14295,20 @@
             </a:r>
           </a:p>
           <a:p>
-            <a:pPr lvl="2"/>
+            <a:pPr lvl="2">
+              <a:buFont typeface="Arial" panose="020B0604020202020204" pitchFamily="34" charset="0"/>
+              <a:buChar char="•"/>
+            </a:pPr>
             <a:r>
               <a:rPr lang="de-DE" sz="1800" dirty="0"/>
               <a:t>Session </a:t>
             </a:r>
           </a:p>
           <a:p>
-            <a:pPr lvl="2"/>
+            <a:pPr lvl="2">
+              <a:buFont typeface="Arial" panose="020B0604020202020204" pitchFamily="34" charset="0"/>
+              <a:buChar char="•"/>
+            </a:pPr>
             <a:r>
               <a:rPr lang="de-DE" sz="1800" dirty="0" err="1"/>
               <a:t>SessionStore</a:t>
@@ -14244,19 +14497,30 @@
             </a:r>
           </a:p>
           <a:p>
+            <a:pPr>
+              <a:buFont typeface="Arial" panose="020B0604020202020204" pitchFamily="34" charset="0"/>
+              <a:buChar char="•"/>
+            </a:pPr>
             <a:r>
               <a:rPr lang="de-DE" sz="2000" dirty="0"/>
               <a:t>Kontrolliert durch Framework</a:t>
             </a:r>
           </a:p>
           <a:p>
+            <a:pPr>
+              <a:buFont typeface="Arial" panose="020B0604020202020204" pitchFamily="34" charset="0"/>
+              <a:buChar char="•"/>
+            </a:pPr>
             <a:r>
               <a:rPr lang="de-DE" sz="2000" dirty="0"/>
               <a:t>Abstraktion der Servlet API</a:t>
             </a:r>
           </a:p>
           <a:p>
-            <a:pPr lvl="1"/>
+            <a:pPr lvl="1">
+              <a:buFont typeface="Arial" panose="020B0604020202020204" pitchFamily="34" charset="0"/>
+              <a:buChar char="•"/>
+            </a:pPr>
             <a:r>
               <a:rPr lang="de-DE" sz="1600" dirty="0" err="1"/>
               <a:t>ServletWebRequest</a:t>
@@ -14264,7 +14528,10 @@
             <a:endParaRPr lang="de-DE" sz="1600" dirty="0"/>
           </a:p>
           <a:p>
-            <a:pPr lvl="1"/>
+            <a:pPr lvl="1">
+              <a:buFont typeface="Arial" panose="020B0604020202020204" pitchFamily="34" charset="0"/>
+              <a:buChar char="•"/>
+            </a:pPr>
             <a:r>
               <a:rPr lang="de-DE" sz="1600" dirty="0" err="1"/>
               <a:t>ServletWebResponse</a:t>
@@ -14272,6 +14539,10 @@
             <a:endParaRPr lang="de-DE" sz="1600" dirty="0"/>
           </a:p>
           <a:p>
+            <a:pPr>
+              <a:buFont typeface="Arial" panose="020B0604020202020204" pitchFamily="34" charset="0"/>
+              <a:buChar char="•"/>
+            </a:pPr>
             <a:r>
               <a:rPr lang="de-DE" sz="2000" dirty="0" err="1"/>
               <a:t>RequestCycle</a:t>
@@ -14279,7 +14550,10 @@
             <a:endParaRPr lang="de-DE" sz="2000" dirty="0"/>
           </a:p>
           <a:p>
-            <a:pPr lvl="1"/>
+            <a:pPr lvl="1">
+              <a:buFont typeface="Arial" panose="020B0604020202020204" pitchFamily="34" charset="0"/>
+              <a:buChar char="•"/>
+            </a:pPr>
             <a:r>
               <a:rPr lang="de-DE" sz="1600" dirty="0"/>
               <a:t>Statischer Zugriff: </a:t>
@@ -14294,21 +14568,30 @@
             </a:r>
           </a:p>
           <a:p>
-            <a:pPr lvl="1"/>
+            <a:pPr lvl="1">
+              <a:buFont typeface="Arial" panose="020B0604020202020204" pitchFamily="34" charset="0"/>
+              <a:buChar char="•"/>
+            </a:pPr>
             <a:r>
               <a:rPr lang="de-DE" sz="1600" dirty="0"/>
               <a:t>Verarbeitung von Request &amp; Response</a:t>
             </a:r>
           </a:p>
           <a:p>
-            <a:pPr lvl="1"/>
+            <a:pPr lvl="1">
+              <a:buFont typeface="Arial" panose="020B0604020202020204" pitchFamily="34" charset="0"/>
+              <a:buChar char="•"/>
+            </a:pPr>
             <a:r>
               <a:rPr lang="de-DE" sz="1600" dirty="0"/>
               <a:t>Bestimmung konkreter URLs für Pages</a:t>
             </a:r>
           </a:p>
           <a:p>
-            <a:pPr lvl="1"/>
+            <a:pPr lvl="1">
+              <a:buFont typeface="Arial" panose="020B0604020202020204" pitchFamily="34" charset="0"/>
+              <a:buChar char="•"/>
+            </a:pPr>
             <a:r>
               <a:rPr lang="de-DE" sz="1600" dirty="0"/>
               <a:t>Hook-Methoden und </a:t>
@@ -14320,7 +14603,10 @@
             <a:endParaRPr lang="de-DE" sz="1600" dirty="0"/>
           </a:p>
           <a:p>
-            <a:pPr lvl="1"/>
+            <a:pPr lvl="1">
+              <a:buFont typeface="Arial" panose="020B0604020202020204" pitchFamily="34" charset="0"/>
+              <a:buChar char="•"/>
+            </a:pPr>
             <a:r>
               <a:rPr lang="de-DE" sz="1600" dirty="0"/>
               <a:t>Ein Thread pro Cycle</a:t>

--- a/slides/Tag-1_3-Architektur.pptx
+++ b/slides/Tag-1_3-Architektur.pptx
@@ -6356,7 +6356,7 @@
               <a:pPr algn="ctr">
                 <a:defRPr/>
               </a:pPr>
-              <a:t>15.03.2019</a:t>
+              <a:t>20.03.2019</a:t>
             </a:fld>
             <a:endParaRPr lang="de-DE" sz="1000" dirty="0">
               <a:solidFill>
@@ -13915,7 +13915,7 @@
           <p:nvPr>
             <p:extLst>
               <p:ext uri="{D42A27DB-BD31-4B8C-83A1-F6EECF244321}">
-                <p14:modId xmlns:p14="http://schemas.microsoft.com/office/powerpoint/2010/main" val="208738460"/>
+                <p14:modId xmlns:p14="http://schemas.microsoft.com/office/powerpoint/2010/main" val="2343943910"/>
               </p:ext>
             </p:extLst>
           </p:nvPr>
@@ -13928,12 +13928,12 @@
           <a:graphicData uri="http://schemas.openxmlformats.org/presentationml/2006/ole">
             <mc:AlternateContent xmlns:mc="http://schemas.openxmlformats.org/markup-compatibility/2006">
               <mc:Choice xmlns:v="urn:schemas-microsoft-com:vml" Requires="v">
-                <p:oleObj spid="_x0000_s1090" name="Visio" r:id="rId3" imgW="2477026" imgH="4342547" progId="Visio.Drawing.11">
+                <p:oleObj spid="_x0000_s1091" name="Visio" r:id="rId3" imgW="2476804" imgH="4342874" progId="Visio.Drawing.11">
                   <p:embed/>
                 </p:oleObj>
               </mc:Choice>
               <mc:Fallback>
-                <p:oleObj name="Visio" r:id="rId3" imgW="2477026" imgH="4342547" progId="Visio.Drawing.11">
+                <p:oleObj name="Visio" r:id="rId3" imgW="2476804" imgH="4342874" progId="Visio.Drawing.11">
                   <p:embed/>
                   <p:pic>
                     <p:nvPicPr>

--- a/slides/Tag-1_3-Architektur.pptx
+++ b/slides/Tag-1_3-Architektur.pptx
@@ -6356,7 +6356,7 @@
               <a:pPr algn="ctr">
                 <a:defRPr/>
               </a:pPr>
-              <a:t>20.03.2019</a:t>
+              <a:t>27.02.2020</a:t>
             </a:fld>
             <a:endParaRPr lang="de-DE" sz="1000" dirty="0">
               <a:solidFill>
@@ -11396,7 +11396,7 @@
             </a:pPr>
             <a:r>
               <a:rPr lang="de-DE" sz="2000" dirty="0"/>
-              <a:t>Modifizieren sie die Echo-Anwendung</a:t>
+              <a:t>Modifizieren Sie die Echo-Anwendung</a:t>
             </a:r>
           </a:p>
           <a:p>
@@ -11421,7 +11421,15 @@
             </a:r>
             <a:r>
               <a:rPr lang="de-DE" sz="2000" dirty="0"/>
-              <a:t>-Button Komponente</a:t>
+              <a:t>-Button Komponente (abgeleitet von </a:t>
+            </a:r>
+            <a:r>
+              <a:rPr lang="de-DE" sz="2000" i="1" dirty="0"/>
+              <a:t>Button</a:t>
+            </a:r>
+            <a:r>
+              <a:rPr lang="de-DE" sz="2000" dirty="0"/>
+              <a:t>)</a:t>
             </a:r>
           </a:p>
           <a:p>
@@ -13928,7 +13936,7 @@
           <a:graphicData uri="http://schemas.openxmlformats.org/presentationml/2006/ole">
             <mc:AlternateContent xmlns:mc="http://schemas.openxmlformats.org/markup-compatibility/2006">
               <mc:Choice xmlns:v="urn:schemas-microsoft-com:vml" Requires="v">
-                <p:oleObj spid="_x0000_s1091" name="Visio" r:id="rId3" imgW="2476804" imgH="4342874" progId="Visio.Drawing.11">
+                <p:oleObj spid="_x0000_s1093" name="Visio" r:id="rId3" imgW="2476804" imgH="4342874" progId="Visio.Drawing.11">
                   <p:embed/>
                 </p:oleObj>
               </mc:Choice>

--- a/slides/Tag-1_3-Architektur.pptx
+++ b/slides/Tag-1_3-Architektur.pptx
@@ -6356,7 +6356,7 @@
               <a:pPr algn="ctr">
                 <a:defRPr/>
               </a:pPr>
-              <a:t>27.02.2020</a:t>
+              <a:t>28.02.2020</a:t>
             </a:fld>
             <a:endParaRPr lang="de-DE" sz="1000" dirty="0">
               <a:solidFill>
@@ -9145,7 +9145,7 @@
                 <a:latin typeface="Consolas" panose="020B0609020204030204" pitchFamily="49" charset="0"/>
                 <a:cs typeface="Consolas" panose="020B0609020204030204" pitchFamily="49" charset="0"/>
               </a:rPr>
-              <a:t>"GFU"</a:t>
+              <a:t>"Training"</a:t>
             </a:r>
             <a:r>
               <a:rPr lang="de-DE" altLang="de-DE" sz="1400" dirty="0">
@@ -10861,7 +10861,7 @@
                 <a:latin typeface="Consolas" panose="020B0609020204030204" pitchFamily="49" charset="0"/>
                 <a:cs typeface="Consolas" panose="020B0609020204030204" pitchFamily="49" charset="0"/>
               </a:rPr>
-              <a:t>MountedPageWithPlaceholder.class</a:t>
+              <a:t>ProductInfo.class</a:t>
             </a:r>
             <a:r>
               <a:rPr lang="de-DE" sz="1600" dirty="0">
@@ -13936,7 +13936,7 @@
           <a:graphicData uri="http://schemas.openxmlformats.org/presentationml/2006/ole">
             <mc:AlternateContent xmlns:mc="http://schemas.openxmlformats.org/markup-compatibility/2006">
               <mc:Choice xmlns:v="urn:schemas-microsoft-com:vml" Requires="v">
-                <p:oleObj spid="_x0000_s1093" name="Visio" r:id="rId3" imgW="2476804" imgH="4342874" progId="Visio.Drawing.11">
+                <p:oleObj spid="_x0000_s1094" name="Visio" r:id="rId3" imgW="2476804" imgH="4342874" progId="Visio.Drawing.11">
                   <p:embed/>
                 </p:oleObj>
               </mc:Choice>

--- a/slides/Tag-1_3-Architektur.pptx
+++ b/slides/Tag-1_3-Architektur.pptx
@@ -6356,7 +6356,7 @@
               <a:pPr algn="ctr">
                 <a:defRPr/>
               </a:pPr>
-              <a:t>28.02.2020</a:t>
+              <a:t>14.05.2021</a:t>
             </a:fld>
             <a:endParaRPr lang="de-DE" sz="1000" dirty="0">
               <a:solidFill>
@@ -6932,14 +6932,20 @@
               <a:defRPr/>
             </a:pPr>
             <a:r>
-              <a:rPr lang="de-DE" sz="1000" dirty="0">
+              <a:rPr lang="de-DE" sz="1000" dirty="0" smtClean="0">
                 <a:solidFill>
                   <a:schemeClr val="bg1"/>
                 </a:solidFill>
                 <a:latin typeface="Arial" charset="0"/>
               </a:rPr>
-              <a:t>Daniel Krämer</a:t>
-            </a:r>
+              <a:t>Patrick Möbius</a:t>
+            </a:r>
+            <a:endParaRPr lang="de-DE" sz="1000" dirty="0">
+              <a:solidFill>
+                <a:schemeClr val="bg1"/>
+              </a:solidFill>
+              <a:latin typeface="Arial" charset="0"/>
+            </a:endParaRPr>
           </a:p>
         </p:txBody>
       </p:sp>
@@ -8203,6 +8209,13 @@
   <p:clrMapOvr>
     <a:masterClrMapping/>
   </p:clrMapOvr>
+  <p:timing>
+    <p:tnLst>
+      <p:par>
+        <p:cTn id="1" dur="indefinite" restart="never" nodeType="tmRoot"/>
+      </p:par>
+    </p:tnLst>
+  </p:timing>
 </p:sld>
 </file>
 
@@ -8385,6 +8398,13 @@
   <p:clrMapOvr>
     <a:masterClrMapping/>
   </p:clrMapOvr>
+  <p:timing>
+    <p:tnLst>
+      <p:par>
+        <p:cTn id="1" dur="indefinite" restart="never" nodeType="tmRoot"/>
+      </p:par>
+    </p:tnLst>
+  </p:timing>
 </p:sld>
 </file>
 
@@ -8537,6 +8557,16 @@
                 <a:cs typeface="Consolas" panose="020B0609020204030204" pitchFamily="49" charset="0"/>
               </a:rPr>
             </a:br>
+            <a:r>
+              <a:rPr lang="de-DE" altLang="de-DE" sz="1400" dirty="0">
+                <a:solidFill>
+                  <a:srgbClr val="000000"/>
+                </a:solidFill>
+                <a:latin typeface="Consolas" panose="020B0609020204030204" pitchFamily="49" charset="0"/>
+                <a:cs typeface="Consolas" panose="020B0609020204030204" pitchFamily="49" charset="0"/>
+              </a:rPr>
+              <a:t/>
+            </a:r>
             <a:br>
               <a:rPr lang="de-DE" altLang="de-DE" sz="1400" dirty="0">
                 <a:solidFill>
@@ -8605,6 +8635,16 @@
                 <a:cs typeface="Consolas" panose="020B0609020204030204" pitchFamily="49" charset="0"/>
               </a:rPr>
             </a:br>
+            <a:r>
+              <a:rPr lang="de-DE" altLang="de-DE" sz="1400" dirty="0">
+                <a:solidFill>
+                  <a:srgbClr val="000000"/>
+                </a:solidFill>
+                <a:latin typeface="Consolas" panose="020B0609020204030204" pitchFamily="49" charset="0"/>
+                <a:cs typeface="Consolas" panose="020B0609020204030204" pitchFamily="49" charset="0"/>
+              </a:rPr>
+              <a:t/>
+            </a:r>
             <a:br>
               <a:rPr lang="de-DE" altLang="de-DE" sz="1400" dirty="0">
                 <a:solidFill>
@@ -8733,6 +8773,16 @@
                 <a:cs typeface="Consolas" panose="020B0609020204030204" pitchFamily="49" charset="0"/>
               </a:rPr>
             </a:br>
+            <a:r>
+              <a:rPr lang="de-DE" altLang="de-DE" sz="1400" dirty="0">
+                <a:solidFill>
+                  <a:srgbClr val="000000"/>
+                </a:solidFill>
+                <a:latin typeface="Consolas" panose="020B0609020204030204" pitchFamily="49" charset="0"/>
+                <a:cs typeface="Consolas" panose="020B0609020204030204" pitchFamily="49" charset="0"/>
+              </a:rPr>
+              <a:t/>
+            </a:r>
             <a:br>
               <a:rPr lang="de-DE" altLang="de-DE" sz="1400" dirty="0">
                 <a:solidFill>
@@ -8772,6 +8822,16 @@
               </a:rPr>
               <a:t>Override</a:t>
             </a:r>
+            <a:r>
+              <a:rPr lang="de-DE" altLang="de-DE" sz="1400" dirty="0">
+                <a:solidFill>
+                  <a:srgbClr val="808000"/>
+                </a:solidFill>
+                <a:latin typeface="Consolas" panose="020B0609020204030204" pitchFamily="49" charset="0"/>
+                <a:cs typeface="Consolas" panose="020B0609020204030204" pitchFamily="49" charset="0"/>
+              </a:rPr>
+              <a:t/>
+            </a:r>
             <a:br>
               <a:rPr lang="de-DE" altLang="de-DE" sz="1400" dirty="0">
                 <a:solidFill>
@@ -8979,6 +9039,16 @@
                 <a:cs typeface="Consolas" panose="020B0609020204030204" pitchFamily="49" charset="0"/>
               </a:rPr>
             </a:br>
+            <a:r>
+              <a:rPr lang="de-DE" altLang="de-DE" sz="1400" dirty="0">
+                <a:solidFill>
+                  <a:srgbClr val="000000"/>
+                </a:solidFill>
+                <a:latin typeface="Consolas" panose="020B0609020204030204" pitchFamily="49" charset="0"/>
+                <a:cs typeface="Consolas" panose="020B0609020204030204" pitchFamily="49" charset="0"/>
+              </a:rPr>
+              <a:t/>
+            </a:r>
             <a:br>
               <a:rPr lang="de-DE" altLang="de-DE" sz="1400" dirty="0">
                 <a:solidFill>
@@ -9333,6 +9403,16 @@
                 <a:cs typeface="Consolas" panose="020B0609020204030204" pitchFamily="49" charset="0"/>
               </a:rPr>
             </a:br>
+            <a:r>
+              <a:rPr lang="de-DE" altLang="de-DE" sz="1400" dirty="0">
+                <a:solidFill>
+                  <a:srgbClr val="000000"/>
+                </a:solidFill>
+                <a:latin typeface="Consolas" panose="020B0609020204030204" pitchFamily="49" charset="0"/>
+                <a:cs typeface="Consolas" panose="020B0609020204030204" pitchFamily="49" charset="0"/>
+              </a:rPr>
+              <a:t/>
+            </a:r>
             <a:br>
               <a:rPr lang="de-DE" altLang="de-DE" sz="1400" dirty="0">
                 <a:solidFill>
@@ -9420,6 +9500,16 @@
                 <a:cs typeface="Consolas" panose="020B0609020204030204" pitchFamily="49" charset="0"/>
               </a:rPr>
             </a:br>
+            <a:r>
+              <a:rPr lang="de-DE" altLang="de-DE" sz="1400" dirty="0">
+                <a:solidFill>
+                  <a:srgbClr val="000000"/>
+                </a:solidFill>
+                <a:latin typeface="Consolas" panose="020B0609020204030204" pitchFamily="49" charset="0"/>
+                <a:cs typeface="Consolas" panose="020B0609020204030204" pitchFamily="49" charset="0"/>
+              </a:rPr>
+              <a:t/>
+            </a:r>
             <a:br>
               <a:rPr lang="de-DE" altLang="de-DE" sz="1400" dirty="0">
                 <a:solidFill>
@@ -9459,6 +9549,16 @@
               </a:rPr>
               <a:t>Override</a:t>
             </a:r>
+            <a:r>
+              <a:rPr lang="de-DE" altLang="de-DE" sz="1400" dirty="0">
+                <a:solidFill>
+                  <a:srgbClr val="808000"/>
+                </a:solidFill>
+                <a:latin typeface="Consolas" panose="020B0609020204030204" pitchFamily="49" charset="0"/>
+                <a:cs typeface="Consolas" panose="020B0609020204030204" pitchFamily="49" charset="0"/>
+              </a:rPr>
+              <a:t/>
+            </a:r>
             <a:br>
               <a:rPr lang="de-DE" altLang="de-DE" sz="1400" dirty="0">
                 <a:solidFill>
@@ -9577,6 +9677,16 @@
                 <a:cs typeface="Consolas" panose="020B0609020204030204" pitchFamily="49" charset="0"/>
               </a:rPr>
             </a:br>
+            <a:r>
+              <a:rPr lang="de-DE" altLang="de-DE" sz="1400" dirty="0">
+                <a:solidFill>
+                  <a:srgbClr val="000000"/>
+                </a:solidFill>
+                <a:latin typeface="Consolas" panose="020B0609020204030204" pitchFamily="49" charset="0"/>
+                <a:cs typeface="Consolas" panose="020B0609020204030204" pitchFamily="49" charset="0"/>
+              </a:rPr>
+              <a:t/>
+            </a:r>
             <a:br>
               <a:rPr lang="de-DE" altLang="de-DE" sz="1400" dirty="0">
                 <a:solidFill>
@@ -9807,6 +9917,13 @@
   <p:clrMapOvr>
     <a:masterClrMapping/>
   </p:clrMapOvr>
+  <p:timing>
+    <p:tnLst>
+      <p:par>
+        <p:cTn id="1" dur="indefinite" restart="never" nodeType="tmRoot"/>
+      </p:par>
+    </p:tnLst>
+  </p:timing>
 </p:sld>
 </file>
 
@@ -9997,6 +10114,13 @@
   <p:clrMapOvr>
     <a:masterClrMapping/>
   </p:clrMapOvr>
+  <p:timing>
+    <p:tnLst>
+      <p:par>
+        <p:cTn id="1" dur="indefinite" restart="never" nodeType="tmRoot"/>
+      </p:par>
+    </p:tnLst>
+  </p:timing>
 </p:sld>
 </file>
 
@@ -12574,6 +12698,13 @@
   <p:clrMapOvr>
     <a:masterClrMapping/>
   </p:clrMapOvr>
+  <p:timing>
+    <p:tnLst>
+      <p:par>
+        <p:cTn id="1" dur="indefinite" restart="never" nodeType="tmRoot"/>
+      </p:par>
+    </p:tnLst>
+  </p:timing>
 </p:sld>
 </file>
 
@@ -13799,6 +13930,13 @@
   <p:clrMapOvr>
     <a:masterClrMapping/>
   </p:clrMapOvr>
+  <p:timing>
+    <p:tnLst>
+      <p:par>
+        <p:cTn id="1" dur="indefinite" restart="never" nodeType="tmRoot"/>
+      </p:par>
+    </p:tnLst>
+  </p:timing>
 </p:sld>
 </file>
 
@@ -13936,7 +14074,7 @@
           <a:graphicData uri="http://schemas.openxmlformats.org/presentationml/2006/ole">
             <mc:AlternateContent xmlns:mc="http://schemas.openxmlformats.org/markup-compatibility/2006">
               <mc:Choice xmlns:v="urn:schemas-microsoft-com:vml" Requires="v">
-                <p:oleObj spid="_x0000_s1094" name="Visio" r:id="rId3" imgW="2476804" imgH="4342874" progId="Visio.Drawing.11">
+                <p:oleObj spid="_x0000_s1095" name="Visio" r:id="rId3" imgW="2476804" imgH="4342874" progId="Visio.Drawing.11">
                   <p:embed/>
                 </p:oleObj>
               </mc:Choice>
@@ -13981,6 +14119,13 @@
   <p:clrMapOvr>
     <a:masterClrMapping/>
   </p:clrMapOvr>
+  <p:timing>
+    <p:tnLst>
+      <p:par>
+        <p:cTn id="1" dur="indefinite" restart="never" nodeType="tmRoot"/>
+      </p:par>
+    </p:tnLst>
+  </p:timing>
 </p:sld>
 </file>
 
@@ -14142,6 +14287,21 @@
   <p:clrMapOvr>
     <a:masterClrMapping/>
   </p:clrMapOvr>
+  <mc:AlternateContent xmlns:mc="http://schemas.openxmlformats.org/markup-compatibility/2006">
+    <mc:Choice xmlns:p14="http://schemas.microsoft.com/office/powerpoint/2010/main" Requires="p14">
+      <p:transition spd="slow" p14:dur="2000"/>
+    </mc:Choice>
+    <mc:Fallback>
+      <p:transition spd="slow"/>
+    </mc:Fallback>
+  </mc:AlternateContent>
+  <p:timing>
+    <p:tnLst>
+      <p:par>
+        <p:cTn id="1" dur="indefinite" restart="never" nodeType="tmRoot"/>
+      </p:par>
+    </p:tnLst>
+  </p:timing>
 </p:sld>
 </file>
 
@@ -15591,6 +15751,13 @@
   <p:clrMapOvr>
     <a:masterClrMapping/>
   </p:clrMapOvr>
+  <p:timing>
+    <p:tnLst>
+      <p:par>
+        <p:cTn id="1" dur="indefinite" restart="never" nodeType="tmRoot"/>
+      </p:par>
+    </p:tnLst>
+  </p:timing>
 </p:sld>
 </file>
 
@@ -15760,6 +15927,13 @@
   <p:clrMapOvr>
     <a:masterClrMapping/>
   </p:clrMapOvr>
+  <p:timing>
+    <p:tnLst>
+      <p:par>
+        <p:cTn id="1" dur="indefinite" restart="never" nodeType="tmRoot"/>
+      </p:par>
+    </p:tnLst>
+  </p:timing>
 </p:sld>
 </file>
 

--- a/slides/Tag-1_3-Architektur.pptx
+++ b/slides/Tag-1_3-Architektur.pptx
@@ -6,31 +6,32 @@
     <p:sldMasterId id="2147483649" r:id="rId2"/>
   </p:sldMasterIdLst>
   <p:notesMasterIdLst>
-    <p:notesMasterId r:id="rId22"/>
+    <p:notesMasterId r:id="rId23"/>
   </p:notesMasterIdLst>
   <p:handoutMasterIdLst>
-    <p:handoutMasterId r:id="rId23"/>
+    <p:handoutMasterId r:id="rId24"/>
   </p:handoutMasterIdLst>
   <p:sldIdLst>
-    <p:sldId id="528" r:id="rId3"/>
-    <p:sldId id="530" r:id="rId4"/>
-    <p:sldId id="529" r:id="rId5"/>
-    <p:sldId id="531" r:id="rId6"/>
-    <p:sldId id="534" r:id="rId7"/>
-    <p:sldId id="533" r:id="rId8"/>
-    <p:sldId id="515" r:id="rId9"/>
-    <p:sldId id="532" r:id="rId10"/>
-    <p:sldId id="516" r:id="rId11"/>
-    <p:sldId id="517" r:id="rId12"/>
-    <p:sldId id="518" r:id="rId13"/>
-    <p:sldId id="519" r:id="rId14"/>
-    <p:sldId id="535" r:id="rId15"/>
-    <p:sldId id="536" r:id="rId16"/>
-    <p:sldId id="520" r:id="rId17"/>
-    <p:sldId id="521" r:id="rId18"/>
-    <p:sldId id="524" r:id="rId19"/>
-    <p:sldId id="526" r:id="rId20"/>
-    <p:sldId id="537" r:id="rId21"/>
+    <p:sldId id="538" r:id="rId3"/>
+    <p:sldId id="528" r:id="rId4"/>
+    <p:sldId id="530" r:id="rId5"/>
+    <p:sldId id="529" r:id="rId6"/>
+    <p:sldId id="531" r:id="rId7"/>
+    <p:sldId id="534" r:id="rId8"/>
+    <p:sldId id="533" r:id="rId9"/>
+    <p:sldId id="515" r:id="rId10"/>
+    <p:sldId id="532" r:id="rId11"/>
+    <p:sldId id="516" r:id="rId12"/>
+    <p:sldId id="517" r:id="rId13"/>
+    <p:sldId id="518" r:id="rId14"/>
+    <p:sldId id="519" r:id="rId15"/>
+    <p:sldId id="535" r:id="rId16"/>
+    <p:sldId id="536" r:id="rId17"/>
+    <p:sldId id="520" r:id="rId18"/>
+    <p:sldId id="521" r:id="rId19"/>
+    <p:sldId id="524" r:id="rId20"/>
+    <p:sldId id="526" r:id="rId21"/>
+    <p:sldId id="537" r:id="rId22"/>
   </p:sldIdLst>
   <p:sldSz cx="9144000" cy="6858000" type="screen4x3"/>
   <p:notesSz cx="7099300" cy="10234613"/>
@@ -6356,7 +6357,7 @@
               <a:pPr algn="ctr">
                 <a:defRPr/>
               </a:pPr>
-              <a:t>14.05.2021</a:t>
+              <a:t>25.05.2021</a:t>
             </a:fld>
             <a:endParaRPr lang="de-DE" sz="1000" dirty="0">
               <a:solidFill>
@@ -8109,9 +8110,197 @@
       </p:grpSpPr>
       <p:sp>
         <p:nvSpPr>
-          <p:cNvPr id="2" name="Titel 1"/>
+          <p:cNvPr id="17410" name="Inhaltsplatzhalter 2"/>
           <p:cNvSpPr>
             <a:spLocks noGrp="1"/>
+          </p:cNvSpPr>
+          <p:nvPr>
+            <p:ph idx="1"/>
+          </p:nvPr>
+        </p:nvSpPr>
+        <p:spPr>
+          <a:xfrm>
+            <a:off x="303213" y="1341438"/>
+            <a:ext cx="8589962" cy="4824412"/>
+          </a:xfrm>
+        </p:spPr>
+        <p:txBody>
+          <a:bodyPr/>
+          <a:lstStyle/>
+          <a:p>
+            <a:pPr>
+              <a:buFont typeface="Arial" panose="020B0604020202020204" pitchFamily="34" charset="0"/>
+              <a:buChar char="•"/>
+            </a:pPr>
+            <a:r>
+              <a:rPr lang="de-DE" sz="1800" b="1" dirty="0"/>
+              <a:t>Tag 1 – Einführung</a:t>
+            </a:r>
+          </a:p>
+          <a:p>
+            <a:pPr lvl="1">
+              <a:buFont typeface="Arial" panose="020B0604020202020204" pitchFamily="34" charset="0"/>
+              <a:buChar char="•"/>
+            </a:pPr>
+            <a:r>
+              <a:rPr lang="de-DE" sz="1400" dirty="0"/>
+              <a:t>Installation</a:t>
+            </a:r>
+          </a:p>
+          <a:p>
+            <a:pPr lvl="1">
+              <a:buFont typeface="Arial" panose="020B0604020202020204" pitchFamily="34" charset="0"/>
+              <a:buChar char="•"/>
+            </a:pPr>
+            <a:r>
+              <a:rPr lang="de-DE" sz="1400" dirty="0"/>
+              <a:t>Erste Anwendung</a:t>
+            </a:r>
+          </a:p>
+          <a:p>
+            <a:pPr lvl="1">
+              <a:buFont typeface="Arial" panose="020B0604020202020204" pitchFamily="34" charset="0"/>
+              <a:buChar char="•"/>
+            </a:pPr>
+            <a:r>
+              <a:rPr lang="de-DE" sz="1400" u="sng" dirty="0"/>
+              <a:t>Architektur</a:t>
+            </a:r>
+          </a:p>
+          <a:p>
+            <a:pPr lvl="1">
+              <a:buNone/>
+            </a:pPr>
+            <a:endParaRPr lang="de-DE" sz="1400" dirty="0"/>
+          </a:p>
+          <a:p>
+            <a:pPr>
+              <a:buFont typeface="Arial" panose="020B0604020202020204" pitchFamily="34" charset="0"/>
+              <a:buChar char="•"/>
+            </a:pPr>
+            <a:r>
+              <a:rPr lang="de-DE" sz="1800" b="1" dirty="0"/>
+              <a:t>Tag 2 – Entwicklung</a:t>
+            </a:r>
+          </a:p>
+          <a:p>
+            <a:pPr lvl="1">
+              <a:buFont typeface="Arial" panose="020B0604020202020204" pitchFamily="34" charset="0"/>
+              <a:buChar char="•"/>
+            </a:pPr>
+            <a:r>
+              <a:rPr lang="de-DE" sz="1400" dirty="0"/>
+              <a:t>Models</a:t>
+            </a:r>
+          </a:p>
+          <a:p>
+            <a:pPr lvl="1">
+              <a:buFont typeface="Arial" panose="020B0604020202020204" pitchFamily="34" charset="0"/>
+              <a:buChar char="•"/>
+            </a:pPr>
+            <a:r>
+              <a:rPr lang="de-DE" sz="1400" dirty="0"/>
+              <a:t>Darstellung</a:t>
+            </a:r>
+          </a:p>
+          <a:p>
+            <a:pPr lvl="1">
+              <a:buFont typeface="Arial" panose="020B0604020202020204" pitchFamily="34" charset="0"/>
+              <a:buChar char="•"/>
+            </a:pPr>
+            <a:r>
+              <a:rPr lang="de-DE" sz="1400" dirty="0"/>
+              <a:t>Formulare</a:t>
+            </a:r>
+          </a:p>
+          <a:p>
+            <a:pPr lvl="1">
+              <a:buFont typeface="Arial" panose="020B0604020202020204" pitchFamily="34" charset="0"/>
+              <a:buChar char="•"/>
+            </a:pPr>
+            <a:r>
+              <a:rPr lang="de-DE" sz="1400" dirty="0"/>
+              <a:t>Ajax</a:t>
+            </a:r>
+          </a:p>
+          <a:p>
+            <a:pPr lvl="1">
+              <a:buNone/>
+            </a:pPr>
+            <a:endParaRPr lang="de-DE" sz="1400" dirty="0"/>
+          </a:p>
+          <a:p>
+            <a:pPr>
+              <a:buFont typeface="Arial" panose="020B0604020202020204" pitchFamily="34" charset="0"/>
+              <a:buChar char="•"/>
+            </a:pPr>
+            <a:r>
+              <a:rPr lang="de-DE" sz="1800" b="1" dirty="0"/>
+              <a:t>Tag 3 – Fortgeschrittene Themen</a:t>
+            </a:r>
+          </a:p>
+          <a:p>
+            <a:pPr lvl="1">
+              <a:buFont typeface="Arial" panose="020B0604020202020204" pitchFamily="34" charset="0"/>
+              <a:buChar char="•"/>
+            </a:pPr>
+            <a:r>
+              <a:rPr lang="de-DE" sz="1400" dirty="0"/>
+              <a:t>Tests</a:t>
+            </a:r>
+          </a:p>
+          <a:p>
+            <a:pPr lvl="1">
+              <a:buFont typeface="Arial" panose="020B0604020202020204" pitchFamily="34" charset="0"/>
+              <a:buChar char="•"/>
+            </a:pPr>
+            <a:r>
+              <a:rPr lang="de-DE" sz="1400" dirty="0"/>
+              <a:t>Security &amp; </a:t>
+            </a:r>
+            <a:r>
+              <a:rPr lang="de-DE" sz="1400" dirty="0" err="1"/>
+              <a:t>Deployment</a:t>
+            </a:r>
+            <a:endParaRPr lang="de-DE" sz="1400" dirty="0"/>
+          </a:p>
+          <a:p>
+            <a:pPr lvl="1">
+              <a:buFont typeface="Arial" panose="020B0604020202020204" pitchFamily="34" charset="0"/>
+              <a:buChar char="•"/>
+            </a:pPr>
+            <a:r>
+              <a:rPr lang="de-DE" sz="1400" dirty="0"/>
+              <a:t>Lokalisierung &amp; Internationalisierung</a:t>
+            </a:r>
+          </a:p>
+          <a:p>
+            <a:pPr lvl="1">
+              <a:buFont typeface="Arial" panose="020B0604020202020204" pitchFamily="34" charset="0"/>
+              <a:buChar char="•"/>
+            </a:pPr>
+            <a:r>
+              <a:rPr lang="de-DE" sz="1400" dirty="0"/>
+              <a:t>Performance</a:t>
+            </a:r>
+          </a:p>
+          <a:p>
+            <a:pPr lvl="1">
+              <a:buFont typeface="Arial" panose="020B0604020202020204" pitchFamily="34" charset="0"/>
+              <a:buChar char="•"/>
+            </a:pPr>
+            <a:r>
+              <a:rPr lang="de-DE" sz="1400" dirty="0"/>
+              <a:t>Best Practices</a:t>
+            </a:r>
+          </a:p>
+        </p:txBody>
+      </p:sp>
+      <p:sp>
+        <p:nvSpPr>
+          <p:cNvPr id="17411" name="Rectangle 1062"/>
+          <p:cNvSpPr>
+            <a:spLocks noGrp="1" noChangeArrowheads="1"/>
           </p:cNvSpPr>
           <p:nvPr>
             <p:ph type="title"/>
@@ -8119,8 +8308,8 @@
         </p:nvSpPr>
         <p:spPr>
           <a:xfrm>
-            <a:off x="722313" y="4406900"/>
-            <a:ext cx="7772400" cy="1830412"/>
+            <a:off x="285750" y="142875"/>
+            <a:ext cx="5654675" cy="706438"/>
           </a:xfrm>
         </p:spPr>
         <p:txBody>
@@ -8129,80 +8318,45 @@
           <a:p>
             <a:r>
               <a:rPr lang="de-DE" dirty="0"/>
-              <a:t>Die </a:t>
-            </a:r>
-            <a:r>
-              <a:rPr lang="de-DE" dirty="0" err="1"/>
-              <a:t>Wicket</a:t>
-            </a:r>
-            <a:r>
-              <a:rPr lang="de-DE" dirty="0"/>
-              <a:t>-Architektur – </a:t>
-            </a:r>
-            <a:br>
-              <a:rPr lang="de-DE" dirty="0"/>
-            </a:br>
-            <a:r>
-              <a:rPr lang="de-DE" dirty="0"/>
-              <a:t>Wie wird ein Request Verarbeitet?</a:t>
+              <a:t>Agenda</a:t>
             </a:r>
           </a:p>
         </p:txBody>
       </p:sp>
-      <p:sp>
-        <p:nvSpPr>
-          <p:cNvPr id="3" name="Textplatzhalter 2"/>
-          <p:cNvSpPr>
-            <a:spLocks noGrp="1"/>
-          </p:cNvSpPr>
-          <p:nvPr>
-            <p:ph type="body" idx="1"/>
-          </p:nvPr>
-        </p:nvSpPr>
-        <p:spPr/>
-        <p:txBody>
-          <a:bodyPr/>
-          <a:lstStyle/>
-          <a:p>
-            <a:r>
-              <a:rPr lang="de-DE" dirty="0"/>
-              <a:t>Nach </a:t>
-            </a:r>
-            <a:r>
-              <a:rPr lang="en-US" dirty="0" err="1"/>
-              <a:t>M.Dashorst</a:t>
-            </a:r>
-            <a:r>
-              <a:rPr lang="en-US" dirty="0"/>
-              <a:t>, </a:t>
-            </a:r>
-            <a:r>
-              <a:rPr lang="en-US" dirty="0" err="1"/>
-              <a:t>E.Hillenius</a:t>
-            </a:r>
-            <a:r>
-              <a:rPr lang="de-DE" dirty="0"/>
-              <a:t>, </a:t>
-            </a:r>
-            <a:r>
-              <a:rPr lang="de-DE" i="1" dirty="0" err="1"/>
-              <a:t>Wicket</a:t>
-            </a:r>
-            <a:r>
-              <a:rPr lang="de-DE" i="1" dirty="0"/>
-              <a:t> in Action</a:t>
-            </a:r>
-            <a:r>
-              <a:rPr lang="de-DE" dirty="0"/>
-              <a:t>, Manning 2004</a:t>
-            </a:r>
-          </a:p>
-        </p:txBody>
-      </p:sp>
+      <p:pic>
+        <p:nvPicPr>
+          <p:cNvPr id="4" name="Grafik 3"/>
+          <p:cNvPicPr>
+            <a:picLocks noChangeAspect="1"/>
+          </p:cNvPicPr>
+          <p:nvPr/>
+        </p:nvPicPr>
+        <p:blipFill>
+          <a:blip r:embed="rId2">
+            <a:extLst>
+              <a:ext uri="{28A0092B-C50C-407E-A947-70E740481C1C}">
+                <a14:useLocalDpi xmlns:a14="http://schemas.microsoft.com/office/drawing/2010/main" val="0"/>
+              </a:ext>
+            </a:extLst>
+          </a:blip>
+          <a:stretch>
+            <a:fillRect/>
+          </a:stretch>
+        </p:blipFill>
+        <p:spPr>
+          <a:xfrm>
+            <a:off x="5868144" y="3140968"/>
+            <a:ext cx="2031746" cy="749206"/>
+          </a:xfrm>
+          <a:prstGeom prst="rect">
+            <a:avLst/>
+          </a:prstGeom>
+        </p:spPr>
+      </p:pic>
     </p:spTree>
     <p:extLst>
       <p:ext uri="{BB962C8B-B14F-4D97-AF65-F5344CB8AC3E}">
-        <p14:creationId xmlns:p14="http://schemas.microsoft.com/office/powerpoint/2010/main" val="2312989796"/>
+        <p14:creationId xmlns:p14="http://schemas.microsoft.com/office/powerpoint/2010/main" val="570200741"/>
       </p:ext>
     </p:extLst>
   </p:cSld>
@@ -8261,102 +8415,7 @@
             </a:pPr>
             <a:r>
               <a:rPr lang="de-DE" sz="2000" b="1" dirty="0"/>
-              <a:t>Sessions</a:t>
-            </a:r>
-          </a:p>
-          <a:p>
-            <a:pPr>
-              <a:buFont typeface="Arial" panose="020B0604020202020204" pitchFamily="34" charset="0"/>
-              <a:buChar char="•"/>
-            </a:pPr>
-            <a:r>
-              <a:rPr lang="de-DE" sz="2000" dirty="0"/>
-              <a:t>Statischer Zugriff: </a:t>
-            </a:r>
-            <a:r>
-              <a:rPr lang="de-DE" sz="2000" dirty="0" err="1"/>
-              <a:t>Session.get</a:t>
-            </a:r>
-            <a:r>
-              <a:rPr lang="de-DE" sz="2000" dirty="0"/>
-              <a:t>()</a:t>
-            </a:r>
-          </a:p>
-          <a:p>
-            <a:pPr>
-              <a:buFont typeface="Arial" panose="020B0604020202020204" pitchFamily="34" charset="0"/>
-              <a:buChar char="•"/>
-            </a:pPr>
-            <a:r>
-              <a:rPr lang="de-DE" sz="2000" dirty="0"/>
-              <a:t>Aktueller Zustand des Komponentenbaums</a:t>
-            </a:r>
-          </a:p>
-          <a:p>
-            <a:pPr>
-              <a:buFont typeface="Arial" panose="020B0604020202020204" pitchFamily="34" charset="0"/>
-              <a:buChar char="•"/>
-            </a:pPr>
-            <a:r>
-              <a:rPr lang="de-DE" sz="2000" dirty="0"/>
-              <a:t>Eigene Implementierungen üblich</a:t>
-            </a:r>
-          </a:p>
-          <a:p>
-            <a:pPr lvl="1">
-              <a:buFont typeface="Arial" panose="020B0604020202020204" pitchFamily="34" charset="0"/>
-              <a:buChar char="•"/>
-            </a:pPr>
-            <a:r>
-              <a:rPr lang="de-DE" sz="1600" dirty="0"/>
-              <a:t>Beispiel: Durchführung des Logins</a:t>
-            </a:r>
-          </a:p>
-          <a:p>
-            <a:pPr lvl="1">
-              <a:buFont typeface="Arial" panose="020B0604020202020204" pitchFamily="34" charset="0"/>
-              <a:buChar char="•"/>
-            </a:pPr>
-            <a:r>
-              <a:rPr lang="de-DE" sz="1600" dirty="0"/>
-              <a:t>Registrierung in </a:t>
-            </a:r>
-            <a:r>
-              <a:rPr lang="de-DE" sz="1600" dirty="0" err="1"/>
-              <a:t>Application</a:t>
-            </a:r>
-            <a:r>
-              <a:rPr lang="de-DE" sz="1600" dirty="0"/>
-              <a:t>-Klasse</a:t>
-            </a:r>
-          </a:p>
-          <a:p>
-            <a:pPr>
-              <a:buFont typeface="Arial" panose="020B0604020202020204" pitchFamily="34" charset="0"/>
-              <a:buChar char="•"/>
-            </a:pPr>
-            <a:r>
-              <a:rPr lang="de-DE" sz="2000" dirty="0"/>
-              <a:t>Einklinken von </a:t>
-            </a:r>
-            <a:r>
-              <a:rPr lang="de-DE" sz="2000" dirty="0" err="1"/>
-              <a:t>Listenern</a:t>
-            </a:r>
-            <a:endParaRPr lang="de-DE" sz="2000" dirty="0"/>
-          </a:p>
-          <a:p>
-            <a:pPr>
-              <a:buFont typeface="Arial" panose="020B0604020202020204" pitchFamily="34" charset="0"/>
-              <a:buChar char="•"/>
-            </a:pPr>
-            <a:r>
-              <a:rPr lang="de-DE" sz="2000" dirty="0" err="1"/>
-              <a:t>Stateless</a:t>
-            </a:r>
-            <a:r>
-              <a:rPr lang="de-DE" sz="2000" dirty="0"/>
-              <a:t> Page: temporäre Session</a:t>
+              <a:t>Request Handling</a:t>
             </a:r>
           </a:p>
         </p:txBody>
@@ -8383,15 +8442,97 @@
           <a:p>
             <a:r>
               <a:rPr lang="de-DE" dirty="0"/>
-              <a:t>Architektur: Sessions</a:t>
-            </a:r>
+              <a:t>Request-Handling: Ablauf </a:t>
+            </a:r>
+          </a:p>
+        </p:txBody>
+      </p:sp>
+      <p:pic>
+        <p:nvPicPr>
+          <p:cNvPr id="2" name="Grafik 1"/>
+          <p:cNvPicPr>
+            <a:picLocks noChangeAspect="1"/>
+          </p:cNvPicPr>
+          <p:nvPr/>
+        </p:nvPicPr>
+        <p:blipFill>
+          <a:blip r:embed="rId2">
+            <a:extLst>
+              <a:ext uri="{28A0092B-C50C-407E-A947-70E740481C1C}">
+                <a14:useLocalDpi xmlns:a14="http://schemas.microsoft.com/office/drawing/2010/main" val="0"/>
+              </a:ext>
+            </a:extLst>
+          </a:blip>
+          <a:stretch>
+            <a:fillRect/>
+          </a:stretch>
+        </p:blipFill>
+        <p:spPr>
+          <a:xfrm>
+            <a:off x="1540346" y="2455515"/>
+            <a:ext cx="5695950" cy="3133725"/>
+          </a:xfrm>
+          <a:prstGeom prst="rect">
+            <a:avLst/>
+          </a:prstGeom>
+        </p:spPr>
+      </p:pic>
+      <p:sp>
+        <p:nvSpPr>
+          <p:cNvPr id="5" name="Rechteck 4"/>
+          <p:cNvSpPr/>
+          <p:nvPr/>
+        </p:nvSpPr>
+        <p:spPr>
+          <a:xfrm>
+            <a:off x="3855544" y="6145559"/>
+            <a:ext cx="5324968" cy="307777"/>
+          </a:xfrm>
+          <a:prstGeom prst="rect">
+            <a:avLst/>
+          </a:prstGeom>
+        </p:spPr>
+        <p:txBody>
+          <a:bodyPr wrap="square">
+            <a:spAutoFit/>
+          </a:bodyPr>
+          <a:lstStyle/>
+          <a:p>
+            <a:pPr algn="r"/>
+            <a:r>
+              <a:rPr lang="de-DE" sz="1400" dirty="0">
+                <a:latin typeface="+mj-lt"/>
+              </a:rPr>
+              <a:t>Quelle: </a:t>
+            </a:r>
+            <a:r>
+              <a:rPr lang="de-DE" sz="1400" dirty="0" err="1">
+                <a:latin typeface="+mj-lt"/>
+              </a:rPr>
+              <a:t>Wicket</a:t>
+            </a:r>
+            <a:r>
+              <a:rPr lang="de-DE" sz="1400" dirty="0">
+                <a:latin typeface="+mj-lt"/>
+              </a:rPr>
+              <a:t> User Guide – The Reference </a:t>
+            </a:r>
+            <a:r>
+              <a:rPr lang="de-DE" sz="1400" dirty="0" err="1">
+                <a:latin typeface="+mj-lt"/>
+              </a:rPr>
+              <a:t>Documentation</a:t>
+            </a:r>
+            <a:endParaRPr lang="de-DE" sz="1400" dirty="0">
+              <a:latin typeface="+mj-lt"/>
+            </a:endParaRPr>
           </a:p>
         </p:txBody>
       </p:sp>
     </p:spTree>
     <p:extLst>
       <p:ext uri="{BB962C8B-B14F-4D97-AF65-F5344CB8AC3E}">
-        <p14:creationId xmlns:p14="http://schemas.microsoft.com/office/powerpoint/2010/main" val="1635978245"/>
+        <p14:creationId xmlns:p14="http://schemas.microsoft.com/office/powerpoint/2010/main" val="1529719546"/>
       </p:ext>
     </p:extLst>
   </p:cSld>
@@ -8437,7 +8578,7 @@
         </p:nvSpPr>
         <p:spPr>
           <a:xfrm>
-            <a:off x="303213" y="1124744"/>
+            <a:off x="303213" y="1341438"/>
             <a:ext cx="8589962" cy="4824412"/>
           </a:xfrm>
         </p:spPr>
@@ -8445,1386 +8586,108 @@
           <a:bodyPr/>
           <a:lstStyle/>
           <a:p>
-            <a:pPr marL="0" lvl="0" indent="0">
-              <a:buNone/>
-            </a:pPr>
-            <a:r>
-              <a:rPr lang="de-DE" altLang="de-DE" sz="1400" b="1" dirty="0" err="1">
-                <a:solidFill>
-                  <a:srgbClr val="000080"/>
-                </a:solidFill>
-                <a:latin typeface="Consolas" panose="020B0609020204030204" pitchFamily="49" charset="0"/>
-                <a:cs typeface="Consolas" panose="020B0609020204030204" pitchFamily="49" charset="0"/>
-              </a:rPr>
-              <a:t>public</a:t>
-            </a:r>
-            <a:r>
-              <a:rPr lang="de-DE" altLang="de-DE" sz="1400" b="1" dirty="0">
-                <a:solidFill>
-                  <a:srgbClr val="000080"/>
-                </a:solidFill>
-                <a:latin typeface="Consolas" panose="020B0609020204030204" pitchFamily="49" charset="0"/>
-                <a:cs typeface="Consolas" panose="020B0609020204030204" pitchFamily="49" charset="0"/>
-              </a:rPr>
-              <a:t> </a:t>
-            </a:r>
-            <a:r>
-              <a:rPr lang="de-DE" altLang="de-DE" sz="1400" b="1" dirty="0" err="1">
-                <a:solidFill>
-                  <a:srgbClr val="000080"/>
-                </a:solidFill>
-                <a:latin typeface="Consolas" panose="020B0609020204030204" pitchFamily="49" charset="0"/>
-                <a:cs typeface="Consolas" panose="020B0609020204030204" pitchFamily="49" charset="0"/>
-              </a:rPr>
-              <a:t>class</a:t>
-            </a:r>
-            <a:r>
-              <a:rPr lang="de-DE" altLang="de-DE" sz="1400" b="1" dirty="0">
-                <a:solidFill>
-                  <a:srgbClr val="000080"/>
-                </a:solidFill>
-                <a:latin typeface="Consolas" panose="020B0609020204030204" pitchFamily="49" charset="0"/>
-                <a:cs typeface="Consolas" panose="020B0609020204030204" pitchFamily="49" charset="0"/>
-              </a:rPr>
-              <a:t> </a:t>
-            </a:r>
-            <a:r>
-              <a:rPr lang="de-DE" altLang="de-DE" sz="1400" dirty="0" err="1">
-                <a:solidFill>
-                  <a:srgbClr val="000000"/>
-                </a:solidFill>
-                <a:latin typeface="Consolas" panose="020B0609020204030204" pitchFamily="49" charset="0"/>
-                <a:cs typeface="Consolas" panose="020B0609020204030204" pitchFamily="49" charset="0"/>
-              </a:rPr>
-              <a:t>BasicAuthenticationSession</a:t>
-            </a:r>
-            <a:r>
-              <a:rPr lang="de-DE" altLang="de-DE" sz="1400" dirty="0">
-                <a:solidFill>
-                  <a:srgbClr val="000000"/>
-                </a:solidFill>
-                <a:latin typeface="Consolas" panose="020B0609020204030204" pitchFamily="49" charset="0"/>
-                <a:cs typeface="Consolas" panose="020B0609020204030204" pitchFamily="49" charset="0"/>
-              </a:rPr>
-              <a:t> </a:t>
-            </a:r>
-            <a:r>
-              <a:rPr lang="de-DE" altLang="de-DE" sz="1400" b="1" dirty="0" err="1">
-                <a:solidFill>
-                  <a:srgbClr val="000080"/>
-                </a:solidFill>
-                <a:latin typeface="Consolas" panose="020B0609020204030204" pitchFamily="49" charset="0"/>
-                <a:cs typeface="Consolas" panose="020B0609020204030204" pitchFamily="49" charset="0"/>
-              </a:rPr>
-              <a:t>extends</a:t>
-            </a:r>
-            <a:r>
-              <a:rPr lang="de-DE" altLang="de-DE" sz="1400" b="1" dirty="0">
-                <a:solidFill>
-                  <a:srgbClr val="000080"/>
-                </a:solidFill>
-                <a:latin typeface="Consolas" panose="020B0609020204030204" pitchFamily="49" charset="0"/>
-                <a:cs typeface="Consolas" panose="020B0609020204030204" pitchFamily="49" charset="0"/>
-              </a:rPr>
-              <a:t> </a:t>
-            </a:r>
-            <a:r>
-              <a:rPr lang="de-DE" altLang="de-DE" sz="1400" dirty="0" err="1">
-                <a:solidFill>
-                  <a:srgbClr val="000000"/>
-                </a:solidFill>
-                <a:latin typeface="Consolas" panose="020B0609020204030204" pitchFamily="49" charset="0"/>
-                <a:cs typeface="Consolas" panose="020B0609020204030204" pitchFamily="49" charset="0"/>
-              </a:rPr>
-              <a:t>AuthenticatedWebSession</a:t>
-            </a:r>
-            <a:r>
-              <a:rPr lang="de-DE" altLang="de-DE" sz="1400" dirty="0">
-                <a:solidFill>
-                  <a:srgbClr val="000000"/>
-                </a:solidFill>
-                <a:latin typeface="Consolas" panose="020B0609020204030204" pitchFamily="49" charset="0"/>
-                <a:cs typeface="Consolas" panose="020B0609020204030204" pitchFamily="49" charset="0"/>
-              </a:rPr>
-              <a:t> {</a:t>
-            </a:r>
-            <a:br>
-              <a:rPr lang="de-DE" altLang="de-DE" sz="1400" dirty="0">
-                <a:solidFill>
-                  <a:srgbClr val="000000"/>
-                </a:solidFill>
-                <a:latin typeface="Consolas" panose="020B0609020204030204" pitchFamily="49" charset="0"/>
-                <a:cs typeface="Consolas" panose="020B0609020204030204" pitchFamily="49" charset="0"/>
-              </a:rPr>
-            </a:br>
-            <a:r>
-              <a:rPr lang="de-DE" altLang="de-DE" sz="1400" dirty="0">
-                <a:solidFill>
-                  <a:srgbClr val="000000"/>
-                </a:solidFill>
-                <a:latin typeface="Consolas" panose="020B0609020204030204" pitchFamily="49" charset="0"/>
-                <a:cs typeface="Consolas" panose="020B0609020204030204" pitchFamily="49" charset="0"/>
-              </a:rPr>
-              <a:t/>
-            </a:r>
-            <a:br>
-              <a:rPr lang="de-DE" altLang="de-DE" sz="1400" dirty="0">
-                <a:solidFill>
-                  <a:srgbClr val="000000"/>
-                </a:solidFill>
-                <a:latin typeface="Consolas" panose="020B0609020204030204" pitchFamily="49" charset="0"/>
-                <a:cs typeface="Consolas" panose="020B0609020204030204" pitchFamily="49" charset="0"/>
-              </a:rPr>
-            </a:br>
-            <a:r>
-              <a:rPr lang="de-DE" altLang="de-DE" sz="1400" dirty="0">
-                <a:solidFill>
-                  <a:srgbClr val="000000"/>
-                </a:solidFill>
-                <a:latin typeface="Consolas" panose="020B0609020204030204" pitchFamily="49" charset="0"/>
-                <a:cs typeface="Consolas" panose="020B0609020204030204" pitchFamily="49" charset="0"/>
-              </a:rPr>
-              <a:t>    </a:t>
-            </a:r>
-            <a:r>
-              <a:rPr lang="de-DE" altLang="de-DE" sz="1400" b="1" dirty="0">
-                <a:solidFill>
-                  <a:srgbClr val="000080"/>
-                </a:solidFill>
-                <a:latin typeface="Consolas" panose="020B0609020204030204" pitchFamily="49" charset="0"/>
-                <a:cs typeface="Consolas" panose="020B0609020204030204" pitchFamily="49" charset="0"/>
-              </a:rPr>
-              <a:t>private </a:t>
-            </a:r>
-            <a:r>
-              <a:rPr lang="de-DE" altLang="de-DE" sz="1400" dirty="0">
-                <a:solidFill>
-                  <a:srgbClr val="000000"/>
-                </a:solidFill>
-                <a:latin typeface="Consolas" panose="020B0609020204030204" pitchFamily="49" charset="0"/>
-                <a:cs typeface="Consolas" panose="020B0609020204030204" pitchFamily="49" charset="0"/>
-              </a:rPr>
-              <a:t>String </a:t>
-            </a:r>
-            <a:r>
-              <a:rPr lang="de-DE" altLang="de-DE" sz="1400" b="1" dirty="0" err="1">
-                <a:solidFill>
-                  <a:srgbClr val="660E7A"/>
-                </a:solidFill>
-                <a:latin typeface="Consolas" panose="020B0609020204030204" pitchFamily="49" charset="0"/>
-                <a:cs typeface="Consolas" panose="020B0609020204030204" pitchFamily="49" charset="0"/>
-              </a:rPr>
-              <a:t>username</a:t>
-            </a:r>
-            <a:r>
-              <a:rPr lang="de-DE" altLang="de-DE" sz="1400" dirty="0">
-                <a:solidFill>
-                  <a:srgbClr val="000000"/>
-                </a:solidFill>
-                <a:latin typeface="Consolas" panose="020B0609020204030204" pitchFamily="49" charset="0"/>
-                <a:cs typeface="Consolas" panose="020B0609020204030204" pitchFamily="49" charset="0"/>
-              </a:rPr>
-              <a:t>;</a:t>
-            </a:r>
-            <a:br>
-              <a:rPr lang="de-DE" altLang="de-DE" sz="1400" dirty="0">
-                <a:solidFill>
-                  <a:srgbClr val="000000"/>
-                </a:solidFill>
-                <a:latin typeface="Consolas" panose="020B0609020204030204" pitchFamily="49" charset="0"/>
-                <a:cs typeface="Consolas" panose="020B0609020204030204" pitchFamily="49" charset="0"/>
-              </a:rPr>
-            </a:br>
-            <a:r>
-              <a:rPr lang="de-DE" altLang="de-DE" sz="1400" dirty="0">
-                <a:solidFill>
-                  <a:srgbClr val="000000"/>
-                </a:solidFill>
-                <a:latin typeface="Consolas" panose="020B0609020204030204" pitchFamily="49" charset="0"/>
-                <a:cs typeface="Consolas" panose="020B0609020204030204" pitchFamily="49" charset="0"/>
-              </a:rPr>
-              <a:t/>
-            </a:r>
-            <a:br>
-              <a:rPr lang="de-DE" altLang="de-DE" sz="1400" dirty="0">
-                <a:solidFill>
-                  <a:srgbClr val="000000"/>
-                </a:solidFill>
-                <a:latin typeface="Consolas" panose="020B0609020204030204" pitchFamily="49" charset="0"/>
-                <a:cs typeface="Consolas" panose="020B0609020204030204" pitchFamily="49" charset="0"/>
-              </a:rPr>
-            </a:br>
-            <a:r>
-              <a:rPr lang="de-DE" altLang="de-DE" sz="1400" dirty="0">
-                <a:solidFill>
-                  <a:srgbClr val="000000"/>
-                </a:solidFill>
-                <a:latin typeface="Consolas" panose="020B0609020204030204" pitchFamily="49" charset="0"/>
-                <a:cs typeface="Consolas" panose="020B0609020204030204" pitchFamily="49" charset="0"/>
-              </a:rPr>
-              <a:t>    </a:t>
-            </a:r>
-            <a:r>
-              <a:rPr lang="de-DE" altLang="de-DE" sz="1400" b="1" dirty="0" err="1">
-                <a:solidFill>
-                  <a:srgbClr val="000080"/>
-                </a:solidFill>
-                <a:latin typeface="Consolas" panose="020B0609020204030204" pitchFamily="49" charset="0"/>
-                <a:cs typeface="Consolas" panose="020B0609020204030204" pitchFamily="49" charset="0"/>
-              </a:rPr>
-              <a:t>public</a:t>
-            </a:r>
-            <a:r>
-              <a:rPr lang="de-DE" altLang="de-DE" sz="1400" b="1" dirty="0">
-                <a:solidFill>
-                  <a:srgbClr val="000080"/>
-                </a:solidFill>
-                <a:latin typeface="Consolas" panose="020B0609020204030204" pitchFamily="49" charset="0"/>
-                <a:cs typeface="Consolas" panose="020B0609020204030204" pitchFamily="49" charset="0"/>
-              </a:rPr>
-              <a:t> </a:t>
-            </a:r>
-            <a:r>
-              <a:rPr lang="de-DE" altLang="de-DE" sz="1400" dirty="0" err="1">
-                <a:solidFill>
-                  <a:srgbClr val="000000"/>
-                </a:solidFill>
-                <a:latin typeface="Consolas" panose="020B0609020204030204" pitchFamily="49" charset="0"/>
-                <a:cs typeface="Consolas" panose="020B0609020204030204" pitchFamily="49" charset="0"/>
-              </a:rPr>
-              <a:t>BasicAuthenticationSession</a:t>
-            </a:r>
-            <a:r>
-              <a:rPr lang="de-DE" altLang="de-DE" sz="1400" dirty="0">
-                <a:solidFill>
-                  <a:srgbClr val="000000"/>
-                </a:solidFill>
-                <a:latin typeface="Consolas" panose="020B0609020204030204" pitchFamily="49" charset="0"/>
-                <a:cs typeface="Consolas" panose="020B0609020204030204" pitchFamily="49" charset="0"/>
-              </a:rPr>
-              <a:t>(Request </a:t>
-            </a:r>
-            <a:r>
-              <a:rPr lang="de-DE" altLang="de-DE" sz="1400" dirty="0" err="1">
-                <a:solidFill>
-                  <a:srgbClr val="000000"/>
-                </a:solidFill>
-                <a:latin typeface="Consolas" panose="020B0609020204030204" pitchFamily="49" charset="0"/>
-                <a:cs typeface="Consolas" panose="020B0609020204030204" pitchFamily="49" charset="0"/>
-              </a:rPr>
-              <a:t>request</a:t>
-            </a:r>
-            <a:r>
-              <a:rPr lang="de-DE" altLang="de-DE" sz="1400" dirty="0">
-                <a:solidFill>
-                  <a:srgbClr val="000000"/>
-                </a:solidFill>
-                <a:latin typeface="Consolas" panose="020B0609020204030204" pitchFamily="49" charset="0"/>
-                <a:cs typeface="Consolas" panose="020B0609020204030204" pitchFamily="49" charset="0"/>
-              </a:rPr>
-              <a:t>) {</a:t>
-            </a:r>
-            <a:r>
-              <a:rPr lang="de-DE" altLang="de-DE" sz="1400" b="1" dirty="0">
-                <a:solidFill>
-                  <a:srgbClr val="000080"/>
-                </a:solidFill>
-                <a:latin typeface="Consolas" panose="020B0609020204030204" pitchFamily="49" charset="0"/>
-                <a:cs typeface="Consolas" panose="020B0609020204030204" pitchFamily="49" charset="0"/>
-              </a:rPr>
-              <a:t>super</a:t>
-            </a:r>
-            <a:r>
-              <a:rPr lang="de-DE" altLang="de-DE" sz="1400" dirty="0">
-                <a:solidFill>
-                  <a:srgbClr val="000000"/>
-                </a:solidFill>
-                <a:latin typeface="Consolas" panose="020B0609020204030204" pitchFamily="49" charset="0"/>
-                <a:cs typeface="Consolas" panose="020B0609020204030204" pitchFamily="49" charset="0"/>
-              </a:rPr>
-              <a:t>(</a:t>
-            </a:r>
-            <a:r>
-              <a:rPr lang="de-DE" altLang="de-DE" sz="1400" dirty="0" err="1">
-                <a:solidFill>
-                  <a:srgbClr val="000000"/>
-                </a:solidFill>
-                <a:latin typeface="Consolas" panose="020B0609020204030204" pitchFamily="49" charset="0"/>
-                <a:cs typeface="Consolas" panose="020B0609020204030204" pitchFamily="49" charset="0"/>
-              </a:rPr>
-              <a:t>request</a:t>
-            </a:r>
-            <a:r>
-              <a:rPr lang="de-DE" altLang="de-DE" sz="1400" dirty="0">
-                <a:solidFill>
-                  <a:srgbClr val="000000"/>
-                </a:solidFill>
-                <a:latin typeface="Consolas" panose="020B0609020204030204" pitchFamily="49" charset="0"/>
-                <a:cs typeface="Consolas" panose="020B0609020204030204" pitchFamily="49" charset="0"/>
-              </a:rPr>
-              <a:t>);}</a:t>
-            </a:r>
-            <a:br>
-              <a:rPr lang="de-DE" altLang="de-DE" sz="1400" dirty="0">
-                <a:solidFill>
-                  <a:srgbClr val="000000"/>
-                </a:solidFill>
-                <a:latin typeface="Consolas" panose="020B0609020204030204" pitchFamily="49" charset="0"/>
-                <a:cs typeface="Consolas" panose="020B0609020204030204" pitchFamily="49" charset="0"/>
-              </a:rPr>
-            </a:br>
-            <a:r>
-              <a:rPr lang="de-DE" altLang="de-DE" sz="1400" dirty="0">
-                <a:solidFill>
-                  <a:srgbClr val="000000"/>
-                </a:solidFill>
-                <a:latin typeface="Consolas" panose="020B0609020204030204" pitchFamily="49" charset="0"/>
-                <a:cs typeface="Consolas" panose="020B0609020204030204" pitchFamily="49" charset="0"/>
-              </a:rPr>
-              <a:t/>
-            </a:r>
-            <a:br>
-              <a:rPr lang="de-DE" altLang="de-DE" sz="1400" dirty="0">
-                <a:solidFill>
-                  <a:srgbClr val="000000"/>
-                </a:solidFill>
-                <a:latin typeface="Consolas" panose="020B0609020204030204" pitchFamily="49" charset="0"/>
-                <a:cs typeface="Consolas" panose="020B0609020204030204" pitchFamily="49" charset="0"/>
-              </a:rPr>
-            </a:br>
-            <a:r>
-              <a:rPr lang="de-DE" altLang="de-DE" sz="1400" dirty="0">
-                <a:solidFill>
-                  <a:srgbClr val="000000"/>
-                </a:solidFill>
-                <a:latin typeface="Consolas" panose="020B0609020204030204" pitchFamily="49" charset="0"/>
-                <a:cs typeface="Consolas" panose="020B0609020204030204" pitchFamily="49" charset="0"/>
-              </a:rPr>
-              <a:t>    </a:t>
-            </a:r>
-            <a:r>
-              <a:rPr lang="de-DE" altLang="de-DE" sz="1400" dirty="0">
-                <a:solidFill>
-                  <a:srgbClr val="808000"/>
-                </a:solidFill>
-                <a:latin typeface="Consolas" panose="020B0609020204030204" pitchFamily="49" charset="0"/>
-                <a:cs typeface="Consolas" panose="020B0609020204030204" pitchFamily="49" charset="0"/>
-              </a:rPr>
-              <a:t>@</a:t>
-            </a:r>
-            <a:r>
-              <a:rPr lang="de-DE" altLang="de-DE" sz="1400" dirty="0" err="1">
-                <a:solidFill>
-                  <a:srgbClr val="808000"/>
-                </a:solidFill>
-                <a:latin typeface="Consolas" panose="020B0609020204030204" pitchFamily="49" charset="0"/>
-                <a:cs typeface="Consolas" panose="020B0609020204030204" pitchFamily="49" charset="0"/>
-              </a:rPr>
-              <a:t>Override</a:t>
-            </a:r>
-            <a:r>
-              <a:rPr lang="de-DE" altLang="de-DE" sz="1400" dirty="0">
-                <a:solidFill>
-                  <a:srgbClr val="808000"/>
-                </a:solidFill>
-                <a:latin typeface="Consolas" panose="020B0609020204030204" pitchFamily="49" charset="0"/>
-                <a:cs typeface="Consolas" panose="020B0609020204030204" pitchFamily="49" charset="0"/>
-              </a:rPr>
-              <a:t/>
-            </a:r>
-            <a:br>
-              <a:rPr lang="de-DE" altLang="de-DE" sz="1400" dirty="0">
-                <a:solidFill>
-                  <a:srgbClr val="808000"/>
-                </a:solidFill>
-                <a:latin typeface="Consolas" panose="020B0609020204030204" pitchFamily="49" charset="0"/>
-                <a:cs typeface="Consolas" panose="020B0609020204030204" pitchFamily="49" charset="0"/>
-              </a:rPr>
-            </a:br>
-            <a:r>
-              <a:rPr lang="de-DE" altLang="de-DE" sz="1400" dirty="0">
-                <a:solidFill>
-                  <a:srgbClr val="808000"/>
-                </a:solidFill>
-                <a:latin typeface="Consolas" panose="020B0609020204030204" pitchFamily="49" charset="0"/>
-                <a:cs typeface="Consolas" panose="020B0609020204030204" pitchFamily="49" charset="0"/>
-              </a:rPr>
-              <a:t>    </a:t>
-            </a:r>
-            <a:r>
-              <a:rPr lang="de-DE" altLang="de-DE" sz="1400" b="1" dirty="0" err="1">
-                <a:solidFill>
-                  <a:srgbClr val="000080"/>
-                </a:solidFill>
-                <a:latin typeface="Consolas" panose="020B0609020204030204" pitchFamily="49" charset="0"/>
-                <a:cs typeface="Consolas" panose="020B0609020204030204" pitchFamily="49" charset="0"/>
-              </a:rPr>
-              <a:t>public</a:t>
-            </a:r>
-            <a:r>
-              <a:rPr lang="de-DE" altLang="de-DE" sz="1400" b="1" dirty="0">
-                <a:solidFill>
-                  <a:srgbClr val="000080"/>
-                </a:solidFill>
-                <a:latin typeface="Consolas" panose="020B0609020204030204" pitchFamily="49" charset="0"/>
-                <a:cs typeface="Consolas" panose="020B0609020204030204" pitchFamily="49" charset="0"/>
-              </a:rPr>
-              <a:t> </a:t>
-            </a:r>
-            <a:r>
-              <a:rPr lang="de-DE" altLang="de-DE" sz="1400" b="1" dirty="0" err="1">
-                <a:solidFill>
-                  <a:srgbClr val="000080"/>
-                </a:solidFill>
-                <a:latin typeface="Consolas" panose="020B0609020204030204" pitchFamily="49" charset="0"/>
-                <a:cs typeface="Consolas" panose="020B0609020204030204" pitchFamily="49" charset="0"/>
-              </a:rPr>
-              <a:t>boolean</a:t>
-            </a:r>
-            <a:r>
-              <a:rPr lang="de-DE" altLang="de-DE" sz="1400" b="1" dirty="0">
-                <a:solidFill>
-                  <a:srgbClr val="000080"/>
-                </a:solidFill>
-                <a:latin typeface="Consolas" panose="020B0609020204030204" pitchFamily="49" charset="0"/>
-                <a:cs typeface="Consolas" panose="020B0609020204030204" pitchFamily="49" charset="0"/>
-              </a:rPr>
-              <a:t> </a:t>
-            </a:r>
-            <a:r>
-              <a:rPr lang="de-DE" altLang="de-DE" sz="1400" dirty="0" err="1">
-                <a:solidFill>
-                  <a:srgbClr val="000000"/>
-                </a:solidFill>
-                <a:latin typeface="Consolas" panose="020B0609020204030204" pitchFamily="49" charset="0"/>
-                <a:cs typeface="Consolas" panose="020B0609020204030204" pitchFamily="49" charset="0"/>
-              </a:rPr>
-              <a:t>authenticate</a:t>
-            </a:r>
-            <a:r>
-              <a:rPr lang="de-DE" altLang="de-DE" sz="1400" dirty="0">
-                <a:solidFill>
-                  <a:srgbClr val="000000"/>
-                </a:solidFill>
-                <a:latin typeface="Consolas" panose="020B0609020204030204" pitchFamily="49" charset="0"/>
-                <a:cs typeface="Consolas" panose="020B0609020204030204" pitchFamily="49" charset="0"/>
-              </a:rPr>
-              <a:t>(String </a:t>
-            </a:r>
-            <a:r>
-              <a:rPr lang="de-DE" altLang="de-DE" sz="1400" dirty="0" err="1">
-                <a:solidFill>
-                  <a:srgbClr val="000000"/>
-                </a:solidFill>
-                <a:latin typeface="Consolas" panose="020B0609020204030204" pitchFamily="49" charset="0"/>
-                <a:cs typeface="Consolas" panose="020B0609020204030204" pitchFamily="49" charset="0"/>
-              </a:rPr>
-              <a:t>username</a:t>
-            </a:r>
-            <a:r>
-              <a:rPr lang="de-DE" altLang="de-DE" sz="1400" dirty="0">
-                <a:solidFill>
-                  <a:srgbClr val="000000"/>
-                </a:solidFill>
-                <a:latin typeface="Consolas" panose="020B0609020204030204" pitchFamily="49" charset="0"/>
-                <a:cs typeface="Consolas" panose="020B0609020204030204" pitchFamily="49" charset="0"/>
-              </a:rPr>
-              <a:t>, String </a:t>
-            </a:r>
-            <a:r>
-              <a:rPr lang="de-DE" altLang="de-DE" sz="1400" dirty="0" err="1">
-                <a:solidFill>
-                  <a:srgbClr val="000000"/>
-                </a:solidFill>
-                <a:latin typeface="Consolas" panose="020B0609020204030204" pitchFamily="49" charset="0"/>
-                <a:cs typeface="Consolas" panose="020B0609020204030204" pitchFamily="49" charset="0"/>
-              </a:rPr>
-              <a:t>password</a:t>
-            </a:r>
-            <a:r>
-              <a:rPr lang="de-DE" altLang="de-DE" sz="1400" dirty="0">
-                <a:solidFill>
-                  <a:srgbClr val="000000"/>
-                </a:solidFill>
-                <a:latin typeface="Consolas" panose="020B0609020204030204" pitchFamily="49" charset="0"/>
-                <a:cs typeface="Consolas" panose="020B0609020204030204" pitchFamily="49" charset="0"/>
-              </a:rPr>
-              <a:t>) {</a:t>
-            </a:r>
-            <a:br>
-              <a:rPr lang="de-DE" altLang="de-DE" sz="1400" dirty="0">
-                <a:solidFill>
-                  <a:srgbClr val="000000"/>
-                </a:solidFill>
-                <a:latin typeface="Consolas" panose="020B0609020204030204" pitchFamily="49" charset="0"/>
-                <a:cs typeface="Consolas" panose="020B0609020204030204" pitchFamily="49" charset="0"/>
-              </a:rPr>
-            </a:br>
-            <a:r>
-              <a:rPr lang="de-DE" altLang="de-DE" sz="1400" dirty="0">
-                <a:solidFill>
-                  <a:srgbClr val="000000"/>
-                </a:solidFill>
-                <a:latin typeface="Consolas" panose="020B0609020204030204" pitchFamily="49" charset="0"/>
-                <a:cs typeface="Consolas" panose="020B0609020204030204" pitchFamily="49" charset="0"/>
-              </a:rPr>
-              <a:t>        </a:t>
-            </a:r>
-            <a:r>
-              <a:rPr lang="de-DE" altLang="de-DE" sz="1400" b="1" dirty="0" err="1">
-                <a:solidFill>
-                  <a:srgbClr val="000080"/>
-                </a:solidFill>
-                <a:latin typeface="Consolas" panose="020B0609020204030204" pitchFamily="49" charset="0"/>
-                <a:cs typeface="Consolas" panose="020B0609020204030204" pitchFamily="49" charset="0"/>
-              </a:rPr>
-              <a:t>boolean</a:t>
-            </a:r>
-            <a:r>
-              <a:rPr lang="de-DE" altLang="de-DE" sz="1400" b="1" dirty="0">
-                <a:solidFill>
-                  <a:srgbClr val="000080"/>
-                </a:solidFill>
-                <a:latin typeface="Consolas" panose="020B0609020204030204" pitchFamily="49" charset="0"/>
-                <a:cs typeface="Consolas" panose="020B0609020204030204" pitchFamily="49" charset="0"/>
-              </a:rPr>
-              <a:t> </a:t>
-            </a:r>
-            <a:r>
-              <a:rPr lang="de-DE" altLang="de-DE" sz="1400" dirty="0" err="1">
-                <a:solidFill>
-                  <a:srgbClr val="000000"/>
-                </a:solidFill>
-                <a:latin typeface="Consolas" panose="020B0609020204030204" pitchFamily="49" charset="0"/>
-                <a:cs typeface="Consolas" panose="020B0609020204030204" pitchFamily="49" charset="0"/>
-              </a:rPr>
-              <a:t>success</a:t>
-            </a:r>
-            <a:r>
-              <a:rPr lang="de-DE" altLang="de-DE" sz="1400" dirty="0">
-                <a:solidFill>
-                  <a:srgbClr val="000000"/>
-                </a:solidFill>
-                <a:latin typeface="Consolas" panose="020B0609020204030204" pitchFamily="49" charset="0"/>
-                <a:cs typeface="Consolas" panose="020B0609020204030204" pitchFamily="49" charset="0"/>
-              </a:rPr>
-              <a:t> = </a:t>
-            </a:r>
-            <a:r>
-              <a:rPr lang="de-DE" altLang="de-DE" sz="1400" b="1" dirty="0" err="1">
-                <a:solidFill>
-                  <a:srgbClr val="000080"/>
-                </a:solidFill>
-                <a:latin typeface="Consolas" panose="020B0609020204030204" pitchFamily="49" charset="0"/>
-                <a:cs typeface="Consolas" panose="020B0609020204030204" pitchFamily="49" charset="0"/>
-              </a:rPr>
-              <a:t>false</a:t>
-            </a:r>
-            <a:r>
-              <a:rPr lang="de-DE" altLang="de-DE" sz="1400" dirty="0">
-                <a:solidFill>
-                  <a:srgbClr val="000000"/>
-                </a:solidFill>
-                <a:latin typeface="Consolas" panose="020B0609020204030204" pitchFamily="49" charset="0"/>
-                <a:cs typeface="Consolas" panose="020B0609020204030204" pitchFamily="49" charset="0"/>
-              </a:rPr>
-              <a:t>;</a:t>
-            </a:r>
-            <a:br>
-              <a:rPr lang="de-DE" altLang="de-DE" sz="1400" dirty="0">
-                <a:solidFill>
-                  <a:srgbClr val="000000"/>
-                </a:solidFill>
-                <a:latin typeface="Consolas" panose="020B0609020204030204" pitchFamily="49" charset="0"/>
-                <a:cs typeface="Consolas" panose="020B0609020204030204" pitchFamily="49" charset="0"/>
-              </a:rPr>
-            </a:br>
-            <a:r>
-              <a:rPr lang="de-DE" altLang="de-DE" sz="1400" dirty="0">
-                <a:solidFill>
-                  <a:srgbClr val="000000"/>
-                </a:solidFill>
-                <a:latin typeface="Consolas" panose="020B0609020204030204" pitchFamily="49" charset="0"/>
-                <a:cs typeface="Consolas" panose="020B0609020204030204" pitchFamily="49" charset="0"/>
-              </a:rPr>
-              <a:t/>
-            </a:r>
-            <a:br>
-              <a:rPr lang="de-DE" altLang="de-DE" sz="1400" dirty="0">
-                <a:solidFill>
-                  <a:srgbClr val="000000"/>
-                </a:solidFill>
-                <a:latin typeface="Consolas" panose="020B0609020204030204" pitchFamily="49" charset="0"/>
-                <a:cs typeface="Consolas" panose="020B0609020204030204" pitchFamily="49" charset="0"/>
-              </a:rPr>
-            </a:br>
-            <a:r>
-              <a:rPr lang="de-DE" altLang="de-DE" sz="1400" dirty="0">
-                <a:solidFill>
-                  <a:srgbClr val="000000"/>
-                </a:solidFill>
-                <a:latin typeface="Consolas" panose="020B0609020204030204" pitchFamily="49" charset="0"/>
-                <a:cs typeface="Consolas" panose="020B0609020204030204" pitchFamily="49" charset="0"/>
-              </a:rPr>
-              <a:t>        </a:t>
-            </a:r>
-            <a:r>
-              <a:rPr lang="de-DE" altLang="de-DE" sz="1400" i="1" dirty="0">
-                <a:solidFill>
-                  <a:srgbClr val="808080"/>
-                </a:solidFill>
-                <a:latin typeface="Consolas" panose="020B0609020204030204" pitchFamily="49" charset="0"/>
-                <a:cs typeface="Consolas" panose="020B0609020204030204" pitchFamily="49" charset="0"/>
-              </a:rPr>
-              <a:t>// Dies ist nur ein Beispiel!</a:t>
-            </a:r>
-            <a:br>
-              <a:rPr lang="de-DE" altLang="de-DE" sz="1400" i="1" dirty="0">
-                <a:solidFill>
-                  <a:srgbClr val="808080"/>
-                </a:solidFill>
-                <a:latin typeface="Consolas" panose="020B0609020204030204" pitchFamily="49" charset="0"/>
-                <a:cs typeface="Consolas" panose="020B0609020204030204" pitchFamily="49" charset="0"/>
-              </a:rPr>
-            </a:br>
-            <a:r>
-              <a:rPr lang="de-DE" altLang="de-DE" sz="1400" i="1" dirty="0">
-                <a:solidFill>
-                  <a:srgbClr val="808080"/>
-                </a:solidFill>
-                <a:latin typeface="Consolas" panose="020B0609020204030204" pitchFamily="49" charset="0"/>
-                <a:cs typeface="Consolas" panose="020B0609020204030204" pitchFamily="49" charset="0"/>
-              </a:rPr>
-              <a:t>        </a:t>
-            </a:r>
-            <a:r>
-              <a:rPr lang="de-DE" altLang="de-DE" sz="1400" b="1" dirty="0" err="1">
-                <a:solidFill>
-                  <a:srgbClr val="000080"/>
-                </a:solidFill>
-                <a:latin typeface="Consolas" panose="020B0609020204030204" pitchFamily="49" charset="0"/>
-                <a:cs typeface="Consolas" panose="020B0609020204030204" pitchFamily="49" charset="0"/>
-              </a:rPr>
-              <a:t>if</a:t>
-            </a:r>
-            <a:r>
-              <a:rPr lang="de-DE" altLang="de-DE" sz="1400" b="1" dirty="0">
-                <a:solidFill>
-                  <a:srgbClr val="000080"/>
-                </a:solidFill>
-                <a:latin typeface="Consolas" panose="020B0609020204030204" pitchFamily="49" charset="0"/>
-                <a:cs typeface="Consolas" panose="020B0609020204030204" pitchFamily="49" charset="0"/>
-              </a:rPr>
-              <a:t> </a:t>
-            </a:r>
-            <a:r>
-              <a:rPr lang="de-DE" altLang="de-DE" sz="1400" dirty="0">
-                <a:solidFill>
-                  <a:srgbClr val="000000"/>
-                </a:solidFill>
-                <a:latin typeface="Consolas" panose="020B0609020204030204" pitchFamily="49" charset="0"/>
-                <a:cs typeface="Consolas" panose="020B0609020204030204" pitchFamily="49" charset="0"/>
-              </a:rPr>
-              <a:t>(</a:t>
-            </a:r>
-            <a:r>
-              <a:rPr lang="de-DE" altLang="de-DE" sz="1400" dirty="0" err="1">
-                <a:solidFill>
-                  <a:srgbClr val="000000"/>
-                </a:solidFill>
-                <a:latin typeface="Consolas" panose="020B0609020204030204" pitchFamily="49" charset="0"/>
-                <a:cs typeface="Consolas" panose="020B0609020204030204" pitchFamily="49" charset="0"/>
-              </a:rPr>
-              <a:t>username.equals</a:t>
-            </a:r>
-            <a:r>
-              <a:rPr lang="de-DE" altLang="de-DE" sz="1400" dirty="0">
-                <a:solidFill>
-                  <a:srgbClr val="000000"/>
-                </a:solidFill>
-                <a:latin typeface="Consolas" panose="020B0609020204030204" pitchFamily="49" charset="0"/>
-                <a:cs typeface="Consolas" panose="020B0609020204030204" pitchFamily="49" charset="0"/>
-              </a:rPr>
-              <a:t>(</a:t>
-            </a:r>
-            <a:r>
-              <a:rPr lang="de-DE" altLang="de-DE" sz="1400" b="1" dirty="0">
-                <a:solidFill>
-                  <a:srgbClr val="008000"/>
-                </a:solidFill>
-                <a:latin typeface="Consolas" panose="020B0609020204030204" pitchFamily="49" charset="0"/>
-                <a:cs typeface="Consolas" panose="020B0609020204030204" pitchFamily="49" charset="0"/>
-              </a:rPr>
-              <a:t>"</a:t>
-            </a:r>
-            <a:r>
-              <a:rPr lang="de-DE" altLang="de-DE" sz="1400" b="1" dirty="0" err="1">
-                <a:solidFill>
-                  <a:srgbClr val="008000"/>
-                </a:solidFill>
-                <a:latin typeface="Consolas" panose="020B0609020204030204" pitchFamily="49" charset="0"/>
-                <a:cs typeface="Consolas" panose="020B0609020204030204" pitchFamily="49" charset="0"/>
-              </a:rPr>
-              <a:t>Wicket</a:t>
-            </a:r>
-            <a:r>
-              <a:rPr lang="de-DE" altLang="de-DE" sz="1400" b="1" dirty="0">
-                <a:solidFill>
-                  <a:srgbClr val="008000"/>
-                </a:solidFill>
-                <a:latin typeface="Consolas" panose="020B0609020204030204" pitchFamily="49" charset="0"/>
-                <a:cs typeface="Consolas" panose="020B0609020204030204" pitchFamily="49" charset="0"/>
-              </a:rPr>
-              <a:t>"</a:t>
-            </a:r>
-            <a:r>
-              <a:rPr lang="de-DE" altLang="de-DE" sz="1400" dirty="0">
-                <a:solidFill>
-                  <a:srgbClr val="000000"/>
-                </a:solidFill>
-                <a:latin typeface="Consolas" panose="020B0609020204030204" pitchFamily="49" charset="0"/>
-                <a:cs typeface="Consolas" panose="020B0609020204030204" pitchFamily="49" charset="0"/>
-              </a:rPr>
-              <a:t>) &amp;&amp; </a:t>
-            </a:r>
-            <a:r>
-              <a:rPr lang="de-DE" altLang="de-DE" sz="1400" dirty="0" err="1">
-                <a:solidFill>
-                  <a:srgbClr val="000000"/>
-                </a:solidFill>
-                <a:latin typeface="Consolas" panose="020B0609020204030204" pitchFamily="49" charset="0"/>
-                <a:cs typeface="Consolas" panose="020B0609020204030204" pitchFamily="49" charset="0"/>
-              </a:rPr>
-              <a:t>password.equals</a:t>
-            </a:r>
-            <a:r>
-              <a:rPr lang="de-DE" altLang="de-DE" sz="1400" dirty="0">
-                <a:solidFill>
-                  <a:srgbClr val="000000"/>
-                </a:solidFill>
-                <a:latin typeface="Consolas" panose="020B0609020204030204" pitchFamily="49" charset="0"/>
-                <a:cs typeface="Consolas" panose="020B0609020204030204" pitchFamily="49" charset="0"/>
-              </a:rPr>
-              <a:t>(</a:t>
-            </a:r>
-            <a:r>
-              <a:rPr lang="de-DE" altLang="de-DE" sz="1400" b="1" dirty="0">
-                <a:solidFill>
-                  <a:srgbClr val="008000"/>
-                </a:solidFill>
-                <a:latin typeface="Consolas" panose="020B0609020204030204" pitchFamily="49" charset="0"/>
-                <a:cs typeface="Consolas" panose="020B0609020204030204" pitchFamily="49" charset="0"/>
-              </a:rPr>
-              <a:t>"Training"</a:t>
-            </a:r>
-            <a:r>
-              <a:rPr lang="de-DE" altLang="de-DE" sz="1400" dirty="0">
-                <a:solidFill>
-                  <a:srgbClr val="000000"/>
-                </a:solidFill>
-                <a:latin typeface="Consolas" panose="020B0609020204030204" pitchFamily="49" charset="0"/>
-                <a:cs typeface="Consolas" panose="020B0609020204030204" pitchFamily="49" charset="0"/>
-              </a:rPr>
-              <a:t>)){</a:t>
-            </a:r>
-            <a:br>
-              <a:rPr lang="de-DE" altLang="de-DE" sz="1400" dirty="0">
-                <a:solidFill>
-                  <a:srgbClr val="000000"/>
-                </a:solidFill>
-                <a:latin typeface="Consolas" panose="020B0609020204030204" pitchFamily="49" charset="0"/>
-                <a:cs typeface="Consolas" panose="020B0609020204030204" pitchFamily="49" charset="0"/>
-              </a:rPr>
-            </a:br>
-            <a:r>
-              <a:rPr lang="de-DE" altLang="de-DE" sz="1400" dirty="0">
-                <a:solidFill>
-                  <a:srgbClr val="000000"/>
-                </a:solidFill>
-                <a:latin typeface="Consolas" panose="020B0609020204030204" pitchFamily="49" charset="0"/>
-                <a:cs typeface="Consolas" panose="020B0609020204030204" pitchFamily="49" charset="0"/>
-              </a:rPr>
-              <a:t>            </a:t>
-            </a:r>
-            <a:r>
-              <a:rPr lang="de-DE" altLang="de-DE" sz="1400" b="1" dirty="0" err="1">
-                <a:solidFill>
-                  <a:srgbClr val="000080"/>
-                </a:solidFill>
-                <a:latin typeface="Consolas" panose="020B0609020204030204" pitchFamily="49" charset="0"/>
-                <a:cs typeface="Consolas" panose="020B0609020204030204" pitchFamily="49" charset="0"/>
-              </a:rPr>
-              <a:t>this</a:t>
-            </a:r>
-            <a:r>
-              <a:rPr lang="de-DE" altLang="de-DE" sz="1400" dirty="0" err="1">
-                <a:solidFill>
-                  <a:srgbClr val="000000"/>
-                </a:solidFill>
-                <a:latin typeface="Consolas" panose="020B0609020204030204" pitchFamily="49" charset="0"/>
-                <a:cs typeface="Consolas" panose="020B0609020204030204" pitchFamily="49" charset="0"/>
-              </a:rPr>
-              <a:t>.</a:t>
-            </a:r>
-            <a:r>
-              <a:rPr lang="de-DE" altLang="de-DE" sz="1400" b="1" dirty="0" err="1">
-                <a:solidFill>
-                  <a:srgbClr val="660E7A"/>
-                </a:solidFill>
-                <a:latin typeface="Consolas" panose="020B0609020204030204" pitchFamily="49" charset="0"/>
-                <a:cs typeface="Consolas" panose="020B0609020204030204" pitchFamily="49" charset="0"/>
-              </a:rPr>
-              <a:t>username</a:t>
-            </a:r>
-            <a:r>
-              <a:rPr lang="de-DE" altLang="de-DE" sz="1400" b="1" dirty="0">
-                <a:solidFill>
-                  <a:srgbClr val="660E7A"/>
-                </a:solidFill>
-                <a:latin typeface="Consolas" panose="020B0609020204030204" pitchFamily="49" charset="0"/>
-                <a:cs typeface="Consolas" panose="020B0609020204030204" pitchFamily="49" charset="0"/>
-              </a:rPr>
-              <a:t> </a:t>
-            </a:r>
-            <a:r>
-              <a:rPr lang="de-DE" altLang="de-DE" sz="1400" dirty="0">
-                <a:solidFill>
-                  <a:srgbClr val="000000"/>
-                </a:solidFill>
-                <a:latin typeface="Consolas" panose="020B0609020204030204" pitchFamily="49" charset="0"/>
-                <a:cs typeface="Consolas" panose="020B0609020204030204" pitchFamily="49" charset="0"/>
-              </a:rPr>
-              <a:t>= </a:t>
-            </a:r>
-            <a:r>
-              <a:rPr lang="de-DE" altLang="de-DE" sz="1400" dirty="0" err="1">
-                <a:solidFill>
-                  <a:srgbClr val="000000"/>
-                </a:solidFill>
-                <a:latin typeface="Consolas" panose="020B0609020204030204" pitchFamily="49" charset="0"/>
-                <a:cs typeface="Consolas" panose="020B0609020204030204" pitchFamily="49" charset="0"/>
-              </a:rPr>
-              <a:t>username</a:t>
-            </a:r>
-            <a:r>
-              <a:rPr lang="de-DE" altLang="de-DE" sz="1400" dirty="0">
-                <a:solidFill>
-                  <a:srgbClr val="000000"/>
-                </a:solidFill>
-                <a:latin typeface="Consolas" panose="020B0609020204030204" pitchFamily="49" charset="0"/>
-                <a:cs typeface="Consolas" panose="020B0609020204030204" pitchFamily="49" charset="0"/>
-              </a:rPr>
-              <a:t>;</a:t>
-            </a:r>
-            <a:br>
-              <a:rPr lang="de-DE" altLang="de-DE" sz="1400" dirty="0">
-                <a:solidFill>
-                  <a:srgbClr val="000000"/>
-                </a:solidFill>
-                <a:latin typeface="Consolas" panose="020B0609020204030204" pitchFamily="49" charset="0"/>
-                <a:cs typeface="Consolas" panose="020B0609020204030204" pitchFamily="49" charset="0"/>
-              </a:rPr>
-            </a:br>
-            <a:r>
-              <a:rPr lang="de-DE" altLang="de-DE" sz="1400" dirty="0">
-                <a:solidFill>
-                  <a:srgbClr val="000000"/>
-                </a:solidFill>
-                <a:latin typeface="Consolas" panose="020B0609020204030204" pitchFamily="49" charset="0"/>
-                <a:cs typeface="Consolas" panose="020B0609020204030204" pitchFamily="49" charset="0"/>
-              </a:rPr>
-              <a:t>            </a:t>
-            </a:r>
-            <a:r>
-              <a:rPr lang="de-DE" altLang="de-DE" sz="1400" dirty="0" err="1">
-                <a:solidFill>
-                  <a:srgbClr val="000000"/>
-                </a:solidFill>
-                <a:latin typeface="Consolas" panose="020B0609020204030204" pitchFamily="49" charset="0"/>
-                <a:cs typeface="Consolas" panose="020B0609020204030204" pitchFamily="49" charset="0"/>
-              </a:rPr>
-              <a:t>success</a:t>
-            </a:r>
-            <a:r>
-              <a:rPr lang="de-DE" altLang="de-DE" sz="1400" dirty="0">
-                <a:solidFill>
-                  <a:srgbClr val="000000"/>
-                </a:solidFill>
-                <a:latin typeface="Consolas" panose="020B0609020204030204" pitchFamily="49" charset="0"/>
-                <a:cs typeface="Consolas" panose="020B0609020204030204" pitchFamily="49" charset="0"/>
-              </a:rPr>
-              <a:t> = </a:t>
-            </a:r>
-            <a:r>
-              <a:rPr lang="de-DE" altLang="de-DE" sz="1400" b="1" dirty="0" err="1">
-                <a:solidFill>
-                  <a:srgbClr val="000080"/>
-                </a:solidFill>
-                <a:latin typeface="Consolas" panose="020B0609020204030204" pitchFamily="49" charset="0"/>
-                <a:cs typeface="Consolas" panose="020B0609020204030204" pitchFamily="49" charset="0"/>
-              </a:rPr>
-              <a:t>true</a:t>
-            </a:r>
-            <a:r>
-              <a:rPr lang="de-DE" altLang="de-DE" sz="1400" dirty="0">
-                <a:solidFill>
-                  <a:srgbClr val="000000"/>
-                </a:solidFill>
-                <a:latin typeface="Consolas" panose="020B0609020204030204" pitchFamily="49" charset="0"/>
-                <a:cs typeface="Consolas" panose="020B0609020204030204" pitchFamily="49" charset="0"/>
-              </a:rPr>
-              <a:t>;</a:t>
-            </a:r>
-            <a:br>
-              <a:rPr lang="de-DE" altLang="de-DE" sz="1400" dirty="0">
-                <a:solidFill>
-                  <a:srgbClr val="000000"/>
-                </a:solidFill>
-                <a:latin typeface="Consolas" panose="020B0609020204030204" pitchFamily="49" charset="0"/>
-                <a:cs typeface="Consolas" panose="020B0609020204030204" pitchFamily="49" charset="0"/>
-              </a:rPr>
-            </a:br>
-            <a:r>
-              <a:rPr lang="de-DE" altLang="de-DE" sz="1400" dirty="0">
-                <a:solidFill>
-                  <a:srgbClr val="000000"/>
-                </a:solidFill>
-                <a:latin typeface="Consolas" panose="020B0609020204030204" pitchFamily="49" charset="0"/>
-                <a:cs typeface="Consolas" panose="020B0609020204030204" pitchFamily="49" charset="0"/>
-              </a:rPr>
-              <a:t>        }</a:t>
-            </a:r>
-            <a:br>
-              <a:rPr lang="de-DE" altLang="de-DE" sz="1400" dirty="0">
-                <a:solidFill>
-                  <a:srgbClr val="000000"/>
-                </a:solidFill>
-                <a:latin typeface="Consolas" panose="020B0609020204030204" pitchFamily="49" charset="0"/>
-                <a:cs typeface="Consolas" panose="020B0609020204030204" pitchFamily="49" charset="0"/>
-              </a:rPr>
-            </a:br>
-            <a:r>
-              <a:rPr lang="de-DE" altLang="de-DE" sz="1400" dirty="0">
-                <a:solidFill>
-                  <a:srgbClr val="000000"/>
-                </a:solidFill>
-                <a:latin typeface="Consolas" panose="020B0609020204030204" pitchFamily="49" charset="0"/>
-                <a:cs typeface="Consolas" panose="020B0609020204030204" pitchFamily="49" charset="0"/>
-              </a:rPr>
-              <a:t/>
-            </a:r>
-            <a:br>
-              <a:rPr lang="de-DE" altLang="de-DE" sz="1400" dirty="0">
-                <a:solidFill>
-                  <a:srgbClr val="000000"/>
-                </a:solidFill>
-                <a:latin typeface="Consolas" panose="020B0609020204030204" pitchFamily="49" charset="0"/>
-                <a:cs typeface="Consolas" panose="020B0609020204030204" pitchFamily="49" charset="0"/>
-              </a:rPr>
-            </a:br>
-            <a:r>
-              <a:rPr lang="de-DE" altLang="de-DE" sz="1400" dirty="0">
-                <a:solidFill>
-                  <a:srgbClr val="000000"/>
-                </a:solidFill>
-                <a:latin typeface="Consolas" panose="020B0609020204030204" pitchFamily="49" charset="0"/>
-                <a:cs typeface="Consolas" panose="020B0609020204030204" pitchFamily="49" charset="0"/>
-              </a:rPr>
-              <a:t>        </a:t>
-            </a:r>
-            <a:r>
-              <a:rPr lang="de-DE" altLang="de-DE" sz="1400" b="1" dirty="0" err="1">
-                <a:solidFill>
-                  <a:srgbClr val="000080"/>
-                </a:solidFill>
-                <a:latin typeface="Consolas" panose="020B0609020204030204" pitchFamily="49" charset="0"/>
-                <a:cs typeface="Consolas" panose="020B0609020204030204" pitchFamily="49" charset="0"/>
-              </a:rPr>
-              <a:t>return</a:t>
-            </a:r>
-            <a:r>
-              <a:rPr lang="de-DE" altLang="de-DE" sz="1400" b="1" dirty="0">
-                <a:solidFill>
-                  <a:srgbClr val="000080"/>
-                </a:solidFill>
-                <a:latin typeface="Consolas" panose="020B0609020204030204" pitchFamily="49" charset="0"/>
-                <a:cs typeface="Consolas" panose="020B0609020204030204" pitchFamily="49" charset="0"/>
-              </a:rPr>
-              <a:t> </a:t>
-            </a:r>
-            <a:r>
-              <a:rPr lang="de-DE" altLang="de-DE" sz="1400" dirty="0" err="1">
-                <a:solidFill>
-                  <a:srgbClr val="000000"/>
-                </a:solidFill>
-                <a:latin typeface="Consolas" panose="020B0609020204030204" pitchFamily="49" charset="0"/>
-                <a:cs typeface="Consolas" panose="020B0609020204030204" pitchFamily="49" charset="0"/>
-              </a:rPr>
-              <a:t>success</a:t>
-            </a:r>
-            <a:r>
-              <a:rPr lang="de-DE" altLang="de-DE" sz="1400" dirty="0">
-                <a:solidFill>
-                  <a:srgbClr val="000000"/>
-                </a:solidFill>
-                <a:latin typeface="Consolas" panose="020B0609020204030204" pitchFamily="49" charset="0"/>
-                <a:cs typeface="Consolas" panose="020B0609020204030204" pitchFamily="49" charset="0"/>
-              </a:rPr>
-              <a:t>;</a:t>
-            </a:r>
-            <a:br>
-              <a:rPr lang="de-DE" altLang="de-DE" sz="1400" dirty="0">
-                <a:solidFill>
-                  <a:srgbClr val="000000"/>
-                </a:solidFill>
-                <a:latin typeface="Consolas" panose="020B0609020204030204" pitchFamily="49" charset="0"/>
-                <a:cs typeface="Consolas" panose="020B0609020204030204" pitchFamily="49" charset="0"/>
-              </a:rPr>
-            </a:br>
-            <a:r>
-              <a:rPr lang="de-DE" altLang="de-DE" sz="1400" dirty="0">
-                <a:solidFill>
-                  <a:srgbClr val="000000"/>
-                </a:solidFill>
-                <a:latin typeface="Consolas" panose="020B0609020204030204" pitchFamily="49" charset="0"/>
-                <a:cs typeface="Consolas" panose="020B0609020204030204" pitchFamily="49" charset="0"/>
-              </a:rPr>
-              <a:t>    }</a:t>
-            </a:r>
-            <a:br>
-              <a:rPr lang="de-DE" altLang="de-DE" sz="1400" dirty="0">
-                <a:solidFill>
-                  <a:srgbClr val="000000"/>
-                </a:solidFill>
-                <a:latin typeface="Consolas" panose="020B0609020204030204" pitchFamily="49" charset="0"/>
-                <a:cs typeface="Consolas" panose="020B0609020204030204" pitchFamily="49" charset="0"/>
-              </a:rPr>
-            </a:br>
-            <a:r>
-              <a:rPr lang="de-DE" altLang="de-DE" sz="1400" dirty="0">
-                <a:solidFill>
-                  <a:srgbClr val="000000"/>
-                </a:solidFill>
-                <a:latin typeface="Consolas" panose="020B0609020204030204" pitchFamily="49" charset="0"/>
-                <a:cs typeface="Consolas" panose="020B0609020204030204" pitchFamily="49" charset="0"/>
-              </a:rPr>
-              <a:t/>
-            </a:r>
-            <a:br>
-              <a:rPr lang="de-DE" altLang="de-DE" sz="1400" dirty="0">
-                <a:solidFill>
-                  <a:srgbClr val="000000"/>
-                </a:solidFill>
-                <a:latin typeface="Consolas" panose="020B0609020204030204" pitchFamily="49" charset="0"/>
-                <a:cs typeface="Consolas" panose="020B0609020204030204" pitchFamily="49" charset="0"/>
-              </a:rPr>
-            </a:br>
-            <a:r>
-              <a:rPr lang="de-DE" altLang="de-DE" sz="1400" dirty="0">
-                <a:solidFill>
-                  <a:srgbClr val="000000"/>
-                </a:solidFill>
-                <a:latin typeface="Consolas" panose="020B0609020204030204" pitchFamily="49" charset="0"/>
-                <a:cs typeface="Consolas" panose="020B0609020204030204" pitchFamily="49" charset="0"/>
-              </a:rPr>
-              <a:t>    </a:t>
-            </a:r>
-            <a:r>
-              <a:rPr lang="de-DE" altLang="de-DE" sz="1400" dirty="0">
-                <a:solidFill>
-                  <a:srgbClr val="808000"/>
-                </a:solidFill>
-                <a:latin typeface="Consolas" panose="020B0609020204030204" pitchFamily="49" charset="0"/>
-                <a:cs typeface="Consolas" panose="020B0609020204030204" pitchFamily="49" charset="0"/>
-              </a:rPr>
-              <a:t>@</a:t>
-            </a:r>
-            <a:r>
-              <a:rPr lang="de-DE" altLang="de-DE" sz="1400" dirty="0" err="1">
-                <a:solidFill>
-                  <a:srgbClr val="808000"/>
-                </a:solidFill>
-                <a:latin typeface="Consolas" panose="020B0609020204030204" pitchFamily="49" charset="0"/>
-                <a:cs typeface="Consolas" panose="020B0609020204030204" pitchFamily="49" charset="0"/>
-              </a:rPr>
-              <a:t>Override</a:t>
-            </a:r>
-            <a:r>
-              <a:rPr lang="de-DE" altLang="de-DE" sz="1400" dirty="0">
-                <a:solidFill>
-                  <a:srgbClr val="808000"/>
-                </a:solidFill>
-                <a:latin typeface="Consolas" panose="020B0609020204030204" pitchFamily="49" charset="0"/>
-                <a:cs typeface="Consolas" panose="020B0609020204030204" pitchFamily="49" charset="0"/>
-              </a:rPr>
-              <a:t/>
-            </a:r>
-            <a:br>
-              <a:rPr lang="de-DE" altLang="de-DE" sz="1400" dirty="0">
-                <a:solidFill>
-                  <a:srgbClr val="808000"/>
-                </a:solidFill>
-                <a:latin typeface="Consolas" panose="020B0609020204030204" pitchFamily="49" charset="0"/>
-                <a:cs typeface="Consolas" panose="020B0609020204030204" pitchFamily="49" charset="0"/>
-              </a:rPr>
-            </a:br>
-            <a:r>
-              <a:rPr lang="de-DE" altLang="de-DE" sz="1400" dirty="0">
-                <a:solidFill>
-                  <a:srgbClr val="808000"/>
-                </a:solidFill>
-                <a:latin typeface="Consolas" panose="020B0609020204030204" pitchFamily="49" charset="0"/>
-                <a:cs typeface="Consolas" panose="020B0609020204030204" pitchFamily="49" charset="0"/>
-              </a:rPr>
-              <a:t>    </a:t>
-            </a:r>
-            <a:r>
-              <a:rPr lang="de-DE" altLang="de-DE" sz="1400" b="1" dirty="0" err="1">
-                <a:solidFill>
-                  <a:srgbClr val="000080"/>
-                </a:solidFill>
-                <a:latin typeface="Consolas" panose="020B0609020204030204" pitchFamily="49" charset="0"/>
-                <a:cs typeface="Consolas" panose="020B0609020204030204" pitchFamily="49" charset="0"/>
-              </a:rPr>
-              <a:t>public</a:t>
-            </a:r>
-            <a:r>
-              <a:rPr lang="de-DE" altLang="de-DE" sz="1400" b="1" dirty="0">
-                <a:solidFill>
-                  <a:srgbClr val="000080"/>
-                </a:solidFill>
-                <a:latin typeface="Consolas" panose="020B0609020204030204" pitchFamily="49" charset="0"/>
-                <a:cs typeface="Consolas" panose="020B0609020204030204" pitchFamily="49" charset="0"/>
-              </a:rPr>
-              <a:t> </a:t>
-            </a:r>
-            <a:r>
-              <a:rPr lang="de-DE" altLang="de-DE" sz="1400" dirty="0" err="1">
-                <a:solidFill>
-                  <a:srgbClr val="000000"/>
-                </a:solidFill>
-                <a:latin typeface="Consolas" panose="020B0609020204030204" pitchFamily="49" charset="0"/>
-                <a:cs typeface="Consolas" panose="020B0609020204030204" pitchFamily="49" charset="0"/>
-              </a:rPr>
-              <a:t>Roles</a:t>
-            </a:r>
-            <a:r>
-              <a:rPr lang="de-DE" altLang="de-DE" sz="1400" dirty="0">
-                <a:solidFill>
-                  <a:srgbClr val="000000"/>
-                </a:solidFill>
-                <a:latin typeface="Consolas" panose="020B0609020204030204" pitchFamily="49" charset="0"/>
-                <a:cs typeface="Consolas" panose="020B0609020204030204" pitchFamily="49" charset="0"/>
-              </a:rPr>
-              <a:t> </a:t>
-            </a:r>
-            <a:r>
-              <a:rPr lang="de-DE" altLang="de-DE" sz="1400" dirty="0" err="1">
-                <a:solidFill>
-                  <a:srgbClr val="000000"/>
-                </a:solidFill>
-                <a:latin typeface="Consolas" panose="020B0609020204030204" pitchFamily="49" charset="0"/>
-                <a:cs typeface="Consolas" panose="020B0609020204030204" pitchFamily="49" charset="0"/>
-              </a:rPr>
-              <a:t>getRoles</a:t>
-            </a:r>
-            <a:r>
-              <a:rPr lang="de-DE" altLang="de-DE" sz="1400" dirty="0">
-                <a:solidFill>
-                  <a:srgbClr val="000000"/>
-                </a:solidFill>
-                <a:latin typeface="Consolas" panose="020B0609020204030204" pitchFamily="49" charset="0"/>
-                <a:cs typeface="Consolas" panose="020B0609020204030204" pitchFamily="49" charset="0"/>
-              </a:rPr>
-              <a:t>() {</a:t>
-            </a:r>
-            <a:r>
-              <a:rPr lang="de-DE" altLang="de-DE" sz="1400" b="1" dirty="0" err="1">
-                <a:solidFill>
-                  <a:srgbClr val="000080"/>
-                </a:solidFill>
-                <a:latin typeface="Consolas" panose="020B0609020204030204" pitchFamily="49" charset="0"/>
-                <a:cs typeface="Consolas" panose="020B0609020204030204" pitchFamily="49" charset="0"/>
-              </a:rPr>
-              <a:t>return</a:t>
-            </a:r>
-            <a:r>
-              <a:rPr lang="de-DE" altLang="de-DE" sz="1400" b="1" dirty="0">
-                <a:solidFill>
-                  <a:srgbClr val="000080"/>
-                </a:solidFill>
-                <a:latin typeface="Consolas" panose="020B0609020204030204" pitchFamily="49" charset="0"/>
-                <a:cs typeface="Consolas" panose="020B0609020204030204" pitchFamily="49" charset="0"/>
-              </a:rPr>
-              <a:t> null</a:t>
-            </a:r>
-            <a:r>
-              <a:rPr lang="de-DE" altLang="de-DE" sz="1400" dirty="0">
-                <a:solidFill>
-                  <a:srgbClr val="000000"/>
-                </a:solidFill>
-                <a:latin typeface="Consolas" panose="020B0609020204030204" pitchFamily="49" charset="0"/>
-                <a:cs typeface="Consolas" panose="020B0609020204030204" pitchFamily="49" charset="0"/>
-              </a:rPr>
-              <a:t>;}</a:t>
-            </a:r>
-            <a:br>
-              <a:rPr lang="de-DE" altLang="de-DE" sz="1400" dirty="0">
-                <a:solidFill>
-                  <a:srgbClr val="000000"/>
-                </a:solidFill>
-                <a:latin typeface="Consolas" panose="020B0609020204030204" pitchFamily="49" charset="0"/>
-                <a:cs typeface="Consolas" panose="020B0609020204030204" pitchFamily="49" charset="0"/>
-              </a:rPr>
-            </a:br>
-            <a:r>
-              <a:rPr lang="de-DE" altLang="de-DE" sz="1400" dirty="0">
-                <a:solidFill>
-                  <a:srgbClr val="000000"/>
-                </a:solidFill>
-                <a:latin typeface="Consolas" panose="020B0609020204030204" pitchFamily="49" charset="0"/>
-                <a:cs typeface="Consolas" panose="020B0609020204030204" pitchFamily="49" charset="0"/>
-              </a:rPr>
-              <a:t/>
-            </a:r>
-            <a:br>
-              <a:rPr lang="de-DE" altLang="de-DE" sz="1400" dirty="0">
-                <a:solidFill>
-                  <a:srgbClr val="000000"/>
-                </a:solidFill>
-                <a:latin typeface="Consolas" panose="020B0609020204030204" pitchFamily="49" charset="0"/>
-                <a:cs typeface="Consolas" panose="020B0609020204030204" pitchFamily="49" charset="0"/>
-              </a:rPr>
-            </a:br>
-            <a:r>
-              <a:rPr lang="de-DE" altLang="de-DE" sz="1400" dirty="0">
-                <a:solidFill>
-                  <a:srgbClr val="000000"/>
-                </a:solidFill>
-                <a:latin typeface="Consolas" panose="020B0609020204030204" pitchFamily="49" charset="0"/>
-                <a:cs typeface="Consolas" panose="020B0609020204030204" pitchFamily="49" charset="0"/>
-              </a:rPr>
-              <a:t>    </a:t>
-            </a:r>
-            <a:r>
-              <a:rPr lang="de-DE" altLang="de-DE" sz="1400" b="1" dirty="0" err="1">
-                <a:solidFill>
-                  <a:srgbClr val="000080"/>
-                </a:solidFill>
-                <a:latin typeface="Consolas" panose="020B0609020204030204" pitchFamily="49" charset="0"/>
-                <a:cs typeface="Consolas" panose="020B0609020204030204" pitchFamily="49" charset="0"/>
-              </a:rPr>
-              <a:t>public</a:t>
-            </a:r>
-            <a:r>
-              <a:rPr lang="de-DE" altLang="de-DE" sz="1400" b="1" dirty="0">
-                <a:solidFill>
-                  <a:srgbClr val="000080"/>
-                </a:solidFill>
-                <a:latin typeface="Consolas" panose="020B0609020204030204" pitchFamily="49" charset="0"/>
-                <a:cs typeface="Consolas" panose="020B0609020204030204" pitchFamily="49" charset="0"/>
-              </a:rPr>
-              <a:t> </a:t>
-            </a:r>
-            <a:r>
-              <a:rPr lang="de-DE" altLang="de-DE" sz="1400" dirty="0">
-                <a:solidFill>
-                  <a:srgbClr val="000000"/>
-                </a:solidFill>
-                <a:latin typeface="Consolas" panose="020B0609020204030204" pitchFamily="49" charset="0"/>
-                <a:cs typeface="Consolas" panose="020B0609020204030204" pitchFamily="49" charset="0"/>
-              </a:rPr>
-              <a:t>String </a:t>
-            </a:r>
-            <a:r>
-              <a:rPr lang="de-DE" altLang="de-DE" sz="1400" dirty="0" err="1">
-                <a:solidFill>
-                  <a:srgbClr val="000000"/>
-                </a:solidFill>
-                <a:latin typeface="Consolas" panose="020B0609020204030204" pitchFamily="49" charset="0"/>
-                <a:cs typeface="Consolas" panose="020B0609020204030204" pitchFamily="49" charset="0"/>
-              </a:rPr>
-              <a:t>getUsername</a:t>
-            </a:r>
-            <a:r>
-              <a:rPr lang="de-DE" altLang="de-DE" sz="1400" dirty="0">
-                <a:solidFill>
-                  <a:srgbClr val="000000"/>
-                </a:solidFill>
-                <a:latin typeface="Consolas" panose="020B0609020204030204" pitchFamily="49" charset="0"/>
-                <a:cs typeface="Consolas" panose="020B0609020204030204" pitchFamily="49" charset="0"/>
-              </a:rPr>
-              <a:t>() {</a:t>
-            </a:r>
-            <a:r>
-              <a:rPr lang="de-DE" altLang="de-DE" sz="1400" b="1" dirty="0" err="1">
-                <a:solidFill>
-                  <a:srgbClr val="000080"/>
-                </a:solidFill>
-                <a:latin typeface="Consolas" panose="020B0609020204030204" pitchFamily="49" charset="0"/>
-                <a:cs typeface="Consolas" panose="020B0609020204030204" pitchFamily="49" charset="0"/>
-              </a:rPr>
-              <a:t>return</a:t>
-            </a:r>
-            <a:r>
-              <a:rPr lang="de-DE" altLang="de-DE" sz="1400" b="1" dirty="0">
-                <a:solidFill>
-                  <a:srgbClr val="000080"/>
-                </a:solidFill>
-                <a:latin typeface="Consolas" panose="020B0609020204030204" pitchFamily="49" charset="0"/>
-                <a:cs typeface="Consolas" panose="020B0609020204030204" pitchFamily="49" charset="0"/>
-              </a:rPr>
-              <a:t> </a:t>
-            </a:r>
-            <a:r>
-              <a:rPr lang="de-DE" altLang="de-DE" sz="1400" b="1" dirty="0" err="1">
-                <a:solidFill>
-                  <a:srgbClr val="660E7A"/>
-                </a:solidFill>
-                <a:latin typeface="Consolas" panose="020B0609020204030204" pitchFamily="49" charset="0"/>
-                <a:cs typeface="Consolas" panose="020B0609020204030204" pitchFamily="49" charset="0"/>
-              </a:rPr>
-              <a:t>username</a:t>
-            </a:r>
-            <a:r>
-              <a:rPr lang="de-DE" altLang="de-DE" sz="1400" dirty="0">
-                <a:solidFill>
-                  <a:srgbClr val="000000"/>
-                </a:solidFill>
-                <a:latin typeface="Consolas" panose="020B0609020204030204" pitchFamily="49" charset="0"/>
-                <a:cs typeface="Consolas" panose="020B0609020204030204" pitchFamily="49" charset="0"/>
-              </a:rPr>
-              <a:t>;}</a:t>
-            </a:r>
-            <a:br>
-              <a:rPr lang="de-DE" altLang="de-DE" sz="1400" dirty="0">
-                <a:solidFill>
-                  <a:srgbClr val="000000"/>
-                </a:solidFill>
-                <a:latin typeface="Consolas" panose="020B0609020204030204" pitchFamily="49" charset="0"/>
-                <a:cs typeface="Consolas" panose="020B0609020204030204" pitchFamily="49" charset="0"/>
-              </a:rPr>
-            </a:br>
-            <a:r>
-              <a:rPr lang="de-DE" altLang="de-DE" sz="1400" dirty="0">
-                <a:solidFill>
-                  <a:srgbClr val="000000"/>
-                </a:solidFill>
-                <a:latin typeface="Consolas" panose="020B0609020204030204" pitchFamily="49" charset="0"/>
-                <a:cs typeface="Consolas" panose="020B0609020204030204" pitchFamily="49" charset="0"/>
-              </a:rPr>
-              <a:t>}</a:t>
-            </a:r>
-            <a:endParaRPr lang="de-DE" altLang="de-DE" sz="1400" dirty="0">
-              <a:latin typeface="Consolas" panose="020B0609020204030204" pitchFamily="49" charset="0"/>
-              <a:cs typeface="Consolas" panose="020B0609020204030204" pitchFamily="49" charset="0"/>
-            </a:endParaRPr>
-          </a:p>
-          <a:p>
             <a:pPr marL="0" indent="0">
               <a:buNone/>
             </a:pPr>
+            <a:r>
+              <a:rPr lang="de-DE" sz="2000" b="1" dirty="0"/>
+              <a:t>Sessions</a:t>
+            </a:r>
+          </a:p>
+          <a:p>
+            <a:pPr>
+              <a:buFont typeface="Arial" panose="020B0604020202020204" pitchFamily="34" charset="0"/>
+              <a:buChar char="•"/>
+            </a:pPr>
+            <a:r>
+              <a:rPr lang="de-DE" sz="2000" dirty="0"/>
+              <a:t>Statischer Zugriff: </a:t>
+            </a:r>
+            <a:r>
+              <a:rPr lang="de-DE" sz="2000" dirty="0" err="1"/>
+              <a:t>Session.get</a:t>
+            </a:r>
+            <a:r>
+              <a:rPr lang="de-DE" sz="2000" dirty="0"/>
+              <a:t>()</a:t>
+            </a:r>
+          </a:p>
+          <a:p>
+            <a:pPr>
+              <a:buFont typeface="Arial" panose="020B0604020202020204" pitchFamily="34" charset="0"/>
+              <a:buChar char="•"/>
+            </a:pPr>
+            <a:r>
+              <a:rPr lang="de-DE" sz="2000" dirty="0"/>
+              <a:t>Aktueller Zustand des Komponentenbaums</a:t>
+            </a:r>
+          </a:p>
+          <a:p>
+            <a:pPr>
+              <a:buFont typeface="Arial" panose="020B0604020202020204" pitchFamily="34" charset="0"/>
+              <a:buChar char="•"/>
+            </a:pPr>
+            <a:r>
+              <a:rPr lang="de-DE" sz="2000" dirty="0"/>
+              <a:t>Eigene Implementierungen üblich</a:t>
+            </a:r>
+          </a:p>
+          <a:p>
+            <a:pPr lvl="1">
+              <a:buFont typeface="Arial" panose="020B0604020202020204" pitchFamily="34" charset="0"/>
+              <a:buChar char="•"/>
+            </a:pPr>
+            <a:r>
+              <a:rPr lang="de-DE" sz="1600" dirty="0"/>
+              <a:t>Beispiel: Durchführung des Logins</a:t>
+            </a:r>
+          </a:p>
+          <a:p>
+            <a:pPr lvl="1">
+              <a:buFont typeface="Arial" panose="020B0604020202020204" pitchFamily="34" charset="0"/>
+              <a:buChar char="•"/>
+            </a:pPr>
+            <a:r>
+              <a:rPr lang="de-DE" sz="1600" dirty="0"/>
+              <a:t>Registrierung in </a:t>
+            </a:r>
+            <a:r>
+              <a:rPr lang="de-DE" sz="1600" dirty="0" err="1"/>
+              <a:t>Application</a:t>
+            </a:r>
+            <a:r>
+              <a:rPr lang="de-DE" sz="1600" dirty="0"/>
+              <a:t>-Klasse</a:t>
+            </a:r>
+          </a:p>
+          <a:p>
+            <a:pPr>
+              <a:buFont typeface="Arial" panose="020B0604020202020204" pitchFamily="34" charset="0"/>
+              <a:buChar char="•"/>
+            </a:pPr>
+            <a:r>
+              <a:rPr lang="de-DE" sz="2000" dirty="0"/>
+              <a:t>Einklinken von </a:t>
+            </a:r>
+            <a:r>
+              <a:rPr lang="de-DE" sz="2000" dirty="0" err="1"/>
+              <a:t>Listenern</a:t>
+            </a:r>
             <a:endParaRPr lang="de-DE" sz="2000" dirty="0"/>
+          </a:p>
+          <a:p>
+            <a:pPr>
+              <a:buFont typeface="Arial" panose="020B0604020202020204" pitchFamily="34" charset="0"/>
+              <a:buChar char="•"/>
+            </a:pPr>
+            <a:r>
+              <a:rPr lang="de-DE" sz="2000" dirty="0" err="1"/>
+              <a:t>Stateless</a:t>
+            </a:r>
+            <a:r>
+              <a:rPr lang="de-DE" sz="2000" dirty="0"/>
+              <a:t> Page: temporäre Session</a:t>
+            </a:r>
           </a:p>
         </p:txBody>
       </p:sp>
@@ -9855,62 +8718,10 @@
           </a:p>
         </p:txBody>
       </p:sp>
-      <p:sp>
-        <p:nvSpPr>
-          <p:cNvPr id="4" name="Rechteck 3"/>
-          <p:cNvSpPr/>
-          <p:nvPr/>
-        </p:nvSpPr>
-        <p:spPr>
-          <a:xfrm>
-            <a:off x="3855544" y="6145559"/>
-            <a:ext cx="5324968" cy="307777"/>
-          </a:xfrm>
-          <a:prstGeom prst="rect">
-            <a:avLst/>
-          </a:prstGeom>
-        </p:spPr>
-        <p:txBody>
-          <a:bodyPr wrap="square">
-            <a:spAutoFit/>
-          </a:bodyPr>
-          <a:lstStyle/>
-          <a:p>
-            <a:pPr algn="r"/>
-            <a:r>
-              <a:rPr lang="de-DE" sz="1400" dirty="0">
-                <a:latin typeface="+mj-lt"/>
-              </a:rPr>
-              <a:t>Quelle: </a:t>
-            </a:r>
-            <a:r>
-              <a:rPr lang="de-DE" sz="1400" dirty="0" err="1">
-                <a:latin typeface="+mj-lt"/>
-              </a:rPr>
-              <a:t>Wicket</a:t>
-            </a:r>
-            <a:r>
-              <a:rPr lang="de-DE" sz="1400" dirty="0">
-                <a:latin typeface="+mj-lt"/>
-              </a:rPr>
-              <a:t> User Guide – The Reference </a:t>
-            </a:r>
-            <a:r>
-              <a:rPr lang="de-DE" sz="1400" dirty="0" err="1">
-                <a:latin typeface="+mj-lt"/>
-              </a:rPr>
-              <a:t>Documentation</a:t>
-            </a:r>
-            <a:endParaRPr lang="de-DE" sz="1400" dirty="0">
-              <a:latin typeface="+mj-lt"/>
-            </a:endParaRPr>
-          </a:p>
-        </p:txBody>
-      </p:sp>
     </p:spTree>
     <p:extLst>
       <p:ext uri="{BB962C8B-B14F-4D97-AF65-F5344CB8AC3E}">
-        <p14:creationId xmlns:p14="http://schemas.microsoft.com/office/powerpoint/2010/main" val="3799289470"/>
+        <p14:creationId xmlns:p14="http://schemas.microsoft.com/office/powerpoint/2010/main" val="1635978245"/>
       </p:ext>
     </p:extLst>
   </p:cSld>
@@ -9956,6 +8767,1525 @@
         </p:nvSpPr>
         <p:spPr>
           <a:xfrm>
+            <a:off x="303213" y="1124744"/>
+            <a:ext cx="8589962" cy="4824412"/>
+          </a:xfrm>
+        </p:spPr>
+        <p:txBody>
+          <a:bodyPr/>
+          <a:lstStyle/>
+          <a:p>
+            <a:pPr marL="0" lvl="0" indent="0">
+              <a:buNone/>
+            </a:pPr>
+            <a:r>
+              <a:rPr lang="de-DE" altLang="de-DE" sz="1400" b="1" dirty="0" err="1">
+                <a:solidFill>
+                  <a:srgbClr val="000080"/>
+                </a:solidFill>
+                <a:latin typeface="Consolas" panose="020B0609020204030204" pitchFamily="49" charset="0"/>
+                <a:cs typeface="Consolas" panose="020B0609020204030204" pitchFamily="49" charset="0"/>
+              </a:rPr>
+              <a:t>public</a:t>
+            </a:r>
+            <a:r>
+              <a:rPr lang="de-DE" altLang="de-DE" sz="1400" b="1" dirty="0">
+                <a:solidFill>
+                  <a:srgbClr val="000080"/>
+                </a:solidFill>
+                <a:latin typeface="Consolas" panose="020B0609020204030204" pitchFamily="49" charset="0"/>
+                <a:cs typeface="Consolas" panose="020B0609020204030204" pitchFamily="49" charset="0"/>
+              </a:rPr>
+              <a:t> </a:t>
+            </a:r>
+            <a:r>
+              <a:rPr lang="de-DE" altLang="de-DE" sz="1400" b="1" dirty="0" err="1">
+                <a:solidFill>
+                  <a:srgbClr val="000080"/>
+                </a:solidFill>
+                <a:latin typeface="Consolas" panose="020B0609020204030204" pitchFamily="49" charset="0"/>
+                <a:cs typeface="Consolas" panose="020B0609020204030204" pitchFamily="49" charset="0"/>
+              </a:rPr>
+              <a:t>class</a:t>
+            </a:r>
+            <a:r>
+              <a:rPr lang="de-DE" altLang="de-DE" sz="1400" b="1" dirty="0">
+                <a:solidFill>
+                  <a:srgbClr val="000080"/>
+                </a:solidFill>
+                <a:latin typeface="Consolas" panose="020B0609020204030204" pitchFamily="49" charset="0"/>
+                <a:cs typeface="Consolas" panose="020B0609020204030204" pitchFamily="49" charset="0"/>
+              </a:rPr>
+              <a:t> </a:t>
+            </a:r>
+            <a:r>
+              <a:rPr lang="de-DE" altLang="de-DE" sz="1400" dirty="0" err="1">
+                <a:solidFill>
+                  <a:srgbClr val="000000"/>
+                </a:solidFill>
+                <a:latin typeface="Consolas" panose="020B0609020204030204" pitchFamily="49" charset="0"/>
+                <a:cs typeface="Consolas" panose="020B0609020204030204" pitchFamily="49" charset="0"/>
+              </a:rPr>
+              <a:t>BasicAuthenticationSession</a:t>
+            </a:r>
+            <a:r>
+              <a:rPr lang="de-DE" altLang="de-DE" sz="1400" dirty="0">
+                <a:solidFill>
+                  <a:srgbClr val="000000"/>
+                </a:solidFill>
+                <a:latin typeface="Consolas" panose="020B0609020204030204" pitchFamily="49" charset="0"/>
+                <a:cs typeface="Consolas" panose="020B0609020204030204" pitchFamily="49" charset="0"/>
+              </a:rPr>
+              <a:t> </a:t>
+            </a:r>
+            <a:r>
+              <a:rPr lang="de-DE" altLang="de-DE" sz="1400" b="1" dirty="0" err="1">
+                <a:solidFill>
+                  <a:srgbClr val="000080"/>
+                </a:solidFill>
+                <a:latin typeface="Consolas" panose="020B0609020204030204" pitchFamily="49" charset="0"/>
+                <a:cs typeface="Consolas" panose="020B0609020204030204" pitchFamily="49" charset="0"/>
+              </a:rPr>
+              <a:t>extends</a:t>
+            </a:r>
+            <a:r>
+              <a:rPr lang="de-DE" altLang="de-DE" sz="1400" b="1" dirty="0">
+                <a:solidFill>
+                  <a:srgbClr val="000080"/>
+                </a:solidFill>
+                <a:latin typeface="Consolas" panose="020B0609020204030204" pitchFamily="49" charset="0"/>
+                <a:cs typeface="Consolas" panose="020B0609020204030204" pitchFamily="49" charset="0"/>
+              </a:rPr>
+              <a:t> </a:t>
+            </a:r>
+            <a:r>
+              <a:rPr lang="de-DE" altLang="de-DE" sz="1400" dirty="0" err="1">
+                <a:solidFill>
+                  <a:srgbClr val="000000"/>
+                </a:solidFill>
+                <a:latin typeface="Consolas" panose="020B0609020204030204" pitchFamily="49" charset="0"/>
+                <a:cs typeface="Consolas" panose="020B0609020204030204" pitchFamily="49" charset="0"/>
+              </a:rPr>
+              <a:t>AuthenticatedWebSession</a:t>
+            </a:r>
+            <a:r>
+              <a:rPr lang="de-DE" altLang="de-DE" sz="1400" dirty="0">
+                <a:solidFill>
+                  <a:srgbClr val="000000"/>
+                </a:solidFill>
+                <a:latin typeface="Consolas" panose="020B0609020204030204" pitchFamily="49" charset="0"/>
+                <a:cs typeface="Consolas" panose="020B0609020204030204" pitchFamily="49" charset="0"/>
+              </a:rPr>
+              <a:t> {</a:t>
+            </a:r>
+            <a:br>
+              <a:rPr lang="de-DE" altLang="de-DE" sz="1400" dirty="0">
+                <a:solidFill>
+                  <a:srgbClr val="000000"/>
+                </a:solidFill>
+                <a:latin typeface="Consolas" panose="020B0609020204030204" pitchFamily="49" charset="0"/>
+                <a:cs typeface="Consolas" panose="020B0609020204030204" pitchFamily="49" charset="0"/>
+              </a:rPr>
+            </a:br>
+            <a:r>
+              <a:rPr lang="de-DE" altLang="de-DE" sz="1400" dirty="0">
+                <a:solidFill>
+                  <a:srgbClr val="000000"/>
+                </a:solidFill>
+                <a:latin typeface="Consolas" panose="020B0609020204030204" pitchFamily="49" charset="0"/>
+                <a:cs typeface="Consolas" panose="020B0609020204030204" pitchFamily="49" charset="0"/>
+              </a:rPr>
+              <a:t/>
+            </a:r>
+            <a:br>
+              <a:rPr lang="de-DE" altLang="de-DE" sz="1400" dirty="0">
+                <a:solidFill>
+                  <a:srgbClr val="000000"/>
+                </a:solidFill>
+                <a:latin typeface="Consolas" panose="020B0609020204030204" pitchFamily="49" charset="0"/>
+                <a:cs typeface="Consolas" panose="020B0609020204030204" pitchFamily="49" charset="0"/>
+              </a:rPr>
+            </a:br>
+            <a:r>
+              <a:rPr lang="de-DE" altLang="de-DE" sz="1400" dirty="0">
+                <a:solidFill>
+                  <a:srgbClr val="000000"/>
+                </a:solidFill>
+                <a:latin typeface="Consolas" panose="020B0609020204030204" pitchFamily="49" charset="0"/>
+                <a:cs typeface="Consolas" panose="020B0609020204030204" pitchFamily="49" charset="0"/>
+              </a:rPr>
+              <a:t>    </a:t>
+            </a:r>
+            <a:r>
+              <a:rPr lang="de-DE" altLang="de-DE" sz="1400" b="1" dirty="0">
+                <a:solidFill>
+                  <a:srgbClr val="000080"/>
+                </a:solidFill>
+                <a:latin typeface="Consolas" panose="020B0609020204030204" pitchFamily="49" charset="0"/>
+                <a:cs typeface="Consolas" panose="020B0609020204030204" pitchFamily="49" charset="0"/>
+              </a:rPr>
+              <a:t>private </a:t>
+            </a:r>
+            <a:r>
+              <a:rPr lang="de-DE" altLang="de-DE" sz="1400" dirty="0">
+                <a:solidFill>
+                  <a:srgbClr val="000000"/>
+                </a:solidFill>
+                <a:latin typeface="Consolas" panose="020B0609020204030204" pitchFamily="49" charset="0"/>
+                <a:cs typeface="Consolas" panose="020B0609020204030204" pitchFamily="49" charset="0"/>
+              </a:rPr>
+              <a:t>String </a:t>
+            </a:r>
+            <a:r>
+              <a:rPr lang="de-DE" altLang="de-DE" sz="1400" b="1" dirty="0" err="1">
+                <a:solidFill>
+                  <a:srgbClr val="660E7A"/>
+                </a:solidFill>
+                <a:latin typeface="Consolas" panose="020B0609020204030204" pitchFamily="49" charset="0"/>
+                <a:cs typeface="Consolas" panose="020B0609020204030204" pitchFamily="49" charset="0"/>
+              </a:rPr>
+              <a:t>username</a:t>
+            </a:r>
+            <a:r>
+              <a:rPr lang="de-DE" altLang="de-DE" sz="1400" dirty="0">
+                <a:solidFill>
+                  <a:srgbClr val="000000"/>
+                </a:solidFill>
+                <a:latin typeface="Consolas" panose="020B0609020204030204" pitchFamily="49" charset="0"/>
+                <a:cs typeface="Consolas" panose="020B0609020204030204" pitchFamily="49" charset="0"/>
+              </a:rPr>
+              <a:t>;</a:t>
+            </a:r>
+            <a:br>
+              <a:rPr lang="de-DE" altLang="de-DE" sz="1400" dirty="0">
+                <a:solidFill>
+                  <a:srgbClr val="000000"/>
+                </a:solidFill>
+                <a:latin typeface="Consolas" panose="020B0609020204030204" pitchFamily="49" charset="0"/>
+                <a:cs typeface="Consolas" panose="020B0609020204030204" pitchFamily="49" charset="0"/>
+              </a:rPr>
+            </a:br>
+            <a:r>
+              <a:rPr lang="de-DE" altLang="de-DE" sz="1400" dirty="0">
+                <a:solidFill>
+                  <a:srgbClr val="000000"/>
+                </a:solidFill>
+                <a:latin typeface="Consolas" panose="020B0609020204030204" pitchFamily="49" charset="0"/>
+                <a:cs typeface="Consolas" panose="020B0609020204030204" pitchFamily="49" charset="0"/>
+              </a:rPr>
+              <a:t/>
+            </a:r>
+            <a:br>
+              <a:rPr lang="de-DE" altLang="de-DE" sz="1400" dirty="0">
+                <a:solidFill>
+                  <a:srgbClr val="000000"/>
+                </a:solidFill>
+                <a:latin typeface="Consolas" panose="020B0609020204030204" pitchFamily="49" charset="0"/>
+                <a:cs typeface="Consolas" panose="020B0609020204030204" pitchFamily="49" charset="0"/>
+              </a:rPr>
+            </a:br>
+            <a:r>
+              <a:rPr lang="de-DE" altLang="de-DE" sz="1400" dirty="0">
+                <a:solidFill>
+                  <a:srgbClr val="000000"/>
+                </a:solidFill>
+                <a:latin typeface="Consolas" panose="020B0609020204030204" pitchFamily="49" charset="0"/>
+                <a:cs typeface="Consolas" panose="020B0609020204030204" pitchFamily="49" charset="0"/>
+              </a:rPr>
+              <a:t>    </a:t>
+            </a:r>
+            <a:r>
+              <a:rPr lang="de-DE" altLang="de-DE" sz="1400" b="1" dirty="0" err="1">
+                <a:solidFill>
+                  <a:srgbClr val="000080"/>
+                </a:solidFill>
+                <a:latin typeface="Consolas" panose="020B0609020204030204" pitchFamily="49" charset="0"/>
+                <a:cs typeface="Consolas" panose="020B0609020204030204" pitchFamily="49" charset="0"/>
+              </a:rPr>
+              <a:t>public</a:t>
+            </a:r>
+            <a:r>
+              <a:rPr lang="de-DE" altLang="de-DE" sz="1400" b="1" dirty="0">
+                <a:solidFill>
+                  <a:srgbClr val="000080"/>
+                </a:solidFill>
+                <a:latin typeface="Consolas" panose="020B0609020204030204" pitchFamily="49" charset="0"/>
+                <a:cs typeface="Consolas" panose="020B0609020204030204" pitchFamily="49" charset="0"/>
+              </a:rPr>
+              <a:t> </a:t>
+            </a:r>
+            <a:r>
+              <a:rPr lang="de-DE" altLang="de-DE" sz="1400" dirty="0" err="1">
+                <a:solidFill>
+                  <a:srgbClr val="000000"/>
+                </a:solidFill>
+                <a:latin typeface="Consolas" panose="020B0609020204030204" pitchFamily="49" charset="0"/>
+                <a:cs typeface="Consolas" panose="020B0609020204030204" pitchFamily="49" charset="0"/>
+              </a:rPr>
+              <a:t>BasicAuthenticationSession</a:t>
+            </a:r>
+            <a:r>
+              <a:rPr lang="de-DE" altLang="de-DE" sz="1400" dirty="0">
+                <a:solidFill>
+                  <a:srgbClr val="000000"/>
+                </a:solidFill>
+                <a:latin typeface="Consolas" panose="020B0609020204030204" pitchFamily="49" charset="0"/>
+                <a:cs typeface="Consolas" panose="020B0609020204030204" pitchFamily="49" charset="0"/>
+              </a:rPr>
+              <a:t>(Request </a:t>
+            </a:r>
+            <a:r>
+              <a:rPr lang="de-DE" altLang="de-DE" sz="1400" dirty="0" err="1">
+                <a:solidFill>
+                  <a:srgbClr val="000000"/>
+                </a:solidFill>
+                <a:latin typeface="Consolas" panose="020B0609020204030204" pitchFamily="49" charset="0"/>
+                <a:cs typeface="Consolas" panose="020B0609020204030204" pitchFamily="49" charset="0"/>
+              </a:rPr>
+              <a:t>request</a:t>
+            </a:r>
+            <a:r>
+              <a:rPr lang="de-DE" altLang="de-DE" sz="1400" dirty="0">
+                <a:solidFill>
+                  <a:srgbClr val="000000"/>
+                </a:solidFill>
+                <a:latin typeface="Consolas" panose="020B0609020204030204" pitchFamily="49" charset="0"/>
+                <a:cs typeface="Consolas" panose="020B0609020204030204" pitchFamily="49" charset="0"/>
+              </a:rPr>
+              <a:t>) {</a:t>
+            </a:r>
+            <a:r>
+              <a:rPr lang="de-DE" altLang="de-DE" sz="1400" b="1" dirty="0">
+                <a:solidFill>
+                  <a:srgbClr val="000080"/>
+                </a:solidFill>
+                <a:latin typeface="Consolas" panose="020B0609020204030204" pitchFamily="49" charset="0"/>
+                <a:cs typeface="Consolas" panose="020B0609020204030204" pitchFamily="49" charset="0"/>
+              </a:rPr>
+              <a:t>super</a:t>
+            </a:r>
+            <a:r>
+              <a:rPr lang="de-DE" altLang="de-DE" sz="1400" dirty="0">
+                <a:solidFill>
+                  <a:srgbClr val="000000"/>
+                </a:solidFill>
+                <a:latin typeface="Consolas" panose="020B0609020204030204" pitchFamily="49" charset="0"/>
+                <a:cs typeface="Consolas" panose="020B0609020204030204" pitchFamily="49" charset="0"/>
+              </a:rPr>
+              <a:t>(</a:t>
+            </a:r>
+            <a:r>
+              <a:rPr lang="de-DE" altLang="de-DE" sz="1400" dirty="0" err="1">
+                <a:solidFill>
+                  <a:srgbClr val="000000"/>
+                </a:solidFill>
+                <a:latin typeface="Consolas" panose="020B0609020204030204" pitchFamily="49" charset="0"/>
+                <a:cs typeface="Consolas" panose="020B0609020204030204" pitchFamily="49" charset="0"/>
+              </a:rPr>
+              <a:t>request</a:t>
+            </a:r>
+            <a:r>
+              <a:rPr lang="de-DE" altLang="de-DE" sz="1400" dirty="0">
+                <a:solidFill>
+                  <a:srgbClr val="000000"/>
+                </a:solidFill>
+                <a:latin typeface="Consolas" panose="020B0609020204030204" pitchFamily="49" charset="0"/>
+                <a:cs typeface="Consolas" panose="020B0609020204030204" pitchFamily="49" charset="0"/>
+              </a:rPr>
+              <a:t>);}</a:t>
+            </a:r>
+            <a:br>
+              <a:rPr lang="de-DE" altLang="de-DE" sz="1400" dirty="0">
+                <a:solidFill>
+                  <a:srgbClr val="000000"/>
+                </a:solidFill>
+                <a:latin typeface="Consolas" panose="020B0609020204030204" pitchFamily="49" charset="0"/>
+                <a:cs typeface="Consolas" panose="020B0609020204030204" pitchFamily="49" charset="0"/>
+              </a:rPr>
+            </a:br>
+            <a:r>
+              <a:rPr lang="de-DE" altLang="de-DE" sz="1400" dirty="0">
+                <a:solidFill>
+                  <a:srgbClr val="000000"/>
+                </a:solidFill>
+                <a:latin typeface="Consolas" panose="020B0609020204030204" pitchFamily="49" charset="0"/>
+                <a:cs typeface="Consolas" panose="020B0609020204030204" pitchFamily="49" charset="0"/>
+              </a:rPr>
+              <a:t/>
+            </a:r>
+            <a:br>
+              <a:rPr lang="de-DE" altLang="de-DE" sz="1400" dirty="0">
+                <a:solidFill>
+                  <a:srgbClr val="000000"/>
+                </a:solidFill>
+                <a:latin typeface="Consolas" panose="020B0609020204030204" pitchFamily="49" charset="0"/>
+                <a:cs typeface="Consolas" panose="020B0609020204030204" pitchFamily="49" charset="0"/>
+              </a:rPr>
+            </a:br>
+            <a:r>
+              <a:rPr lang="de-DE" altLang="de-DE" sz="1400" dirty="0">
+                <a:solidFill>
+                  <a:srgbClr val="000000"/>
+                </a:solidFill>
+                <a:latin typeface="Consolas" panose="020B0609020204030204" pitchFamily="49" charset="0"/>
+                <a:cs typeface="Consolas" panose="020B0609020204030204" pitchFamily="49" charset="0"/>
+              </a:rPr>
+              <a:t>    </a:t>
+            </a:r>
+            <a:r>
+              <a:rPr lang="de-DE" altLang="de-DE" sz="1400" dirty="0">
+                <a:solidFill>
+                  <a:srgbClr val="808000"/>
+                </a:solidFill>
+                <a:latin typeface="Consolas" panose="020B0609020204030204" pitchFamily="49" charset="0"/>
+                <a:cs typeface="Consolas" panose="020B0609020204030204" pitchFamily="49" charset="0"/>
+              </a:rPr>
+              <a:t>@</a:t>
+            </a:r>
+            <a:r>
+              <a:rPr lang="de-DE" altLang="de-DE" sz="1400" dirty="0" err="1">
+                <a:solidFill>
+                  <a:srgbClr val="808000"/>
+                </a:solidFill>
+                <a:latin typeface="Consolas" panose="020B0609020204030204" pitchFamily="49" charset="0"/>
+                <a:cs typeface="Consolas" panose="020B0609020204030204" pitchFamily="49" charset="0"/>
+              </a:rPr>
+              <a:t>Override</a:t>
+            </a:r>
+            <a:r>
+              <a:rPr lang="de-DE" altLang="de-DE" sz="1400" dirty="0">
+                <a:solidFill>
+                  <a:srgbClr val="808000"/>
+                </a:solidFill>
+                <a:latin typeface="Consolas" panose="020B0609020204030204" pitchFamily="49" charset="0"/>
+                <a:cs typeface="Consolas" panose="020B0609020204030204" pitchFamily="49" charset="0"/>
+              </a:rPr>
+              <a:t/>
+            </a:r>
+            <a:br>
+              <a:rPr lang="de-DE" altLang="de-DE" sz="1400" dirty="0">
+                <a:solidFill>
+                  <a:srgbClr val="808000"/>
+                </a:solidFill>
+                <a:latin typeface="Consolas" panose="020B0609020204030204" pitchFamily="49" charset="0"/>
+                <a:cs typeface="Consolas" panose="020B0609020204030204" pitchFamily="49" charset="0"/>
+              </a:rPr>
+            </a:br>
+            <a:r>
+              <a:rPr lang="de-DE" altLang="de-DE" sz="1400" dirty="0">
+                <a:solidFill>
+                  <a:srgbClr val="808000"/>
+                </a:solidFill>
+                <a:latin typeface="Consolas" panose="020B0609020204030204" pitchFamily="49" charset="0"/>
+                <a:cs typeface="Consolas" panose="020B0609020204030204" pitchFamily="49" charset="0"/>
+              </a:rPr>
+              <a:t>    </a:t>
+            </a:r>
+            <a:r>
+              <a:rPr lang="de-DE" altLang="de-DE" sz="1400" b="1" dirty="0" err="1">
+                <a:solidFill>
+                  <a:srgbClr val="000080"/>
+                </a:solidFill>
+                <a:latin typeface="Consolas" panose="020B0609020204030204" pitchFamily="49" charset="0"/>
+                <a:cs typeface="Consolas" panose="020B0609020204030204" pitchFamily="49" charset="0"/>
+              </a:rPr>
+              <a:t>public</a:t>
+            </a:r>
+            <a:r>
+              <a:rPr lang="de-DE" altLang="de-DE" sz="1400" b="1" dirty="0">
+                <a:solidFill>
+                  <a:srgbClr val="000080"/>
+                </a:solidFill>
+                <a:latin typeface="Consolas" panose="020B0609020204030204" pitchFamily="49" charset="0"/>
+                <a:cs typeface="Consolas" panose="020B0609020204030204" pitchFamily="49" charset="0"/>
+              </a:rPr>
+              <a:t> </a:t>
+            </a:r>
+            <a:r>
+              <a:rPr lang="de-DE" altLang="de-DE" sz="1400" b="1" dirty="0" err="1">
+                <a:solidFill>
+                  <a:srgbClr val="000080"/>
+                </a:solidFill>
+                <a:latin typeface="Consolas" panose="020B0609020204030204" pitchFamily="49" charset="0"/>
+                <a:cs typeface="Consolas" panose="020B0609020204030204" pitchFamily="49" charset="0"/>
+              </a:rPr>
+              <a:t>boolean</a:t>
+            </a:r>
+            <a:r>
+              <a:rPr lang="de-DE" altLang="de-DE" sz="1400" b="1" dirty="0">
+                <a:solidFill>
+                  <a:srgbClr val="000080"/>
+                </a:solidFill>
+                <a:latin typeface="Consolas" panose="020B0609020204030204" pitchFamily="49" charset="0"/>
+                <a:cs typeface="Consolas" panose="020B0609020204030204" pitchFamily="49" charset="0"/>
+              </a:rPr>
+              <a:t> </a:t>
+            </a:r>
+            <a:r>
+              <a:rPr lang="de-DE" altLang="de-DE" sz="1400" dirty="0" err="1">
+                <a:solidFill>
+                  <a:srgbClr val="000000"/>
+                </a:solidFill>
+                <a:latin typeface="Consolas" panose="020B0609020204030204" pitchFamily="49" charset="0"/>
+                <a:cs typeface="Consolas" panose="020B0609020204030204" pitchFamily="49" charset="0"/>
+              </a:rPr>
+              <a:t>authenticate</a:t>
+            </a:r>
+            <a:r>
+              <a:rPr lang="de-DE" altLang="de-DE" sz="1400" dirty="0">
+                <a:solidFill>
+                  <a:srgbClr val="000000"/>
+                </a:solidFill>
+                <a:latin typeface="Consolas" panose="020B0609020204030204" pitchFamily="49" charset="0"/>
+                <a:cs typeface="Consolas" panose="020B0609020204030204" pitchFamily="49" charset="0"/>
+              </a:rPr>
+              <a:t>(String </a:t>
+            </a:r>
+            <a:r>
+              <a:rPr lang="de-DE" altLang="de-DE" sz="1400" dirty="0" err="1">
+                <a:solidFill>
+                  <a:srgbClr val="000000"/>
+                </a:solidFill>
+                <a:latin typeface="Consolas" panose="020B0609020204030204" pitchFamily="49" charset="0"/>
+                <a:cs typeface="Consolas" panose="020B0609020204030204" pitchFamily="49" charset="0"/>
+              </a:rPr>
+              <a:t>username</a:t>
+            </a:r>
+            <a:r>
+              <a:rPr lang="de-DE" altLang="de-DE" sz="1400" dirty="0">
+                <a:solidFill>
+                  <a:srgbClr val="000000"/>
+                </a:solidFill>
+                <a:latin typeface="Consolas" panose="020B0609020204030204" pitchFamily="49" charset="0"/>
+                <a:cs typeface="Consolas" panose="020B0609020204030204" pitchFamily="49" charset="0"/>
+              </a:rPr>
+              <a:t>, String </a:t>
+            </a:r>
+            <a:r>
+              <a:rPr lang="de-DE" altLang="de-DE" sz="1400" dirty="0" err="1">
+                <a:solidFill>
+                  <a:srgbClr val="000000"/>
+                </a:solidFill>
+                <a:latin typeface="Consolas" panose="020B0609020204030204" pitchFamily="49" charset="0"/>
+                <a:cs typeface="Consolas" panose="020B0609020204030204" pitchFamily="49" charset="0"/>
+              </a:rPr>
+              <a:t>password</a:t>
+            </a:r>
+            <a:r>
+              <a:rPr lang="de-DE" altLang="de-DE" sz="1400" dirty="0">
+                <a:solidFill>
+                  <a:srgbClr val="000000"/>
+                </a:solidFill>
+                <a:latin typeface="Consolas" panose="020B0609020204030204" pitchFamily="49" charset="0"/>
+                <a:cs typeface="Consolas" panose="020B0609020204030204" pitchFamily="49" charset="0"/>
+              </a:rPr>
+              <a:t>) {</a:t>
+            </a:r>
+            <a:br>
+              <a:rPr lang="de-DE" altLang="de-DE" sz="1400" dirty="0">
+                <a:solidFill>
+                  <a:srgbClr val="000000"/>
+                </a:solidFill>
+                <a:latin typeface="Consolas" panose="020B0609020204030204" pitchFamily="49" charset="0"/>
+                <a:cs typeface="Consolas" panose="020B0609020204030204" pitchFamily="49" charset="0"/>
+              </a:rPr>
+            </a:br>
+            <a:r>
+              <a:rPr lang="de-DE" altLang="de-DE" sz="1400" dirty="0">
+                <a:solidFill>
+                  <a:srgbClr val="000000"/>
+                </a:solidFill>
+                <a:latin typeface="Consolas" panose="020B0609020204030204" pitchFamily="49" charset="0"/>
+                <a:cs typeface="Consolas" panose="020B0609020204030204" pitchFamily="49" charset="0"/>
+              </a:rPr>
+              <a:t>        </a:t>
+            </a:r>
+            <a:r>
+              <a:rPr lang="de-DE" altLang="de-DE" sz="1400" b="1" dirty="0" err="1">
+                <a:solidFill>
+                  <a:srgbClr val="000080"/>
+                </a:solidFill>
+                <a:latin typeface="Consolas" panose="020B0609020204030204" pitchFamily="49" charset="0"/>
+                <a:cs typeface="Consolas" panose="020B0609020204030204" pitchFamily="49" charset="0"/>
+              </a:rPr>
+              <a:t>boolean</a:t>
+            </a:r>
+            <a:r>
+              <a:rPr lang="de-DE" altLang="de-DE" sz="1400" b="1" dirty="0">
+                <a:solidFill>
+                  <a:srgbClr val="000080"/>
+                </a:solidFill>
+                <a:latin typeface="Consolas" panose="020B0609020204030204" pitchFamily="49" charset="0"/>
+                <a:cs typeface="Consolas" panose="020B0609020204030204" pitchFamily="49" charset="0"/>
+              </a:rPr>
+              <a:t> </a:t>
+            </a:r>
+            <a:r>
+              <a:rPr lang="de-DE" altLang="de-DE" sz="1400" dirty="0" err="1">
+                <a:solidFill>
+                  <a:srgbClr val="000000"/>
+                </a:solidFill>
+                <a:latin typeface="Consolas" panose="020B0609020204030204" pitchFamily="49" charset="0"/>
+                <a:cs typeface="Consolas" panose="020B0609020204030204" pitchFamily="49" charset="0"/>
+              </a:rPr>
+              <a:t>success</a:t>
+            </a:r>
+            <a:r>
+              <a:rPr lang="de-DE" altLang="de-DE" sz="1400" dirty="0">
+                <a:solidFill>
+                  <a:srgbClr val="000000"/>
+                </a:solidFill>
+                <a:latin typeface="Consolas" panose="020B0609020204030204" pitchFamily="49" charset="0"/>
+                <a:cs typeface="Consolas" panose="020B0609020204030204" pitchFamily="49" charset="0"/>
+              </a:rPr>
+              <a:t> = </a:t>
+            </a:r>
+            <a:r>
+              <a:rPr lang="de-DE" altLang="de-DE" sz="1400" b="1" dirty="0" err="1">
+                <a:solidFill>
+                  <a:srgbClr val="000080"/>
+                </a:solidFill>
+                <a:latin typeface="Consolas" panose="020B0609020204030204" pitchFamily="49" charset="0"/>
+                <a:cs typeface="Consolas" panose="020B0609020204030204" pitchFamily="49" charset="0"/>
+              </a:rPr>
+              <a:t>false</a:t>
+            </a:r>
+            <a:r>
+              <a:rPr lang="de-DE" altLang="de-DE" sz="1400" dirty="0">
+                <a:solidFill>
+                  <a:srgbClr val="000000"/>
+                </a:solidFill>
+                <a:latin typeface="Consolas" panose="020B0609020204030204" pitchFamily="49" charset="0"/>
+                <a:cs typeface="Consolas" panose="020B0609020204030204" pitchFamily="49" charset="0"/>
+              </a:rPr>
+              <a:t>;</a:t>
+            </a:r>
+            <a:br>
+              <a:rPr lang="de-DE" altLang="de-DE" sz="1400" dirty="0">
+                <a:solidFill>
+                  <a:srgbClr val="000000"/>
+                </a:solidFill>
+                <a:latin typeface="Consolas" panose="020B0609020204030204" pitchFamily="49" charset="0"/>
+                <a:cs typeface="Consolas" panose="020B0609020204030204" pitchFamily="49" charset="0"/>
+              </a:rPr>
+            </a:br>
+            <a:r>
+              <a:rPr lang="de-DE" altLang="de-DE" sz="1400" dirty="0">
+                <a:solidFill>
+                  <a:srgbClr val="000000"/>
+                </a:solidFill>
+                <a:latin typeface="Consolas" panose="020B0609020204030204" pitchFamily="49" charset="0"/>
+                <a:cs typeface="Consolas" panose="020B0609020204030204" pitchFamily="49" charset="0"/>
+              </a:rPr>
+              <a:t/>
+            </a:r>
+            <a:br>
+              <a:rPr lang="de-DE" altLang="de-DE" sz="1400" dirty="0">
+                <a:solidFill>
+                  <a:srgbClr val="000000"/>
+                </a:solidFill>
+                <a:latin typeface="Consolas" panose="020B0609020204030204" pitchFamily="49" charset="0"/>
+                <a:cs typeface="Consolas" panose="020B0609020204030204" pitchFamily="49" charset="0"/>
+              </a:rPr>
+            </a:br>
+            <a:r>
+              <a:rPr lang="de-DE" altLang="de-DE" sz="1400" dirty="0">
+                <a:solidFill>
+                  <a:srgbClr val="000000"/>
+                </a:solidFill>
+                <a:latin typeface="Consolas" panose="020B0609020204030204" pitchFamily="49" charset="0"/>
+                <a:cs typeface="Consolas" panose="020B0609020204030204" pitchFamily="49" charset="0"/>
+              </a:rPr>
+              <a:t>        </a:t>
+            </a:r>
+            <a:r>
+              <a:rPr lang="de-DE" altLang="de-DE" sz="1400" i="1" dirty="0">
+                <a:solidFill>
+                  <a:srgbClr val="808080"/>
+                </a:solidFill>
+                <a:latin typeface="Consolas" panose="020B0609020204030204" pitchFamily="49" charset="0"/>
+                <a:cs typeface="Consolas" panose="020B0609020204030204" pitchFamily="49" charset="0"/>
+              </a:rPr>
+              <a:t>// Dies ist nur ein Beispiel!</a:t>
+            </a:r>
+            <a:br>
+              <a:rPr lang="de-DE" altLang="de-DE" sz="1400" i="1" dirty="0">
+                <a:solidFill>
+                  <a:srgbClr val="808080"/>
+                </a:solidFill>
+                <a:latin typeface="Consolas" panose="020B0609020204030204" pitchFamily="49" charset="0"/>
+                <a:cs typeface="Consolas" panose="020B0609020204030204" pitchFamily="49" charset="0"/>
+              </a:rPr>
+            </a:br>
+            <a:r>
+              <a:rPr lang="de-DE" altLang="de-DE" sz="1400" i="1" dirty="0">
+                <a:solidFill>
+                  <a:srgbClr val="808080"/>
+                </a:solidFill>
+                <a:latin typeface="Consolas" panose="020B0609020204030204" pitchFamily="49" charset="0"/>
+                <a:cs typeface="Consolas" panose="020B0609020204030204" pitchFamily="49" charset="0"/>
+              </a:rPr>
+              <a:t>        </a:t>
+            </a:r>
+            <a:r>
+              <a:rPr lang="de-DE" altLang="de-DE" sz="1400" b="1" dirty="0" err="1">
+                <a:solidFill>
+                  <a:srgbClr val="000080"/>
+                </a:solidFill>
+                <a:latin typeface="Consolas" panose="020B0609020204030204" pitchFamily="49" charset="0"/>
+                <a:cs typeface="Consolas" panose="020B0609020204030204" pitchFamily="49" charset="0"/>
+              </a:rPr>
+              <a:t>if</a:t>
+            </a:r>
+            <a:r>
+              <a:rPr lang="de-DE" altLang="de-DE" sz="1400" b="1" dirty="0">
+                <a:solidFill>
+                  <a:srgbClr val="000080"/>
+                </a:solidFill>
+                <a:latin typeface="Consolas" panose="020B0609020204030204" pitchFamily="49" charset="0"/>
+                <a:cs typeface="Consolas" panose="020B0609020204030204" pitchFamily="49" charset="0"/>
+              </a:rPr>
+              <a:t> </a:t>
+            </a:r>
+            <a:r>
+              <a:rPr lang="de-DE" altLang="de-DE" sz="1400" dirty="0">
+                <a:solidFill>
+                  <a:srgbClr val="000000"/>
+                </a:solidFill>
+                <a:latin typeface="Consolas" panose="020B0609020204030204" pitchFamily="49" charset="0"/>
+                <a:cs typeface="Consolas" panose="020B0609020204030204" pitchFamily="49" charset="0"/>
+              </a:rPr>
+              <a:t>(</a:t>
+            </a:r>
+            <a:r>
+              <a:rPr lang="de-DE" altLang="de-DE" sz="1400" dirty="0" err="1">
+                <a:solidFill>
+                  <a:srgbClr val="000000"/>
+                </a:solidFill>
+                <a:latin typeface="Consolas" panose="020B0609020204030204" pitchFamily="49" charset="0"/>
+                <a:cs typeface="Consolas" panose="020B0609020204030204" pitchFamily="49" charset="0"/>
+              </a:rPr>
+              <a:t>username.equals</a:t>
+            </a:r>
+            <a:r>
+              <a:rPr lang="de-DE" altLang="de-DE" sz="1400" dirty="0">
+                <a:solidFill>
+                  <a:srgbClr val="000000"/>
+                </a:solidFill>
+                <a:latin typeface="Consolas" panose="020B0609020204030204" pitchFamily="49" charset="0"/>
+                <a:cs typeface="Consolas" panose="020B0609020204030204" pitchFamily="49" charset="0"/>
+              </a:rPr>
+              <a:t>(</a:t>
+            </a:r>
+            <a:r>
+              <a:rPr lang="de-DE" altLang="de-DE" sz="1400" b="1" dirty="0">
+                <a:solidFill>
+                  <a:srgbClr val="008000"/>
+                </a:solidFill>
+                <a:latin typeface="Consolas" panose="020B0609020204030204" pitchFamily="49" charset="0"/>
+                <a:cs typeface="Consolas" panose="020B0609020204030204" pitchFamily="49" charset="0"/>
+              </a:rPr>
+              <a:t>"</a:t>
+            </a:r>
+            <a:r>
+              <a:rPr lang="de-DE" altLang="de-DE" sz="1400" b="1" dirty="0" err="1">
+                <a:solidFill>
+                  <a:srgbClr val="008000"/>
+                </a:solidFill>
+                <a:latin typeface="Consolas" panose="020B0609020204030204" pitchFamily="49" charset="0"/>
+                <a:cs typeface="Consolas" panose="020B0609020204030204" pitchFamily="49" charset="0"/>
+              </a:rPr>
+              <a:t>Wicket</a:t>
+            </a:r>
+            <a:r>
+              <a:rPr lang="de-DE" altLang="de-DE" sz="1400" b="1" dirty="0">
+                <a:solidFill>
+                  <a:srgbClr val="008000"/>
+                </a:solidFill>
+                <a:latin typeface="Consolas" panose="020B0609020204030204" pitchFamily="49" charset="0"/>
+                <a:cs typeface="Consolas" panose="020B0609020204030204" pitchFamily="49" charset="0"/>
+              </a:rPr>
+              <a:t>"</a:t>
+            </a:r>
+            <a:r>
+              <a:rPr lang="de-DE" altLang="de-DE" sz="1400" dirty="0">
+                <a:solidFill>
+                  <a:srgbClr val="000000"/>
+                </a:solidFill>
+                <a:latin typeface="Consolas" panose="020B0609020204030204" pitchFamily="49" charset="0"/>
+                <a:cs typeface="Consolas" panose="020B0609020204030204" pitchFamily="49" charset="0"/>
+              </a:rPr>
+              <a:t>) &amp;&amp; </a:t>
+            </a:r>
+            <a:r>
+              <a:rPr lang="de-DE" altLang="de-DE" sz="1400" dirty="0" err="1">
+                <a:solidFill>
+                  <a:srgbClr val="000000"/>
+                </a:solidFill>
+                <a:latin typeface="Consolas" panose="020B0609020204030204" pitchFamily="49" charset="0"/>
+                <a:cs typeface="Consolas" panose="020B0609020204030204" pitchFamily="49" charset="0"/>
+              </a:rPr>
+              <a:t>password.equals</a:t>
+            </a:r>
+            <a:r>
+              <a:rPr lang="de-DE" altLang="de-DE" sz="1400" dirty="0">
+                <a:solidFill>
+                  <a:srgbClr val="000000"/>
+                </a:solidFill>
+                <a:latin typeface="Consolas" panose="020B0609020204030204" pitchFamily="49" charset="0"/>
+                <a:cs typeface="Consolas" panose="020B0609020204030204" pitchFamily="49" charset="0"/>
+              </a:rPr>
+              <a:t>(</a:t>
+            </a:r>
+            <a:r>
+              <a:rPr lang="de-DE" altLang="de-DE" sz="1400" b="1" dirty="0">
+                <a:solidFill>
+                  <a:srgbClr val="008000"/>
+                </a:solidFill>
+                <a:latin typeface="Consolas" panose="020B0609020204030204" pitchFamily="49" charset="0"/>
+                <a:cs typeface="Consolas" panose="020B0609020204030204" pitchFamily="49" charset="0"/>
+              </a:rPr>
+              <a:t>"Training"</a:t>
+            </a:r>
+            <a:r>
+              <a:rPr lang="de-DE" altLang="de-DE" sz="1400" dirty="0">
+                <a:solidFill>
+                  <a:srgbClr val="000000"/>
+                </a:solidFill>
+                <a:latin typeface="Consolas" panose="020B0609020204030204" pitchFamily="49" charset="0"/>
+                <a:cs typeface="Consolas" panose="020B0609020204030204" pitchFamily="49" charset="0"/>
+              </a:rPr>
+              <a:t>)){</a:t>
+            </a:r>
+            <a:br>
+              <a:rPr lang="de-DE" altLang="de-DE" sz="1400" dirty="0">
+                <a:solidFill>
+                  <a:srgbClr val="000000"/>
+                </a:solidFill>
+                <a:latin typeface="Consolas" panose="020B0609020204030204" pitchFamily="49" charset="0"/>
+                <a:cs typeface="Consolas" panose="020B0609020204030204" pitchFamily="49" charset="0"/>
+              </a:rPr>
+            </a:br>
+            <a:r>
+              <a:rPr lang="de-DE" altLang="de-DE" sz="1400" dirty="0">
+                <a:solidFill>
+                  <a:srgbClr val="000000"/>
+                </a:solidFill>
+                <a:latin typeface="Consolas" panose="020B0609020204030204" pitchFamily="49" charset="0"/>
+                <a:cs typeface="Consolas" panose="020B0609020204030204" pitchFamily="49" charset="0"/>
+              </a:rPr>
+              <a:t>            </a:t>
+            </a:r>
+            <a:r>
+              <a:rPr lang="de-DE" altLang="de-DE" sz="1400" b="1" dirty="0" err="1">
+                <a:solidFill>
+                  <a:srgbClr val="000080"/>
+                </a:solidFill>
+                <a:latin typeface="Consolas" panose="020B0609020204030204" pitchFamily="49" charset="0"/>
+                <a:cs typeface="Consolas" panose="020B0609020204030204" pitchFamily="49" charset="0"/>
+              </a:rPr>
+              <a:t>this</a:t>
+            </a:r>
+            <a:r>
+              <a:rPr lang="de-DE" altLang="de-DE" sz="1400" dirty="0" err="1">
+                <a:solidFill>
+                  <a:srgbClr val="000000"/>
+                </a:solidFill>
+                <a:latin typeface="Consolas" panose="020B0609020204030204" pitchFamily="49" charset="0"/>
+                <a:cs typeface="Consolas" panose="020B0609020204030204" pitchFamily="49" charset="0"/>
+              </a:rPr>
+              <a:t>.</a:t>
+            </a:r>
+            <a:r>
+              <a:rPr lang="de-DE" altLang="de-DE" sz="1400" b="1" dirty="0" err="1">
+                <a:solidFill>
+                  <a:srgbClr val="660E7A"/>
+                </a:solidFill>
+                <a:latin typeface="Consolas" panose="020B0609020204030204" pitchFamily="49" charset="0"/>
+                <a:cs typeface="Consolas" panose="020B0609020204030204" pitchFamily="49" charset="0"/>
+              </a:rPr>
+              <a:t>username</a:t>
+            </a:r>
+            <a:r>
+              <a:rPr lang="de-DE" altLang="de-DE" sz="1400" b="1" dirty="0">
+                <a:solidFill>
+                  <a:srgbClr val="660E7A"/>
+                </a:solidFill>
+                <a:latin typeface="Consolas" panose="020B0609020204030204" pitchFamily="49" charset="0"/>
+                <a:cs typeface="Consolas" panose="020B0609020204030204" pitchFamily="49" charset="0"/>
+              </a:rPr>
+              <a:t> </a:t>
+            </a:r>
+            <a:r>
+              <a:rPr lang="de-DE" altLang="de-DE" sz="1400" dirty="0">
+                <a:solidFill>
+                  <a:srgbClr val="000000"/>
+                </a:solidFill>
+                <a:latin typeface="Consolas" panose="020B0609020204030204" pitchFamily="49" charset="0"/>
+                <a:cs typeface="Consolas" panose="020B0609020204030204" pitchFamily="49" charset="0"/>
+              </a:rPr>
+              <a:t>= </a:t>
+            </a:r>
+            <a:r>
+              <a:rPr lang="de-DE" altLang="de-DE" sz="1400" dirty="0" err="1">
+                <a:solidFill>
+                  <a:srgbClr val="000000"/>
+                </a:solidFill>
+                <a:latin typeface="Consolas" panose="020B0609020204030204" pitchFamily="49" charset="0"/>
+                <a:cs typeface="Consolas" panose="020B0609020204030204" pitchFamily="49" charset="0"/>
+              </a:rPr>
+              <a:t>username</a:t>
+            </a:r>
+            <a:r>
+              <a:rPr lang="de-DE" altLang="de-DE" sz="1400" dirty="0">
+                <a:solidFill>
+                  <a:srgbClr val="000000"/>
+                </a:solidFill>
+                <a:latin typeface="Consolas" panose="020B0609020204030204" pitchFamily="49" charset="0"/>
+                <a:cs typeface="Consolas" panose="020B0609020204030204" pitchFamily="49" charset="0"/>
+              </a:rPr>
+              <a:t>;</a:t>
+            </a:r>
+            <a:br>
+              <a:rPr lang="de-DE" altLang="de-DE" sz="1400" dirty="0">
+                <a:solidFill>
+                  <a:srgbClr val="000000"/>
+                </a:solidFill>
+                <a:latin typeface="Consolas" panose="020B0609020204030204" pitchFamily="49" charset="0"/>
+                <a:cs typeface="Consolas" panose="020B0609020204030204" pitchFamily="49" charset="0"/>
+              </a:rPr>
+            </a:br>
+            <a:r>
+              <a:rPr lang="de-DE" altLang="de-DE" sz="1400" dirty="0">
+                <a:solidFill>
+                  <a:srgbClr val="000000"/>
+                </a:solidFill>
+                <a:latin typeface="Consolas" panose="020B0609020204030204" pitchFamily="49" charset="0"/>
+                <a:cs typeface="Consolas" panose="020B0609020204030204" pitchFamily="49" charset="0"/>
+              </a:rPr>
+              <a:t>            </a:t>
+            </a:r>
+            <a:r>
+              <a:rPr lang="de-DE" altLang="de-DE" sz="1400" dirty="0" err="1">
+                <a:solidFill>
+                  <a:srgbClr val="000000"/>
+                </a:solidFill>
+                <a:latin typeface="Consolas" panose="020B0609020204030204" pitchFamily="49" charset="0"/>
+                <a:cs typeface="Consolas" panose="020B0609020204030204" pitchFamily="49" charset="0"/>
+              </a:rPr>
+              <a:t>success</a:t>
+            </a:r>
+            <a:r>
+              <a:rPr lang="de-DE" altLang="de-DE" sz="1400" dirty="0">
+                <a:solidFill>
+                  <a:srgbClr val="000000"/>
+                </a:solidFill>
+                <a:latin typeface="Consolas" panose="020B0609020204030204" pitchFamily="49" charset="0"/>
+                <a:cs typeface="Consolas" panose="020B0609020204030204" pitchFamily="49" charset="0"/>
+              </a:rPr>
+              <a:t> = </a:t>
+            </a:r>
+            <a:r>
+              <a:rPr lang="de-DE" altLang="de-DE" sz="1400" b="1" dirty="0" err="1">
+                <a:solidFill>
+                  <a:srgbClr val="000080"/>
+                </a:solidFill>
+                <a:latin typeface="Consolas" panose="020B0609020204030204" pitchFamily="49" charset="0"/>
+                <a:cs typeface="Consolas" panose="020B0609020204030204" pitchFamily="49" charset="0"/>
+              </a:rPr>
+              <a:t>true</a:t>
+            </a:r>
+            <a:r>
+              <a:rPr lang="de-DE" altLang="de-DE" sz="1400" dirty="0">
+                <a:solidFill>
+                  <a:srgbClr val="000000"/>
+                </a:solidFill>
+                <a:latin typeface="Consolas" panose="020B0609020204030204" pitchFamily="49" charset="0"/>
+                <a:cs typeface="Consolas" panose="020B0609020204030204" pitchFamily="49" charset="0"/>
+              </a:rPr>
+              <a:t>;</a:t>
+            </a:r>
+            <a:br>
+              <a:rPr lang="de-DE" altLang="de-DE" sz="1400" dirty="0">
+                <a:solidFill>
+                  <a:srgbClr val="000000"/>
+                </a:solidFill>
+                <a:latin typeface="Consolas" panose="020B0609020204030204" pitchFamily="49" charset="0"/>
+                <a:cs typeface="Consolas" panose="020B0609020204030204" pitchFamily="49" charset="0"/>
+              </a:rPr>
+            </a:br>
+            <a:r>
+              <a:rPr lang="de-DE" altLang="de-DE" sz="1400" dirty="0">
+                <a:solidFill>
+                  <a:srgbClr val="000000"/>
+                </a:solidFill>
+                <a:latin typeface="Consolas" panose="020B0609020204030204" pitchFamily="49" charset="0"/>
+                <a:cs typeface="Consolas" panose="020B0609020204030204" pitchFamily="49" charset="0"/>
+              </a:rPr>
+              <a:t>        }</a:t>
+            </a:r>
+            <a:br>
+              <a:rPr lang="de-DE" altLang="de-DE" sz="1400" dirty="0">
+                <a:solidFill>
+                  <a:srgbClr val="000000"/>
+                </a:solidFill>
+                <a:latin typeface="Consolas" panose="020B0609020204030204" pitchFamily="49" charset="0"/>
+                <a:cs typeface="Consolas" panose="020B0609020204030204" pitchFamily="49" charset="0"/>
+              </a:rPr>
+            </a:br>
+            <a:r>
+              <a:rPr lang="de-DE" altLang="de-DE" sz="1400" dirty="0">
+                <a:solidFill>
+                  <a:srgbClr val="000000"/>
+                </a:solidFill>
+                <a:latin typeface="Consolas" panose="020B0609020204030204" pitchFamily="49" charset="0"/>
+                <a:cs typeface="Consolas" panose="020B0609020204030204" pitchFamily="49" charset="0"/>
+              </a:rPr>
+              <a:t/>
+            </a:r>
+            <a:br>
+              <a:rPr lang="de-DE" altLang="de-DE" sz="1400" dirty="0">
+                <a:solidFill>
+                  <a:srgbClr val="000000"/>
+                </a:solidFill>
+                <a:latin typeface="Consolas" panose="020B0609020204030204" pitchFamily="49" charset="0"/>
+                <a:cs typeface="Consolas" panose="020B0609020204030204" pitchFamily="49" charset="0"/>
+              </a:rPr>
+            </a:br>
+            <a:r>
+              <a:rPr lang="de-DE" altLang="de-DE" sz="1400" dirty="0">
+                <a:solidFill>
+                  <a:srgbClr val="000000"/>
+                </a:solidFill>
+                <a:latin typeface="Consolas" panose="020B0609020204030204" pitchFamily="49" charset="0"/>
+                <a:cs typeface="Consolas" panose="020B0609020204030204" pitchFamily="49" charset="0"/>
+              </a:rPr>
+              <a:t>        </a:t>
+            </a:r>
+            <a:r>
+              <a:rPr lang="de-DE" altLang="de-DE" sz="1400" b="1" dirty="0" err="1">
+                <a:solidFill>
+                  <a:srgbClr val="000080"/>
+                </a:solidFill>
+                <a:latin typeface="Consolas" panose="020B0609020204030204" pitchFamily="49" charset="0"/>
+                <a:cs typeface="Consolas" panose="020B0609020204030204" pitchFamily="49" charset="0"/>
+              </a:rPr>
+              <a:t>return</a:t>
+            </a:r>
+            <a:r>
+              <a:rPr lang="de-DE" altLang="de-DE" sz="1400" b="1" dirty="0">
+                <a:solidFill>
+                  <a:srgbClr val="000080"/>
+                </a:solidFill>
+                <a:latin typeface="Consolas" panose="020B0609020204030204" pitchFamily="49" charset="0"/>
+                <a:cs typeface="Consolas" panose="020B0609020204030204" pitchFamily="49" charset="0"/>
+              </a:rPr>
+              <a:t> </a:t>
+            </a:r>
+            <a:r>
+              <a:rPr lang="de-DE" altLang="de-DE" sz="1400" dirty="0" err="1">
+                <a:solidFill>
+                  <a:srgbClr val="000000"/>
+                </a:solidFill>
+                <a:latin typeface="Consolas" panose="020B0609020204030204" pitchFamily="49" charset="0"/>
+                <a:cs typeface="Consolas" panose="020B0609020204030204" pitchFamily="49" charset="0"/>
+              </a:rPr>
+              <a:t>success</a:t>
+            </a:r>
+            <a:r>
+              <a:rPr lang="de-DE" altLang="de-DE" sz="1400" dirty="0">
+                <a:solidFill>
+                  <a:srgbClr val="000000"/>
+                </a:solidFill>
+                <a:latin typeface="Consolas" panose="020B0609020204030204" pitchFamily="49" charset="0"/>
+                <a:cs typeface="Consolas" panose="020B0609020204030204" pitchFamily="49" charset="0"/>
+              </a:rPr>
+              <a:t>;</a:t>
+            </a:r>
+            <a:br>
+              <a:rPr lang="de-DE" altLang="de-DE" sz="1400" dirty="0">
+                <a:solidFill>
+                  <a:srgbClr val="000000"/>
+                </a:solidFill>
+                <a:latin typeface="Consolas" panose="020B0609020204030204" pitchFamily="49" charset="0"/>
+                <a:cs typeface="Consolas" panose="020B0609020204030204" pitchFamily="49" charset="0"/>
+              </a:rPr>
+            </a:br>
+            <a:r>
+              <a:rPr lang="de-DE" altLang="de-DE" sz="1400" dirty="0">
+                <a:solidFill>
+                  <a:srgbClr val="000000"/>
+                </a:solidFill>
+                <a:latin typeface="Consolas" panose="020B0609020204030204" pitchFamily="49" charset="0"/>
+                <a:cs typeface="Consolas" panose="020B0609020204030204" pitchFamily="49" charset="0"/>
+              </a:rPr>
+              <a:t>    }</a:t>
+            </a:r>
+            <a:br>
+              <a:rPr lang="de-DE" altLang="de-DE" sz="1400" dirty="0">
+                <a:solidFill>
+                  <a:srgbClr val="000000"/>
+                </a:solidFill>
+                <a:latin typeface="Consolas" panose="020B0609020204030204" pitchFamily="49" charset="0"/>
+                <a:cs typeface="Consolas" panose="020B0609020204030204" pitchFamily="49" charset="0"/>
+              </a:rPr>
+            </a:br>
+            <a:r>
+              <a:rPr lang="de-DE" altLang="de-DE" sz="1400" dirty="0">
+                <a:solidFill>
+                  <a:srgbClr val="000000"/>
+                </a:solidFill>
+                <a:latin typeface="Consolas" panose="020B0609020204030204" pitchFamily="49" charset="0"/>
+                <a:cs typeface="Consolas" panose="020B0609020204030204" pitchFamily="49" charset="0"/>
+              </a:rPr>
+              <a:t/>
+            </a:r>
+            <a:br>
+              <a:rPr lang="de-DE" altLang="de-DE" sz="1400" dirty="0">
+                <a:solidFill>
+                  <a:srgbClr val="000000"/>
+                </a:solidFill>
+                <a:latin typeface="Consolas" panose="020B0609020204030204" pitchFamily="49" charset="0"/>
+                <a:cs typeface="Consolas" panose="020B0609020204030204" pitchFamily="49" charset="0"/>
+              </a:rPr>
+            </a:br>
+            <a:r>
+              <a:rPr lang="de-DE" altLang="de-DE" sz="1400" dirty="0">
+                <a:solidFill>
+                  <a:srgbClr val="000000"/>
+                </a:solidFill>
+                <a:latin typeface="Consolas" panose="020B0609020204030204" pitchFamily="49" charset="0"/>
+                <a:cs typeface="Consolas" panose="020B0609020204030204" pitchFamily="49" charset="0"/>
+              </a:rPr>
+              <a:t>    </a:t>
+            </a:r>
+            <a:r>
+              <a:rPr lang="de-DE" altLang="de-DE" sz="1400" dirty="0">
+                <a:solidFill>
+                  <a:srgbClr val="808000"/>
+                </a:solidFill>
+                <a:latin typeface="Consolas" panose="020B0609020204030204" pitchFamily="49" charset="0"/>
+                <a:cs typeface="Consolas" panose="020B0609020204030204" pitchFamily="49" charset="0"/>
+              </a:rPr>
+              <a:t>@</a:t>
+            </a:r>
+            <a:r>
+              <a:rPr lang="de-DE" altLang="de-DE" sz="1400" dirty="0" err="1">
+                <a:solidFill>
+                  <a:srgbClr val="808000"/>
+                </a:solidFill>
+                <a:latin typeface="Consolas" panose="020B0609020204030204" pitchFamily="49" charset="0"/>
+                <a:cs typeface="Consolas" panose="020B0609020204030204" pitchFamily="49" charset="0"/>
+              </a:rPr>
+              <a:t>Override</a:t>
+            </a:r>
+            <a:r>
+              <a:rPr lang="de-DE" altLang="de-DE" sz="1400" dirty="0">
+                <a:solidFill>
+                  <a:srgbClr val="808000"/>
+                </a:solidFill>
+                <a:latin typeface="Consolas" panose="020B0609020204030204" pitchFamily="49" charset="0"/>
+                <a:cs typeface="Consolas" panose="020B0609020204030204" pitchFamily="49" charset="0"/>
+              </a:rPr>
+              <a:t/>
+            </a:r>
+            <a:br>
+              <a:rPr lang="de-DE" altLang="de-DE" sz="1400" dirty="0">
+                <a:solidFill>
+                  <a:srgbClr val="808000"/>
+                </a:solidFill>
+                <a:latin typeface="Consolas" panose="020B0609020204030204" pitchFamily="49" charset="0"/>
+                <a:cs typeface="Consolas" panose="020B0609020204030204" pitchFamily="49" charset="0"/>
+              </a:rPr>
+            </a:br>
+            <a:r>
+              <a:rPr lang="de-DE" altLang="de-DE" sz="1400" dirty="0">
+                <a:solidFill>
+                  <a:srgbClr val="808000"/>
+                </a:solidFill>
+                <a:latin typeface="Consolas" panose="020B0609020204030204" pitchFamily="49" charset="0"/>
+                <a:cs typeface="Consolas" panose="020B0609020204030204" pitchFamily="49" charset="0"/>
+              </a:rPr>
+              <a:t>    </a:t>
+            </a:r>
+            <a:r>
+              <a:rPr lang="de-DE" altLang="de-DE" sz="1400" b="1" dirty="0" err="1">
+                <a:solidFill>
+                  <a:srgbClr val="000080"/>
+                </a:solidFill>
+                <a:latin typeface="Consolas" panose="020B0609020204030204" pitchFamily="49" charset="0"/>
+                <a:cs typeface="Consolas" panose="020B0609020204030204" pitchFamily="49" charset="0"/>
+              </a:rPr>
+              <a:t>public</a:t>
+            </a:r>
+            <a:r>
+              <a:rPr lang="de-DE" altLang="de-DE" sz="1400" b="1" dirty="0">
+                <a:solidFill>
+                  <a:srgbClr val="000080"/>
+                </a:solidFill>
+                <a:latin typeface="Consolas" panose="020B0609020204030204" pitchFamily="49" charset="0"/>
+                <a:cs typeface="Consolas" panose="020B0609020204030204" pitchFamily="49" charset="0"/>
+              </a:rPr>
+              <a:t> </a:t>
+            </a:r>
+            <a:r>
+              <a:rPr lang="de-DE" altLang="de-DE" sz="1400" dirty="0" err="1">
+                <a:solidFill>
+                  <a:srgbClr val="000000"/>
+                </a:solidFill>
+                <a:latin typeface="Consolas" panose="020B0609020204030204" pitchFamily="49" charset="0"/>
+                <a:cs typeface="Consolas" panose="020B0609020204030204" pitchFamily="49" charset="0"/>
+              </a:rPr>
+              <a:t>Roles</a:t>
+            </a:r>
+            <a:r>
+              <a:rPr lang="de-DE" altLang="de-DE" sz="1400" dirty="0">
+                <a:solidFill>
+                  <a:srgbClr val="000000"/>
+                </a:solidFill>
+                <a:latin typeface="Consolas" panose="020B0609020204030204" pitchFamily="49" charset="0"/>
+                <a:cs typeface="Consolas" panose="020B0609020204030204" pitchFamily="49" charset="0"/>
+              </a:rPr>
+              <a:t> </a:t>
+            </a:r>
+            <a:r>
+              <a:rPr lang="de-DE" altLang="de-DE" sz="1400" dirty="0" err="1">
+                <a:solidFill>
+                  <a:srgbClr val="000000"/>
+                </a:solidFill>
+                <a:latin typeface="Consolas" panose="020B0609020204030204" pitchFamily="49" charset="0"/>
+                <a:cs typeface="Consolas" panose="020B0609020204030204" pitchFamily="49" charset="0"/>
+              </a:rPr>
+              <a:t>getRoles</a:t>
+            </a:r>
+            <a:r>
+              <a:rPr lang="de-DE" altLang="de-DE" sz="1400" dirty="0">
+                <a:solidFill>
+                  <a:srgbClr val="000000"/>
+                </a:solidFill>
+                <a:latin typeface="Consolas" panose="020B0609020204030204" pitchFamily="49" charset="0"/>
+                <a:cs typeface="Consolas" panose="020B0609020204030204" pitchFamily="49" charset="0"/>
+              </a:rPr>
+              <a:t>() {</a:t>
+            </a:r>
+            <a:r>
+              <a:rPr lang="de-DE" altLang="de-DE" sz="1400" b="1" dirty="0" err="1">
+                <a:solidFill>
+                  <a:srgbClr val="000080"/>
+                </a:solidFill>
+                <a:latin typeface="Consolas" panose="020B0609020204030204" pitchFamily="49" charset="0"/>
+                <a:cs typeface="Consolas" panose="020B0609020204030204" pitchFamily="49" charset="0"/>
+              </a:rPr>
+              <a:t>return</a:t>
+            </a:r>
+            <a:r>
+              <a:rPr lang="de-DE" altLang="de-DE" sz="1400" b="1" dirty="0">
+                <a:solidFill>
+                  <a:srgbClr val="000080"/>
+                </a:solidFill>
+                <a:latin typeface="Consolas" panose="020B0609020204030204" pitchFamily="49" charset="0"/>
+                <a:cs typeface="Consolas" panose="020B0609020204030204" pitchFamily="49" charset="0"/>
+              </a:rPr>
+              <a:t> null</a:t>
+            </a:r>
+            <a:r>
+              <a:rPr lang="de-DE" altLang="de-DE" sz="1400" dirty="0">
+                <a:solidFill>
+                  <a:srgbClr val="000000"/>
+                </a:solidFill>
+                <a:latin typeface="Consolas" panose="020B0609020204030204" pitchFamily="49" charset="0"/>
+                <a:cs typeface="Consolas" panose="020B0609020204030204" pitchFamily="49" charset="0"/>
+              </a:rPr>
+              <a:t>;}</a:t>
+            </a:r>
+            <a:br>
+              <a:rPr lang="de-DE" altLang="de-DE" sz="1400" dirty="0">
+                <a:solidFill>
+                  <a:srgbClr val="000000"/>
+                </a:solidFill>
+                <a:latin typeface="Consolas" panose="020B0609020204030204" pitchFamily="49" charset="0"/>
+                <a:cs typeface="Consolas" panose="020B0609020204030204" pitchFamily="49" charset="0"/>
+              </a:rPr>
+            </a:br>
+            <a:r>
+              <a:rPr lang="de-DE" altLang="de-DE" sz="1400" dirty="0">
+                <a:solidFill>
+                  <a:srgbClr val="000000"/>
+                </a:solidFill>
+                <a:latin typeface="Consolas" panose="020B0609020204030204" pitchFamily="49" charset="0"/>
+                <a:cs typeface="Consolas" panose="020B0609020204030204" pitchFamily="49" charset="0"/>
+              </a:rPr>
+              <a:t/>
+            </a:r>
+            <a:br>
+              <a:rPr lang="de-DE" altLang="de-DE" sz="1400" dirty="0">
+                <a:solidFill>
+                  <a:srgbClr val="000000"/>
+                </a:solidFill>
+                <a:latin typeface="Consolas" panose="020B0609020204030204" pitchFamily="49" charset="0"/>
+                <a:cs typeface="Consolas" panose="020B0609020204030204" pitchFamily="49" charset="0"/>
+              </a:rPr>
+            </a:br>
+            <a:r>
+              <a:rPr lang="de-DE" altLang="de-DE" sz="1400" dirty="0">
+                <a:solidFill>
+                  <a:srgbClr val="000000"/>
+                </a:solidFill>
+                <a:latin typeface="Consolas" panose="020B0609020204030204" pitchFamily="49" charset="0"/>
+                <a:cs typeface="Consolas" panose="020B0609020204030204" pitchFamily="49" charset="0"/>
+              </a:rPr>
+              <a:t>    </a:t>
+            </a:r>
+            <a:r>
+              <a:rPr lang="de-DE" altLang="de-DE" sz="1400" b="1" dirty="0" err="1">
+                <a:solidFill>
+                  <a:srgbClr val="000080"/>
+                </a:solidFill>
+                <a:latin typeface="Consolas" panose="020B0609020204030204" pitchFamily="49" charset="0"/>
+                <a:cs typeface="Consolas" panose="020B0609020204030204" pitchFamily="49" charset="0"/>
+              </a:rPr>
+              <a:t>public</a:t>
+            </a:r>
+            <a:r>
+              <a:rPr lang="de-DE" altLang="de-DE" sz="1400" b="1" dirty="0">
+                <a:solidFill>
+                  <a:srgbClr val="000080"/>
+                </a:solidFill>
+                <a:latin typeface="Consolas" panose="020B0609020204030204" pitchFamily="49" charset="0"/>
+                <a:cs typeface="Consolas" panose="020B0609020204030204" pitchFamily="49" charset="0"/>
+              </a:rPr>
+              <a:t> </a:t>
+            </a:r>
+            <a:r>
+              <a:rPr lang="de-DE" altLang="de-DE" sz="1400" dirty="0">
+                <a:solidFill>
+                  <a:srgbClr val="000000"/>
+                </a:solidFill>
+                <a:latin typeface="Consolas" panose="020B0609020204030204" pitchFamily="49" charset="0"/>
+                <a:cs typeface="Consolas" panose="020B0609020204030204" pitchFamily="49" charset="0"/>
+              </a:rPr>
+              <a:t>String </a:t>
+            </a:r>
+            <a:r>
+              <a:rPr lang="de-DE" altLang="de-DE" sz="1400" dirty="0" err="1">
+                <a:solidFill>
+                  <a:srgbClr val="000000"/>
+                </a:solidFill>
+                <a:latin typeface="Consolas" panose="020B0609020204030204" pitchFamily="49" charset="0"/>
+                <a:cs typeface="Consolas" panose="020B0609020204030204" pitchFamily="49" charset="0"/>
+              </a:rPr>
+              <a:t>getUsername</a:t>
+            </a:r>
+            <a:r>
+              <a:rPr lang="de-DE" altLang="de-DE" sz="1400" dirty="0">
+                <a:solidFill>
+                  <a:srgbClr val="000000"/>
+                </a:solidFill>
+                <a:latin typeface="Consolas" panose="020B0609020204030204" pitchFamily="49" charset="0"/>
+                <a:cs typeface="Consolas" panose="020B0609020204030204" pitchFamily="49" charset="0"/>
+              </a:rPr>
+              <a:t>() {</a:t>
+            </a:r>
+            <a:r>
+              <a:rPr lang="de-DE" altLang="de-DE" sz="1400" b="1" dirty="0" err="1">
+                <a:solidFill>
+                  <a:srgbClr val="000080"/>
+                </a:solidFill>
+                <a:latin typeface="Consolas" panose="020B0609020204030204" pitchFamily="49" charset="0"/>
+                <a:cs typeface="Consolas" panose="020B0609020204030204" pitchFamily="49" charset="0"/>
+              </a:rPr>
+              <a:t>return</a:t>
+            </a:r>
+            <a:r>
+              <a:rPr lang="de-DE" altLang="de-DE" sz="1400" b="1" dirty="0">
+                <a:solidFill>
+                  <a:srgbClr val="000080"/>
+                </a:solidFill>
+                <a:latin typeface="Consolas" panose="020B0609020204030204" pitchFamily="49" charset="0"/>
+                <a:cs typeface="Consolas" panose="020B0609020204030204" pitchFamily="49" charset="0"/>
+              </a:rPr>
+              <a:t> </a:t>
+            </a:r>
+            <a:r>
+              <a:rPr lang="de-DE" altLang="de-DE" sz="1400" b="1" dirty="0" err="1">
+                <a:solidFill>
+                  <a:srgbClr val="660E7A"/>
+                </a:solidFill>
+                <a:latin typeface="Consolas" panose="020B0609020204030204" pitchFamily="49" charset="0"/>
+                <a:cs typeface="Consolas" panose="020B0609020204030204" pitchFamily="49" charset="0"/>
+              </a:rPr>
+              <a:t>username</a:t>
+            </a:r>
+            <a:r>
+              <a:rPr lang="de-DE" altLang="de-DE" sz="1400" dirty="0">
+                <a:solidFill>
+                  <a:srgbClr val="000000"/>
+                </a:solidFill>
+                <a:latin typeface="Consolas" panose="020B0609020204030204" pitchFamily="49" charset="0"/>
+                <a:cs typeface="Consolas" panose="020B0609020204030204" pitchFamily="49" charset="0"/>
+              </a:rPr>
+              <a:t>;}</a:t>
+            </a:r>
+            <a:br>
+              <a:rPr lang="de-DE" altLang="de-DE" sz="1400" dirty="0">
+                <a:solidFill>
+                  <a:srgbClr val="000000"/>
+                </a:solidFill>
+                <a:latin typeface="Consolas" panose="020B0609020204030204" pitchFamily="49" charset="0"/>
+                <a:cs typeface="Consolas" panose="020B0609020204030204" pitchFamily="49" charset="0"/>
+              </a:rPr>
+            </a:br>
+            <a:r>
+              <a:rPr lang="de-DE" altLang="de-DE" sz="1400" dirty="0">
+                <a:solidFill>
+                  <a:srgbClr val="000000"/>
+                </a:solidFill>
+                <a:latin typeface="Consolas" panose="020B0609020204030204" pitchFamily="49" charset="0"/>
+                <a:cs typeface="Consolas" panose="020B0609020204030204" pitchFamily="49" charset="0"/>
+              </a:rPr>
+              <a:t>}</a:t>
+            </a:r>
+            <a:endParaRPr lang="de-DE" altLang="de-DE" sz="1400" dirty="0">
+              <a:latin typeface="Consolas" panose="020B0609020204030204" pitchFamily="49" charset="0"/>
+              <a:cs typeface="Consolas" panose="020B0609020204030204" pitchFamily="49" charset="0"/>
+            </a:endParaRPr>
+          </a:p>
+          <a:p>
+            <a:pPr marL="0" indent="0">
+              <a:buNone/>
+            </a:pPr>
+            <a:endParaRPr lang="de-DE" sz="2000" dirty="0"/>
+          </a:p>
+        </p:txBody>
+      </p:sp>
+      <p:sp>
+        <p:nvSpPr>
+          <p:cNvPr id="17411" name="Rectangle 1062"/>
+          <p:cNvSpPr>
+            <a:spLocks noGrp="1" noChangeArrowheads="1"/>
+          </p:cNvSpPr>
+          <p:nvPr>
+            <p:ph type="title"/>
+          </p:nvPr>
+        </p:nvSpPr>
+        <p:spPr>
+          <a:xfrm>
+            <a:off x="285750" y="142875"/>
+            <a:ext cx="5654675" cy="706438"/>
+          </a:xfrm>
+        </p:spPr>
+        <p:txBody>
+          <a:bodyPr/>
+          <a:lstStyle/>
+          <a:p>
+            <a:r>
+              <a:rPr lang="de-DE" dirty="0"/>
+              <a:t>Architektur: Sessions</a:t>
+            </a:r>
+          </a:p>
+        </p:txBody>
+      </p:sp>
+      <p:sp>
+        <p:nvSpPr>
+          <p:cNvPr id="4" name="Rechteck 3"/>
+          <p:cNvSpPr/>
+          <p:nvPr/>
+        </p:nvSpPr>
+        <p:spPr>
+          <a:xfrm>
+            <a:off x="3855544" y="6145559"/>
+            <a:ext cx="5324968" cy="307777"/>
+          </a:xfrm>
+          <a:prstGeom prst="rect">
+            <a:avLst/>
+          </a:prstGeom>
+        </p:spPr>
+        <p:txBody>
+          <a:bodyPr wrap="square">
+            <a:spAutoFit/>
+          </a:bodyPr>
+          <a:lstStyle/>
+          <a:p>
+            <a:pPr algn="r"/>
+            <a:r>
+              <a:rPr lang="de-DE" sz="1400" dirty="0">
+                <a:latin typeface="+mj-lt"/>
+              </a:rPr>
+              <a:t>Quelle: </a:t>
+            </a:r>
+            <a:r>
+              <a:rPr lang="de-DE" sz="1400" dirty="0" err="1">
+                <a:latin typeface="+mj-lt"/>
+              </a:rPr>
+              <a:t>Wicket</a:t>
+            </a:r>
+            <a:r>
+              <a:rPr lang="de-DE" sz="1400" dirty="0">
+                <a:latin typeface="+mj-lt"/>
+              </a:rPr>
+              <a:t> User Guide – The Reference </a:t>
+            </a:r>
+            <a:r>
+              <a:rPr lang="de-DE" sz="1400" dirty="0" err="1">
+                <a:latin typeface="+mj-lt"/>
+              </a:rPr>
+              <a:t>Documentation</a:t>
+            </a:r>
+            <a:endParaRPr lang="de-DE" sz="1400" dirty="0">
+              <a:latin typeface="+mj-lt"/>
+            </a:endParaRPr>
+          </a:p>
+        </p:txBody>
+      </p:sp>
+    </p:spTree>
+    <p:extLst>
+      <p:ext uri="{BB962C8B-B14F-4D97-AF65-F5344CB8AC3E}">
+        <p14:creationId xmlns:p14="http://schemas.microsoft.com/office/powerpoint/2010/main" val="3799289470"/>
+      </p:ext>
+    </p:extLst>
+  </p:cSld>
+  <p:clrMapOvr>
+    <a:masterClrMapping/>
+  </p:clrMapOvr>
+  <p:timing>
+    <p:tnLst>
+      <p:par>
+        <p:cTn id="1" dur="indefinite" restart="never" nodeType="tmRoot"/>
+      </p:par>
+    </p:tnLst>
+  </p:timing>
+</p:sld>
+</file>
+
+<file path=ppt/slides/slide13.xml><?xml version="1.0" encoding="utf-8"?>
+<p:sld xmlns:a="http://schemas.openxmlformats.org/drawingml/2006/main" xmlns:r="http://schemas.openxmlformats.org/officeDocument/2006/relationships" xmlns:p="http://schemas.openxmlformats.org/presentationml/2006/main">
+  <p:cSld>
+    <p:spTree>
+      <p:nvGrpSpPr>
+        <p:cNvPr id="1" name=""/>
+        <p:cNvGrpSpPr/>
+        <p:nvPr/>
+      </p:nvGrpSpPr>
+      <p:grpSpPr>
+        <a:xfrm>
+          <a:off x="0" y="0"/>
+          <a:ext cx="0" cy="0"/>
+          <a:chOff x="0" y="0"/>
+          <a:chExt cx="0" cy="0"/>
+        </a:xfrm>
+      </p:grpSpPr>
+      <p:sp>
+        <p:nvSpPr>
+          <p:cNvPr id="17410" name="Inhaltsplatzhalter 2"/>
+          <p:cNvSpPr>
+            <a:spLocks noGrp="1"/>
+          </p:cNvSpPr>
+          <p:nvPr>
+            <p:ph idx="1"/>
+          </p:nvPr>
+        </p:nvSpPr>
+        <p:spPr>
+          <a:xfrm>
             <a:off x="303213" y="1341438"/>
             <a:ext cx="8589962" cy="4824412"/>
           </a:xfrm>
@@ -10124,7 +10454,7 @@
 </p:sld>
 </file>
 
-<file path=ppt/slides/slide13.xml><?xml version="1.0" encoding="utf-8"?>
+<file path=ppt/slides/slide14.xml><?xml version="1.0" encoding="utf-8"?>
 <p:sld xmlns:a="http://schemas.openxmlformats.org/drawingml/2006/main" xmlns:r="http://schemas.openxmlformats.org/officeDocument/2006/relationships" xmlns:p="http://schemas.openxmlformats.org/presentationml/2006/main">
   <p:cSld>
     <p:spTree>
@@ -10303,7 +10633,7 @@
 </p:sld>
 </file>
 
-<file path=ppt/slides/slide14.xml><?xml version="1.0" encoding="utf-8"?>
+<file path=ppt/slides/slide15.xml><?xml version="1.0" encoding="utf-8"?>
 <p:sld xmlns:a="http://schemas.openxmlformats.org/drawingml/2006/main" xmlns:r="http://schemas.openxmlformats.org/officeDocument/2006/relationships" xmlns:p="http://schemas.openxmlformats.org/presentationml/2006/main">
   <p:cSld>
     <p:spTree>
@@ -10541,7 +10871,7 @@
 </p:sld>
 </file>
 
-<file path=ppt/slides/slide15.xml><?xml version="1.0" encoding="utf-8"?>
+<file path=ppt/slides/slide16.xml><?xml version="1.0" encoding="utf-8"?>
 <p:sld xmlns:a="http://schemas.openxmlformats.org/drawingml/2006/main" xmlns:r="http://schemas.openxmlformats.org/officeDocument/2006/relationships" xmlns:p="http://schemas.openxmlformats.org/presentationml/2006/main">
   <p:cSld>
     <p:spTree>
@@ -10814,257 +11144,6 @@
     <p:extLst>
       <p:ext uri="{BB962C8B-B14F-4D97-AF65-F5344CB8AC3E}">
         <p14:creationId xmlns:p14="http://schemas.microsoft.com/office/powerpoint/2010/main" val="2417731494"/>
-      </p:ext>
-    </p:extLst>
-  </p:cSld>
-  <p:clrMapOvr>
-    <a:masterClrMapping/>
-  </p:clrMapOvr>
-</p:sld>
-</file>
-
-<file path=ppt/slides/slide16.xml><?xml version="1.0" encoding="utf-8"?>
-<p:sld xmlns:a="http://schemas.openxmlformats.org/drawingml/2006/main" xmlns:r="http://schemas.openxmlformats.org/officeDocument/2006/relationships" xmlns:p="http://schemas.openxmlformats.org/presentationml/2006/main">
-  <p:cSld>
-    <p:spTree>
-      <p:nvGrpSpPr>
-        <p:cNvPr id="1" name=""/>
-        <p:cNvGrpSpPr/>
-        <p:nvPr/>
-      </p:nvGrpSpPr>
-      <p:grpSpPr>
-        <a:xfrm>
-          <a:off x="0" y="0"/>
-          <a:ext cx="0" cy="0"/>
-          <a:chOff x="0" y="0"/>
-          <a:chExt cx="0" cy="0"/>
-        </a:xfrm>
-      </p:grpSpPr>
-      <p:sp>
-        <p:nvSpPr>
-          <p:cNvPr id="17410" name="Inhaltsplatzhalter 2"/>
-          <p:cNvSpPr>
-            <a:spLocks noGrp="1"/>
-          </p:cNvSpPr>
-          <p:nvPr>
-            <p:ph idx="1"/>
-          </p:nvPr>
-        </p:nvSpPr>
-        <p:spPr>
-          <a:xfrm>
-            <a:off x="303213" y="1341438"/>
-            <a:ext cx="8589962" cy="4824412"/>
-          </a:xfrm>
-        </p:spPr>
-        <p:txBody>
-          <a:bodyPr/>
-          <a:lstStyle/>
-          <a:p>
-            <a:pPr marL="0" indent="0">
-              <a:buNone/>
-            </a:pPr>
-            <a:r>
-              <a:rPr lang="de-DE" sz="2000" b="1" dirty="0"/>
-              <a:t>Pages</a:t>
-            </a:r>
-          </a:p>
-          <a:p>
-            <a:pPr>
-              <a:buFont typeface="Arial" panose="020B0604020202020204" pitchFamily="34" charset="0"/>
-              <a:buChar char="•"/>
-            </a:pPr>
-            <a:r>
-              <a:rPr lang="de-DE" sz="2000" dirty="0"/>
-              <a:t>Navigation über Link-Komponenten</a:t>
-            </a:r>
-          </a:p>
-          <a:p>
-            <a:pPr lvl="1">
-              <a:buFont typeface="Arial" panose="020B0604020202020204" pitchFamily="34" charset="0"/>
-              <a:buChar char="•"/>
-            </a:pPr>
-            <a:r>
-              <a:rPr lang="de-DE" dirty="0"/>
-              <a:t>Definition eines </a:t>
-            </a:r>
-            <a:r>
-              <a:rPr lang="de-DE" dirty="0" err="1"/>
-              <a:t>onClick</a:t>
-            </a:r>
-            <a:r>
-              <a:rPr lang="de-DE" dirty="0"/>
-              <a:t>-Handlers in Java</a:t>
-            </a:r>
-          </a:p>
-          <a:p>
-            <a:pPr>
-              <a:buFont typeface="Arial" panose="020B0604020202020204" pitchFamily="34" charset="0"/>
-              <a:buChar char="•"/>
-            </a:pPr>
-            <a:endParaRPr lang="de-DE" sz="2000" dirty="0"/>
-          </a:p>
-          <a:p>
-            <a:pPr>
-              <a:buFont typeface="Arial" panose="020B0604020202020204" pitchFamily="34" charset="0"/>
-              <a:buChar char="•"/>
-            </a:pPr>
-            <a:r>
-              <a:rPr lang="de-DE" sz="2000" dirty="0" err="1"/>
-              <a:t>Deeplinks</a:t>
-            </a:r>
-            <a:r>
-              <a:rPr lang="de-DE" sz="2000" dirty="0"/>
-              <a:t>: </a:t>
-            </a:r>
-            <a:r>
-              <a:rPr lang="de-DE" sz="2000" dirty="0" err="1"/>
-              <a:t>Mountpoints</a:t>
-            </a:r>
-            <a:r>
-              <a:rPr lang="de-DE" sz="2000" dirty="0"/>
-              <a:t> in der </a:t>
-            </a:r>
-            <a:r>
-              <a:rPr lang="de-DE" sz="2000" dirty="0" err="1"/>
-              <a:t>Application</a:t>
-            </a:r>
-            <a:r>
-              <a:rPr lang="de-DE" sz="2000" dirty="0"/>
-              <a:t>-Klasse definieren:</a:t>
-            </a:r>
-          </a:p>
-          <a:p>
-            <a:pPr lvl="1">
-              <a:buFont typeface="Arial" panose="020B0604020202020204" pitchFamily="34" charset="0"/>
-              <a:buChar char="•"/>
-            </a:pPr>
-            <a:r>
-              <a:rPr lang="de-DE" sz="1600" dirty="0" err="1">
-                <a:latin typeface="Consolas" panose="020B0609020204030204" pitchFamily="49" charset="0"/>
-                <a:cs typeface="Consolas" panose="020B0609020204030204" pitchFamily="49" charset="0"/>
-              </a:rPr>
-              <a:t>mountPage</a:t>
-            </a:r>
-            <a:r>
-              <a:rPr lang="de-DE" sz="1600" dirty="0">
-                <a:latin typeface="Consolas" panose="020B0609020204030204" pitchFamily="49" charset="0"/>
-                <a:cs typeface="Consolas" panose="020B0609020204030204" pitchFamily="49" charset="0"/>
-              </a:rPr>
-              <a:t>("/</a:t>
-            </a:r>
-            <a:r>
-              <a:rPr lang="de-DE" sz="1600" dirty="0" err="1">
-                <a:latin typeface="Consolas" panose="020B0609020204030204" pitchFamily="49" charset="0"/>
-                <a:cs typeface="Consolas" panose="020B0609020204030204" pitchFamily="49" charset="0"/>
-              </a:rPr>
-              <a:t>pageMount</a:t>
-            </a:r>
-            <a:r>
-              <a:rPr lang="de-DE" sz="1600" dirty="0">
-                <a:latin typeface="Consolas" panose="020B0609020204030204" pitchFamily="49" charset="0"/>
-                <a:cs typeface="Consolas" panose="020B0609020204030204" pitchFamily="49" charset="0"/>
-              </a:rPr>
-              <a:t>/${</a:t>
-            </a:r>
-            <a:r>
-              <a:rPr lang="de-DE" sz="1600" dirty="0" err="1">
-                <a:latin typeface="Consolas" panose="020B0609020204030204" pitchFamily="49" charset="0"/>
-                <a:cs typeface="Consolas" panose="020B0609020204030204" pitchFamily="49" charset="0"/>
-              </a:rPr>
-              <a:t>foo</a:t>
-            </a:r>
-            <a:r>
-              <a:rPr lang="de-DE" sz="1600" dirty="0">
-                <a:latin typeface="Consolas" panose="020B0609020204030204" pitchFamily="49" charset="0"/>
-                <a:cs typeface="Consolas" panose="020B0609020204030204" pitchFamily="49" charset="0"/>
-              </a:rPr>
-              <a:t>}", </a:t>
-            </a:r>
-            <a:r>
-              <a:rPr lang="de-DE" sz="1600" dirty="0" err="1">
-                <a:latin typeface="Consolas" panose="020B0609020204030204" pitchFamily="49" charset="0"/>
-                <a:cs typeface="Consolas" panose="020B0609020204030204" pitchFamily="49" charset="0"/>
-              </a:rPr>
-              <a:t>ProductInfo.class</a:t>
-            </a:r>
-            <a:r>
-              <a:rPr lang="de-DE" sz="1600" dirty="0">
-                <a:latin typeface="Consolas" panose="020B0609020204030204" pitchFamily="49" charset="0"/>
-                <a:cs typeface="Consolas" panose="020B0609020204030204" pitchFamily="49" charset="0"/>
-              </a:rPr>
-              <a:t>);</a:t>
-            </a:r>
-          </a:p>
-          <a:p>
-            <a:pPr>
-              <a:buFont typeface="Arial" panose="020B0604020202020204" pitchFamily="34" charset="0"/>
-              <a:buChar char="•"/>
-            </a:pPr>
-            <a:endParaRPr lang="de-DE" sz="2000" dirty="0"/>
-          </a:p>
-          <a:p>
-            <a:pPr>
-              <a:buFont typeface="Arial" panose="020B0604020202020204" pitchFamily="34" charset="0"/>
-              <a:buChar char="•"/>
-            </a:pPr>
-            <a:r>
-              <a:rPr lang="de-DE" sz="2000" dirty="0"/>
-              <a:t>Wie viele Pages braucht eine Anwendung?</a:t>
-            </a:r>
-          </a:p>
-          <a:p>
-            <a:pPr lvl="1">
-              <a:buFont typeface="Arial" panose="020B0604020202020204" pitchFamily="34" charset="0"/>
-              <a:buChar char="•"/>
-            </a:pPr>
-            <a:r>
-              <a:rPr lang="de-DE" dirty="0"/>
-              <a:t>Wie viele abstrakte Pages?</a:t>
-            </a:r>
-          </a:p>
-          <a:p>
-            <a:pPr lvl="1">
-              <a:buFont typeface="Arial" panose="020B0604020202020204" pitchFamily="34" charset="0"/>
-              <a:buChar char="•"/>
-            </a:pPr>
-            <a:r>
-              <a:rPr lang="de-DE" dirty="0"/>
-              <a:t>Events</a:t>
-            </a:r>
-          </a:p>
-        </p:txBody>
-      </p:sp>
-      <p:sp>
-        <p:nvSpPr>
-          <p:cNvPr id="17411" name="Rectangle 1062"/>
-          <p:cNvSpPr>
-            <a:spLocks noGrp="1" noChangeArrowheads="1"/>
-          </p:cNvSpPr>
-          <p:nvPr>
-            <p:ph type="title"/>
-          </p:nvPr>
-        </p:nvSpPr>
-        <p:spPr>
-          <a:xfrm>
-            <a:off x="285750" y="142875"/>
-            <a:ext cx="5654675" cy="706438"/>
-          </a:xfrm>
-        </p:spPr>
-        <p:txBody>
-          <a:bodyPr/>
-          <a:lstStyle/>
-          <a:p>
-            <a:r>
-              <a:rPr lang="de-DE" dirty="0"/>
-              <a:t>Architektur</a:t>
-            </a:r>
-          </a:p>
-        </p:txBody>
-      </p:sp>
-    </p:spTree>
-    <p:extLst>
-      <p:ext uri="{BB962C8B-B14F-4D97-AF65-F5344CB8AC3E}">
-        <p14:creationId xmlns:p14="http://schemas.microsoft.com/office/powerpoint/2010/main" val="460195507"/>
       </p:ext>
     </p:extLst>
   </p:cSld>
@@ -11115,12 +11194,8 @@
               <a:buNone/>
             </a:pPr>
             <a:r>
-              <a:rPr lang="de-DE" sz="2000" b="1" dirty="0" err="1"/>
-              <a:t>Stateful</a:t>
-            </a:r>
-            <a:r>
               <a:rPr lang="de-DE" sz="2000" b="1" dirty="0"/>
-              <a:t> Pages</a:t>
+              <a:t>Pages</a:t>
             </a:r>
           </a:p>
           <a:p>
@@ -11130,15 +11205,25 @@
             </a:pPr>
             <a:r>
               <a:rPr lang="de-DE" sz="2000" dirty="0"/>
-              <a:t>Verwendung über mehrere </a:t>
-            </a:r>
-            <a:r>
-              <a:rPr lang="de-DE" sz="2000" dirty="0" err="1"/>
-              <a:t>Requests</a:t>
-            </a:r>
-            <a:r>
-              <a:rPr lang="de-DE" sz="2000" dirty="0"/>
-              <a:t> hinweg</a:t>
+              <a:t>Navigation über Link-Komponenten</a:t>
+            </a:r>
+          </a:p>
+          <a:p>
+            <a:pPr lvl="1">
+              <a:buFont typeface="Arial" panose="020B0604020202020204" pitchFamily="34" charset="0"/>
+              <a:buChar char="•"/>
+            </a:pPr>
+            <a:r>
+              <a:rPr lang="de-DE" dirty="0"/>
+              <a:t>Definition eines </a:t>
+            </a:r>
+            <a:r>
+              <a:rPr lang="de-DE" dirty="0" err="1"/>
+              <a:t>onClick</a:t>
+            </a:r>
+            <a:r>
+              <a:rPr lang="de-DE" dirty="0"/>
+              <a:t>-Handlers in Java</a:t>
             </a:r>
           </a:p>
           <a:p>
@@ -11146,18 +11231,7 @@
               <a:buFont typeface="Arial" panose="020B0604020202020204" pitchFamily="34" charset="0"/>
               <a:buChar char="•"/>
             </a:pPr>
-            <a:r>
-              <a:rPr lang="de-DE" sz="2000" dirty="0"/>
-              <a:t>Zustand in der Session (Java </a:t>
-            </a:r>
-            <a:r>
-              <a:rPr lang="de-DE" sz="2000" dirty="0" err="1"/>
-              <a:t>Serialization</a:t>
-            </a:r>
-            <a:r>
-              <a:rPr lang="de-DE" sz="2000" dirty="0"/>
-              <a:t>)</a:t>
-            </a:r>
+            <a:endParaRPr lang="de-DE" sz="2000" dirty="0"/>
           </a:p>
           <a:p>
             <a:pPr>
@@ -11166,11 +11240,126 @@
             </a:pPr>
             <a:r>
               <a:rPr lang="de-DE" sz="2000" dirty="0" err="1"/>
-              <a:t>Versionierung</a:t>
+              <a:t>Deeplinks</a:t>
             </a:r>
             <a:r>
               <a:rPr lang="de-DE" sz="2000" dirty="0"/>
-              <a:t> (→ Back-Button)</a:t>
+              <a:t>: </a:t>
+            </a:r>
+            <a:r>
+              <a:rPr lang="de-DE" sz="2000" dirty="0" err="1"/>
+              <a:t>Mountpoints</a:t>
+            </a:r>
+            <a:r>
+              <a:rPr lang="de-DE" sz="2000" dirty="0"/>
+              <a:t> in der </a:t>
+            </a:r>
+            <a:r>
+              <a:rPr lang="de-DE" sz="2000" dirty="0" err="1"/>
+              <a:t>Application</a:t>
+            </a:r>
+            <a:r>
+              <a:rPr lang="de-DE" sz="2000" dirty="0"/>
+              <a:t>-Klasse definieren:</a:t>
+            </a:r>
+          </a:p>
+          <a:p>
+            <a:pPr lvl="1">
+              <a:buFont typeface="Arial" panose="020B0604020202020204" pitchFamily="34" charset="0"/>
+              <a:buChar char="•"/>
+            </a:pPr>
+            <a:r>
+              <a:rPr lang="de-DE" sz="1600" dirty="0" err="1">
+                <a:latin typeface="Consolas" panose="020B0609020204030204" pitchFamily="49" charset="0"/>
+                <a:cs typeface="Consolas" panose="020B0609020204030204" pitchFamily="49" charset="0"/>
+              </a:rPr>
+              <a:t>mountPage</a:t>
+            </a:r>
+            <a:r>
+              <a:rPr lang="de-DE" sz="1600" dirty="0">
+                <a:latin typeface="Consolas" panose="020B0609020204030204" pitchFamily="49" charset="0"/>
+                <a:cs typeface="Consolas" panose="020B0609020204030204" pitchFamily="49" charset="0"/>
+              </a:rPr>
+              <a:t>("/</a:t>
+            </a:r>
+            <a:r>
+              <a:rPr lang="de-DE" sz="1600" dirty="0" err="1">
+                <a:latin typeface="Consolas" panose="020B0609020204030204" pitchFamily="49" charset="0"/>
+                <a:cs typeface="Consolas" panose="020B0609020204030204" pitchFamily="49" charset="0"/>
+              </a:rPr>
+              <a:t>pageMount</a:t>
+            </a:r>
+            <a:r>
+              <a:rPr lang="de-DE" sz="1600" dirty="0">
+                <a:latin typeface="Consolas" panose="020B0609020204030204" pitchFamily="49" charset="0"/>
+                <a:cs typeface="Consolas" panose="020B0609020204030204" pitchFamily="49" charset="0"/>
+              </a:rPr>
+              <a:t>/${</a:t>
+            </a:r>
+            <a:r>
+              <a:rPr lang="de-DE" sz="1600" dirty="0" err="1">
+                <a:latin typeface="Consolas" panose="020B0609020204030204" pitchFamily="49" charset="0"/>
+                <a:cs typeface="Consolas" panose="020B0609020204030204" pitchFamily="49" charset="0"/>
+              </a:rPr>
+              <a:t>foo</a:t>
+            </a:r>
+            <a:r>
+              <a:rPr lang="de-DE" sz="1600" dirty="0">
+                <a:latin typeface="Consolas" panose="020B0609020204030204" pitchFamily="49" charset="0"/>
+                <a:cs typeface="Consolas" panose="020B0609020204030204" pitchFamily="49" charset="0"/>
+              </a:rPr>
+              <a:t>}", </a:t>
+            </a:r>
+            <a:r>
+              <a:rPr lang="de-DE" sz="1600" dirty="0" err="1">
+                <a:latin typeface="Consolas" panose="020B0609020204030204" pitchFamily="49" charset="0"/>
+                <a:cs typeface="Consolas" panose="020B0609020204030204" pitchFamily="49" charset="0"/>
+              </a:rPr>
+              <a:t>ProductInfo.class</a:t>
+            </a:r>
+            <a:r>
+              <a:rPr lang="de-DE" sz="1600" dirty="0">
+                <a:latin typeface="Consolas" panose="020B0609020204030204" pitchFamily="49" charset="0"/>
+                <a:cs typeface="Consolas" panose="020B0609020204030204" pitchFamily="49" charset="0"/>
+              </a:rPr>
+              <a:t>);</a:t>
+            </a:r>
+          </a:p>
+          <a:p>
+            <a:pPr>
+              <a:buFont typeface="Arial" panose="020B0604020202020204" pitchFamily="34" charset="0"/>
+              <a:buChar char="•"/>
+            </a:pPr>
+            <a:endParaRPr lang="de-DE" sz="2000" dirty="0"/>
+          </a:p>
+          <a:p>
+            <a:pPr>
+              <a:buFont typeface="Arial" panose="020B0604020202020204" pitchFamily="34" charset="0"/>
+              <a:buChar char="•"/>
+            </a:pPr>
+            <a:r>
+              <a:rPr lang="de-DE" sz="2000" dirty="0"/>
+              <a:t>Wie viele Pages braucht eine Anwendung?</a:t>
+            </a:r>
+          </a:p>
+          <a:p>
+            <a:pPr lvl="1">
+              <a:buFont typeface="Arial" panose="020B0604020202020204" pitchFamily="34" charset="0"/>
+              <a:buChar char="•"/>
+            </a:pPr>
+            <a:r>
+              <a:rPr lang="de-DE" dirty="0"/>
+              <a:t>Wie viele abstrakte Pages?</a:t>
+            </a:r>
+          </a:p>
+          <a:p>
+            <a:pPr lvl="1">
+              <a:buFont typeface="Arial" panose="020B0604020202020204" pitchFamily="34" charset="0"/>
+              <a:buChar char="•"/>
+            </a:pPr>
+            <a:r>
+              <a:rPr lang="de-DE" dirty="0"/>
+              <a:t>Events</a:t>
             </a:r>
           </a:p>
         </p:txBody>
@@ -11197,110 +11386,15 @@
           <a:p>
             <a:r>
               <a:rPr lang="de-DE" dirty="0"/>
-              <a:t>Page </a:t>
-            </a:r>
-            <a:r>
-              <a:rPr lang="de-DE" dirty="0" err="1"/>
-              <a:t>Stateful</a:t>
-            </a:r>
-            <a:r>
-              <a:rPr lang="de-DE" dirty="0"/>
-              <a:t> vs. </a:t>
-            </a:r>
-            <a:r>
-              <a:rPr lang="de-DE" dirty="0" err="1"/>
-              <a:t>Stateless</a:t>
-            </a:r>
-            <a:endParaRPr lang="de-DE" dirty="0"/>
-          </a:p>
-        </p:txBody>
-      </p:sp>
-      <p:pic>
-        <p:nvPicPr>
-          <p:cNvPr id="2" name="Grafik 1"/>
-          <p:cNvPicPr>
-            <a:picLocks noChangeAspect="1"/>
-          </p:cNvPicPr>
-          <p:nvPr/>
-        </p:nvPicPr>
-        <p:blipFill>
-          <a:blip r:embed="rId2">
-            <a:extLst>
-              <a:ext uri="{28A0092B-C50C-407E-A947-70E740481C1C}">
-                <a14:useLocalDpi xmlns:a14="http://schemas.microsoft.com/office/drawing/2010/main" val="0"/>
-              </a:ext>
-            </a:extLst>
-          </a:blip>
-          <a:stretch>
-            <a:fillRect/>
-          </a:stretch>
-        </p:blipFill>
-        <p:spPr>
-          <a:xfrm>
-            <a:off x="687234" y="3573016"/>
-            <a:ext cx="7629182" cy="1877953"/>
-          </a:xfrm>
-          <a:prstGeom prst="rect">
-            <a:avLst/>
-          </a:prstGeom>
-        </p:spPr>
-      </p:pic>
-      <p:sp>
-        <p:nvSpPr>
-          <p:cNvPr id="5" name="Rechteck 4"/>
-          <p:cNvSpPr/>
-          <p:nvPr/>
-        </p:nvSpPr>
-        <p:spPr>
-          <a:xfrm>
-            <a:off x="3855544" y="6145559"/>
-            <a:ext cx="5324968" cy="307777"/>
-          </a:xfrm>
-          <a:prstGeom prst="rect">
-            <a:avLst/>
-          </a:prstGeom>
-        </p:spPr>
-        <p:txBody>
-          <a:bodyPr wrap="square">
-            <a:spAutoFit/>
-          </a:bodyPr>
-          <a:lstStyle/>
-          <a:p>
-            <a:pPr algn="r"/>
-            <a:r>
-              <a:rPr lang="de-DE" sz="1400" dirty="0">
-                <a:latin typeface="+mj-lt"/>
-              </a:rPr>
-              <a:t>Quelle: </a:t>
-            </a:r>
-            <a:r>
-              <a:rPr lang="de-DE" sz="1400" dirty="0" err="1">
-                <a:latin typeface="+mj-lt"/>
-              </a:rPr>
-              <a:t>Wicket</a:t>
-            </a:r>
-            <a:r>
-              <a:rPr lang="de-DE" sz="1400" dirty="0">
-                <a:latin typeface="+mj-lt"/>
-              </a:rPr>
-              <a:t> User Guide – The Reference </a:t>
-            </a:r>
-            <a:r>
-              <a:rPr lang="de-DE" sz="1400" dirty="0" err="1">
-                <a:latin typeface="+mj-lt"/>
-              </a:rPr>
-              <a:t>Documentation</a:t>
-            </a:r>
-            <a:endParaRPr lang="de-DE" sz="1400" dirty="0">
-              <a:latin typeface="+mj-lt"/>
-            </a:endParaRPr>
+              <a:t>Architektur</a:t>
+            </a:r>
           </a:p>
         </p:txBody>
       </p:sp>
     </p:spTree>
     <p:extLst>
       <p:ext uri="{BB962C8B-B14F-4D97-AF65-F5344CB8AC3E}">
-        <p14:creationId xmlns:p14="http://schemas.microsoft.com/office/powerpoint/2010/main" val="414513783"/>
+        <p14:creationId xmlns:p14="http://schemas.microsoft.com/office/powerpoint/2010/main" val="460195507"/>
       </p:ext>
     </p:extLst>
   </p:cSld>
@@ -11352,7 +11446,7 @@
             </a:pPr>
             <a:r>
               <a:rPr lang="de-DE" sz="2000" b="1" dirty="0" err="1"/>
-              <a:t>Stateless</a:t>
+              <a:t>Stateful</a:t>
             </a:r>
             <a:r>
               <a:rPr lang="de-DE" sz="2000" b="1" dirty="0"/>
@@ -11366,7 +11460,15 @@
             </a:pPr>
             <a:r>
               <a:rPr lang="de-DE" sz="2000" dirty="0"/>
-              <a:t>Einsparung von Ressourcen</a:t>
+              <a:t>Verwendung über mehrere </a:t>
+            </a:r>
+            <a:r>
+              <a:rPr lang="de-DE" sz="2000" dirty="0" err="1"/>
+              <a:t>Requests</a:t>
+            </a:r>
+            <a:r>
+              <a:rPr lang="de-DE" sz="2000" dirty="0"/>
+              <a:t> hinweg</a:t>
             </a:r>
           </a:p>
           <a:p>
@@ -11376,7 +11478,15 @@
             </a:pPr>
             <a:r>
               <a:rPr lang="de-DE" sz="2000" dirty="0"/>
-              <a:t>Beispiel: Login Page</a:t>
+              <a:t>Zustand in der Session (Java </a:t>
+            </a:r>
+            <a:r>
+              <a:rPr lang="de-DE" sz="2000" dirty="0" err="1"/>
+              <a:t>Serialization</a:t>
+            </a:r>
+            <a:r>
+              <a:rPr lang="de-DE" sz="2000" dirty="0"/>
+              <a:t>)</a:t>
             </a:r>
           </a:p>
           <a:p>
@@ -11385,38 +11495,13 @@
               <a:buChar char="•"/>
             </a:pPr>
             <a:r>
+              <a:rPr lang="de-DE" sz="2000" dirty="0" err="1"/>
+              <a:t>Versionierung</a:t>
+            </a:r>
+            <a:r>
               <a:rPr lang="de-DE" sz="2000" dirty="0"/>
-              <a:t>Voraussetzungen</a:t>
-            </a:r>
-          </a:p>
-          <a:p>
-            <a:pPr lvl="1">
-              <a:buFont typeface="Arial" panose="020B0604020202020204" pitchFamily="34" charset="0"/>
-              <a:buChar char="•"/>
-            </a:pPr>
-            <a:r>
-              <a:rPr lang="de-DE" sz="1600" dirty="0"/>
-              <a:t>Instanziierung durch das Framework</a:t>
-            </a:r>
-          </a:p>
-          <a:p>
-            <a:pPr lvl="1">
-              <a:buFont typeface="Arial" panose="020B0604020202020204" pitchFamily="34" charset="0"/>
-              <a:buChar char="•"/>
-            </a:pPr>
-            <a:r>
-              <a:rPr lang="de-DE" sz="1600" u="sng" dirty="0"/>
-              <a:t>Alle</a:t>
-            </a:r>
-            <a:r>
-              <a:rPr lang="de-DE" sz="1600" dirty="0"/>
-              <a:t> enthaltenen Komponenten ebenfalls </a:t>
-            </a:r>
-            <a:r>
-              <a:rPr lang="de-DE" sz="1600" dirty="0" err="1"/>
-              <a:t>stateless</a:t>
-            </a:r>
-            <a:endParaRPr lang="de-DE" sz="1600" dirty="0"/>
+              <a:t> (→ Back-Button)</a:t>
+            </a:r>
           </a:p>
         </p:txBody>
       </p:sp>
@@ -11442,6 +11527,251 @@
           <a:p>
             <a:r>
               <a:rPr lang="de-DE" dirty="0"/>
+              <a:t>Page </a:t>
+            </a:r>
+            <a:r>
+              <a:rPr lang="de-DE" dirty="0" err="1"/>
+              <a:t>Stateful</a:t>
+            </a:r>
+            <a:r>
+              <a:rPr lang="de-DE" dirty="0"/>
+              <a:t> vs. </a:t>
+            </a:r>
+            <a:r>
+              <a:rPr lang="de-DE" dirty="0" err="1"/>
+              <a:t>Stateless</a:t>
+            </a:r>
+            <a:endParaRPr lang="de-DE" dirty="0"/>
+          </a:p>
+        </p:txBody>
+      </p:sp>
+      <p:pic>
+        <p:nvPicPr>
+          <p:cNvPr id="2" name="Grafik 1"/>
+          <p:cNvPicPr>
+            <a:picLocks noChangeAspect="1"/>
+          </p:cNvPicPr>
+          <p:nvPr/>
+        </p:nvPicPr>
+        <p:blipFill>
+          <a:blip r:embed="rId2">
+            <a:extLst>
+              <a:ext uri="{28A0092B-C50C-407E-A947-70E740481C1C}">
+                <a14:useLocalDpi xmlns:a14="http://schemas.microsoft.com/office/drawing/2010/main" val="0"/>
+              </a:ext>
+            </a:extLst>
+          </a:blip>
+          <a:stretch>
+            <a:fillRect/>
+          </a:stretch>
+        </p:blipFill>
+        <p:spPr>
+          <a:xfrm>
+            <a:off x="687234" y="3573016"/>
+            <a:ext cx="7629182" cy="1877953"/>
+          </a:xfrm>
+          <a:prstGeom prst="rect">
+            <a:avLst/>
+          </a:prstGeom>
+        </p:spPr>
+      </p:pic>
+      <p:sp>
+        <p:nvSpPr>
+          <p:cNvPr id="5" name="Rechteck 4"/>
+          <p:cNvSpPr/>
+          <p:nvPr/>
+        </p:nvSpPr>
+        <p:spPr>
+          <a:xfrm>
+            <a:off x="3855544" y="6145559"/>
+            <a:ext cx="5324968" cy="307777"/>
+          </a:xfrm>
+          <a:prstGeom prst="rect">
+            <a:avLst/>
+          </a:prstGeom>
+        </p:spPr>
+        <p:txBody>
+          <a:bodyPr wrap="square">
+            <a:spAutoFit/>
+          </a:bodyPr>
+          <a:lstStyle/>
+          <a:p>
+            <a:pPr algn="r"/>
+            <a:r>
+              <a:rPr lang="de-DE" sz="1400" dirty="0">
+                <a:latin typeface="+mj-lt"/>
+              </a:rPr>
+              <a:t>Quelle: </a:t>
+            </a:r>
+            <a:r>
+              <a:rPr lang="de-DE" sz="1400" dirty="0" err="1">
+                <a:latin typeface="+mj-lt"/>
+              </a:rPr>
+              <a:t>Wicket</a:t>
+            </a:r>
+            <a:r>
+              <a:rPr lang="de-DE" sz="1400" dirty="0">
+                <a:latin typeface="+mj-lt"/>
+              </a:rPr>
+              <a:t> User Guide – The Reference </a:t>
+            </a:r>
+            <a:r>
+              <a:rPr lang="de-DE" sz="1400" dirty="0" err="1">
+                <a:latin typeface="+mj-lt"/>
+              </a:rPr>
+              <a:t>Documentation</a:t>
+            </a:r>
+            <a:endParaRPr lang="de-DE" sz="1400" dirty="0">
+              <a:latin typeface="+mj-lt"/>
+            </a:endParaRPr>
+          </a:p>
+        </p:txBody>
+      </p:sp>
+    </p:spTree>
+    <p:extLst>
+      <p:ext uri="{BB962C8B-B14F-4D97-AF65-F5344CB8AC3E}">
+        <p14:creationId xmlns:p14="http://schemas.microsoft.com/office/powerpoint/2010/main" val="414513783"/>
+      </p:ext>
+    </p:extLst>
+  </p:cSld>
+  <p:clrMapOvr>
+    <a:masterClrMapping/>
+  </p:clrMapOvr>
+</p:sld>
+</file>
+
+<file path=ppt/slides/slide19.xml><?xml version="1.0" encoding="utf-8"?>
+<p:sld xmlns:a="http://schemas.openxmlformats.org/drawingml/2006/main" xmlns:r="http://schemas.openxmlformats.org/officeDocument/2006/relationships" xmlns:p="http://schemas.openxmlformats.org/presentationml/2006/main">
+  <p:cSld>
+    <p:spTree>
+      <p:nvGrpSpPr>
+        <p:cNvPr id="1" name=""/>
+        <p:cNvGrpSpPr/>
+        <p:nvPr/>
+      </p:nvGrpSpPr>
+      <p:grpSpPr>
+        <a:xfrm>
+          <a:off x="0" y="0"/>
+          <a:ext cx="0" cy="0"/>
+          <a:chOff x="0" y="0"/>
+          <a:chExt cx="0" cy="0"/>
+        </a:xfrm>
+      </p:grpSpPr>
+      <p:sp>
+        <p:nvSpPr>
+          <p:cNvPr id="17410" name="Inhaltsplatzhalter 2"/>
+          <p:cNvSpPr>
+            <a:spLocks noGrp="1"/>
+          </p:cNvSpPr>
+          <p:nvPr>
+            <p:ph idx="1"/>
+          </p:nvPr>
+        </p:nvSpPr>
+        <p:spPr>
+          <a:xfrm>
+            <a:off x="303213" y="1341438"/>
+            <a:ext cx="8589962" cy="4824412"/>
+          </a:xfrm>
+        </p:spPr>
+        <p:txBody>
+          <a:bodyPr/>
+          <a:lstStyle/>
+          <a:p>
+            <a:pPr marL="0" indent="0">
+              <a:buNone/>
+            </a:pPr>
+            <a:r>
+              <a:rPr lang="de-DE" sz="2000" b="1" dirty="0" err="1"/>
+              <a:t>Stateless</a:t>
+            </a:r>
+            <a:r>
+              <a:rPr lang="de-DE" sz="2000" b="1" dirty="0"/>
+              <a:t> Pages</a:t>
+            </a:r>
+          </a:p>
+          <a:p>
+            <a:pPr>
+              <a:buFont typeface="Arial" panose="020B0604020202020204" pitchFamily="34" charset="0"/>
+              <a:buChar char="•"/>
+            </a:pPr>
+            <a:r>
+              <a:rPr lang="de-DE" sz="2000" dirty="0"/>
+              <a:t>Einsparung von Ressourcen</a:t>
+            </a:r>
+          </a:p>
+          <a:p>
+            <a:pPr>
+              <a:buFont typeface="Arial" panose="020B0604020202020204" pitchFamily="34" charset="0"/>
+              <a:buChar char="•"/>
+            </a:pPr>
+            <a:r>
+              <a:rPr lang="de-DE" sz="2000" dirty="0"/>
+              <a:t>Beispiel: Login Page</a:t>
+            </a:r>
+          </a:p>
+          <a:p>
+            <a:pPr>
+              <a:buFont typeface="Arial" panose="020B0604020202020204" pitchFamily="34" charset="0"/>
+              <a:buChar char="•"/>
+            </a:pPr>
+            <a:r>
+              <a:rPr lang="de-DE" sz="2000" dirty="0"/>
+              <a:t>Voraussetzungen</a:t>
+            </a:r>
+          </a:p>
+          <a:p>
+            <a:pPr lvl="1">
+              <a:buFont typeface="Arial" panose="020B0604020202020204" pitchFamily="34" charset="0"/>
+              <a:buChar char="•"/>
+            </a:pPr>
+            <a:r>
+              <a:rPr lang="de-DE" sz="1600" dirty="0"/>
+              <a:t>Instanziierung durch das Framework</a:t>
+            </a:r>
+          </a:p>
+          <a:p>
+            <a:pPr lvl="1">
+              <a:buFont typeface="Arial" panose="020B0604020202020204" pitchFamily="34" charset="0"/>
+              <a:buChar char="•"/>
+            </a:pPr>
+            <a:r>
+              <a:rPr lang="de-DE" sz="1600" u="sng" dirty="0"/>
+              <a:t>Alle</a:t>
+            </a:r>
+            <a:r>
+              <a:rPr lang="de-DE" sz="1600" dirty="0"/>
+              <a:t> enthaltenen Komponenten ebenfalls </a:t>
+            </a:r>
+            <a:r>
+              <a:rPr lang="de-DE" sz="1600" dirty="0" err="1"/>
+              <a:t>stateless</a:t>
+            </a:r>
+            <a:endParaRPr lang="de-DE" sz="1600" dirty="0"/>
+          </a:p>
+        </p:txBody>
+      </p:sp>
+      <p:sp>
+        <p:nvSpPr>
+          <p:cNvPr id="17411" name="Rectangle 1062"/>
+          <p:cNvSpPr>
+            <a:spLocks noGrp="1" noChangeArrowheads="1"/>
+          </p:cNvSpPr>
+          <p:nvPr>
+            <p:ph type="title"/>
+          </p:nvPr>
+        </p:nvSpPr>
+        <p:spPr>
+          <a:xfrm>
+            <a:off x="285750" y="142875"/>
+            <a:ext cx="5654675" cy="706438"/>
+          </a:xfrm>
+        </p:spPr>
+        <p:txBody>
+          <a:bodyPr/>
+          <a:lstStyle/>
+          <a:p>
+            <a:r>
+              <a:rPr lang="de-DE" dirty="0"/>
               <a:t>Architektur</a:t>
             </a:r>
           </a:p>
@@ -11460,7 +11790,136 @@
 </p:sld>
 </file>
 
-<file path=ppt/slides/slide19.xml><?xml version="1.0" encoding="utf-8"?>
+<file path=ppt/slides/slide2.xml><?xml version="1.0" encoding="utf-8"?>
+<p:sld xmlns:a="http://schemas.openxmlformats.org/drawingml/2006/main" xmlns:r="http://schemas.openxmlformats.org/officeDocument/2006/relationships" xmlns:p="http://schemas.openxmlformats.org/presentationml/2006/main">
+  <p:cSld>
+    <p:spTree>
+      <p:nvGrpSpPr>
+        <p:cNvPr id="1" name=""/>
+        <p:cNvGrpSpPr/>
+        <p:nvPr/>
+      </p:nvGrpSpPr>
+      <p:grpSpPr>
+        <a:xfrm>
+          <a:off x="0" y="0"/>
+          <a:ext cx="0" cy="0"/>
+          <a:chOff x="0" y="0"/>
+          <a:chExt cx="0" cy="0"/>
+        </a:xfrm>
+      </p:grpSpPr>
+      <p:sp>
+        <p:nvSpPr>
+          <p:cNvPr id="2" name="Titel 1"/>
+          <p:cNvSpPr>
+            <a:spLocks noGrp="1"/>
+          </p:cNvSpPr>
+          <p:nvPr>
+            <p:ph type="title"/>
+          </p:nvPr>
+        </p:nvSpPr>
+        <p:spPr>
+          <a:xfrm>
+            <a:off x="722313" y="4406900"/>
+            <a:ext cx="7772400" cy="1830412"/>
+          </a:xfrm>
+        </p:spPr>
+        <p:txBody>
+          <a:bodyPr/>
+          <a:lstStyle/>
+          <a:p>
+            <a:r>
+              <a:rPr lang="de-DE" dirty="0"/>
+              <a:t>Die </a:t>
+            </a:r>
+            <a:r>
+              <a:rPr lang="de-DE" dirty="0" err="1"/>
+              <a:t>Wicket</a:t>
+            </a:r>
+            <a:r>
+              <a:rPr lang="de-DE" dirty="0"/>
+              <a:t>-Architektur – </a:t>
+            </a:r>
+            <a:br>
+              <a:rPr lang="de-DE" dirty="0"/>
+            </a:br>
+            <a:r>
+              <a:rPr lang="de-DE" dirty="0"/>
+              <a:t>Wie wird ein Request Verarbeitet?</a:t>
+            </a:r>
+          </a:p>
+        </p:txBody>
+      </p:sp>
+      <p:sp>
+        <p:nvSpPr>
+          <p:cNvPr id="3" name="Textplatzhalter 2"/>
+          <p:cNvSpPr>
+            <a:spLocks noGrp="1"/>
+          </p:cNvSpPr>
+          <p:nvPr>
+            <p:ph type="body" idx="1"/>
+          </p:nvPr>
+        </p:nvSpPr>
+        <p:spPr/>
+        <p:txBody>
+          <a:bodyPr/>
+          <a:lstStyle/>
+          <a:p>
+            <a:r>
+              <a:rPr lang="de-DE" dirty="0"/>
+              <a:t>Nach </a:t>
+            </a:r>
+            <a:r>
+              <a:rPr lang="en-US" dirty="0" err="1"/>
+              <a:t>M.Dashorst</a:t>
+            </a:r>
+            <a:r>
+              <a:rPr lang="en-US" dirty="0"/>
+              <a:t>, </a:t>
+            </a:r>
+            <a:r>
+              <a:rPr lang="en-US" dirty="0" err="1"/>
+              <a:t>E.Hillenius</a:t>
+            </a:r>
+            <a:r>
+              <a:rPr lang="de-DE" dirty="0"/>
+              <a:t>, </a:t>
+            </a:r>
+            <a:r>
+              <a:rPr lang="de-DE" i="1" dirty="0" err="1"/>
+              <a:t>Wicket</a:t>
+            </a:r>
+            <a:r>
+              <a:rPr lang="de-DE" i="1" dirty="0"/>
+              <a:t> in Action</a:t>
+            </a:r>
+            <a:r>
+              <a:rPr lang="de-DE" dirty="0"/>
+              <a:t>, Manning 2004</a:t>
+            </a:r>
+          </a:p>
+        </p:txBody>
+      </p:sp>
+    </p:spTree>
+    <p:extLst>
+      <p:ext uri="{BB962C8B-B14F-4D97-AF65-F5344CB8AC3E}">
+        <p14:creationId xmlns:p14="http://schemas.microsoft.com/office/powerpoint/2010/main" val="2312989796"/>
+      </p:ext>
+    </p:extLst>
+  </p:cSld>
+  <p:clrMapOvr>
+    <a:masterClrMapping/>
+  </p:clrMapOvr>
+  <p:timing>
+    <p:tnLst>
+      <p:par>
+        <p:cTn id="1" dur="indefinite" restart="never" nodeType="tmRoot"/>
+      </p:par>
+    </p:tnLst>
+  </p:timing>
+</p:sld>
+</file>
+
+<file path=ppt/slides/slide20.xml><?xml version="1.0" encoding="utf-8"?>
 <p:sld xmlns:a="http://schemas.openxmlformats.org/drawingml/2006/main" xmlns:r="http://schemas.openxmlformats.org/officeDocument/2006/relationships" xmlns:p="http://schemas.openxmlformats.org/presentationml/2006/main">
   <p:cSld>
     <p:spTree>
@@ -11672,7 +12131,7 @@
 </p:sld>
 </file>
 
-<file path=ppt/slides/slide2.xml><?xml version="1.0" encoding="utf-8"?>
+<file path=ppt/slides/slide3.xml><?xml version="1.0" encoding="utf-8"?>
 <p:sld xmlns:a="http://schemas.openxmlformats.org/drawingml/2006/main" xmlns:r="http://schemas.openxmlformats.org/officeDocument/2006/relationships" xmlns:p="http://schemas.openxmlformats.org/presentationml/2006/main">
   <p:cSld>
     <p:spTree>
@@ -12692,1238 +13151,6 @@
     <p:extLst>
       <p:ext uri="{BB962C8B-B14F-4D97-AF65-F5344CB8AC3E}">
         <p14:creationId xmlns:p14="http://schemas.microsoft.com/office/powerpoint/2010/main" val="689244743"/>
-      </p:ext>
-    </p:extLst>
-  </p:cSld>
-  <p:clrMapOvr>
-    <a:masterClrMapping/>
-  </p:clrMapOvr>
-  <p:timing>
-    <p:tnLst>
-      <p:par>
-        <p:cTn id="1" dur="indefinite" restart="never" nodeType="tmRoot"/>
-      </p:par>
-    </p:tnLst>
-  </p:timing>
-</p:sld>
-</file>
-
-<file path=ppt/slides/slide3.xml><?xml version="1.0" encoding="utf-8"?>
-<p:sld xmlns:a="http://schemas.openxmlformats.org/drawingml/2006/main" xmlns:r="http://schemas.openxmlformats.org/officeDocument/2006/relationships" xmlns:p="http://schemas.openxmlformats.org/presentationml/2006/main">
-  <p:cSld>
-    <p:spTree>
-      <p:nvGrpSpPr>
-        <p:cNvPr id="1" name=""/>
-        <p:cNvGrpSpPr/>
-        <p:nvPr/>
-      </p:nvGrpSpPr>
-      <p:grpSpPr>
-        <a:xfrm>
-          <a:off x="0" y="0"/>
-          <a:ext cx="0" cy="0"/>
-          <a:chOff x="0" y="0"/>
-          <a:chExt cx="0" cy="0"/>
-        </a:xfrm>
-      </p:grpSpPr>
-      <p:sp>
-        <p:nvSpPr>
-          <p:cNvPr id="2" name="Titel 1"/>
-          <p:cNvSpPr>
-            <a:spLocks noGrp="1"/>
-          </p:cNvSpPr>
-          <p:nvPr>
-            <p:ph type="title"/>
-          </p:nvPr>
-        </p:nvSpPr>
-        <p:spPr>
-          <a:xfrm>
-            <a:off x="457200" y="115888"/>
-            <a:ext cx="6275040" cy="706437"/>
-          </a:xfrm>
-        </p:spPr>
-        <p:txBody>
-          <a:bodyPr/>
-          <a:lstStyle/>
-          <a:p>
-            <a:r>
-              <a:rPr lang="de-DE" dirty="0"/>
-              <a:t>Klassen für das Request-Handling</a:t>
-            </a:r>
-          </a:p>
-        </p:txBody>
-      </p:sp>
-      <p:sp>
-        <p:nvSpPr>
-          <p:cNvPr id="4" name="Rechteck 3"/>
-          <p:cNvSpPr/>
-          <p:nvPr/>
-        </p:nvSpPr>
-        <p:spPr bwMode="auto">
-          <a:xfrm>
-            <a:off x="3491880" y="1124744"/>
-            <a:ext cx="1878124" cy="504056"/>
-          </a:xfrm>
-          <a:prstGeom prst="rect">
-            <a:avLst/>
-          </a:prstGeom>
-          <a:noFill/>
-          <a:ln w="12700" cap="flat" cmpd="sng" algn="ctr">
-            <a:solidFill>
-              <a:schemeClr val="tx1"/>
-            </a:solidFill>
-            <a:prstDash val="solid"/>
-            <a:round/>
-            <a:headEnd type="none" w="sm" len="sm"/>
-            <a:tailEnd type="none" w="sm" len="sm"/>
-          </a:ln>
-          <a:effectLst/>
-        </p:spPr>
-        <p:txBody>
-          <a:bodyPr vert="horz" wrap="square" lIns="91440" tIns="45720" rIns="91440" bIns="45720" numCol="1" rtlCol="0" anchor="t" anchorCtr="0" compatLnSpc="1">
-            <a:prstTxWarp prst="textNoShape">
-              <a:avLst/>
-            </a:prstTxWarp>
-          </a:bodyPr>
-          <a:lstStyle/>
-          <a:p>
-            <a:pPr marL="0" marR="0" indent="0" algn="ctr" defTabSz="914400" rtl="0" eaLnBrk="0" fontAlgn="base" latinLnBrk="0" hangingPunct="0">
-              <a:lnSpc>
-                <a:spcPct val="100000"/>
-              </a:lnSpc>
-              <a:spcBef>
-                <a:spcPct val="0"/>
-              </a:spcBef>
-              <a:spcAft>
-                <a:spcPct val="0"/>
-              </a:spcAft>
-              <a:buClrTx/>
-              <a:buSzTx/>
-              <a:buFontTx/>
-              <a:buNone/>
-              <a:tabLst/>
-            </a:pPr>
-            <a:r>
-              <a:rPr kumimoji="0" lang="de-DE" sz="2000" b="0" i="0" u="none" strike="noStrike" cap="none" normalizeH="0" dirty="0" err="1">
-                <a:ln>
-                  <a:noFill/>
-                </a:ln>
-                <a:solidFill>
-                  <a:schemeClr val="tx1"/>
-                </a:solidFill>
-                <a:effectLst/>
-                <a:latin typeface="Consolas" panose="020B0609020204030204" pitchFamily="49" charset="0"/>
-                <a:cs typeface="Consolas" panose="020B0609020204030204" pitchFamily="49" charset="0"/>
-              </a:rPr>
-              <a:t>Application</a:t>
-            </a:r>
-            <a:endParaRPr kumimoji="0" lang="de-DE" sz="2000" b="0" i="0" u="none" strike="noStrike" cap="none" normalizeH="0" baseline="0" dirty="0">
-              <a:ln>
-                <a:noFill/>
-              </a:ln>
-              <a:solidFill>
-                <a:schemeClr val="tx1"/>
-              </a:solidFill>
-              <a:effectLst/>
-              <a:latin typeface="Consolas" panose="020B0609020204030204" pitchFamily="49" charset="0"/>
-              <a:cs typeface="Consolas" panose="020B0609020204030204" pitchFamily="49" charset="0"/>
-            </a:endParaRPr>
-          </a:p>
-        </p:txBody>
-      </p:sp>
-      <p:sp>
-        <p:nvSpPr>
-          <p:cNvPr id="5" name="Rechteck 4"/>
-          <p:cNvSpPr/>
-          <p:nvPr/>
-        </p:nvSpPr>
-        <p:spPr bwMode="auto">
-          <a:xfrm>
-            <a:off x="5508104" y="1834312"/>
-            <a:ext cx="3312368" cy="504056"/>
-          </a:xfrm>
-          <a:prstGeom prst="rect">
-            <a:avLst/>
-          </a:prstGeom>
-          <a:noFill/>
-          <a:ln w="12700" cap="flat" cmpd="sng" algn="ctr">
-            <a:solidFill>
-              <a:schemeClr val="tx1"/>
-            </a:solidFill>
-            <a:prstDash val="solid"/>
-            <a:round/>
-            <a:headEnd type="none" w="sm" len="sm"/>
-            <a:tailEnd type="none" w="sm" len="sm"/>
-          </a:ln>
-          <a:effectLst/>
-        </p:spPr>
-        <p:txBody>
-          <a:bodyPr vert="horz" wrap="square" lIns="91440" tIns="45720" rIns="91440" bIns="45720" numCol="1" rtlCol="0" anchor="t" anchorCtr="0" compatLnSpc="1">
-            <a:prstTxWarp prst="textNoShape">
-              <a:avLst/>
-            </a:prstTxWarp>
-          </a:bodyPr>
-          <a:lstStyle/>
-          <a:p>
-            <a:pPr marL="0" marR="0" indent="0" algn="ctr" defTabSz="914400" rtl="0" eaLnBrk="0" fontAlgn="base" latinLnBrk="0" hangingPunct="0">
-              <a:lnSpc>
-                <a:spcPct val="100000"/>
-              </a:lnSpc>
-              <a:spcBef>
-                <a:spcPct val="0"/>
-              </a:spcBef>
-              <a:spcAft>
-                <a:spcPct val="0"/>
-              </a:spcAft>
-              <a:buClrTx/>
-              <a:buSzTx/>
-              <a:buFontTx/>
-              <a:buNone/>
-              <a:tabLst/>
-            </a:pPr>
-            <a:r>
-              <a:rPr kumimoji="0" lang="de-DE" sz="2000" b="0" i="0" u="none" strike="noStrike" cap="none" normalizeH="0" dirty="0" err="1">
-                <a:ln>
-                  <a:noFill/>
-                </a:ln>
-                <a:solidFill>
-                  <a:schemeClr val="tx1"/>
-                </a:solidFill>
-                <a:effectLst/>
-                <a:latin typeface="Consolas" panose="020B0609020204030204" pitchFamily="49" charset="0"/>
-                <a:cs typeface="Consolas" panose="020B0609020204030204" pitchFamily="49" charset="0"/>
-              </a:rPr>
-              <a:t>RequestCycle</a:t>
-            </a:r>
-            <a:r>
-              <a:rPr lang="de-DE" sz="2000" dirty="0" err="1">
-                <a:latin typeface="Consolas" panose="020B0609020204030204" pitchFamily="49" charset="0"/>
-                <a:cs typeface="Consolas" panose="020B0609020204030204" pitchFamily="49" charset="0"/>
-              </a:rPr>
-              <a:t>Processor</a:t>
-            </a:r>
-            <a:endParaRPr kumimoji="0" lang="de-DE" sz="2000" b="0" i="0" u="none" strike="noStrike" cap="none" normalizeH="0" baseline="0" dirty="0">
-              <a:ln>
-                <a:noFill/>
-              </a:ln>
-              <a:solidFill>
-                <a:schemeClr val="tx1"/>
-              </a:solidFill>
-              <a:effectLst/>
-              <a:latin typeface="Consolas" panose="020B0609020204030204" pitchFamily="49" charset="0"/>
-              <a:cs typeface="Consolas" panose="020B0609020204030204" pitchFamily="49" charset="0"/>
-            </a:endParaRPr>
-          </a:p>
-        </p:txBody>
-      </p:sp>
-      <p:sp>
-        <p:nvSpPr>
-          <p:cNvPr id="6" name="Rechteck 5"/>
-          <p:cNvSpPr/>
-          <p:nvPr/>
-        </p:nvSpPr>
-        <p:spPr bwMode="auto">
-          <a:xfrm>
-            <a:off x="3419872" y="2858212"/>
-            <a:ext cx="2304256" cy="504056"/>
-          </a:xfrm>
-          <a:prstGeom prst="rect">
-            <a:avLst/>
-          </a:prstGeom>
-          <a:noFill/>
-          <a:ln w="12700" cap="flat" cmpd="sng" algn="ctr">
-            <a:solidFill>
-              <a:schemeClr val="tx1"/>
-            </a:solidFill>
-            <a:prstDash val="solid"/>
-            <a:round/>
-            <a:headEnd type="none" w="sm" len="sm"/>
-            <a:tailEnd type="none" w="sm" len="sm"/>
-          </a:ln>
-          <a:effectLst/>
-        </p:spPr>
-        <p:txBody>
-          <a:bodyPr vert="horz" wrap="square" lIns="91440" tIns="45720" rIns="91440" bIns="45720" numCol="1" rtlCol="0" anchor="t" anchorCtr="0" compatLnSpc="1">
-            <a:prstTxWarp prst="textNoShape">
-              <a:avLst/>
-            </a:prstTxWarp>
-          </a:bodyPr>
-          <a:lstStyle/>
-          <a:p>
-            <a:pPr marL="0" marR="0" indent="0" algn="ctr" defTabSz="914400" rtl="0" eaLnBrk="0" fontAlgn="base" latinLnBrk="0" hangingPunct="0">
-              <a:lnSpc>
-                <a:spcPct val="100000"/>
-              </a:lnSpc>
-              <a:spcBef>
-                <a:spcPct val="0"/>
-              </a:spcBef>
-              <a:spcAft>
-                <a:spcPct val="0"/>
-              </a:spcAft>
-              <a:buClrTx/>
-              <a:buSzTx/>
-              <a:buFontTx/>
-              <a:buNone/>
-              <a:tabLst/>
-            </a:pPr>
-            <a:r>
-              <a:rPr kumimoji="0" lang="de-DE" sz="2000" b="0" i="0" u="none" strike="noStrike" cap="none" normalizeH="0" dirty="0">
-                <a:ln>
-                  <a:noFill/>
-                </a:ln>
-                <a:solidFill>
-                  <a:schemeClr val="tx1"/>
-                </a:solidFill>
-                <a:effectLst/>
-                <a:latin typeface="Consolas" panose="020B0609020204030204" pitchFamily="49" charset="0"/>
-                <a:cs typeface="Consolas" panose="020B0609020204030204" pitchFamily="49" charset="0"/>
-              </a:rPr>
-              <a:t>Request Cycle</a:t>
-            </a:r>
-            <a:endParaRPr kumimoji="0" lang="de-DE" sz="2000" b="0" i="0" u="none" strike="noStrike" cap="none" normalizeH="0" baseline="0" dirty="0">
-              <a:ln>
-                <a:noFill/>
-              </a:ln>
-              <a:solidFill>
-                <a:schemeClr val="tx1"/>
-              </a:solidFill>
-              <a:effectLst/>
-              <a:latin typeface="Consolas" panose="020B0609020204030204" pitchFamily="49" charset="0"/>
-              <a:cs typeface="Consolas" panose="020B0609020204030204" pitchFamily="49" charset="0"/>
-            </a:endParaRPr>
-          </a:p>
-        </p:txBody>
-      </p:sp>
-      <p:sp>
-        <p:nvSpPr>
-          <p:cNvPr id="7" name="Rechteck 6"/>
-          <p:cNvSpPr/>
-          <p:nvPr/>
-        </p:nvSpPr>
-        <p:spPr bwMode="auto">
-          <a:xfrm>
-            <a:off x="6732240" y="2847660"/>
-            <a:ext cx="2304256" cy="504056"/>
-          </a:xfrm>
-          <a:prstGeom prst="rect">
-            <a:avLst/>
-          </a:prstGeom>
-          <a:noFill/>
-          <a:ln w="12700" cap="flat" cmpd="sng" algn="ctr">
-            <a:solidFill>
-              <a:schemeClr val="tx1"/>
-            </a:solidFill>
-            <a:prstDash val="solid"/>
-            <a:round/>
-            <a:headEnd type="none" w="sm" len="sm"/>
-            <a:tailEnd type="none" w="sm" len="sm"/>
-          </a:ln>
-          <a:effectLst/>
-        </p:spPr>
-        <p:txBody>
-          <a:bodyPr vert="horz" wrap="square" lIns="91440" tIns="45720" rIns="91440" bIns="45720" numCol="1" rtlCol="0" anchor="t" anchorCtr="0" compatLnSpc="1">
-            <a:prstTxWarp prst="textNoShape">
-              <a:avLst/>
-            </a:prstTxWarp>
-          </a:bodyPr>
-          <a:lstStyle/>
-          <a:p>
-            <a:pPr marL="0" marR="0" indent="0" algn="ctr" defTabSz="914400" rtl="0" eaLnBrk="0" fontAlgn="base" latinLnBrk="0" hangingPunct="0">
-              <a:lnSpc>
-                <a:spcPct val="100000"/>
-              </a:lnSpc>
-              <a:spcBef>
-                <a:spcPct val="0"/>
-              </a:spcBef>
-              <a:spcAft>
-                <a:spcPct val="0"/>
-              </a:spcAft>
-              <a:buClrTx/>
-              <a:buSzTx/>
-              <a:buFontTx/>
-              <a:buNone/>
-              <a:tabLst/>
-            </a:pPr>
-            <a:r>
-              <a:rPr kumimoji="0" lang="de-DE" sz="2000" b="0" i="0" u="none" strike="noStrike" cap="none" normalizeH="0" dirty="0">
-                <a:ln>
-                  <a:noFill/>
-                </a:ln>
-                <a:solidFill>
-                  <a:schemeClr val="tx1"/>
-                </a:solidFill>
-                <a:effectLst/>
-                <a:latin typeface="Consolas" panose="020B0609020204030204" pitchFamily="49" charset="0"/>
-                <a:cs typeface="Consolas" panose="020B0609020204030204" pitchFamily="49" charset="0"/>
-              </a:rPr>
-              <a:t>Request Target</a:t>
-            </a:r>
-            <a:endParaRPr kumimoji="0" lang="de-DE" sz="2000" b="0" i="0" u="none" strike="noStrike" cap="none" normalizeH="0" baseline="0" dirty="0">
-              <a:ln>
-                <a:noFill/>
-              </a:ln>
-              <a:solidFill>
-                <a:schemeClr val="tx1"/>
-              </a:solidFill>
-              <a:effectLst/>
-              <a:latin typeface="Consolas" panose="020B0609020204030204" pitchFamily="49" charset="0"/>
-              <a:cs typeface="Consolas" panose="020B0609020204030204" pitchFamily="49" charset="0"/>
-            </a:endParaRPr>
-          </a:p>
-        </p:txBody>
-      </p:sp>
-      <p:sp>
-        <p:nvSpPr>
-          <p:cNvPr id="8" name="Rechteck 7"/>
-          <p:cNvSpPr/>
-          <p:nvPr/>
-        </p:nvSpPr>
-        <p:spPr bwMode="auto">
-          <a:xfrm>
-            <a:off x="971600" y="4005064"/>
-            <a:ext cx="2304256" cy="504056"/>
-          </a:xfrm>
-          <a:prstGeom prst="rect">
-            <a:avLst/>
-          </a:prstGeom>
-          <a:noFill/>
-          <a:ln w="12700" cap="flat" cmpd="sng" algn="ctr">
-            <a:solidFill>
-              <a:schemeClr val="tx1"/>
-            </a:solidFill>
-            <a:prstDash val="solid"/>
-            <a:round/>
-            <a:headEnd type="none" w="sm" len="sm"/>
-            <a:tailEnd type="none" w="sm" len="sm"/>
-          </a:ln>
-          <a:effectLst/>
-        </p:spPr>
-        <p:txBody>
-          <a:bodyPr vert="horz" wrap="square" lIns="91440" tIns="45720" rIns="91440" bIns="45720" numCol="1" rtlCol="0" anchor="t" anchorCtr="0" compatLnSpc="1">
-            <a:prstTxWarp prst="textNoShape">
-              <a:avLst/>
-            </a:prstTxWarp>
-          </a:bodyPr>
-          <a:lstStyle/>
-          <a:p>
-            <a:pPr marL="0" marR="0" indent="0" algn="ctr" defTabSz="914400" rtl="0" eaLnBrk="0" fontAlgn="base" latinLnBrk="0" hangingPunct="0">
-              <a:lnSpc>
-                <a:spcPct val="100000"/>
-              </a:lnSpc>
-              <a:spcBef>
-                <a:spcPct val="0"/>
-              </a:spcBef>
-              <a:spcAft>
-                <a:spcPct val="0"/>
-              </a:spcAft>
-              <a:buClrTx/>
-              <a:buSzTx/>
-              <a:buFontTx/>
-              <a:buNone/>
-              <a:tabLst/>
-            </a:pPr>
-            <a:r>
-              <a:rPr kumimoji="0" lang="de-DE" sz="2000" b="0" i="0" u="none" strike="noStrike" cap="none" normalizeH="0" dirty="0">
-                <a:ln>
-                  <a:noFill/>
-                </a:ln>
-                <a:solidFill>
-                  <a:schemeClr val="tx1"/>
-                </a:solidFill>
-                <a:effectLst/>
-                <a:latin typeface="Consolas" panose="020B0609020204030204" pitchFamily="49" charset="0"/>
-                <a:cs typeface="Consolas" panose="020B0609020204030204" pitchFamily="49" charset="0"/>
-              </a:rPr>
-              <a:t>Request</a:t>
-            </a:r>
-            <a:endParaRPr kumimoji="0" lang="de-DE" sz="2000" b="0" i="0" u="none" strike="noStrike" cap="none" normalizeH="0" baseline="0" dirty="0">
-              <a:ln>
-                <a:noFill/>
-              </a:ln>
-              <a:solidFill>
-                <a:schemeClr val="tx1"/>
-              </a:solidFill>
-              <a:effectLst/>
-              <a:latin typeface="Consolas" panose="020B0609020204030204" pitchFamily="49" charset="0"/>
-              <a:cs typeface="Consolas" panose="020B0609020204030204" pitchFamily="49" charset="0"/>
-            </a:endParaRPr>
-          </a:p>
-        </p:txBody>
-      </p:sp>
-      <p:sp>
-        <p:nvSpPr>
-          <p:cNvPr id="9" name="Rechteck 8"/>
-          <p:cNvSpPr/>
-          <p:nvPr/>
-        </p:nvSpPr>
-        <p:spPr bwMode="auto">
-          <a:xfrm>
-            <a:off x="5940152" y="4149080"/>
-            <a:ext cx="2304256" cy="504056"/>
-          </a:xfrm>
-          <a:prstGeom prst="rect">
-            <a:avLst/>
-          </a:prstGeom>
-          <a:noFill/>
-          <a:ln w="12700" cap="flat" cmpd="sng" algn="ctr">
-            <a:solidFill>
-              <a:schemeClr val="tx1"/>
-            </a:solidFill>
-            <a:prstDash val="solid"/>
-            <a:round/>
-            <a:headEnd type="none" w="sm" len="sm"/>
-            <a:tailEnd type="none" w="sm" len="sm"/>
-          </a:ln>
-          <a:effectLst/>
-        </p:spPr>
-        <p:txBody>
-          <a:bodyPr vert="horz" wrap="square" lIns="91440" tIns="45720" rIns="91440" bIns="45720" numCol="1" rtlCol="0" anchor="t" anchorCtr="0" compatLnSpc="1">
-            <a:prstTxWarp prst="textNoShape">
-              <a:avLst/>
-            </a:prstTxWarp>
-          </a:bodyPr>
-          <a:lstStyle/>
-          <a:p>
-            <a:pPr marL="0" marR="0" indent="0" algn="ctr" defTabSz="914400" rtl="0" eaLnBrk="0" fontAlgn="base" latinLnBrk="0" hangingPunct="0">
-              <a:lnSpc>
-                <a:spcPct val="100000"/>
-              </a:lnSpc>
-              <a:spcBef>
-                <a:spcPct val="0"/>
-              </a:spcBef>
-              <a:spcAft>
-                <a:spcPct val="0"/>
-              </a:spcAft>
-              <a:buClrTx/>
-              <a:buSzTx/>
-              <a:buFontTx/>
-              <a:buNone/>
-              <a:tabLst/>
-            </a:pPr>
-            <a:r>
-              <a:rPr kumimoji="0" lang="de-DE" sz="2000" b="0" i="0" u="none" strike="noStrike" cap="none" normalizeH="0" dirty="0">
-                <a:ln>
-                  <a:noFill/>
-                </a:ln>
-                <a:solidFill>
-                  <a:schemeClr val="tx1"/>
-                </a:solidFill>
-                <a:effectLst/>
-                <a:latin typeface="Consolas" panose="020B0609020204030204" pitchFamily="49" charset="0"/>
-                <a:cs typeface="Consolas" panose="020B0609020204030204" pitchFamily="49" charset="0"/>
-              </a:rPr>
-              <a:t>Response</a:t>
-            </a:r>
-            <a:endParaRPr kumimoji="0" lang="de-DE" sz="2000" b="0" i="0" u="none" strike="noStrike" cap="none" normalizeH="0" baseline="0" dirty="0">
-              <a:ln>
-                <a:noFill/>
-              </a:ln>
-              <a:solidFill>
-                <a:schemeClr val="tx1"/>
-              </a:solidFill>
-              <a:effectLst/>
-              <a:latin typeface="Consolas" panose="020B0609020204030204" pitchFamily="49" charset="0"/>
-              <a:cs typeface="Consolas" panose="020B0609020204030204" pitchFamily="49" charset="0"/>
-            </a:endParaRPr>
-          </a:p>
-        </p:txBody>
-      </p:sp>
-      <p:sp>
-        <p:nvSpPr>
-          <p:cNvPr id="10" name="Rechteck 9"/>
-          <p:cNvSpPr/>
-          <p:nvPr/>
-        </p:nvSpPr>
-        <p:spPr bwMode="auto">
-          <a:xfrm>
-            <a:off x="179512" y="2924944"/>
-            <a:ext cx="2304256" cy="504056"/>
-          </a:xfrm>
-          <a:prstGeom prst="rect">
-            <a:avLst/>
-          </a:prstGeom>
-          <a:noFill/>
-          <a:ln w="12700" cap="flat" cmpd="sng" algn="ctr">
-            <a:solidFill>
-              <a:schemeClr val="tx1"/>
-            </a:solidFill>
-            <a:prstDash val="solid"/>
-            <a:round/>
-            <a:headEnd type="none" w="sm" len="sm"/>
-            <a:tailEnd type="none" w="sm" len="sm"/>
-          </a:ln>
-          <a:effectLst/>
-        </p:spPr>
-        <p:txBody>
-          <a:bodyPr vert="horz" wrap="square" lIns="91440" tIns="45720" rIns="91440" bIns="45720" numCol="1" rtlCol="0" anchor="t" anchorCtr="0" compatLnSpc="1">
-            <a:prstTxWarp prst="textNoShape">
-              <a:avLst/>
-            </a:prstTxWarp>
-          </a:bodyPr>
-          <a:lstStyle/>
-          <a:p>
-            <a:pPr marL="0" marR="0" indent="0" algn="ctr" defTabSz="914400" rtl="0" eaLnBrk="0" fontAlgn="base" latinLnBrk="0" hangingPunct="0">
-              <a:lnSpc>
-                <a:spcPct val="100000"/>
-              </a:lnSpc>
-              <a:spcBef>
-                <a:spcPct val="0"/>
-              </a:spcBef>
-              <a:spcAft>
-                <a:spcPct val="0"/>
-              </a:spcAft>
-              <a:buClrTx/>
-              <a:buSzTx/>
-              <a:buFontTx/>
-              <a:buNone/>
-              <a:tabLst/>
-            </a:pPr>
-            <a:r>
-              <a:rPr kumimoji="0" lang="de-DE" sz="2000" b="0" i="0" u="none" strike="noStrike" cap="none" normalizeH="0" dirty="0">
-                <a:ln>
-                  <a:noFill/>
-                </a:ln>
-                <a:solidFill>
-                  <a:schemeClr val="tx1"/>
-                </a:solidFill>
-                <a:effectLst/>
-                <a:latin typeface="Consolas" panose="020B0609020204030204" pitchFamily="49" charset="0"/>
-                <a:cs typeface="Consolas" panose="020B0609020204030204" pitchFamily="49" charset="0"/>
-              </a:rPr>
-              <a:t>Session Store</a:t>
-            </a:r>
-            <a:endParaRPr kumimoji="0" lang="de-DE" sz="2000" b="0" i="0" u="none" strike="noStrike" cap="none" normalizeH="0" baseline="0" dirty="0">
-              <a:ln>
-                <a:noFill/>
-              </a:ln>
-              <a:solidFill>
-                <a:schemeClr val="tx1"/>
-              </a:solidFill>
-              <a:effectLst/>
-              <a:latin typeface="Consolas" panose="020B0609020204030204" pitchFamily="49" charset="0"/>
-              <a:cs typeface="Consolas" panose="020B0609020204030204" pitchFamily="49" charset="0"/>
-            </a:endParaRPr>
-          </a:p>
-        </p:txBody>
-      </p:sp>
-      <p:sp>
-        <p:nvSpPr>
-          <p:cNvPr id="11" name="Rechteck 10"/>
-          <p:cNvSpPr/>
-          <p:nvPr/>
-        </p:nvSpPr>
-        <p:spPr bwMode="auto">
-          <a:xfrm>
-            <a:off x="395536" y="1772816"/>
-            <a:ext cx="2304256" cy="504056"/>
-          </a:xfrm>
-          <a:prstGeom prst="rect">
-            <a:avLst/>
-          </a:prstGeom>
-          <a:noFill/>
-          <a:ln w="12700" cap="flat" cmpd="sng" algn="ctr">
-            <a:solidFill>
-              <a:schemeClr val="tx1"/>
-            </a:solidFill>
-            <a:prstDash val="solid"/>
-            <a:round/>
-            <a:headEnd type="none" w="sm" len="sm"/>
-            <a:tailEnd type="none" w="sm" len="sm"/>
-          </a:ln>
-          <a:effectLst/>
-        </p:spPr>
-        <p:txBody>
-          <a:bodyPr vert="horz" wrap="square" lIns="91440" tIns="45720" rIns="91440" bIns="45720" numCol="1" rtlCol="0" anchor="t" anchorCtr="0" compatLnSpc="1">
-            <a:prstTxWarp prst="textNoShape">
-              <a:avLst/>
-            </a:prstTxWarp>
-          </a:bodyPr>
-          <a:lstStyle/>
-          <a:p>
-            <a:pPr marL="0" marR="0" indent="0" algn="ctr" defTabSz="914400" rtl="0" eaLnBrk="0" fontAlgn="base" latinLnBrk="0" hangingPunct="0">
-              <a:lnSpc>
-                <a:spcPct val="100000"/>
-              </a:lnSpc>
-              <a:spcBef>
-                <a:spcPct val="0"/>
-              </a:spcBef>
-              <a:spcAft>
-                <a:spcPct val="0"/>
-              </a:spcAft>
-              <a:buClrTx/>
-              <a:buSzTx/>
-              <a:buFontTx/>
-              <a:buNone/>
-              <a:tabLst/>
-            </a:pPr>
-            <a:r>
-              <a:rPr kumimoji="0" lang="de-DE" sz="2000" b="0" i="0" u="none" strike="noStrike" cap="none" normalizeH="0" dirty="0">
-                <a:ln>
-                  <a:noFill/>
-                </a:ln>
-                <a:solidFill>
-                  <a:schemeClr val="tx1"/>
-                </a:solidFill>
-                <a:effectLst/>
-                <a:latin typeface="Consolas" panose="020B0609020204030204" pitchFamily="49" charset="0"/>
-                <a:cs typeface="Consolas" panose="020B0609020204030204" pitchFamily="49" charset="0"/>
-              </a:rPr>
-              <a:t>Session</a:t>
-            </a:r>
-            <a:endParaRPr kumimoji="0" lang="de-DE" sz="2000" b="0" i="0" u="none" strike="noStrike" cap="none" normalizeH="0" baseline="0" dirty="0">
-              <a:ln>
-                <a:noFill/>
-              </a:ln>
-              <a:solidFill>
-                <a:schemeClr val="tx1"/>
-              </a:solidFill>
-              <a:effectLst/>
-              <a:latin typeface="Consolas" panose="020B0609020204030204" pitchFamily="49" charset="0"/>
-              <a:cs typeface="Consolas" panose="020B0609020204030204" pitchFamily="49" charset="0"/>
-            </a:endParaRPr>
-          </a:p>
-        </p:txBody>
-      </p:sp>
-      <p:cxnSp>
-        <p:nvCxnSpPr>
-          <p:cNvPr id="13" name="Gerade Verbindung 12"/>
-          <p:cNvCxnSpPr>
-            <a:stCxn id="4" idx="2"/>
-            <a:endCxn id="11" idx="3"/>
-          </p:cNvCxnSpPr>
-          <p:nvPr/>
-        </p:nvCxnSpPr>
-        <p:spPr bwMode="auto">
-          <a:xfrm flipH="1">
-            <a:off x="2699792" y="1628800"/>
-            <a:ext cx="1731150" cy="396044"/>
-          </a:xfrm>
-          <a:prstGeom prst="line">
-            <a:avLst/>
-          </a:prstGeom>
-          <a:solidFill>
-            <a:schemeClr val="accent1"/>
-          </a:solidFill>
-          <a:ln w="12700" cap="flat" cmpd="sng" algn="ctr">
-            <a:solidFill>
-              <a:schemeClr val="tx1"/>
-            </a:solidFill>
-            <a:prstDash val="solid"/>
-            <a:round/>
-            <a:headEnd type="none" w="sm" len="sm"/>
-            <a:tailEnd type="none" w="sm" len="sm"/>
-          </a:ln>
-          <a:effectLst/>
-        </p:spPr>
-      </p:cxnSp>
-      <p:cxnSp>
-        <p:nvCxnSpPr>
-          <p:cNvPr id="15" name="Gerade Verbindung 14"/>
-          <p:cNvCxnSpPr>
-            <a:stCxn id="4" idx="2"/>
-            <a:endCxn id="5" idx="1"/>
-          </p:cNvCxnSpPr>
-          <p:nvPr/>
-        </p:nvCxnSpPr>
-        <p:spPr bwMode="auto">
-          <a:xfrm>
-            <a:off x="4430942" y="1628800"/>
-            <a:ext cx="1077162" cy="457540"/>
-          </a:xfrm>
-          <a:prstGeom prst="line">
-            <a:avLst/>
-          </a:prstGeom>
-          <a:solidFill>
-            <a:schemeClr val="accent1"/>
-          </a:solidFill>
-          <a:ln w="12700" cap="flat" cmpd="sng" algn="ctr">
-            <a:solidFill>
-              <a:schemeClr val="tx1"/>
-            </a:solidFill>
-            <a:prstDash val="solid"/>
-            <a:round/>
-            <a:headEnd type="none" w="sm" len="sm"/>
-            <a:tailEnd type="none" w="sm" len="sm"/>
-          </a:ln>
-          <a:effectLst/>
-        </p:spPr>
-      </p:cxnSp>
-      <p:cxnSp>
-        <p:nvCxnSpPr>
-          <p:cNvPr id="17" name="Gerade Verbindung 16"/>
-          <p:cNvCxnSpPr>
-            <a:stCxn id="5" idx="2"/>
-            <a:endCxn id="7" idx="0"/>
-          </p:cNvCxnSpPr>
-          <p:nvPr/>
-        </p:nvCxnSpPr>
-        <p:spPr bwMode="auto">
-          <a:xfrm>
-            <a:off x="7164288" y="2338368"/>
-            <a:ext cx="720080" cy="509292"/>
-          </a:xfrm>
-          <a:prstGeom prst="line">
-            <a:avLst/>
-          </a:prstGeom>
-          <a:solidFill>
-            <a:schemeClr val="accent1"/>
-          </a:solidFill>
-          <a:ln w="12700" cap="flat" cmpd="sng" algn="ctr">
-            <a:solidFill>
-              <a:schemeClr val="tx1"/>
-            </a:solidFill>
-            <a:prstDash val="solid"/>
-            <a:round/>
-            <a:headEnd type="none" w="sm" len="sm"/>
-            <a:tailEnd type="none" w="sm" len="sm"/>
-          </a:ln>
-          <a:effectLst/>
-        </p:spPr>
-      </p:cxnSp>
-      <p:cxnSp>
-        <p:nvCxnSpPr>
-          <p:cNvPr id="19" name="Gerade Verbindung 18"/>
-          <p:cNvCxnSpPr>
-            <a:stCxn id="5" idx="2"/>
-            <a:endCxn id="6" idx="0"/>
-          </p:cNvCxnSpPr>
-          <p:nvPr/>
-        </p:nvCxnSpPr>
-        <p:spPr bwMode="auto">
-          <a:xfrm flipH="1">
-            <a:off x="4572000" y="2338368"/>
-            <a:ext cx="2592288" cy="519844"/>
-          </a:xfrm>
-          <a:prstGeom prst="line">
-            <a:avLst/>
-          </a:prstGeom>
-          <a:solidFill>
-            <a:schemeClr val="accent1"/>
-          </a:solidFill>
-          <a:ln w="12700" cap="flat" cmpd="sng" algn="ctr">
-            <a:solidFill>
-              <a:schemeClr val="tx1"/>
-            </a:solidFill>
-            <a:prstDash val="solid"/>
-            <a:round/>
-            <a:headEnd type="none" w="sm" len="sm"/>
-            <a:tailEnd type="none" w="sm" len="sm"/>
-          </a:ln>
-          <a:effectLst/>
-        </p:spPr>
-      </p:cxnSp>
-      <p:cxnSp>
-        <p:nvCxnSpPr>
-          <p:cNvPr id="21" name="Gerade Verbindung 20"/>
-          <p:cNvCxnSpPr>
-            <a:stCxn id="7" idx="1"/>
-            <a:endCxn id="6" idx="3"/>
-          </p:cNvCxnSpPr>
-          <p:nvPr/>
-        </p:nvCxnSpPr>
-        <p:spPr bwMode="auto">
-          <a:xfrm flipH="1">
-            <a:off x="5724128" y="3099688"/>
-            <a:ext cx="1008112" cy="10552"/>
-          </a:xfrm>
-          <a:prstGeom prst="line">
-            <a:avLst/>
-          </a:prstGeom>
-          <a:solidFill>
-            <a:schemeClr val="accent1"/>
-          </a:solidFill>
-          <a:ln w="12700" cap="flat" cmpd="sng" algn="ctr">
-            <a:solidFill>
-              <a:schemeClr val="tx1"/>
-            </a:solidFill>
-            <a:prstDash val="solid"/>
-            <a:round/>
-            <a:headEnd type="none" w="sm" len="sm"/>
-            <a:tailEnd type="none" w="sm" len="sm"/>
-          </a:ln>
-          <a:effectLst/>
-        </p:spPr>
-      </p:cxnSp>
-      <p:cxnSp>
-        <p:nvCxnSpPr>
-          <p:cNvPr id="23" name="Gerade Verbindung 22"/>
-          <p:cNvCxnSpPr>
-            <a:stCxn id="4" idx="2"/>
-            <a:endCxn id="8" idx="0"/>
-          </p:cNvCxnSpPr>
-          <p:nvPr/>
-        </p:nvCxnSpPr>
-        <p:spPr bwMode="auto">
-          <a:xfrm flipH="1">
-            <a:off x="2123728" y="1628800"/>
-            <a:ext cx="2307214" cy="2376264"/>
-          </a:xfrm>
-          <a:prstGeom prst="line">
-            <a:avLst/>
-          </a:prstGeom>
-          <a:solidFill>
-            <a:schemeClr val="accent1"/>
-          </a:solidFill>
-          <a:ln w="12700" cap="flat" cmpd="sng" algn="ctr">
-            <a:solidFill>
-              <a:schemeClr val="tx1"/>
-            </a:solidFill>
-            <a:prstDash val="solid"/>
-            <a:round/>
-            <a:headEnd type="none" w="sm" len="sm"/>
-            <a:tailEnd type="none" w="sm" len="sm"/>
-          </a:ln>
-          <a:effectLst/>
-        </p:spPr>
-      </p:cxnSp>
-      <p:cxnSp>
-        <p:nvCxnSpPr>
-          <p:cNvPr id="25" name="Gerade Verbindung 24"/>
-          <p:cNvCxnSpPr>
-            <a:stCxn id="4" idx="2"/>
-            <a:endCxn id="9" idx="0"/>
-          </p:cNvCxnSpPr>
-          <p:nvPr/>
-        </p:nvCxnSpPr>
-        <p:spPr bwMode="auto">
-          <a:xfrm>
-            <a:off x="4430942" y="1628800"/>
-            <a:ext cx="2661338" cy="2520280"/>
-          </a:xfrm>
-          <a:prstGeom prst="line">
-            <a:avLst/>
-          </a:prstGeom>
-          <a:solidFill>
-            <a:schemeClr val="accent1"/>
-          </a:solidFill>
-          <a:ln w="12700" cap="flat" cmpd="sng" algn="ctr">
-            <a:solidFill>
-              <a:schemeClr val="tx1"/>
-            </a:solidFill>
-            <a:prstDash val="solid"/>
-            <a:round/>
-            <a:headEnd type="none" w="sm" len="sm"/>
-            <a:tailEnd type="none" w="sm" len="sm"/>
-          </a:ln>
-          <a:effectLst/>
-        </p:spPr>
-      </p:cxnSp>
-      <p:cxnSp>
-        <p:nvCxnSpPr>
-          <p:cNvPr id="27" name="Gerade Verbindung 26"/>
-          <p:cNvCxnSpPr>
-            <a:stCxn id="6" idx="2"/>
-            <a:endCxn id="8" idx="0"/>
-          </p:cNvCxnSpPr>
-          <p:nvPr/>
-        </p:nvCxnSpPr>
-        <p:spPr bwMode="auto">
-          <a:xfrm flipH="1">
-            <a:off x="2123728" y="3362268"/>
-            <a:ext cx="2448272" cy="642796"/>
-          </a:xfrm>
-          <a:prstGeom prst="line">
-            <a:avLst/>
-          </a:prstGeom>
-          <a:solidFill>
-            <a:schemeClr val="accent1"/>
-          </a:solidFill>
-          <a:ln w="12700" cap="flat" cmpd="sng" algn="ctr">
-            <a:solidFill>
-              <a:schemeClr val="tx1"/>
-            </a:solidFill>
-            <a:prstDash val="solid"/>
-            <a:round/>
-            <a:headEnd type="none" w="sm" len="sm"/>
-            <a:tailEnd type="none" w="sm" len="sm"/>
-          </a:ln>
-          <a:effectLst/>
-        </p:spPr>
-      </p:cxnSp>
-      <p:cxnSp>
-        <p:nvCxnSpPr>
-          <p:cNvPr id="29" name="Gerade Verbindung 28"/>
-          <p:cNvCxnSpPr>
-            <a:stCxn id="6" idx="2"/>
-            <a:endCxn id="9" idx="0"/>
-          </p:cNvCxnSpPr>
-          <p:nvPr/>
-        </p:nvCxnSpPr>
-        <p:spPr bwMode="auto">
-          <a:xfrm>
-            <a:off x="4572000" y="3362268"/>
-            <a:ext cx="2520280" cy="786812"/>
-          </a:xfrm>
-          <a:prstGeom prst="line">
-            <a:avLst/>
-          </a:prstGeom>
-          <a:solidFill>
-            <a:schemeClr val="accent1"/>
-          </a:solidFill>
-          <a:ln w="12700" cap="flat" cmpd="sng" algn="ctr">
-            <a:solidFill>
-              <a:schemeClr val="tx1"/>
-            </a:solidFill>
-            <a:prstDash val="solid"/>
-            <a:round/>
-            <a:headEnd type="none" w="sm" len="sm"/>
-            <a:tailEnd type="none" w="sm" len="sm"/>
-          </a:ln>
-          <a:effectLst/>
-        </p:spPr>
-      </p:cxnSp>
-      <p:cxnSp>
-        <p:nvCxnSpPr>
-          <p:cNvPr id="31" name="Gerade Verbindung 30"/>
-          <p:cNvCxnSpPr>
-            <a:stCxn id="4" idx="2"/>
-            <a:endCxn id="10" idx="0"/>
-          </p:cNvCxnSpPr>
-          <p:nvPr/>
-        </p:nvCxnSpPr>
-        <p:spPr bwMode="auto">
-          <a:xfrm flipH="1">
-            <a:off x="1331640" y="1628800"/>
-            <a:ext cx="3099302" cy="1296144"/>
-          </a:xfrm>
-          <a:prstGeom prst="line">
-            <a:avLst/>
-          </a:prstGeom>
-          <a:solidFill>
-            <a:schemeClr val="accent1"/>
-          </a:solidFill>
-          <a:ln w="12700" cap="flat" cmpd="sng" algn="ctr">
-            <a:solidFill>
-              <a:schemeClr val="tx1"/>
-            </a:solidFill>
-            <a:prstDash val="solid"/>
-            <a:round/>
-            <a:headEnd type="none" w="sm" len="sm"/>
-            <a:tailEnd type="none" w="sm" len="sm"/>
-          </a:ln>
-          <a:effectLst/>
-        </p:spPr>
-      </p:cxnSp>
-      <p:cxnSp>
-        <p:nvCxnSpPr>
-          <p:cNvPr id="33" name="Gerade Verbindung 32"/>
-          <p:cNvCxnSpPr>
-            <a:stCxn id="11" idx="2"/>
-            <a:endCxn id="10" idx="0"/>
-          </p:cNvCxnSpPr>
-          <p:nvPr/>
-        </p:nvCxnSpPr>
-        <p:spPr bwMode="auto">
-          <a:xfrm flipH="1">
-            <a:off x="1331640" y="2276872"/>
-            <a:ext cx="216024" cy="648072"/>
-          </a:xfrm>
-          <a:prstGeom prst="line">
-            <a:avLst/>
-          </a:prstGeom>
-          <a:solidFill>
-            <a:schemeClr val="accent1"/>
-          </a:solidFill>
-          <a:ln w="12700" cap="flat" cmpd="sng" algn="ctr">
-            <a:solidFill>
-              <a:schemeClr val="tx1"/>
-            </a:solidFill>
-            <a:prstDash val="solid"/>
-            <a:round/>
-            <a:headEnd type="none" w="sm" len="sm"/>
-            <a:tailEnd type="none" w="sm" len="sm"/>
-          </a:ln>
-          <a:effectLst/>
-        </p:spPr>
-      </p:cxnSp>
-      <p:cxnSp>
-        <p:nvCxnSpPr>
-          <p:cNvPr id="35" name="Gerade Verbindung 34"/>
-          <p:cNvCxnSpPr>
-            <a:stCxn id="11" idx="2"/>
-            <a:endCxn id="6" idx="1"/>
-          </p:cNvCxnSpPr>
-          <p:nvPr/>
-        </p:nvCxnSpPr>
-        <p:spPr bwMode="auto">
-          <a:xfrm>
-            <a:off x="1547664" y="2276872"/>
-            <a:ext cx="1872208" cy="833368"/>
-          </a:xfrm>
-          <a:prstGeom prst="line">
-            <a:avLst/>
-          </a:prstGeom>
-          <a:solidFill>
-            <a:schemeClr val="accent1"/>
-          </a:solidFill>
-          <a:ln w="12700" cap="flat" cmpd="sng" algn="ctr">
-            <a:solidFill>
-              <a:schemeClr val="tx1"/>
-            </a:solidFill>
-            <a:prstDash val="solid"/>
-            <a:round/>
-            <a:headEnd type="none" w="sm" len="sm"/>
-            <a:tailEnd type="none" w="sm" len="sm"/>
-          </a:ln>
-          <a:effectLst/>
-        </p:spPr>
-      </p:cxnSp>
-      <p:sp>
-        <p:nvSpPr>
-          <p:cNvPr id="37" name="Inhaltsplatzhalter 2"/>
-          <p:cNvSpPr>
-            <a:spLocks noGrp="1"/>
-          </p:cNvSpPr>
-          <p:nvPr>
-            <p:ph idx="1"/>
-          </p:nvPr>
-        </p:nvSpPr>
-        <p:spPr>
-          <a:xfrm>
-            <a:off x="319415" y="4869160"/>
-            <a:ext cx="8516937" cy="1584176"/>
-          </a:xfrm>
-        </p:spPr>
-        <p:txBody>
-          <a:bodyPr/>
-          <a:lstStyle/>
-          <a:p>
-            <a:pPr>
-              <a:buFont typeface="Arial" panose="020B0604020202020204" pitchFamily="34" charset="0"/>
-              <a:buChar char="•"/>
-            </a:pPr>
-            <a:r>
-              <a:rPr lang="de-DE" sz="2000" dirty="0" err="1">
-                <a:latin typeface="Consolas" panose="020B0609020204030204" pitchFamily="49" charset="0"/>
-                <a:cs typeface="Consolas" panose="020B0609020204030204" pitchFamily="49" charset="0"/>
-              </a:rPr>
-              <a:t>RequestCycle</a:t>
-            </a:r>
-            <a:r>
-              <a:rPr lang="de-DE" sz="2000" dirty="0"/>
-              <a:t>: Wickelt den Request ab - Delegiert</a:t>
-            </a:r>
-          </a:p>
-          <a:p>
-            <a:pPr>
-              <a:buFont typeface="Arial" panose="020B0604020202020204" pitchFamily="34" charset="0"/>
-              <a:buChar char="•"/>
-            </a:pPr>
-            <a:r>
-              <a:rPr lang="de-DE" sz="2000" dirty="0" err="1">
-                <a:latin typeface="Consolas" panose="020B0609020204030204" pitchFamily="49" charset="0"/>
-                <a:cs typeface="Consolas" panose="020B0609020204030204" pitchFamily="49" charset="0"/>
-              </a:rPr>
-              <a:t>RequestCycleProcessor</a:t>
-            </a:r>
-            <a:r>
-              <a:rPr lang="de-DE" sz="2000" dirty="0"/>
-              <a:t>: Schritte / Events im Request</a:t>
-            </a:r>
-          </a:p>
-          <a:p>
-            <a:pPr>
-              <a:buFont typeface="Arial" panose="020B0604020202020204" pitchFamily="34" charset="0"/>
-              <a:buChar char="•"/>
-            </a:pPr>
-            <a:r>
-              <a:rPr lang="de-DE" sz="2000" dirty="0" err="1">
-                <a:latin typeface="Consolas" panose="020B0609020204030204" pitchFamily="49" charset="0"/>
-                <a:cs typeface="Consolas" panose="020B0609020204030204" pitchFamily="49" charset="0"/>
-              </a:rPr>
-              <a:t>RequestTarget</a:t>
-            </a:r>
-            <a:r>
-              <a:rPr lang="de-DE" sz="2000" dirty="0"/>
-              <a:t>: Aufrufbare Seite, </a:t>
-            </a:r>
-            <a:r>
-              <a:rPr lang="de-DE" sz="2000" dirty="0" err="1"/>
-              <a:t>AjaxTarget</a:t>
-            </a:r>
-            <a:r>
-              <a:rPr lang="de-DE" sz="2000" dirty="0"/>
-              <a:t>, etc.</a:t>
-            </a:r>
-          </a:p>
-        </p:txBody>
-      </p:sp>
-      <p:sp>
-        <p:nvSpPr>
-          <p:cNvPr id="38" name="Rechteck 37"/>
-          <p:cNvSpPr/>
-          <p:nvPr/>
-        </p:nvSpPr>
-        <p:spPr>
-          <a:xfrm>
-            <a:off x="3855544" y="6145559"/>
-            <a:ext cx="5324968" cy="307777"/>
-          </a:xfrm>
-          <a:prstGeom prst="rect">
-            <a:avLst/>
-          </a:prstGeom>
-        </p:spPr>
-        <p:txBody>
-          <a:bodyPr wrap="square">
-            <a:spAutoFit/>
-          </a:bodyPr>
-          <a:lstStyle/>
-          <a:p>
-            <a:pPr algn="r"/>
-            <a:r>
-              <a:rPr lang="de-DE" sz="1400" dirty="0">
-                <a:latin typeface="+mj-lt"/>
-              </a:rPr>
-              <a:t>Nach </a:t>
-            </a:r>
-            <a:r>
-              <a:rPr lang="de-DE" sz="1400" dirty="0" err="1">
-                <a:latin typeface="+mj-lt"/>
-              </a:rPr>
-              <a:t>M.Dashorst</a:t>
-            </a:r>
-            <a:r>
-              <a:rPr lang="de-DE" sz="1400" dirty="0">
-                <a:latin typeface="+mj-lt"/>
-              </a:rPr>
-              <a:t>, </a:t>
-            </a:r>
-            <a:r>
-              <a:rPr lang="de-DE" sz="1400" dirty="0" err="1">
-                <a:latin typeface="+mj-lt"/>
-              </a:rPr>
-              <a:t>E.Hillenius</a:t>
-            </a:r>
-            <a:r>
-              <a:rPr lang="de-DE" sz="1400" dirty="0">
-                <a:latin typeface="+mj-lt"/>
-              </a:rPr>
-              <a:t>, </a:t>
-            </a:r>
-            <a:r>
-              <a:rPr lang="de-DE" sz="1400" i="1" dirty="0" err="1">
-                <a:latin typeface="+mj-lt"/>
-              </a:rPr>
-              <a:t>Wicket</a:t>
-            </a:r>
-            <a:r>
-              <a:rPr lang="de-DE" sz="1400" i="1" dirty="0">
-                <a:latin typeface="+mj-lt"/>
-              </a:rPr>
-              <a:t> in Action</a:t>
-            </a:r>
-            <a:r>
-              <a:rPr lang="de-DE" sz="1400" dirty="0">
-                <a:latin typeface="+mj-lt"/>
-              </a:rPr>
-              <a:t>, Manning 2004</a:t>
-            </a:r>
-          </a:p>
-        </p:txBody>
-      </p:sp>
-    </p:spTree>
-    <p:extLst>
-      <p:ext uri="{BB962C8B-B14F-4D97-AF65-F5344CB8AC3E}">
-        <p14:creationId xmlns:p14="http://schemas.microsoft.com/office/powerpoint/2010/main" val="1190245780"/>
       </p:ext>
     </p:extLst>
   </p:cSld>
@@ -13967,6 +13194,1238 @@
             <p:ph type="title"/>
           </p:nvPr>
         </p:nvSpPr>
+        <p:spPr>
+          <a:xfrm>
+            <a:off x="457200" y="115888"/>
+            <a:ext cx="6275040" cy="706437"/>
+          </a:xfrm>
+        </p:spPr>
+        <p:txBody>
+          <a:bodyPr/>
+          <a:lstStyle/>
+          <a:p>
+            <a:r>
+              <a:rPr lang="de-DE" dirty="0"/>
+              <a:t>Klassen für das Request-Handling</a:t>
+            </a:r>
+          </a:p>
+        </p:txBody>
+      </p:sp>
+      <p:sp>
+        <p:nvSpPr>
+          <p:cNvPr id="4" name="Rechteck 3"/>
+          <p:cNvSpPr/>
+          <p:nvPr/>
+        </p:nvSpPr>
+        <p:spPr bwMode="auto">
+          <a:xfrm>
+            <a:off x="3491880" y="1124744"/>
+            <a:ext cx="1878124" cy="504056"/>
+          </a:xfrm>
+          <a:prstGeom prst="rect">
+            <a:avLst/>
+          </a:prstGeom>
+          <a:noFill/>
+          <a:ln w="12700" cap="flat" cmpd="sng" algn="ctr">
+            <a:solidFill>
+              <a:schemeClr val="tx1"/>
+            </a:solidFill>
+            <a:prstDash val="solid"/>
+            <a:round/>
+            <a:headEnd type="none" w="sm" len="sm"/>
+            <a:tailEnd type="none" w="sm" len="sm"/>
+          </a:ln>
+          <a:effectLst/>
+        </p:spPr>
+        <p:txBody>
+          <a:bodyPr vert="horz" wrap="square" lIns="91440" tIns="45720" rIns="91440" bIns="45720" numCol="1" rtlCol="0" anchor="t" anchorCtr="0" compatLnSpc="1">
+            <a:prstTxWarp prst="textNoShape">
+              <a:avLst/>
+            </a:prstTxWarp>
+          </a:bodyPr>
+          <a:lstStyle/>
+          <a:p>
+            <a:pPr marL="0" marR="0" indent="0" algn="ctr" defTabSz="914400" rtl="0" eaLnBrk="0" fontAlgn="base" latinLnBrk="0" hangingPunct="0">
+              <a:lnSpc>
+                <a:spcPct val="100000"/>
+              </a:lnSpc>
+              <a:spcBef>
+                <a:spcPct val="0"/>
+              </a:spcBef>
+              <a:spcAft>
+                <a:spcPct val="0"/>
+              </a:spcAft>
+              <a:buClrTx/>
+              <a:buSzTx/>
+              <a:buFontTx/>
+              <a:buNone/>
+              <a:tabLst/>
+            </a:pPr>
+            <a:r>
+              <a:rPr kumimoji="0" lang="de-DE" sz="2000" b="0" i="0" u="none" strike="noStrike" cap="none" normalizeH="0" dirty="0" err="1">
+                <a:ln>
+                  <a:noFill/>
+                </a:ln>
+                <a:solidFill>
+                  <a:schemeClr val="tx1"/>
+                </a:solidFill>
+                <a:effectLst/>
+                <a:latin typeface="Consolas" panose="020B0609020204030204" pitchFamily="49" charset="0"/>
+                <a:cs typeface="Consolas" panose="020B0609020204030204" pitchFamily="49" charset="0"/>
+              </a:rPr>
+              <a:t>Application</a:t>
+            </a:r>
+            <a:endParaRPr kumimoji="0" lang="de-DE" sz="2000" b="0" i="0" u="none" strike="noStrike" cap="none" normalizeH="0" baseline="0" dirty="0">
+              <a:ln>
+                <a:noFill/>
+              </a:ln>
+              <a:solidFill>
+                <a:schemeClr val="tx1"/>
+              </a:solidFill>
+              <a:effectLst/>
+              <a:latin typeface="Consolas" panose="020B0609020204030204" pitchFamily="49" charset="0"/>
+              <a:cs typeface="Consolas" panose="020B0609020204030204" pitchFamily="49" charset="0"/>
+            </a:endParaRPr>
+          </a:p>
+        </p:txBody>
+      </p:sp>
+      <p:sp>
+        <p:nvSpPr>
+          <p:cNvPr id="5" name="Rechteck 4"/>
+          <p:cNvSpPr/>
+          <p:nvPr/>
+        </p:nvSpPr>
+        <p:spPr bwMode="auto">
+          <a:xfrm>
+            <a:off x="5508104" y="1834312"/>
+            <a:ext cx="3312368" cy="504056"/>
+          </a:xfrm>
+          <a:prstGeom prst="rect">
+            <a:avLst/>
+          </a:prstGeom>
+          <a:noFill/>
+          <a:ln w="12700" cap="flat" cmpd="sng" algn="ctr">
+            <a:solidFill>
+              <a:schemeClr val="tx1"/>
+            </a:solidFill>
+            <a:prstDash val="solid"/>
+            <a:round/>
+            <a:headEnd type="none" w="sm" len="sm"/>
+            <a:tailEnd type="none" w="sm" len="sm"/>
+          </a:ln>
+          <a:effectLst/>
+        </p:spPr>
+        <p:txBody>
+          <a:bodyPr vert="horz" wrap="square" lIns="91440" tIns="45720" rIns="91440" bIns="45720" numCol="1" rtlCol="0" anchor="t" anchorCtr="0" compatLnSpc="1">
+            <a:prstTxWarp prst="textNoShape">
+              <a:avLst/>
+            </a:prstTxWarp>
+          </a:bodyPr>
+          <a:lstStyle/>
+          <a:p>
+            <a:pPr marL="0" marR="0" indent="0" algn="ctr" defTabSz="914400" rtl="0" eaLnBrk="0" fontAlgn="base" latinLnBrk="0" hangingPunct="0">
+              <a:lnSpc>
+                <a:spcPct val="100000"/>
+              </a:lnSpc>
+              <a:spcBef>
+                <a:spcPct val="0"/>
+              </a:spcBef>
+              <a:spcAft>
+                <a:spcPct val="0"/>
+              </a:spcAft>
+              <a:buClrTx/>
+              <a:buSzTx/>
+              <a:buFontTx/>
+              <a:buNone/>
+              <a:tabLst/>
+            </a:pPr>
+            <a:r>
+              <a:rPr kumimoji="0" lang="de-DE" sz="2000" b="0" i="0" u="none" strike="noStrike" cap="none" normalizeH="0" dirty="0" err="1">
+                <a:ln>
+                  <a:noFill/>
+                </a:ln>
+                <a:solidFill>
+                  <a:schemeClr val="tx1"/>
+                </a:solidFill>
+                <a:effectLst/>
+                <a:latin typeface="Consolas" panose="020B0609020204030204" pitchFamily="49" charset="0"/>
+                <a:cs typeface="Consolas" panose="020B0609020204030204" pitchFamily="49" charset="0"/>
+              </a:rPr>
+              <a:t>RequestCycle</a:t>
+            </a:r>
+            <a:r>
+              <a:rPr lang="de-DE" sz="2000" dirty="0" err="1">
+                <a:latin typeface="Consolas" panose="020B0609020204030204" pitchFamily="49" charset="0"/>
+                <a:cs typeface="Consolas" panose="020B0609020204030204" pitchFamily="49" charset="0"/>
+              </a:rPr>
+              <a:t>Processor</a:t>
+            </a:r>
+            <a:endParaRPr kumimoji="0" lang="de-DE" sz="2000" b="0" i="0" u="none" strike="noStrike" cap="none" normalizeH="0" baseline="0" dirty="0">
+              <a:ln>
+                <a:noFill/>
+              </a:ln>
+              <a:solidFill>
+                <a:schemeClr val="tx1"/>
+              </a:solidFill>
+              <a:effectLst/>
+              <a:latin typeface="Consolas" panose="020B0609020204030204" pitchFamily="49" charset="0"/>
+              <a:cs typeface="Consolas" panose="020B0609020204030204" pitchFamily="49" charset="0"/>
+            </a:endParaRPr>
+          </a:p>
+        </p:txBody>
+      </p:sp>
+      <p:sp>
+        <p:nvSpPr>
+          <p:cNvPr id="6" name="Rechteck 5"/>
+          <p:cNvSpPr/>
+          <p:nvPr/>
+        </p:nvSpPr>
+        <p:spPr bwMode="auto">
+          <a:xfrm>
+            <a:off x="3419872" y="2858212"/>
+            <a:ext cx="2304256" cy="504056"/>
+          </a:xfrm>
+          <a:prstGeom prst="rect">
+            <a:avLst/>
+          </a:prstGeom>
+          <a:noFill/>
+          <a:ln w="12700" cap="flat" cmpd="sng" algn="ctr">
+            <a:solidFill>
+              <a:schemeClr val="tx1"/>
+            </a:solidFill>
+            <a:prstDash val="solid"/>
+            <a:round/>
+            <a:headEnd type="none" w="sm" len="sm"/>
+            <a:tailEnd type="none" w="sm" len="sm"/>
+          </a:ln>
+          <a:effectLst/>
+        </p:spPr>
+        <p:txBody>
+          <a:bodyPr vert="horz" wrap="square" lIns="91440" tIns="45720" rIns="91440" bIns="45720" numCol="1" rtlCol="0" anchor="t" anchorCtr="0" compatLnSpc="1">
+            <a:prstTxWarp prst="textNoShape">
+              <a:avLst/>
+            </a:prstTxWarp>
+          </a:bodyPr>
+          <a:lstStyle/>
+          <a:p>
+            <a:pPr marL="0" marR="0" indent="0" algn="ctr" defTabSz="914400" rtl="0" eaLnBrk="0" fontAlgn="base" latinLnBrk="0" hangingPunct="0">
+              <a:lnSpc>
+                <a:spcPct val="100000"/>
+              </a:lnSpc>
+              <a:spcBef>
+                <a:spcPct val="0"/>
+              </a:spcBef>
+              <a:spcAft>
+                <a:spcPct val="0"/>
+              </a:spcAft>
+              <a:buClrTx/>
+              <a:buSzTx/>
+              <a:buFontTx/>
+              <a:buNone/>
+              <a:tabLst/>
+            </a:pPr>
+            <a:r>
+              <a:rPr kumimoji="0" lang="de-DE" sz="2000" b="0" i="0" u="none" strike="noStrike" cap="none" normalizeH="0" dirty="0">
+                <a:ln>
+                  <a:noFill/>
+                </a:ln>
+                <a:solidFill>
+                  <a:schemeClr val="tx1"/>
+                </a:solidFill>
+                <a:effectLst/>
+                <a:latin typeface="Consolas" panose="020B0609020204030204" pitchFamily="49" charset="0"/>
+                <a:cs typeface="Consolas" panose="020B0609020204030204" pitchFamily="49" charset="0"/>
+              </a:rPr>
+              <a:t>Request Cycle</a:t>
+            </a:r>
+            <a:endParaRPr kumimoji="0" lang="de-DE" sz="2000" b="0" i="0" u="none" strike="noStrike" cap="none" normalizeH="0" baseline="0" dirty="0">
+              <a:ln>
+                <a:noFill/>
+              </a:ln>
+              <a:solidFill>
+                <a:schemeClr val="tx1"/>
+              </a:solidFill>
+              <a:effectLst/>
+              <a:latin typeface="Consolas" panose="020B0609020204030204" pitchFamily="49" charset="0"/>
+              <a:cs typeface="Consolas" panose="020B0609020204030204" pitchFamily="49" charset="0"/>
+            </a:endParaRPr>
+          </a:p>
+        </p:txBody>
+      </p:sp>
+      <p:sp>
+        <p:nvSpPr>
+          <p:cNvPr id="7" name="Rechteck 6"/>
+          <p:cNvSpPr/>
+          <p:nvPr/>
+        </p:nvSpPr>
+        <p:spPr bwMode="auto">
+          <a:xfrm>
+            <a:off x="6732240" y="2847660"/>
+            <a:ext cx="2304256" cy="504056"/>
+          </a:xfrm>
+          <a:prstGeom prst="rect">
+            <a:avLst/>
+          </a:prstGeom>
+          <a:noFill/>
+          <a:ln w="12700" cap="flat" cmpd="sng" algn="ctr">
+            <a:solidFill>
+              <a:schemeClr val="tx1"/>
+            </a:solidFill>
+            <a:prstDash val="solid"/>
+            <a:round/>
+            <a:headEnd type="none" w="sm" len="sm"/>
+            <a:tailEnd type="none" w="sm" len="sm"/>
+          </a:ln>
+          <a:effectLst/>
+        </p:spPr>
+        <p:txBody>
+          <a:bodyPr vert="horz" wrap="square" lIns="91440" tIns="45720" rIns="91440" bIns="45720" numCol="1" rtlCol="0" anchor="t" anchorCtr="0" compatLnSpc="1">
+            <a:prstTxWarp prst="textNoShape">
+              <a:avLst/>
+            </a:prstTxWarp>
+          </a:bodyPr>
+          <a:lstStyle/>
+          <a:p>
+            <a:pPr marL="0" marR="0" indent="0" algn="ctr" defTabSz="914400" rtl="0" eaLnBrk="0" fontAlgn="base" latinLnBrk="0" hangingPunct="0">
+              <a:lnSpc>
+                <a:spcPct val="100000"/>
+              </a:lnSpc>
+              <a:spcBef>
+                <a:spcPct val="0"/>
+              </a:spcBef>
+              <a:spcAft>
+                <a:spcPct val="0"/>
+              </a:spcAft>
+              <a:buClrTx/>
+              <a:buSzTx/>
+              <a:buFontTx/>
+              <a:buNone/>
+              <a:tabLst/>
+            </a:pPr>
+            <a:r>
+              <a:rPr kumimoji="0" lang="de-DE" sz="2000" b="0" i="0" u="none" strike="noStrike" cap="none" normalizeH="0" dirty="0">
+                <a:ln>
+                  <a:noFill/>
+                </a:ln>
+                <a:solidFill>
+                  <a:schemeClr val="tx1"/>
+                </a:solidFill>
+                <a:effectLst/>
+                <a:latin typeface="Consolas" panose="020B0609020204030204" pitchFamily="49" charset="0"/>
+                <a:cs typeface="Consolas" panose="020B0609020204030204" pitchFamily="49" charset="0"/>
+              </a:rPr>
+              <a:t>Request Target</a:t>
+            </a:r>
+            <a:endParaRPr kumimoji="0" lang="de-DE" sz="2000" b="0" i="0" u="none" strike="noStrike" cap="none" normalizeH="0" baseline="0" dirty="0">
+              <a:ln>
+                <a:noFill/>
+              </a:ln>
+              <a:solidFill>
+                <a:schemeClr val="tx1"/>
+              </a:solidFill>
+              <a:effectLst/>
+              <a:latin typeface="Consolas" panose="020B0609020204030204" pitchFamily="49" charset="0"/>
+              <a:cs typeface="Consolas" panose="020B0609020204030204" pitchFamily="49" charset="0"/>
+            </a:endParaRPr>
+          </a:p>
+        </p:txBody>
+      </p:sp>
+      <p:sp>
+        <p:nvSpPr>
+          <p:cNvPr id="8" name="Rechteck 7"/>
+          <p:cNvSpPr/>
+          <p:nvPr/>
+        </p:nvSpPr>
+        <p:spPr bwMode="auto">
+          <a:xfrm>
+            <a:off x="971600" y="4005064"/>
+            <a:ext cx="2304256" cy="504056"/>
+          </a:xfrm>
+          <a:prstGeom prst="rect">
+            <a:avLst/>
+          </a:prstGeom>
+          <a:noFill/>
+          <a:ln w="12700" cap="flat" cmpd="sng" algn="ctr">
+            <a:solidFill>
+              <a:schemeClr val="tx1"/>
+            </a:solidFill>
+            <a:prstDash val="solid"/>
+            <a:round/>
+            <a:headEnd type="none" w="sm" len="sm"/>
+            <a:tailEnd type="none" w="sm" len="sm"/>
+          </a:ln>
+          <a:effectLst/>
+        </p:spPr>
+        <p:txBody>
+          <a:bodyPr vert="horz" wrap="square" lIns="91440" tIns="45720" rIns="91440" bIns="45720" numCol="1" rtlCol="0" anchor="t" anchorCtr="0" compatLnSpc="1">
+            <a:prstTxWarp prst="textNoShape">
+              <a:avLst/>
+            </a:prstTxWarp>
+          </a:bodyPr>
+          <a:lstStyle/>
+          <a:p>
+            <a:pPr marL="0" marR="0" indent="0" algn="ctr" defTabSz="914400" rtl="0" eaLnBrk="0" fontAlgn="base" latinLnBrk="0" hangingPunct="0">
+              <a:lnSpc>
+                <a:spcPct val="100000"/>
+              </a:lnSpc>
+              <a:spcBef>
+                <a:spcPct val="0"/>
+              </a:spcBef>
+              <a:spcAft>
+                <a:spcPct val="0"/>
+              </a:spcAft>
+              <a:buClrTx/>
+              <a:buSzTx/>
+              <a:buFontTx/>
+              <a:buNone/>
+              <a:tabLst/>
+            </a:pPr>
+            <a:r>
+              <a:rPr kumimoji="0" lang="de-DE" sz="2000" b="0" i="0" u="none" strike="noStrike" cap="none" normalizeH="0" dirty="0">
+                <a:ln>
+                  <a:noFill/>
+                </a:ln>
+                <a:solidFill>
+                  <a:schemeClr val="tx1"/>
+                </a:solidFill>
+                <a:effectLst/>
+                <a:latin typeface="Consolas" panose="020B0609020204030204" pitchFamily="49" charset="0"/>
+                <a:cs typeface="Consolas" panose="020B0609020204030204" pitchFamily="49" charset="0"/>
+              </a:rPr>
+              <a:t>Request</a:t>
+            </a:r>
+            <a:endParaRPr kumimoji="0" lang="de-DE" sz="2000" b="0" i="0" u="none" strike="noStrike" cap="none" normalizeH="0" baseline="0" dirty="0">
+              <a:ln>
+                <a:noFill/>
+              </a:ln>
+              <a:solidFill>
+                <a:schemeClr val="tx1"/>
+              </a:solidFill>
+              <a:effectLst/>
+              <a:latin typeface="Consolas" panose="020B0609020204030204" pitchFamily="49" charset="0"/>
+              <a:cs typeface="Consolas" panose="020B0609020204030204" pitchFamily="49" charset="0"/>
+            </a:endParaRPr>
+          </a:p>
+        </p:txBody>
+      </p:sp>
+      <p:sp>
+        <p:nvSpPr>
+          <p:cNvPr id="9" name="Rechteck 8"/>
+          <p:cNvSpPr/>
+          <p:nvPr/>
+        </p:nvSpPr>
+        <p:spPr bwMode="auto">
+          <a:xfrm>
+            <a:off x="5940152" y="4149080"/>
+            <a:ext cx="2304256" cy="504056"/>
+          </a:xfrm>
+          <a:prstGeom prst="rect">
+            <a:avLst/>
+          </a:prstGeom>
+          <a:noFill/>
+          <a:ln w="12700" cap="flat" cmpd="sng" algn="ctr">
+            <a:solidFill>
+              <a:schemeClr val="tx1"/>
+            </a:solidFill>
+            <a:prstDash val="solid"/>
+            <a:round/>
+            <a:headEnd type="none" w="sm" len="sm"/>
+            <a:tailEnd type="none" w="sm" len="sm"/>
+          </a:ln>
+          <a:effectLst/>
+        </p:spPr>
+        <p:txBody>
+          <a:bodyPr vert="horz" wrap="square" lIns="91440" tIns="45720" rIns="91440" bIns="45720" numCol="1" rtlCol="0" anchor="t" anchorCtr="0" compatLnSpc="1">
+            <a:prstTxWarp prst="textNoShape">
+              <a:avLst/>
+            </a:prstTxWarp>
+          </a:bodyPr>
+          <a:lstStyle/>
+          <a:p>
+            <a:pPr marL="0" marR="0" indent="0" algn="ctr" defTabSz="914400" rtl="0" eaLnBrk="0" fontAlgn="base" latinLnBrk="0" hangingPunct="0">
+              <a:lnSpc>
+                <a:spcPct val="100000"/>
+              </a:lnSpc>
+              <a:spcBef>
+                <a:spcPct val="0"/>
+              </a:spcBef>
+              <a:spcAft>
+                <a:spcPct val="0"/>
+              </a:spcAft>
+              <a:buClrTx/>
+              <a:buSzTx/>
+              <a:buFontTx/>
+              <a:buNone/>
+              <a:tabLst/>
+            </a:pPr>
+            <a:r>
+              <a:rPr kumimoji="0" lang="de-DE" sz="2000" b="0" i="0" u="none" strike="noStrike" cap="none" normalizeH="0" dirty="0">
+                <a:ln>
+                  <a:noFill/>
+                </a:ln>
+                <a:solidFill>
+                  <a:schemeClr val="tx1"/>
+                </a:solidFill>
+                <a:effectLst/>
+                <a:latin typeface="Consolas" panose="020B0609020204030204" pitchFamily="49" charset="0"/>
+                <a:cs typeface="Consolas" panose="020B0609020204030204" pitchFamily="49" charset="0"/>
+              </a:rPr>
+              <a:t>Response</a:t>
+            </a:r>
+            <a:endParaRPr kumimoji="0" lang="de-DE" sz="2000" b="0" i="0" u="none" strike="noStrike" cap="none" normalizeH="0" baseline="0" dirty="0">
+              <a:ln>
+                <a:noFill/>
+              </a:ln>
+              <a:solidFill>
+                <a:schemeClr val="tx1"/>
+              </a:solidFill>
+              <a:effectLst/>
+              <a:latin typeface="Consolas" panose="020B0609020204030204" pitchFamily="49" charset="0"/>
+              <a:cs typeface="Consolas" panose="020B0609020204030204" pitchFamily="49" charset="0"/>
+            </a:endParaRPr>
+          </a:p>
+        </p:txBody>
+      </p:sp>
+      <p:sp>
+        <p:nvSpPr>
+          <p:cNvPr id="10" name="Rechteck 9"/>
+          <p:cNvSpPr/>
+          <p:nvPr/>
+        </p:nvSpPr>
+        <p:spPr bwMode="auto">
+          <a:xfrm>
+            <a:off x="179512" y="2924944"/>
+            <a:ext cx="2304256" cy="504056"/>
+          </a:xfrm>
+          <a:prstGeom prst="rect">
+            <a:avLst/>
+          </a:prstGeom>
+          <a:noFill/>
+          <a:ln w="12700" cap="flat" cmpd="sng" algn="ctr">
+            <a:solidFill>
+              <a:schemeClr val="tx1"/>
+            </a:solidFill>
+            <a:prstDash val="solid"/>
+            <a:round/>
+            <a:headEnd type="none" w="sm" len="sm"/>
+            <a:tailEnd type="none" w="sm" len="sm"/>
+          </a:ln>
+          <a:effectLst/>
+        </p:spPr>
+        <p:txBody>
+          <a:bodyPr vert="horz" wrap="square" lIns="91440" tIns="45720" rIns="91440" bIns="45720" numCol="1" rtlCol="0" anchor="t" anchorCtr="0" compatLnSpc="1">
+            <a:prstTxWarp prst="textNoShape">
+              <a:avLst/>
+            </a:prstTxWarp>
+          </a:bodyPr>
+          <a:lstStyle/>
+          <a:p>
+            <a:pPr marL="0" marR="0" indent="0" algn="ctr" defTabSz="914400" rtl="0" eaLnBrk="0" fontAlgn="base" latinLnBrk="0" hangingPunct="0">
+              <a:lnSpc>
+                <a:spcPct val="100000"/>
+              </a:lnSpc>
+              <a:spcBef>
+                <a:spcPct val="0"/>
+              </a:spcBef>
+              <a:spcAft>
+                <a:spcPct val="0"/>
+              </a:spcAft>
+              <a:buClrTx/>
+              <a:buSzTx/>
+              <a:buFontTx/>
+              <a:buNone/>
+              <a:tabLst/>
+            </a:pPr>
+            <a:r>
+              <a:rPr kumimoji="0" lang="de-DE" sz="2000" b="0" i="0" u="none" strike="noStrike" cap="none" normalizeH="0" dirty="0">
+                <a:ln>
+                  <a:noFill/>
+                </a:ln>
+                <a:solidFill>
+                  <a:schemeClr val="tx1"/>
+                </a:solidFill>
+                <a:effectLst/>
+                <a:latin typeface="Consolas" panose="020B0609020204030204" pitchFamily="49" charset="0"/>
+                <a:cs typeface="Consolas" panose="020B0609020204030204" pitchFamily="49" charset="0"/>
+              </a:rPr>
+              <a:t>Session Store</a:t>
+            </a:r>
+            <a:endParaRPr kumimoji="0" lang="de-DE" sz="2000" b="0" i="0" u="none" strike="noStrike" cap="none" normalizeH="0" baseline="0" dirty="0">
+              <a:ln>
+                <a:noFill/>
+              </a:ln>
+              <a:solidFill>
+                <a:schemeClr val="tx1"/>
+              </a:solidFill>
+              <a:effectLst/>
+              <a:latin typeface="Consolas" panose="020B0609020204030204" pitchFamily="49" charset="0"/>
+              <a:cs typeface="Consolas" panose="020B0609020204030204" pitchFamily="49" charset="0"/>
+            </a:endParaRPr>
+          </a:p>
+        </p:txBody>
+      </p:sp>
+      <p:sp>
+        <p:nvSpPr>
+          <p:cNvPr id="11" name="Rechteck 10"/>
+          <p:cNvSpPr/>
+          <p:nvPr/>
+        </p:nvSpPr>
+        <p:spPr bwMode="auto">
+          <a:xfrm>
+            <a:off x="395536" y="1772816"/>
+            <a:ext cx="2304256" cy="504056"/>
+          </a:xfrm>
+          <a:prstGeom prst="rect">
+            <a:avLst/>
+          </a:prstGeom>
+          <a:noFill/>
+          <a:ln w="12700" cap="flat" cmpd="sng" algn="ctr">
+            <a:solidFill>
+              <a:schemeClr val="tx1"/>
+            </a:solidFill>
+            <a:prstDash val="solid"/>
+            <a:round/>
+            <a:headEnd type="none" w="sm" len="sm"/>
+            <a:tailEnd type="none" w="sm" len="sm"/>
+          </a:ln>
+          <a:effectLst/>
+        </p:spPr>
+        <p:txBody>
+          <a:bodyPr vert="horz" wrap="square" lIns="91440" tIns="45720" rIns="91440" bIns="45720" numCol="1" rtlCol="0" anchor="t" anchorCtr="0" compatLnSpc="1">
+            <a:prstTxWarp prst="textNoShape">
+              <a:avLst/>
+            </a:prstTxWarp>
+          </a:bodyPr>
+          <a:lstStyle/>
+          <a:p>
+            <a:pPr marL="0" marR="0" indent="0" algn="ctr" defTabSz="914400" rtl="0" eaLnBrk="0" fontAlgn="base" latinLnBrk="0" hangingPunct="0">
+              <a:lnSpc>
+                <a:spcPct val="100000"/>
+              </a:lnSpc>
+              <a:spcBef>
+                <a:spcPct val="0"/>
+              </a:spcBef>
+              <a:spcAft>
+                <a:spcPct val="0"/>
+              </a:spcAft>
+              <a:buClrTx/>
+              <a:buSzTx/>
+              <a:buFontTx/>
+              <a:buNone/>
+              <a:tabLst/>
+            </a:pPr>
+            <a:r>
+              <a:rPr kumimoji="0" lang="de-DE" sz="2000" b="0" i="0" u="none" strike="noStrike" cap="none" normalizeH="0" dirty="0">
+                <a:ln>
+                  <a:noFill/>
+                </a:ln>
+                <a:solidFill>
+                  <a:schemeClr val="tx1"/>
+                </a:solidFill>
+                <a:effectLst/>
+                <a:latin typeface="Consolas" panose="020B0609020204030204" pitchFamily="49" charset="0"/>
+                <a:cs typeface="Consolas" panose="020B0609020204030204" pitchFamily="49" charset="0"/>
+              </a:rPr>
+              <a:t>Session</a:t>
+            </a:r>
+            <a:endParaRPr kumimoji="0" lang="de-DE" sz="2000" b="0" i="0" u="none" strike="noStrike" cap="none" normalizeH="0" baseline="0" dirty="0">
+              <a:ln>
+                <a:noFill/>
+              </a:ln>
+              <a:solidFill>
+                <a:schemeClr val="tx1"/>
+              </a:solidFill>
+              <a:effectLst/>
+              <a:latin typeface="Consolas" panose="020B0609020204030204" pitchFamily="49" charset="0"/>
+              <a:cs typeface="Consolas" panose="020B0609020204030204" pitchFamily="49" charset="0"/>
+            </a:endParaRPr>
+          </a:p>
+        </p:txBody>
+      </p:sp>
+      <p:cxnSp>
+        <p:nvCxnSpPr>
+          <p:cNvPr id="13" name="Gerade Verbindung 12"/>
+          <p:cNvCxnSpPr>
+            <a:stCxn id="4" idx="2"/>
+            <a:endCxn id="11" idx="3"/>
+          </p:cNvCxnSpPr>
+          <p:nvPr/>
+        </p:nvCxnSpPr>
+        <p:spPr bwMode="auto">
+          <a:xfrm flipH="1">
+            <a:off x="2699792" y="1628800"/>
+            <a:ext cx="1731150" cy="396044"/>
+          </a:xfrm>
+          <a:prstGeom prst="line">
+            <a:avLst/>
+          </a:prstGeom>
+          <a:solidFill>
+            <a:schemeClr val="accent1"/>
+          </a:solidFill>
+          <a:ln w="12700" cap="flat" cmpd="sng" algn="ctr">
+            <a:solidFill>
+              <a:schemeClr val="tx1"/>
+            </a:solidFill>
+            <a:prstDash val="solid"/>
+            <a:round/>
+            <a:headEnd type="none" w="sm" len="sm"/>
+            <a:tailEnd type="none" w="sm" len="sm"/>
+          </a:ln>
+          <a:effectLst/>
+        </p:spPr>
+      </p:cxnSp>
+      <p:cxnSp>
+        <p:nvCxnSpPr>
+          <p:cNvPr id="15" name="Gerade Verbindung 14"/>
+          <p:cNvCxnSpPr>
+            <a:stCxn id="4" idx="2"/>
+            <a:endCxn id="5" idx="1"/>
+          </p:cNvCxnSpPr>
+          <p:nvPr/>
+        </p:nvCxnSpPr>
+        <p:spPr bwMode="auto">
+          <a:xfrm>
+            <a:off x="4430942" y="1628800"/>
+            <a:ext cx="1077162" cy="457540"/>
+          </a:xfrm>
+          <a:prstGeom prst="line">
+            <a:avLst/>
+          </a:prstGeom>
+          <a:solidFill>
+            <a:schemeClr val="accent1"/>
+          </a:solidFill>
+          <a:ln w="12700" cap="flat" cmpd="sng" algn="ctr">
+            <a:solidFill>
+              <a:schemeClr val="tx1"/>
+            </a:solidFill>
+            <a:prstDash val="solid"/>
+            <a:round/>
+            <a:headEnd type="none" w="sm" len="sm"/>
+            <a:tailEnd type="none" w="sm" len="sm"/>
+          </a:ln>
+          <a:effectLst/>
+        </p:spPr>
+      </p:cxnSp>
+      <p:cxnSp>
+        <p:nvCxnSpPr>
+          <p:cNvPr id="17" name="Gerade Verbindung 16"/>
+          <p:cNvCxnSpPr>
+            <a:stCxn id="5" idx="2"/>
+            <a:endCxn id="7" idx="0"/>
+          </p:cNvCxnSpPr>
+          <p:nvPr/>
+        </p:nvCxnSpPr>
+        <p:spPr bwMode="auto">
+          <a:xfrm>
+            <a:off x="7164288" y="2338368"/>
+            <a:ext cx="720080" cy="509292"/>
+          </a:xfrm>
+          <a:prstGeom prst="line">
+            <a:avLst/>
+          </a:prstGeom>
+          <a:solidFill>
+            <a:schemeClr val="accent1"/>
+          </a:solidFill>
+          <a:ln w="12700" cap="flat" cmpd="sng" algn="ctr">
+            <a:solidFill>
+              <a:schemeClr val="tx1"/>
+            </a:solidFill>
+            <a:prstDash val="solid"/>
+            <a:round/>
+            <a:headEnd type="none" w="sm" len="sm"/>
+            <a:tailEnd type="none" w="sm" len="sm"/>
+          </a:ln>
+          <a:effectLst/>
+        </p:spPr>
+      </p:cxnSp>
+      <p:cxnSp>
+        <p:nvCxnSpPr>
+          <p:cNvPr id="19" name="Gerade Verbindung 18"/>
+          <p:cNvCxnSpPr>
+            <a:stCxn id="5" idx="2"/>
+            <a:endCxn id="6" idx="0"/>
+          </p:cNvCxnSpPr>
+          <p:nvPr/>
+        </p:nvCxnSpPr>
+        <p:spPr bwMode="auto">
+          <a:xfrm flipH="1">
+            <a:off x="4572000" y="2338368"/>
+            <a:ext cx="2592288" cy="519844"/>
+          </a:xfrm>
+          <a:prstGeom prst="line">
+            <a:avLst/>
+          </a:prstGeom>
+          <a:solidFill>
+            <a:schemeClr val="accent1"/>
+          </a:solidFill>
+          <a:ln w="12700" cap="flat" cmpd="sng" algn="ctr">
+            <a:solidFill>
+              <a:schemeClr val="tx1"/>
+            </a:solidFill>
+            <a:prstDash val="solid"/>
+            <a:round/>
+            <a:headEnd type="none" w="sm" len="sm"/>
+            <a:tailEnd type="none" w="sm" len="sm"/>
+          </a:ln>
+          <a:effectLst/>
+        </p:spPr>
+      </p:cxnSp>
+      <p:cxnSp>
+        <p:nvCxnSpPr>
+          <p:cNvPr id="21" name="Gerade Verbindung 20"/>
+          <p:cNvCxnSpPr>
+            <a:stCxn id="7" idx="1"/>
+            <a:endCxn id="6" idx="3"/>
+          </p:cNvCxnSpPr>
+          <p:nvPr/>
+        </p:nvCxnSpPr>
+        <p:spPr bwMode="auto">
+          <a:xfrm flipH="1">
+            <a:off x="5724128" y="3099688"/>
+            <a:ext cx="1008112" cy="10552"/>
+          </a:xfrm>
+          <a:prstGeom prst="line">
+            <a:avLst/>
+          </a:prstGeom>
+          <a:solidFill>
+            <a:schemeClr val="accent1"/>
+          </a:solidFill>
+          <a:ln w="12700" cap="flat" cmpd="sng" algn="ctr">
+            <a:solidFill>
+              <a:schemeClr val="tx1"/>
+            </a:solidFill>
+            <a:prstDash val="solid"/>
+            <a:round/>
+            <a:headEnd type="none" w="sm" len="sm"/>
+            <a:tailEnd type="none" w="sm" len="sm"/>
+          </a:ln>
+          <a:effectLst/>
+        </p:spPr>
+      </p:cxnSp>
+      <p:cxnSp>
+        <p:nvCxnSpPr>
+          <p:cNvPr id="23" name="Gerade Verbindung 22"/>
+          <p:cNvCxnSpPr>
+            <a:stCxn id="4" idx="2"/>
+            <a:endCxn id="8" idx="0"/>
+          </p:cNvCxnSpPr>
+          <p:nvPr/>
+        </p:nvCxnSpPr>
+        <p:spPr bwMode="auto">
+          <a:xfrm flipH="1">
+            <a:off x="2123728" y="1628800"/>
+            <a:ext cx="2307214" cy="2376264"/>
+          </a:xfrm>
+          <a:prstGeom prst="line">
+            <a:avLst/>
+          </a:prstGeom>
+          <a:solidFill>
+            <a:schemeClr val="accent1"/>
+          </a:solidFill>
+          <a:ln w="12700" cap="flat" cmpd="sng" algn="ctr">
+            <a:solidFill>
+              <a:schemeClr val="tx1"/>
+            </a:solidFill>
+            <a:prstDash val="solid"/>
+            <a:round/>
+            <a:headEnd type="none" w="sm" len="sm"/>
+            <a:tailEnd type="none" w="sm" len="sm"/>
+          </a:ln>
+          <a:effectLst/>
+        </p:spPr>
+      </p:cxnSp>
+      <p:cxnSp>
+        <p:nvCxnSpPr>
+          <p:cNvPr id="25" name="Gerade Verbindung 24"/>
+          <p:cNvCxnSpPr>
+            <a:stCxn id="4" idx="2"/>
+            <a:endCxn id="9" idx="0"/>
+          </p:cNvCxnSpPr>
+          <p:nvPr/>
+        </p:nvCxnSpPr>
+        <p:spPr bwMode="auto">
+          <a:xfrm>
+            <a:off x="4430942" y="1628800"/>
+            <a:ext cx="2661338" cy="2520280"/>
+          </a:xfrm>
+          <a:prstGeom prst="line">
+            <a:avLst/>
+          </a:prstGeom>
+          <a:solidFill>
+            <a:schemeClr val="accent1"/>
+          </a:solidFill>
+          <a:ln w="12700" cap="flat" cmpd="sng" algn="ctr">
+            <a:solidFill>
+              <a:schemeClr val="tx1"/>
+            </a:solidFill>
+            <a:prstDash val="solid"/>
+            <a:round/>
+            <a:headEnd type="none" w="sm" len="sm"/>
+            <a:tailEnd type="none" w="sm" len="sm"/>
+          </a:ln>
+          <a:effectLst/>
+        </p:spPr>
+      </p:cxnSp>
+      <p:cxnSp>
+        <p:nvCxnSpPr>
+          <p:cNvPr id="27" name="Gerade Verbindung 26"/>
+          <p:cNvCxnSpPr>
+            <a:stCxn id="6" idx="2"/>
+            <a:endCxn id="8" idx="0"/>
+          </p:cNvCxnSpPr>
+          <p:nvPr/>
+        </p:nvCxnSpPr>
+        <p:spPr bwMode="auto">
+          <a:xfrm flipH="1">
+            <a:off x="2123728" y="3362268"/>
+            <a:ext cx="2448272" cy="642796"/>
+          </a:xfrm>
+          <a:prstGeom prst="line">
+            <a:avLst/>
+          </a:prstGeom>
+          <a:solidFill>
+            <a:schemeClr val="accent1"/>
+          </a:solidFill>
+          <a:ln w="12700" cap="flat" cmpd="sng" algn="ctr">
+            <a:solidFill>
+              <a:schemeClr val="tx1"/>
+            </a:solidFill>
+            <a:prstDash val="solid"/>
+            <a:round/>
+            <a:headEnd type="none" w="sm" len="sm"/>
+            <a:tailEnd type="none" w="sm" len="sm"/>
+          </a:ln>
+          <a:effectLst/>
+        </p:spPr>
+      </p:cxnSp>
+      <p:cxnSp>
+        <p:nvCxnSpPr>
+          <p:cNvPr id="29" name="Gerade Verbindung 28"/>
+          <p:cNvCxnSpPr>
+            <a:stCxn id="6" idx="2"/>
+            <a:endCxn id="9" idx="0"/>
+          </p:cNvCxnSpPr>
+          <p:nvPr/>
+        </p:nvCxnSpPr>
+        <p:spPr bwMode="auto">
+          <a:xfrm>
+            <a:off x="4572000" y="3362268"/>
+            <a:ext cx="2520280" cy="786812"/>
+          </a:xfrm>
+          <a:prstGeom prst="line">
+            <a:avLst/>
+          </a:prstGeom>
+          <a:solidFill>
+            <a:schemeClr val="accent1"/>
+          </a:solidFill>
+          <a:ln w="12700" cap="flat" cmpd="sng" algn="ctr">
+            <a:solidFill>
+              <a:schemeClr val="tx1"/>
+            </a:solidFill>
+            <a:prstDash val="solid"/>
+            <a:round/>
+            <a:headEnd type="none" w="sm" len="sm"/>
+            <a:tailEnd type="none" w="sm" len="sm"/>
+          </a:ln>
+          <a:effectLst/>
+        </p:spPr>
+      </p:cxnSp>
+      <p:cxnSp>
+        <p:nvCxnSpPr>
+          <p:cNvPr id="31" name="Gerade Verbindung 30"/>
+          <p:cNvCxnSpPr>
+            <a:stCxn id="4" idx="2"/>
+            <a:endCxn id="10" idx="0"/>
+          </p:cNvCxnSpPr>
+          <p:nvPr/>
+        </p:nvCxnSpPr>
+        <p:spPr bwMode="auto">
+          <a:xfrm flipH="1">
+            <a:off x="1331640" y="1628800"/>
+            <a:ext cx="3099302" cy="1296144"/>
+          </a:xfrm>
+          <a:prstGeom prst="line">
+            <a:avLst/>
+          </a:prstGeom>
+          <a:solidFill>
+            <a:schemeClr val="accent1"/>
+          </a:solidFill>
+          <a:ln w="12700" cap="flat" cmpd="sng" algn="ctr">
+            <a:solidFill>
+              <a:schemeClr val="tx1"/>
+            </a:solidFill>
+            <a:prstDash val="solid"/>
+            <a:round/>
+            <a:headEnd type="none" w="sm" len="sm"/>
+            <a:tailEnd type="none" w="sm" len="sm"/>
+          </a:ln>
+          <a:effectLst/>
+        </p:spPr>
+      </p:cxnSp>
+      <p:cxnSp>
+        <p:nvCxnSpPr>
+          <p:cNvPr id="33" name="Gerade Verbindung 32"/>
+          <p:cNvCxnSpPr>
+            <a:stCxn id="11" idx="2"/>
+            <a:endCxn id="10" idx="0"/>
+          </p:cNvCxnSpPr>
+          <p:nvPr/>
+        </p:nvCxnSpPr>
+        <p:spPr bwMode="auto">
+          <a:xfrm flipH="1">
+            <a:off x="1331640" y="2276872"/>
+            <a:ext cx="216024" cy="648072"/>
+          </a:xfrm>
+          <a:prstGeom prst="line">
+            <a:avLst/>
+          </a:prstGeom>
+          <a:solidFill>
+            <a:schemeClr val="accent1"/>
+          </a:solidFill>
+          <a:ln w="12700" cap="flat" cmpd="sng" algn="ctr">
+            <a:solidFill>
+              <a:schemeClr val="tx1"/>
+            </a:solidFill>
+            <a:prstDash val="solid"/>
+            <a:round/>
+            <a:headEnd type="none" w="sm" len="sm"/>
+            <a:tailEnd type="none" w="sm" len="sm"/>
+          </a:ln>
+          <a:effectLst/>
+        </p:spPr>
+      </p:cxnSp>
+      <p:cxnSp>
+        <p:nvCxnSpPr>
+          <p:cNvPr id="35" name="Gerade Verbindung 34"/>
+          <p:cNvCxnSpPr>
+            <a:stCxn id="11" idx="2"/>
+            <a:endCxn id="6" idx="1"/>
+          </p:cNvCxnSpPr>
+          <p:nvPr/>
+        </p:nvCxnSpPr>
+        <p:spPr bwMode="auto">
+          <a:xfrm>
+            <a:off x="1547664" y="2276872"/>
+            <a:ext cx="1872208" cy="833368"/>
+          </a:xfrm>
+          <a:prstGeom prst="line">
+            <a:avLst/>
+          </a:prstGeom>
+          <a:solidFill>
+            <a:schemeClr val="accent1"/>
+          </a:solidFill>
+          <a:ln w="12700" cap="flat" cmpd="sng" algn="ctr">
+            <a:solidFill>
+              <a:schemeClr val="tx1"/>
+            </a:solidFill>
+            <a:prstDash val="solid"/>
+            <a:round/>
+            <a:headEnd type="none" w="sm" len="sm"/>
+            <a:tailEnd type="none" w="sm" len="sm"/>
+          </a:ln>
+          <a:effectLst/>
+        </p:spPr>
+      </p:cxnSp>
+      <p:sp>
+        <p:nvSpPr>
+          <p:cNvPr id="37" name="Inhaltsplatzhalter 2"/>
+          <p:cNvSpPr>
+            <a:spLocks noGrp="1"/>
+          </p:cNvSpPr>
+          <p:nvPr>
+            <p:ph idx="1"/>
+          </p:nvPr>
+        </p:nvSpPr>
+        <p:spPr>
+          <a:xfrm>
+            <a:off x="319415" y="4869160"/>
+            <a:ext cx="8516937" cy="1584176"/>
+          </a:xfrm>
+        </p:spPr>
+        <p:txBody>
+          <a:bodyPr/>
+          <a:lstStyle/>
+          <a:p>
+            <a:pPr>
+              <a:buFont typeface="Arial" panose="020B0604020202020204" pitchFamily="34" charset="0"/>
+              <a:buChar char="•"/>
+            </a:pPr>
+            <a:r>
+              <a:rPr lang="de-DE" sz="2000" dirty="0" err="1">
+                <a:latin typeface="Consolas" panose="020B0609020204030204" pitchFamily="49" charset="0"/>
+                <a:cs typeface="Consolas" panose="020B0609020204030204" pitchFamily="49" charset="0"/>
+              </a:rPr>
+              <a:t>RequestCycle</a:t>
+            </a:r>
+            <a:r>
+              <a:rPr lang="de-DE" sz="2000" dirty="0"/>
+              <a:t>: Wickelt den Request ab - Delegiert</a:t>
+            </a:r>
+          </a:p>
+          <a:p>
+            <a:pPr>
+              <a:buFont typeface="Arial" panose="020B0604020202020204" pitchFamily="34" charset="0"/>
+              <a:buChar char="•"/>
+            </a:pPr>
+            <a:r>
+              <a:rPr lang="de-DE" sz="2000" dirty="0" err="1">
+                <a:latin typeface="Consolas" panose="020B0609020204030204" pitchFamily="49" charset="0"/>
+                <a:cs typeface="Consolas" panose="020B0609020204030204" pitchFamily="49" charset="0"/>
+              </a:rPr>
+              <a:t>RequestCycleProcessor</a:t>
+            </a:r>
+            <a:r>
+              <a:rPr lang="de-DE" sz="2000" dirty="0"/>
+              <a:t>: Schritte / Events im Request</a:t>
+            </a:r>
+          </a:p>
+          <a:p>
+            <a:pPr>
+              <a:buFont typeface="Arial" panose="020B0604020202020204" pitchFamily="34" charset="0"/>
+              <a:buChar char="•"/>
+            </a:pPr>
+            <a:r>
+              <a:rPr lang="de-DE" sz="2000" dirty="0" err="1">
+                <a:latin typeface="Consolas" panose="020B0609020204030204" pitchFamily="49" charset="0"/>
+                <a:cs typeface="Consolas" panose="020B0609020204030204" pitchFamily="49" charset="0"/>
+              </a:rPr>
+              <a:t>RequestTarget</a:t>
+            </a:r>
+            <a:r>
+              <a:rPr lang="de-DE" sz="2000" dirty="0"/>
+              <a:t>: Aufrufbare Seite, </a:t>
+            </a:r>
+            <a:r>
+              <a:rPr lang="de-DE" sz="2000" dirty="0" err="1"/>
+              <a:t>AjaxTarget</a:t>
+            </a:r>
+            <a:r>
+              <a:rPr lang="de-DE" sz="2000" dirty="0"/>
+              <a:t>, etc.</a:t>
+            </a:r>
+          </a:p>
+        </p:txBody>
+      </p:sp>
+      <p:sp>
+        <p:nvSpPr>
+          <p:cNvPr id="38" name="Rechteck 37"/>
+          <p:cNvSpPr/>
+          <p:nvPr/>
+        </p:nvSpPr>
+        <p:spPr>
+          <a:xfrm>
+            <a:off x="3855544" y="6145559"/>
+            <a:ext cx="5324968" cy="307777"/>
+          </a:xfrm>
+          <a:prstGeom prst="rect">
+            <a:avLst/>
+          </a:prstGeom>
+        </p:spPr>
+        <p:txBody>
+          <a:bodyPr wrap="square">
+            <a:spAutoFit/>
+          </a:bodyPr>
+          <a:lstStyle/>
+          <a:p>
+            <a:pPr algn="r"/>
+            <a:r>
+              <a:rPr lang="de-DE" sz="1400" dirty="0">
+                <a:latin typeface="+mj-lt"/>
+              </a:rPr>
+              <a:t>Nach </a:t>
+            </a:r>
+            <a:r>
+              <a:rPr lang="de-DE" sz="1400" dirty="0" err="1">
+                <a:latin typeface="+mj-lt"/>
+              </a:rPr>
+              <a:t>M.Dashorst</a:t>
+            </a:r>
+            <a:r>
+              <a:rPr lang="de-DE" sz="1400" dirty="0">
+                <a:latin typeface="+mj-lt"/>
+              </a:rPr>
+              <a:t>, </a:t>
+            </a:r>
+            <a:r>
+              <a:rPr lang="de-DE" sz="1400" dirty="0" err="1">
+                <a:latin typeface="+mj-lt"/>
+              </a:rPr>
+              <a:t>E.Hillenius</a:t>
+            </a:r>
+            <a:r>
+              <a:rPr lang="de-DE" sz="1400" dirty="0">
+                <a:latin typeface="+mj-lt"/>
+              </a:rPr>
+              <a:t>, </a:t>
+            </a:r>
+            <a:r>
+              <a:rPr lang="de-DE" sz="1400" i="1" dirty="0" err="1">
+                <a:latin typeface="+mj-lt"/>
+              </a:rPr>
+              <a:t>Wicket</a:t>
+            </a:r>
+            <a:r>
+              <a:rPr lang="de-DE" sz="1400" i="1" dirty="0">
+                <a:latin typeface="+mj-lt"/>
+              </a:rPr>
+              <a:t> in Action</a:t>
+            </a:r>
+            <a:r>
+              <a:rPr lang="de-DE" sz="1400" dirty="0">
+                <a:latin typeface="+mj-lt"/>
+              </a:rPr>
+              <a:t>, Manning 2004</a:t>
+            </a:r>
+          </a:p>
+        </p:txBody>
+      </p:sp>
+    </p:spTree>
+    <p:extLst>
+      <p:ext uri="{BB962C8B-B14F-4D97-AF65-F5344CB8AC3E}">
+        <p14:creationId xmlns:p14="http://schemas.microsoft.com/office/powerpoint/2010/main" val="1190245780"/>
+      </p:ext>
+    </p:extLst>
+  </p:cSld>
+  <p:clrMapOvr>
+    <a:masterClrMapping/>
+  </p:clrMapOvr>
+  <p:timing>
+    <p:tnLst>
+      <p:par>
+        <p:cTn id="1" dur="indefinite" restart="never" nodeType="tmRoot"/>
+      </p:par>
+    </p:tnLst>
+  </p:timing>
+</p:sld>
+</file>
+
+<file path=ppt/slides/slide5.xml><?xml version="1.0" encoding="utf-8"?>
+<p:sld xmlns:a="http://schemas.openxmlformats.org/drawingml/2006/main" xmlns:r="http://schemas.openxmlformats.org/officeDocument/2006/relationships" xmlns:p="http://schemas.openxmlformats.org/presentationml/2006/main">
+  <p:cSld>
+    <p:spTree>
+      <p:nvGrpSpPr>
+        <p:cNvPr id="1" name=""/>
+        <p:cNvGrpSpPr/>
+        <p:nvPr/>
+      </p:nvGrpSpPr>
+      <p:grpSpPr>
+        <a:xfrm>
+          <a:off x="0" y="0"/>
+          <a:ext cx="0" cy="0"/>
+          <a:chOff x="0" y="0"/>
+          <a:chExt cx="0" cy="0"/>
+        </a:xfrm>
+      </p:grpSpPr>
+      <p:sp>
+        <p:nvSpPr>
+          <p:cNvPr id="2" name="Titel 1"/>
+          <p:cNvSpPr>
+            <a:spLocks noGrp="1"/>
+          </p:cNvSpPr>
+          <p:nvPr>
+            <p:ph type="title"/>
+          </p:nvPr>
+        </p:nvSpPr>
         <p:spPr/>
         <p:txBody>
           <a:bodyPr/>
@@ -14074,7 +14533,7 @@
           <a:graphicData uri="http://schemas.openxmlformats.org/presentationml/2006/ole">
             <mc:AlternateContent xmlns:mc="http://schemas.openxmlformats.org/markup-compatibility/2006">
               <mc:Choice xmlns:v="urn:schemas-microsoft-com:vml" Requires="v">
-                <p:oleObj spid="_x0000_s1095" name="Visio" r:id="rId3" imgW="2476804" imgH="4342874" progId="Visio.Drawing.11">
+                <p:oleObj spid="_x0000_s1097" name="Visio" r:id="rId3" imgW="2476804" imgH="4342874" progId="Visio.Drawing.11">
                   <p:embed/>
                 </p:oleObj>
               </mc:Choice>
@@ -14129,7 +14588,7 @@
 </p:sld>
 </file>
 
-<file path=ppt/slides/slide5.xml><?xml version="1.0" encoding="utf-8"?>
+<file path=ppt/slides/slide6.xml><?xml version="1.0" encoding="utf-8"?>
 <p:sld xmlns:a="http://schemas.openxmlformats.org/drawingml/2006/main" xmlns:r="http://schemas.openxmlformats.org/officeDocument/2006/relationships" xmlns:p="http://schemas.openxmlformats.org/presentationml/2006/main" show="0">
   <p:cSld>
     <p:spTree>
@@ -14287,11 +14746,11 @@
   <p:clrMapOvr>
     <a:masterClrMapping/>
   </p:clrMapOvr>
-  <mc:AlternateContent xmlns:mc="http://schemas.openxmlformats.org/markup-compatibility/2006">
-    <mc:Choice xmlns:p14="http://schemas.microsoft.com/office/powerpoint/2010/main" Requires="p14">
+  <mc:AlternateContent xmlns:mc="http://schemas.openxmlformats.org/markup-compatibility/2006" xmlns:p14="http://schemas.microsoft.com/office/powerpoint/2010/main">
+    <mc:Choice Requires="p14">
       <p:transition spd="slow" p14:dur="2000"/>
     </mc:Choice>
-    <mc:Fallback>
+    <mc:Fallback xmlns="">
       <p:transition spd="slow"/>
     </mc:Fallback>
   </mc:AlternateContent>
@@ -14305,7 +14764,7 @@
 </p:sld>
 </file>
 
-<file path=ppt/slides/slide6.xml><?xml version="1.0" encoding="utf-8"?>
+<file path=ppt/slides/slide7.xml><?xml version="1.0" encoding="utf-8"?>
 <p:sld xmlns:a="http://schemas.openxmlformats.org/drawingml/2006/main" xmlns:r="http://schemas.openxmlformats.org/officeDocument/2006/relationships" xmlns:p="http://schemas.openxmlformats.org/presentationml/2006/main">
   <p:cSld>
     <p:spTree>
@@ -14619,7 +15078,7 @@
 </p:sld>
 </file>
 
-<file path=ppt/slides/slide7.xml><?xml version="1.0" encoding="utf-8"?>
+<file path=ppt/slides/slide8.xml><?xml version="1.0" encoding="utf-8"?>
 <p:sld xmlns:a="http://schemas.openxmlformats.org/drawingml/2006/main" xmlns:r="http://schemas.openxmlformats.org/officeDocument/2006/relationships" xmlns:p="http://schemas.openxmlformats.org/presentationml/2006/main">
   <p:cSld>
     <p:spTree>
@@ -14822,7 +15281,7 @@
 </p:sld>
 </file>
 
-<file path=ppt/slides/slide8.xml><?xml version="1.0" encoding="utf-8"?>
+<file path=ppt/slides/slide9.xml><?xml version="1.0" encoding="utf-8"?>
 <p:sld xmlns:a="http://schemas.openxmlformats.org/drawingml/2006/main" xmlns:r="http://schemas.openxmlformats.org/officeDocument/2006/relationships" xmlns:p="http://schemas.openxmlformats.org/presentationml/2006/main">
   <p:cSld>
     <p:spTree>
@@ -15745,182 +16204,6 @@
     <p:extLst>
       <p:ext uri="{BB962C8B-B14F-4D97-AF65-F5344CB8AC3E}">
         <p14:creationId xmlns:p14="http://schemas.microsoft.com/office/powerpoint/2010/main" val="3561638089"/>
-      </p:ext>
-    </p:extLst>
-  </p:cSld>
-  <p:clrMapOvr>
-    <a:masterClrMapping/>
-  </p:clrMapOvr>
-  <p:timing>
-    <p:tnLst>
-      <p:par>
-        <p:cTn id="1" dur="indefinite" restart="never" nodeType="tmRoot"/>
-      </p:par>
-    </p:tnLst>
-  </p:timing>
-</p:sld>
-</file>
-
-<file path=ppt/slides/slide9.xml><?xml version="1.0" encoding="utf-8"?>
-<p:sld xmlns:a="http://schemas.openxmlformats.org/drawingml/2006/main" xmlns:r="http://schemas.openxmlformats.org/officeDocument/2006/relationships" xmlns:p="http://schemas.openxmlformats.org/presentationml/2006/main">
-  <p:cSld>
-    <p:spTree>
-      <p:nvGrpSpPr>
-        <p:cNvPr id="1" name=""/>
-        <p:cNvGrpSpPr/>
-        <p:nvPr/>
-      </p:nvGrpSpPr>
-      <p:grpSpPr>
-        <a:xfrm>
-          <a:off x="0" y="0"/>
-          <a:ext cx="0" cy="0"/>
-          <a:chOff x="0" y="0"/>
-          <a:chExt cx="0" cy="0"/>
-        </a:xfrm>
-      </p:grpSpPr>
-      <p:sp>
-        <p:nvSpPr>
-          <p:cNvPr id="17410" name="Inhaltsplatzhalter 2"/>
-          <p:cNvSpPr>
-            <a:spLocks noGrp="1"/>
-          </p:cNvSpPr>
-          <p:nvPr>
-            <p:ph idx="1"/>
-          </p:nvPr>
-        </p:nvSpPr>
-        <p:spPr>
-          <a:xfrm>
-            <a:off x="303213" y="1341438"/>
-            <a:ext cx="8589962" cy="4824412"/>
-          </a:xfrm>
-        </p:spPr>
-        <p:txBody>
-          <a:bodyPr/>
-          <a:lstStyle/>
-          <a:p>
-            <a:pPr marL="0" indent="0">
-              <a:buNone/>
-            </a:pPr>
-            <a:r>
-              <a:rPr lang="de-DE" sz="2000" b="1" dirty="0"/>
-              <a:t>Request Handling</a:t>
-            </a:r>
-          </a:p>
-        </p:txBody>
-      </p:sp>
-      <p:sp>
-        <p:nvSpPr>
-          <p:cNvPr id="17411" name="Rectangle 1062"/>
-          <p:cNvSpPr>
-            <a:spLocks noGrp="1" noChangeArrowheads="1"/>
-          </p:cNvSpPr>
-          <p:nvPr>
-            <p:ph type="title"/>
-          </p:nvPr>
-        </p:nvSpPr>
-        <p:spPr>
-          <a:xfrm>
-            <a:off x="285750" y="142875"/>
-            <a:ext cx="5654675" cy="706438"/>
-          </a:xfrm>
-        </p:spPr>
-        <p:txBody>
-          <a:bodyPr/>
-          <a:lstStyle/>
-          <a:p>
-            <a:r>
-              <a:rPr lang="de-DE" dirty="0"/>
-              <a:t>Request-Handling: Ablauf </a:t>
-            </a:r>
-          </a:p>
-        </p:txBody>
-      </p:sp>
-      <p:pic>
-        <p:nvPicPr>
-          <p:cNvPr id="2" name="Grafik 1"/>
-          <p:cNvPicPr>
-            <a:picLocks noChangeAspect="1"/>
-          </p:cNvPicPr>
-          <p:nvPr/>
-        </p:nvPicPr>
-        <p:blipFill>
-          <a:blip r:embed="rId2">
-            <a:extLst>
-              <a:ext uri="{28A0092B-C50C-407E-A947-70E740481C1C}">
-                <a14:useLocalDpi xmlns:a14="http://schemas.microsoft.com/office/drawing/2010/main" val="0"/>
-              </a:ext>
-            </a:extLst>
-          </a:blip>
-          <a:stretch>
-            <a:fillRect/>
-          </a:stretch>
-        </p:blipFill>
-        <p:spPr>
-          <a:xfrm>
-            <a:off x="1540346" y="2455515"/>
-            <a:ext cx="5695950" cy="3133725"/>
-          </a:xfrm>
-          <a:prstGeom prst="rect">
-            <a:avLst/>
-          </a:prstGeom>
-        </p:spPr>
-      </p:pic>
-      <p:sp>
-        <p:nvSpPr>
-          <p:cNvPr id="5" name="Rechteck 4"/>
-          <p:cNvSpPr/>
-          <p:nvPr/>
-        </p:nvSpPr>
-        <p:spPr>
-          <a:xfrm>
-            <a:off x="3855544" y="6145559"/>
-            <a:ext cx="5324968" cy="307777"/>
-          </a:xfrm>
-          <a:prstGeom prst="rect">
-            <a:avLst/>
-          </a:prstGeom>
-        </p:spPr>
-        <p:txBody>
-          <a:bodyPr wrap="square">
-            <a:spAutoFit/>
-          </a:bodyPr>
-          <a:lstStyle/>
-          <a:p>
-            <a:pPr algn="r"/>
-            <a:r>
-              <a:rPr lang="de-DE" sz="1400" dirty="0">
-                <a:latin typeface="+mj-lt"/>
-              </a:rPr>
-              <a:t>Quelle: </a:t>
-            </a:r>
-            <a:r>
-              <a:rPr lang="de-DE" sz="1400" dirty="0" err="1">
-                <a:latin typeface="+mj-lt"/>
-              </a:rPr>
-              <a:t>Wicket</a:t>
-            </a:r>
-            <a:r>
-              <a:rPr lang="de-DE" sz="1400" dirty="0">
-                <a:latin typeface="+mj-lt"/>
-              </a:rPr>
-              <a:t> User Guide – The Reference </a:t>
-            </a:r>
-            <a:r>
-              <a:rPr lang="de-DE" sz="1400" dirty="0" err="1">
-                <a:latin typeface="+mj-lt"/>
-              </a:rPr>
-              <a:t>Documentation</a:t>
-            </a:r>
-            <a:endParaRPr lang="de-DE" sz="1400" dirty="0">
-              <a:latin typeface="+mj-lt"/>
-            </a:endParaRPr>
-          </a:p>
-        </p:txBody>
-      </p:sp>
-    </p:spTree>
-    <p:extLst>
-      <p:ext uri="{BB962C8B-B14F-4D97-AF65-F5344CB8AC3E}">
-        <p14:creationId xmlns:p14="http://schemas.microsoft.com/office/powerpoint/2010/main" val="1529719546"/>
       </p:ext>
     </p:extLst>
   </p:cSld>

--- a/slides/Tag-1_3-Architektur.pptx
+++ b/slides/Tag-1_3-Architektur.pptx
@@ -6357,7 +6357,7 @@
               <a:pPr algn="ctr">
                 <a:defRPr/>
               </a:pPr>
-              <a:t>25.05.2021</a:t>
+              <a:t>26.05.2021</a:t>
             </a:fld>
             <a:endParaRPr lang="de-DE" sz="1000" dirty="0">
               <a:solidFill>
@@ -10615,8 +10615,17 @@
               <a:rPr lang="de-DE" sz="1400" dirty="0">
                 <a:latin typeface="+mj-lt"/>
               </a:rPr>
-              <a:t>, Manning 2004</a:t>
-            </a:r>
+              <a:t>, Manning </a:t>
+            </a:r>
+            <a:r>
+              <a:rPr lang="de-DE" sz="1400" dirty="0" smtClean="0">
+                <a:latin typeface="+mj-lt"/>
+              </a:rPr>
+              <a:t>2008</a:t>
+            </a:r>
+            <a:endParaRPr lang="de-DE" sz="1400" dirty="0">
+              <a:latin typeface="+mj-lt"/>
+            </a:endParaRPr>
           </a:p>
         </p:txBody>
       </p:sp>
@@ -10745,8 +10754,17 @@
               <a:rPr lang="de-DE" sz="1400" dirty="0">
                 <a:latin typeface="+mj-lt"/>
               </a:rPr>
-              <a:t>, Manning 2004</a:t>
-            </a:r>
+              <a:t>, Manning </a:t>
+            </a:r>
+            <a:r>
+              <a:rPr lang="de-DE" sz="1400" dirty="0" smtClean="0">
+                <a:latin typeface="+mj-lt"/>
+              </a:rPr>
+              <a:t>2008</a:t>
+            </a:r>
+            <a:endParaRPr lang="de-DE" sz="1400" dirty="0">
+              <a:latin typeface="+mj-lt"/>
+            </a:endParaRPr>
           </a:p>
         </p:txBody>
       </p:sp>
@@ -11894,8 +11912,13 @@
             </a:r>
             <a:r>
               <a:rPr lang="de-DE" dirty="0"/>
-              <a:t>, Manning 2004</a:t>
-            </a:r>
+              <a:t>, Manning </a:t>
+            </a:r>
+            <a:r>
+              <a:rPr lang="de-DE" dirty="0" smtClean="0"/>
+              <a:t>2008</a:t>
+            </a:r>
+            <a:endParaRPr lang="de-DE" dirty="0"/>
           </a:p>
         </p:txBody>
       </p:sp>
@@ -13142,8 +13165,17 @@
               <a:rPr lang="de-DE" sz="1400" dirty="0">
                 <a:latin typeface="+mj-lt"/>
               </a:rPr>
-              <a:t>, Manning 2004</a:t>
-            </a:r>
+              <a:t>, Manning </a:t>
+            </a:r>
+            <a:r>
+              <a:rPr lang="de-DE" sz="1400" dirty="0" smtClean="0">
+                <a:latin typeface="+mj-lt"/>
+              </a:rPr>
+              <a:t>2008</a:t>
+            </a:r>
+            <a:endParaRPr lang="de-DE" sz="1400" dirty="0">
+              <a:latin typeface="+mj-lt"/>
+            </a:endParaRPr>
           </a:p>
         </p:txBody>
       </p:sp>
@@ -14374,8 +14406,17 @@
               <a:rPr lang="de-DE" sz="1400" dirty="0">
                 <a:latin typeface="+mj-lt"/>
               </a:rPr>
-              <a:t>, Manning 2004</a:t>
-            </a:r>
+              <a:t>, Manning </a:t>
+            </a:r>
+            <a:r>
+              <a:rPr lang="de-DE" sz="1400" dirty="0" smtClean="0">
+                <a:latin typeface="+mj-lt"/>
+              </a:rPr>
+              <a:t>2008</a:t>
+            </a:r>
+            <a:endParaRPr lang="de-DE" sz="1400" dirty="0">
+              <a:latin typeface="+mj-lt"/>
+            </a:endParaRPr>
           </a:p>
         </p:txBody>
       </p:sp>
@@ -14506,8 +14547,17 @@
               <a:rPr lang="de-DE" sz="1400" dirty="0">
                 <a:latin typeface="+mj-lt"/>
               </a:rPr>
-              <a:t>, Manning 2004</a:t>
-            </a:r>
+              <a:t>, Manning </a:t>
+            </a:r>
+            <a:r>
+              <a:rPr lang="de-DE" sz="1400" dirty="0" smtClean="0">
+                <a:latin typeface="+mj-lt"/>
+              </a:rPr>
+              <a:t>2008</a:t>
+            </a:r>
+            <a:endParaRPr lang="de-DE" sz="1400" dirty="0">
+              <a:latin typeface="+mj-lt"/>
+            </a:endParaRPr>
           </a:p>
         </p:txBody>
       </p:sp>
@@ -14533,7 +14583,7 @@
           <a:graphicData uri="http://schemas.openxmlformats.org/presentationml/2006/ole">
             <mc:AlternateContent xmlns:mc="http://schemas.openxmlformats.org/markup-compatibility/2006">
               <mc:Choice xmlns:v="urn:schemas-microsoft-com:vml" Requires="v">
-                <p:oleObj spid="_x0000_s1097" name="Visio" r:id="rId3" imgW="2476804" imgH="4342874" progId="Visio.Drawing.11">
+                <p:oleObj spid="_x0000_s1098" name="Visio" r:id="rId3" imgW="2476804" imgH="4342874" progId="Visio.Drawing.11">
                   <p:embed/>
                 </p:oleObj>
               </mc:Choice>
@@ -15553,8 +15603,17 @@
               <a:rPr lang="de-DE" sz="1400" dirty="0">
                 <a:latin typeface="+mj-lt"/>
               </a:rPr>
-              <a:t>, Manning 2004</a:t>
-            </a:r>
+              <a:t>, Manning </a:t>
+            </a:r>
+            <a:r>
+              <a:rPr lang="de-DE" sz="1400" dirty="0" smtClean="0">
+                <a:latin typeface="+mj-lt"/>
+              </a:rPr>
+              <a:t>2008</a:t>
+            </a:r>
+            <a:endParaRPr lang="de-DE" sz="1400" dirty="0">
+              <a:latin typeface="+mj-lt"/>
+            </a:endParaRPr>
           </a:p>
         </p:txBody>
       </p:sp>

--- a/slides/Tag-1_3-Architektur.pptx
+++ b/slides/Tag-1_3-Architektur.pptx
@@ -6357,7 +6357,7 @@
               <a:pPr algn="ctr">
                 <a:defRPr/>
               </a:pPr>
-              <a:t>26.05.2021</a:t>
+              <a:t>03.02.2023</a:t>
             </a:fld>
             <a:endParaRPr lang="de-DE" sz="1000" dirty="0">
               <a:solidFill>
@@ -6815,30 +6815,6 @@
           </a:p>
         </p:txBody>
       </p:sp>
-      <p:pic>
-        <p:nvPicPr>
-          <p:cNvPr id="14" name="Grafik 13" descr="logoGFU.jpg"/>
-          <p:cNvPicPr>
-            <a:picLocks noChangeAspect="1"/>
-          </p:cNvPicPr>
-          <p:nvPr/>
-        </p:nvPicPr>
-        <p:blipFill>
-          <a:blip r:embed="rId16" cstate="print"/>
-          <a:stretch>
-            <a:fillRect/>
-          </a:stretch>
-        </p:blipFill>
-        <p:spPr>
-          <a:xfrm>
-            <a:off x="6805628" y="572040"/>
-            <a:ext cx="1785950" cy="385205"/>
-          </a:xfrm>
-          <a:prstGeom prst="rect">
-            <a:avLst/>
-          </a:prstGeom>
-        </p:spPr>
-      </p:pic>
       <p:sp>
         <p:nvSpPr>
           <p:cNvPr id="15" name="Text Box 24"/>
@@ -6933,13 +6909,22 @@
               <a:defRPr/>
             </a:pPr>
             <a:r>
-              <a:rPr lang="de-DE" sz="1000" dirty="0" smtClean="0">
+              <a:rPr lang="de-DE" sz="1000" dirty="0">
                 <a:solidFill>
                   <a:schemeClr val="bg1"/>
                 </a:solidFill>
                 <a:latin typeface="Arial" charset="0"/>
               </a:rPr>
-              <a:t>Patrick Möbius</a:t>
+              <a:t>Patrick </a:t>
+            </a:r>
+            <a:r>
+              <a:rPr lang="de-DE" sz="1000" dirty="0" err="1">
+                <a:solidFill>
+                  <a:schemeClr val="bg1"/>
+                </a:solidFill>
+                <a:latin typeface="Arial" charset="0"/>
+              </a:rPr>
+              <a:t>Ungewiß</a:t>
             </a:r>
             <a:endParaRPr lang="de-DE" sz="1000" dirty="0">
               <a:solidFill>
@@ -8363,13 +8348,6 @@
   <p:clrMapOvr>
     <a:masterClrMapping/>
   </p:clrMapOvr>
-  <p:timing>
-    <p:tnLst>
-      <p:par>
-        <p:cTn id="1" dur="indefinite" restart="never" nodeType="tmRoot"/>
-      </p:par>
-    </p:tnLst>
-  </p:timing>
 </p:sld>
 </file>
 
@@ -8539,13 +8517,6 @@
   <p:clrMapOvr>
     <a:masterClrMapping/>
   </p:clrMapOvr>
-  <p:timing>
-    <p:tnLst>
-      <p:par>
-        <p:cTn id="1" dur="indefinite" restart="never" nodeType="tmRoot"/>
-      </p:par>
-    </p:tnLst>
-  </p:timing>
 </p:sld>
 </file>
 
@@ -8728,13 +8699,6 @@
   <p:clrMapOvr>
     <a:masterClrMapping/>
   </p:clrMapOvr>
-  <p:timing>
-    <p:tnLst>
-      <p:par>
-        <p:cTn id="1" dur="indefinite" restart="never" nodeType="tmRoot"/>
-      </p:par>
-    </p:tnLst>
-  </p:timing>
 </p:sld>
 </file>
 
@@ -8887,16 +8851,6 @@
                 <a:cs typeface="Consolas" panose="020B0609020204030204" pitchFamily="49" charset="0"/>
               </a:rPr>
             </a:br>
-            <a:r>
-              <a:rPr lang="de-DE" altLang="de-DE" sz="1400" dirty="0">
-                <a:solidFill>
-                  <a:srgbClr val="000000"/>
-                </a:solidFill>
-                <a:latin typeface="Consolas" panose="020B0609020204030204" pitchFamily="49" charset="0"/>
-                <a:cs typeface="Consolas" panose="020B0609020204030204" pitchFamily="49" charset="0"/>
-              </a:rPr>
-              <a:t/>
-            </a:r>
             <a:br>
               <a:rPr lang="de-DE" altLang="de-DE" sz="1400" dirty="0">
                 <a:solidFill>
@@ -8965,16 +8919,6 @@
                 <a:cs typeface="Consolas" panose="020B0609020204030204" pitchFamily="49" charset="0"/>
               </a:rPr>
             </a:br>
-            <a:r>
-              <a:rPr lang="de-DE" altLang="de-DE" sz="1400" dirty="0">
-                <a:solidFill>
-                  <a:srgbClr val="000000"/>
-                </a:solidFill>
-                <a:latin typeface="Consolas" panose="020B0609020204030204" pitchFamily="49" charset="0"/>
-                <a:cs typeface="Consolas" panose="020B0609020204030204" pitchFamily="49" charset="0"/>
-              </a:rPr>
-              <a:t/>
-            </a:r>
             <a:br>
               <a:rPr lang="de-DE" altLang="de-DE" sz="1400" dirty="0">
                 <a:solidFill>
@@ -9103,16 +9047,6 @@
                 <a:cs typeface="Consolas" panose="020B0609020204030204" pitchFamily="49" charset="0"/>
               </a:rPr>
             </a:br>
-            <a:r>
-              <a:rPr lang="de-DE" altLang="de-DE" sz="1400" dirty="0">
-                <a:solidFill>
-                  <a:srgbClr val="000000"/>
-                </a:solidFill>
-                <a:latin typeface="Consolas" panose="020B0609020204030204" pitchFamily="49" charset="0"/>
-                <a:cs typeface="Consolas" panose="020B0609020204030204" pitchFamily="49" charset="0"/>
-              </a:rPr>
-              <a:t/>
-            </a:r>
             <a:br>
               <a:rPr lang="de-DE" altLang="de-DE" sz="1400" dirty="0">
                 <a:solidFill>
@@ -9152,16 +9086,6 @@
               </a:rPr>
               <a:t>Override</a:t>
             </a:r>
-            <a:r>
-              <a:rPr lang="de-DE" altLang="de-DE" sz="1400" dirty="0">
-                <a:solidFill>
-                  <a:srgbClr val="808000"/>
-                </a:solidFill>
-                <a:latin typeface="Consolas" panose="020B0609020204030204" pitchFamily="49" charset="0"/>
-                <a:cs typeface="Consolas" panose="020B0609020204030204" pitchFamily="49" charset="0"/>
-              </a:rPr>
-              <a:t/>
-            </a:r>
             <a:br>
               <a:rPr lang="de-DE" altLang="de-DE" sz="1400" dirty="0">
                 <a:solidFill>
@@ -9369,16 +9293,6 @@
                 <a:cs typeface="Consolas" panose="020B0609020204030204" pitchFamily="49" charset="0"/>
               </a:rPr>
             </a:br>
-            <a:r>
-              <a:rPr lang="de-DE" altLang="de-DE" sz="1400" dirty="0">
-                <a:solidFill>
-                  <a:srgbClr val="000000"/>
-                </a:solidFill>
-                <a:latin typeface="Consolas" panose="020B0609020204030204" pitchFamily="49" charset="0"/>
-                <a:cs typeface="Consolas" panose="020B0609020204030204" pitchFamily="49" charset="0"/>
-              </a:rPr>
-              <a:t/>
-            </a:r>
             <a:br>
               <a:rPr lang="de-DE" altLang="de-DE" sz="1400" dirty="0">
                 <a:solidFill>
@@ -9733,16 +9647,6 @@
                 <a:cs typeface="Consolas" panose="020B0609020204030204" pitchFamily="49" charset="0"/>
               </a:rPr>
             </a:br>
-            <a:r>
-              <a:rPr lang="de-DE" altLang="de-DE" sz="1400" dirty="0">
-                <a:solidFill>
-                  <a:srgbClr val="000000"/>
-                </a:solidFill>
-                <a:latin typeface="Consolas" panose="020B0609020204030204" pitchFamily="49" charset="0"/>
-                <a:cs typeface="Consolas" panose="020B0609020204030204" pitchFamily="49" charset="0"/>
-              </a:rPr>
-              <a:t/>
-            </a:r>
             <a:br>
               <a:rPr lang="de-DE" altLang="de-DE" sz="1400" dirty="0">
                 <a:solidFill>
@@ -9830,16 +9734,6 @@
                 <a:cs typeface="Consolas" panose="020B0609020204030204" pitchFamily="49" charset="0"/>
               </a:rPr>
             </a:br>
-            <a:r>
-              <a:rPr lang="de-DE" altLang="de-DE" sz="1400" dirty="0">
-                <a:solidFill>
-                  <a:srgbClr val="000000"/>
-                </a:solidFill>
-                <a:latin typeface="Consolas" panose="020B0609020204030204" pitchFamily="49" charset="0"/>
-                <a:cs typeface="Consolas" panose="020B0609020204030204" pitchFamily="49" charset="0"/>
-              </a:rPr>
-              <a:t/>
-            </a:r>
             <a:br>
               <a:rPr lang="de-DE" altLang="de-DE" sz="1400" dirty="0">
                 <a:solidFill>
@@ -9879,16 +9773,6 @@
               </a:rPr>
               <a:t>Override</a:t>
             </a:r>
-            <a:r>
-              <a:rPr lang="de-DE" altLang="de-DE" sz="1400" dirty="0">
-                <a:solidFill>
-                  <a:srgbClr val="808000"/>
-                </a:solidFill>
-                <a:latin typeface="Consolas" panose="020B0609020204030204" pitchFamily="49" charset="0"/>
-                <a:cs typeface="Consolas" panose="020B0609020204030204" pitchFamily="49" charset="0"/>
-              </a:rPr>
-              <a:t/>
-            </a:r>
             <a:br>
               <a:rPr lang="de-DE" altLang="de-DE" sz="1400" dirty="0">
                 <a:solidFill>
@@ -10007,16 +9891,6 @@
                 <a:cs typeface="Consolas" panose="020B0609020204030204" pitchFamily="49" charset="0"/>
               </a:rPr>
             </a:br>
-            <a:r>
-              <a:rPr lang="de-DE" altLang="de-DE" sz="1400" dirty="0">
-                <a:solidFill>
-                  <a:srgbClr val="000000"/>
-                </a:solidFill>
-                <a:latin typeface="Consolas" panose="020B0609020204030204" pitchFamily="49" charset="0"/>
-                <a:cs typeface="Consolas" panose="020B0609020204030204" pitchFamily="49" charset="0"/>
-              </a:rPr>
-              <a:t/>
-            </a:r>
             <a:br>
               <a:rPr lang="de-DE" altLang="de-DE" sz="1400" dirty="0">
                 <a:solidFill>
@@ -10247,13 +10121,6 @@
   <p:clrMapOvr>
     <a:masterClrMapping/>
   </p:clrMapOvr>
-  <p:timing>
-    <p:tnLst>
-      <p:par>
-        <p:cTn id="1" dur="indefinite" restart="never" nodeType="tmRoot"/>
-      </p:par>
-    </p:tnLst>
-  </p:timing>
 </p:sld>
 </file>
 
@@ -10444,13 +10311,6 @@
   <p:clrMapOvr>
     <a:masterClrMapping/>
   </p:clrMapOvr>
-  <p:timing>
-    <p:tnLst>
-      <p:par>
-        <p:cTn id="1" dur="indefinite" restart="never" nodeType="tmRoot"/>
-      </p:par>
-    </p:tnLst>
-  </p:timing>
 </p:sld>
 </file>
 
@@ -10615,17 +10475,8 @@
               <a:rPr lang="de-DE" sz="1400" dirty="0">
                 <a:latin typeface="+mj-lt"/>
               </a:rPr>
-              <a:t>, Manning </a:t>
-            </a:r>
-            <a:r>
-              <a:rPr lang="de-DE" sz="1400" dirty="0" smtClean="0">
-                <a:latin typeface="+mj-lt"/>
-              </a:rPr>
-              <a:t>2008</a:t>
-            </a:r>
-            <a:endParaRPr lang="de-DE" sz="1400" dirty="0">
-              <a:latin typeface="+mj-lt"/>
-            </a:endParaRPr>
+              <a:t>, Manning 2008</a:t>
+            </a:r>
           </a:p>
         </p:txBody>
       </p:sp>
@@ -10754,17 +10605,8 @@
               <a:rPr lang="de-DE" sz="1400" dirty="0">
                 <a:latin typeface="+mj-lt"/>
               </a:rPr>
-              <a:t>, Manning </a:t>
-            </a:r>
-            <a:r>
-              <a:rPr lang="de-DE" sz="1400" dirty="0" smtClean="0">
-                <a:latin typeface="+mj-lt"/>
-              </a:rPr>
-              <a:t>2008</a:t>
-            </a:r>
-            <a:endParaRPr lang="de-DE" sz="1400" dirty="0">
-              <a:latin typeface="+mj-lt"/>
-            </a:endParaRPr>
+              <a:t>, Manning 2008</a:t>
+            </a:r>
           </a:p>
         </p:txBody>
       </p:sp>
@@ -11912,13 +11754,8 @@
             </a:r>
             <a:r>
               <a:rPr lang="de-DE" dirty="0"/>
-              <a:t>, Manning </a:t>
-            </a:r>
-            <a:r>
-              <a:rPr lang="de-DE" dirty="0" smtClean="0"/>
-              <a:t>2008</a:t>
-            </a:r>
-            <a:endParaRPr lang="de-DE" dirty="0"/>
+              <a:t>, Manning 2008</a:t>
+            </a:r>
           </a:p>
         </p:txBody>
       </p:sp>
@@ -11932,13 +11769,6 @@
   <p:clrMapOvr>
     <a:masterClrMapping/>
   </p:clrMapOvr>
-  <p:timing>
-    <p:tnLst>
-      <p:par>
-        <p:cTn id="1" dur="indefinite" restart="never" nodeType="tmRoot"/>
-      </p:par>
-    </p:tnLst>
-  </p:timing>
 </p:sld>
 </file>
 
@@ -13165,17 +12995,8 @@
               <a:rPr lang="de-DE" sz="1400" dirty="0">
                 <a:latin typeface="+mj-lt"/>
               </a:rPr>
-              <a:t>, Manning </a:t>
-            </a:r>
-            <a:r>
-              <a:rPr lang="de-DE" sz="1400" dirty="0" smtClean="0">
-                <a:latin typeface="+mj-lt"/>
-              </a:rPr>
-              <a:t>2008</a:t>
-            </a:r>
-            <a:endParaRPr lang="de-DE" sz="1400" dirty="0">
-              <a:latin typeface="+mj-lt"/>
-            </a:endParaRPr>
+              <a:t>, Manning 2008</a:t>
+            </a:r>
           </a:p>
         </p:txBody>
       </p:sp>
@@ -13189,13 +13010,6 @@
   <p:clrMapOvr>
     <a:masterClrMapping/>
   </p:clrMapOvr>
-  <p:timing>
-    <p:tnLst>
-      <p:par>
-        <p:cTn id="1" dur="indefinite" restart="never" nodeType="tmRoot"/>
-      </p:par>
-    </p:tnLst>
-  </p:timing>
 </p:sld>
 </file>
 
@@ -14406,17 +14220,8 @@
               <a:rPr lang="de-DE" sz="1400" dirty="0">
                 <a:latin typeface="+mj-lt"/>
               </a:rPr>
-              <a:t>, Manning </a:t>
-            </a:r>
-            <a:r>
-              <a:rPr lang="de-DE" sz="1400" dirty="0" smtClean="0">
-                <a:latin typeface="+mj-lt"/>
-              </a:rPr>
-              <a:t>2008</a:t>
-            </a:r>
-            <a:endParaRPr lang="de-DE" sz="1400" dirty="0">
-              <a:latin typeface="+mj-lt"/>
-            </a:endParaRPr>
+              <a:t>, Manning 2008</a:t>
+            </a:r>
           </a:p>
         </p:txBody>
       </p:sp>
@@ -14430,13 +14235,6 @@
   <p:clrMapOvr>
     <a:masterClrMapping/>
   </p:clrMapOvr>
-  <p:timing>
-    <p:tnLst>
-      <p:par>
-        <p:cTn id="1" dur="indefinite" restart="never" nodeType="tmRoot"/>
-      </p:par>
-    </p:tnLst>
-  </p:timing>
 </p:sld>
 </file>
 
@@ -14547,17 +14345,8 @@
               <a:rPr lang="de-DE" sz="1400" dirty="0">
                 <a:latin typeface="+mj-lt"/>
               </a:rPr>
-              <a:t>, Manning </a:t>
-            </a:r>
-            <a:r>
-              <a:rPr lang="de-DE" sz="1400" dirty="0" smtClean="0">
-                <a:latin typeface="+mj-lt"/>
-              </a:rPr>
-              <a:t>2008</a:t>
-            </a:r>
-            <a:endParaRPr lang="de-DE" sz="1400" dirty="0">
-              <a:latin typeface="+mj-lt"/>
-            </a:endParaRPr>
+              <a:t>, Manning 2008</a:t>
+            </a:r>
           </a:p>
         </p:txBody>
       </p:sp>
@@ -14583,12 +14372,12 @@
           <a:graphicData uri="http://schemas.openxmlformats.org/presentationml/2006/ole">
             <mc:AlternateContent xmlns:mc="http://schemas.openxmlformats.org/markup-compatibility/2006">
               <mc:Choice xmlns:v="urn:schemas-microsoft-com:vml" Requires="v">
-                <p:oleObj spid="_x0000_s1098" name="Visio" r:id="rId3" imgW="2476804" imgH="4342874" progId="Visio.Drawing.11">
+                <p:oleObj name="Visio" r:id="rId2" imgW="2476804" imgH="4342874" progId="Visio.Drawing.11">
                   <p:embed/>
                 </p:oleObj>
               </mc:Choice>
               <mc:Fallback>
-                <p:oleObj name="Visio" r:id="rId3" imgW="2476804" imgH="4342874" progId="Visio.Drawing.11">
+                <p:oleObj name="Visio" r:id="rId2" imgW="2476804" imgH="4342874" progId="Visio.Drawing.11">
                   <p:embed/>
                   <p:pic>
                     <p:nvPicPr>
@@ -14597,7 +14386,7 @@
                       <p:nvPr/>
                     </p:nvPicPr>
                     <p:blipFill>
-                      <a:blip r:embed="rId4"/>
+                      <a:blip r:embed="rId3"/>
                       <a:stretch>
                         <a:fillRect/>
                       </a:stretch>
@@ -14628,13 +14417,6 @@
   <p:clrMapOvr>
     <a:masterClrMapping/>
   </p:clrMapOvr>
-  <p:timing>
-    <p:tnLst>
-      <p:par>
-        <p:cTn id="1" dur="indefinite" restart="never" nodeType="tmRoot"/>
-      </p:par>
-    </p:tnLst>
-  </p:timing>
 </p:sld>
 </file>
 
@@ -14796,21 +14578,6 @@
   <p:clrMapOvr>
     <a:masterClrMapping/>
   </p:clrMapOvr>
-  <mc:AlternateContent xmlns:mc="http://schemas.openxmlformats.org/markup-compatibility/2006" xmlns:p14="http://schemas.microsoft.com/office/powerpoint/2010/main">
-    <mc:Choice Requires="p14">
-      <p:transition spd="slow" p14:dur="2000"/>
-    </mc:Choice>
-    <mc:Fallback xmlns="">
-      <p:transition spd="slow"/>
-    </mc:Fallback>
-  </mc:AlternateContent>
-  <p:timing>
-    <p:tnLst>
-      <p:par>
-        <p:cTn id="1" dur="indefinite" restart="never" nodeType="tmRoot"/>
-      </p:par>
-    </p:tnLst>
-  </p:timing>
 </p:sld>
 </file>
 
@@ -15603,17 +15370,8 @@
               <a:rPr lang="de-DE" sz="1400" dirty="0">
                 <a:latin typeface="+mj-lt"/>
               </a:rPr>
-              <a:t>, Manning </a:t>
-            </a:r>
-            <a:r>
-              <a:rPr lang="de-DE" sz="1400" dirty="0" smtClean="0">
-                <a:latin typeface="+mj-lt"/>
-              </a:rPr>
-              <a:t>2008</a:t>
-            </a:r>
-            <a:endParaRPr lang="de-DE" sz="1400" dirty="0">
-              <a:latin typeface="+mj-lt"/>
-            </a:endParaRPr>
+              <a:t>, Manning 2008</a:t>
+            </a:r>
           </a:p>
         </p:txBody>
       </p:sp>
@@ -16269,13 +16027,6 @@
   <p:clrMapOvr>
     <a:masterClrMapping/>
   </p:clrMapOvr>
-  <p:timing>
-    <p:tnLst>
-      <p:par>
-        <p:cTn id="1" dur="indefinite" restart="never" nodeType="tmRoot"/>
-      </p:par>
-    </p:tnLst>
-  </p:timing>
 </p:sld>
 </file>
 

--- a/slides/Tag-1_3-Architektur.pptx
+++ b/slides/Tag-1_3-Architektur.pptx
@@ -6357,7 +6357,7 @@
               <a:pPr algn="ctr">
                 <a:defRPr/>
               </a:pPr>
-              <a:t>03.02.2023</a:t>
+              <a:t>10.02.2023</a:t>
             </a:fld>
             <a:endParaRPr lang="de-DE" sz="1000" dirty="0">
               <a:solidFill>

--- a/slides/Tag-1_3-Architektur.pptx
+++ b/slides/Tag-1_3-Architektur.pptx
@@ -6357,7 +6357,7 @@
               <a:pPr algn="ctr">
                 <a:defRPr/>
               </a:pPr>
-              <a:t>10.02.2023</a:t>
+              <a:t>12.02.2023</a:t>
             </a:fld>
             <a:endParaRPr lang="de-DE" sz="1000" dirty="0">
               <a:solidFill>
